--- a/instructor/l16/l16-pad.pptx
+++ b/instructor/l16/l16-pad.pptx
@@ -9,15 +9,18 @@
     <p:sldId id="265" r:id="rId3"/>
     <p:sldId id="257" r:id="rId4"/>
     <p:sldId id="256" r:id="rId5"/>
-    <p:sldId id="258" r:id="rId6"/>
-    <p:sldId id="260" r:id="rId7"/>
-    <p:sldId id="261" r:id="rId8"/>
-    <p:sldId id="262" r:id="rId9"/>
-    <p:sldId id="263" r:id="rId10"/>
-    <p:sldId id="266" r:id="rId11"/>
-    <p:sldId id="267" r:id="rId12"/>
-    <p:sldId id="268" r:id="rId13"/>
-    <p:sldId id="259" r:id="rId14"/>
+    <p:sldId id="269" r:id="rId6"/>
+    <p:sldId id="258" r:id="rId7"/>
+    <p:sldId id="270" r:id="rId8"/>
+    <p:sldId id="271" r:id="rId9"/>
+    <p:sldId id="260" r:id="rId10"/>
+    <p:sldId id="261" r:id="rId11"/>
+    <p:sldId id="262" r:id="rId12"/>
+    <p:sldId id="263" r:id="rId13"/>
+    <p:sldId id="266" r:id="rId14"/>
+    <p:sldId id="267" r:id="rId15"/>
+    <p:sldId id="268" r:id="rId16"/>
+    <p:sldId id="259" r:id="rId17"/>
   </p:sldIdLst>
   <p:sldSz cx="12192000" cy="6858000"/>
   <p:notesSz cx="6858000" cy="9144000"/>
@@ -271,7 +274,7 @@
           <a:p>
             <a:fld id="{6901D574-2425-0C44-8C0A-ED186250828B}" type="datetimeFigureOut">
               <a:rPr lang="en-US" smtClean="0"/>
-              <a:t>3/16/23</a:t>
+              <a:t>11/4/23</a:t>
             </a:fld>
             <a:endParaRPr lang="en-US"/>
           </a:p>
@@ -469,7 +472,7 @@
           <a:p>
             <a:fld id="{6901D574-2425-0C44-8C0A-ED186250828B}" type="datetimeFigureOut">
               <a:rPr lang="en-US" smtClean="0"/>
-              <a:t>3/16/23</a:t>
+              <a:t>11/4/23</a:t>
             </a:fld>
             <a:endParaRPr lang="en-US"/>
           </a:p>
@@ -677,7 +680,7 @@
           <a:p>
             <a:fld id="{6901D574-2425-0C44-8C0A-ED186250828B}" type="datetimeFigureOut">
               <a:rPr lang="en-US" smtClean="0"/>
-              <a:t>3/16/23</a:t>
+              <a:t>11/4/23</a:t>
             </a:fld>
             <a:endParaRPr lang="en-US"/>
           </a:p>
@@ -875,7 +878,7 @@
           <a:p>
             <a:fld id="{6901D574-2425-0C44-8C0A-ED186250828B}" type="datetimeFigureOut">
               <a:rPr lang="en-US" smtClean="0"/>
-              <a:t>3/16/23</a:t>
+              <a:t>11/4/23</a:t>
             </a:fld>
             <a:endParaRPr lang="en-US"/>
           </a:p>
@@ -1150,7 +1153,7 @@
           <a:p>
             <a:fld id="{6901D574-2425-0C44-8C0A-ED186250828B}" type="datetimeFigureOut">
               <a:rPr lang="en-US" smtClean="0"/>
-              <a:t>3/16/23</a:t>
+              <a:t>11/4/23</a:t>
             </a:fld>
             <a:endParaRPr lang="en-US"/>
           </a:p>
@@ -1415,7 +1418,7 @@
           <a:p>
             <a:fld id="{6901D574-2425-0C44-8C0A-ED186250828B}" type="datetimeFigureOut">
               <a:rPr lang="en-US" smtClean="0"/>
-              <a:t>3/16/23</a:t>
+              <a:t>11/4/23</a:t>
             </a:fld>
             <a:endParaRPr lang="en-US"/>
           </a:p>
@@ -1827,7 +1830,7 @@
           <a:p>
             <a:fld id="{6901D574-2425-0C44-8C0A-ED186250828B}" type="datetimeFigureOut">
               <a:rPr lang="en-US" smtClean="0"/>
-              <a:t>3/16/23</a:t>
+              <a:t>11/4/23</a:t>
             </a:fld>
             <a:endParaRPr lang="en-US"/>
           </a:p>
@@ -1968,7 +1971,7 @@
           <a:p>
             <a:fld id="{6901D574-2425-0C44-8C0A-ED186250828B}" type="datetimeFigureOut">
               <a:rPr lang="en-US" smtClean="0"/>
-              <a:t>3/16/23</a:t>
+              <a:t>11/4/23</a:t>
             </a:fld>
             <a:endParaRPr lang="en-US"/>
           </a:p>
@@ -2081,7 +2084,7 @@
           <a:p>
             <a:fld id="{6901D574-2425-0C44-8C0A-ED186250828B}" type="datetimeFigureOut">
               <a:rPr lang="en-US" smtClean="0"/>
-              <a:t>3/16/23</a:t>
+              <a:t>11/4/23</a:t>
             </a:fld>
             <a:endParaRPr lang="en-US"/>
           </a:p>
@@ -2392,7 +2395,7 @@
           <a:p>
             <a:fld id="{6901D574-2425-0C44-8C0A-ED186250828B}" type="datetimeFigureOut">
               <a:rPr lang="en-US" smtClean="0"/>
-              <a:t>3/16/23</a:t>
+              <a:t>11/4/23</a:t>
             </a:fld>
             <a:endParaRPr lang="en-US"/>
           </a:p>
@@ -2680,7 +2683,7 @@
           <a:p>
             <a:fld id="{6901D574-2425-0C44-8C0A-ED186250828B}" type="datetimeFigureOut">
               <a:rPr lang="en-US" smtClean="0"/>
-              <a:t>3/16/23</a:t>
+              <a:t>11/4/23</a:t>
             </a:fld>
             <a:endParaRPr lang="en-US"/>
           </a:p>
@@ -2921,7 +2924,7 @@
           <a:p>
             <a:fld id="{6901D574-2425-0C44-8C0A-ED186250828B}" type="datetimeFigureOut">
               <a:rPr lang="en-US" smtClean="0"/>
-              <a:t>3/16/23</a:t>
+              <a:t>11/4/23</a:t>
             </a:fld>
             <a:endParaRPr lang="en-US"/>
           </a:p>
@@ -3468,6 +3471,1634 @@
           <a:chExt cx="0" cy="0"/>
         </a:xfrm>
       </p:grpSpPr>
+      <p:sp>
+        <p:nvSpPr>
+          <p:cNvPr id="5" name="TextBox 4">
+            <a:extLst>
+              <a:ext uri="{FF2B5EF4-FFF2-40B4-BE49-F238E27FC236}">
+                <a16:creationId xmlns:a16="http://schemas.microsoft.com/office/drawing/2014/main" id="{B0B64357-E6FC-864A-C51C-F4EB739B6F86}"/>
+              </a:ext>
+            </a:extLst>
+          </p:cNvPr>
+          <p:cNvSpPr txBox="1"/>
+          <p:nvPr/>
+        </p:nvSpPr>
+        <p:spPr>
+          <a:xfrm>
+            <a:off x="943584" y="146875"/>
+            <a:ext cx="7427067" cy="5909310"/>
+          </a:xfrm>
+          <a:prstGeom prst="rect">
+            <a:avLst/>
+          </a:prstGeom>
+          <a:noFill/>
+        </p:spPr>
+        <p:txBody>
+          <a:bodyPr wrap="square">
+            <a:spAutoFit/>
+          </a:bodyPr>
+          <a:lstStyle/>
+          <a:p>
+            <a:endParaRPr lang="en-US" sz="1400" dirty="0">
+              <a:latin typeface="Monaco" pitchFamily="2" charset="77"/>
+            </a:endParaRPr>
+          </a:p>
+          <a:p>
+            <a:r>
+              <a:rPr lang="en-US" sz="1400" dirty="0">
+                <a:solidFill>
+                  <a:srgbClr val="FF0000"/>
+                </a:solidFill>
+                <a:latin typeface="Monaco" pitchFamily="2" charset="77"/>
+              </a:rPr>
+              <a:t>;; </a:t>
+            </a:r>
+            <a:r>
+              <a:rPr lang="en-US" sz="1400" dirty="0" err="1">
+                <a:solidFill>
+                  <a:srgbClr val="FF0000"/>
+                </a:solidFill>
+                <a:latin typeface="Monaco" pitchFamily="2" charset="77"/>
+              </a:rPr>
+              <a:t>genrec</a:t>
+            </a:r>
+            <a:endParaRPr lang="en-US" sz="1400" dirty="0">
+              <a:solidFill>
+                <a:srgbClr val="FF0000"/>
+              </a:solidFill>
+              <a:latin typeface="Monaco" pitchFamily="2" charset="77"/>
+            </a:endParaRPr>
+          </a:p>
+          <a:p>
+            <a:r>
+              <a:rPr lang="en-US" sz="1400" dirty="0">
+                <a:solidFill>
+                  <a:srgbClr val="FF0000"/>
+                </a:solidFill>
+                <a:latin typeface="Monaco" pitchFamily="2" charset="77"/>
+              </a:rPr>
+              <a:t>(define (</a:t>
+            </a:r>
+            <a:r>
+              <a:rPr lang="en-US" sz="1400" dirty="0" err="1">
+                <a:solidFill>
+                  <a:srgbClr val="FF0000"/>
+                </a:solidFill>
+                <a:latin typeface="Monaco" pitchFamily="2" charset="77"/>
+              </a:rPr>
+              <a:t>genrec</a:t>
+            </a:r>
+            <a:r>
+              <a:rPr lang="en-US" sz="1400" dirty="0">
+                <a:solidFill>
+                  <a:srgbClr val="FF0000"/>
+                </a:solidFill>
+                <a:latin typeface="Monaco" pitchFamily="2" charset="77"/>
+              </a:rPr>
+              <a:t> d)</a:t>
+            </a:r>
+          </a:p>
+          <a:p>
+            <a:r>
+              <a:rPr lang="en-US" sz="1400" dirty="0">
+                <a:solidFill>
+                  <a:srgbClr val="FF0000"/>
+                </a:solidFill>
+                <a:latin typeface="Monaco" pitchFamily="2" charset="77"/>
+              </a:rPr>
+              <a:t>  (</a:t>
+            </a:r>
+            <a:r>
+              <a:rPr lang="en-US" sz="1400" dirty="0" err="1">
+                <a:solidFill>
+                  <a:srgbClr val="FF0000"/>
+                </a:solidFill>
+                <a:latin typeface="Monaco" pitchFamily="2" charset="77"/>
+              </a:rPr>
+              <a:t>cond</a:t>
+            </a:r>
+            <a:r>
+              <a:rPr lang="en-US" sz="1400" dirty="0">
+                <a:solidFill>
+                  <a:srgbClr val="FF0000"/>
+                </a:solidFill>
+                <a:latin typeface="Monaco" pitchFamily="2" charset="77"/>
+              </a:rPr>
+              <a:t> [(trivial? d) (trivial-answer d)]</a:t>
+            </a:r>
+          </a:p>
+          <a:p>
+            <a:r>
+              <a:rPr lang="en-US" sz="1400" dirty="0">
+                <a:solidFill>
+                  <a:srgbClr val="FF0000"/>
+                </a:solidFill>
+                <a:latin typeface="Monaco" pitchFamily="2" charset="77"/>
+              </a:rPr>
+              <a:t>        [else</a:t>
+            </a:r>
+          </a:p>
+          <a:p>
+            <a:r>
+              <a:rPr lang="en-US" sz="1400" dirty="0">
+                <a:solidFill>
+                  <a:srgbClr val="FF0000"/>
+                </a:solidFill>
+                <a:latin typeface="Monaco" pitchFamily="2" charset="77"/>
+              </a:rPr>
+              <a:t>         [... d</a:t>
+            </a:r>
+          </a:p>
+          <a:p>
+            <a:r>
+              <a:rPr lang="en-US" sz="1400" dirty="0">
+                <a:solidFill>
+                  <a:srgbClr val="FF0000"/>
+                </a:solidFill>
+                <a:latin typeface="Monaco" pitchFamily="2" charset="77"/>
+              </a:rPr>
+              <a:t>              (</a:t>
+            </a:r>
+            <a:r>
+              <a:rPr lang="en-US" sz="1400" dirty="0" err="1">
+                <a:solidFill>
+                  <a:srgbClr val="FF0000"/>
+                </a:solidFill>
+                <a:latin typeface="Monaco" pitchFamily="2" charset="77"/>
+              </a:rPr>
+              <a:t>genrec</a:t>
+            </a:r>
+            <a:r>
+              <a:rPr lang="en-US" sz="1400" dirty="0">
+                <a:solidFill>
+                  <a:srgbClr val="FF0000"/>
+                </a:solidFill>
+                <a:latin typeface="Monaco" pitchFamily="2" charset="77"/>
+              </a:rPr>
+              <a:t> (next-problem d))]]))</a:t>
+            </a:r>
+          </a:p>
+          <a:p>
+            <a:endParaRPr lang="en-US" sz="1400" dirty="0">
+              <a:latin typeface="Monaco" pitchFamily="2" charset="77"/>
+            </a:endParaRPr>
+          </a:p>
+          <a:p>
+            <a:endParaRPr lang="en-US" sz="1400" dirty="0">
+              <a:latin typeface="Monaco" pitchFamily="2" charset="77"/>
+            </a:endParaRPr>
+          </a:p>
+          <a:p>
+            <a:r>
+              <a:rPr lang="en-US" sz="1400" dirty="0">
+                <a:latin typeface="Monaco" pitchFamily="2" charset="77"/>
+              </a:rPr>
+              <a:t>;; arb-tree  (of Pos) -&gt; Pos and (</a:t>
+            </a:r>
+            <a:r>
+              <a:rPr lang="en-US" sz="1400" dirty="0" err="1">
+                <a:latin typeface="Monaco" pitchFamily="2" charset="77"/>
+              </a:rPr>
+              <a:t>listof</a:t>
+            </a:r>
+            <a:r>
+              <a:rPr lang="en-US" sz="1400" dirty="0">
+                <a:latin typeface="Monaco" pitchFamily="2" charset="77"/>
+              </a:rPr>
+              <a:t> Pos)</a:t>
+            </a:r>
+          </a:p>
+          <a:p>
+            <a:r>
+              <a:rPr lang="en-US" sz="1400" dirty="0">
+                <a:latin typeface="Monaco" pitchFamily="2" charset="77"/>
+              </a:rPr>
+              <a:t>(define (</a:t>
+            </a:r>
+            <a:r>
+              <a:rPr lang="en-US" sz="1400" dirty="0" err="1">
+                <a:latin typeface="Monaco" pitchFamily="2" charset="77"/>
+              </a:rPr>
+              <a:t>fn</a:t>
+            </a:r>
+            <a:r>
+              <a:rPr lang="en-US" sz="1400" dirty="0">
+                <a:latin typeface="Monaco" pitchFamily="2" charset="77"/>
+              </a:rPr>
+              <a:t>-for-pos p)</a:t>
+            </a:r>
+          </a:p>
+          <a:p>
+            <a:r>
+              <a:rPr lang="en-US" sz="1400" dirty="0">
+                <a:latin typeface="Monaco" pitchFamily="2" charset="77"/>
+              </a:rPr>
+              <a:t>  (... p</a:t>
+            </a:r>
+          </a:p>
+          <a:p>
+            <a:r>
+              <a:rPr lang="en-US" sz="1400" dirty="0">
+                <a:latin typeface="Monaco" pitchFamily="2" charset="77"/>
+              </a:rPr>
+              <a:t>       (</a:t>
+            </a:r>
+            <a:r>
+              <a:rPr lang="en-US" sz="1400" dirty="0" err="1">
+                <a:latin typeface="Monaco" pitchFamily="2" charset="77"/>
+              </a:rPr>
+              <a:t>fn</a:t>
+            </a:r>
+            <a:r>
+              <a:rPr lang="en-US" sz="1400" dirty="0">
+                <a:latin typeface="Monaco" pitchFamily="2" charset="77"/>
+              </a:rPr>
+              <a:t>-for-lop (POS-SUBS p)))) ;pos-subs doesn't really exist!!!</a:t>
+            </a:r>
+          </a:p>
+          <a:p>
+            <a:endParaRPr lang="en-US" sz="1400" dirty="0">
+              <a:latin typeface="Monaco" pitchFamily="2" charset="77"/>
+            </a:endParaRPr>
+          </a:p>
+          <a:p>
+            <a:endParaRPr lang="en-US" sz="1400" dirty="0">
+              <a:latin typeface="Monaco" pitchFamily="2" charset="77"/>
+            </a:endParaRPr>
+          </a:p>
+          <a:p>
+            <a:r>
+              <a:rPr lang="en-US" sz="1400" dirty="0">
+                <a:latin typeface="Monaco" pitchFamily="2" charset="77"/>
+              </a:rPr>
+              <a:t>(define (</a:t>
+            </a:r>
+            <a:r>
+              <a:rPr lang="en-US" sz="1400" dirty="0" err="1">
+                <a:latin typeface="Monaco" pitchFamily="2" charset="77"/>
+              </a:rPr>
+              <a:t>fn</a:t>
+            </a:r>
+            <a:r>
+              <a:rPr lang="en-US" sz="1400" dirty="0">
+                <a:latin typeface="Monaco" pitchFamily="2" charset="77"/>
+              </a:rPr>
+              <a:t>-for-lop lop)</a:t>
+            </a:r>
+          </a:p>
+          <a:p>
+            <a:r>
+              <a:rPr lang="en-US" sz="1400" dirty="0">
+                <a:latin typeface="Monaco" pitchFamily="2" charset="77"/>
+              </a:rPr>
+              <a:t>  (</a:t>
+            </a:r>
+            <a:r>
+              <a:rPr lang="en-US" sz="1400" dirty="0" err="1">
+                <a:latin typeface="Monaco" pitchFamily="2" charset="77"/>
+              </a:rPr>
+              <a:t>cond</a:t>
+            </a:r>
+            <a:r>
+              <a:rPr lang="en-US" sz="1400" dirty="0">
+                <a:latin typeface="Monaco" pitchFamily="2" charset="77"/>
+              </a:rPr>
+              <a:t> [(empty? lop) (...)]</a:t>
+            </a:r>
+          </a:p>
+          <a:p>
+            <a:r>
+              <a:rPr lang="en-US" sz="1400" dirty="0">
+                <a:latin typeface="Monaco" pitchFamily="2" charset="77"/>
+              </a:rPr>
+              <a:t>        [else</a:t>
+            </a:r>
+          </a:p>
+          <a:p>
+            <a:r>
+              <a:rPr lang="en-US" sz="1400" dirty="0">
+                <a:latin typeface="Monaco" pitchFamily="2" charset="77"/>
+              </a:rPr>
+              <a:t>         (... (</a:t>
+            </a:r>
+            <a:r>
+              <a:rPr lang="en-US" sz="1400" dirty="0" err="1">
+                <a:latin typeface="Monaco" pitchFamily="2" charset="77"/>
+              </a:rPr>
+              <a:t>fn</a:t>
+            </a:r>
+            <a:r>
+              <a:rPr lang="en-US" sz="1400" dirty="0">
+                <a:latin typeface="Monaco" pitchFamily="2" charset="77"/>
+              </a:rPr>
+              <a:t>-for-pos (first lop))</a:t>
+            </a:r>
+          </a:p>
+          <a:p>
+            <a:r>
+              <a:rPr lang="en-US" sz="1400" dirty="0">
+                <a:latin typeface="Monaco" pitchFamily="2" charset="77"/>
+              </a:rPr>
+              <a:t>              (</a:t>
+            </a:r>
+            <a:r>
+              <a:rPr lang="en-US" sz="1400" dirty="0" err="1">
+                <a:latin typeface="Monaco" pitchFamily="2" charset="77"/>
+              </a:rPr>
+              <a:t>fn</a:t>
+            </a:r>
+            <a:r>
+              <a:rPr lang="en-US" sz="1400" dirty="0">
+                <a:latin typeface="Monaco" pitchFamily="2" charset="77"/>
+              </a:rPr>
+              <a:t>-for-lop (rest lop)))]))</a:t>
+            </a:r>
+          </a:p>
+          <a:p>
+            <a:endParaRPr lang="en-US" sz="1400" dirty="0">
+              <a:latin typeface="Monaco" pitchFamily="2" charset="77"/>
+            </a:endParaRPr>
+          </a:p>
+          <a:p>
+            <a:endParaRPr lang="en-US" sz="1400" dirty="0">
+              <a:latin typeface="Monaco" pitchFamily="2" charset="77"/>
+            </a:endParaRPr>
+          </a:p>
+          <a:p>
+            <a:r>
+              <a:rPr lang="en-US" sz="1400" dirty="0">
+                <a:solidFill>
+                  <a:srgbClr val="00B0F0"/>
+                </a:solidFill>
+                <a:latin typeface="Monaco" pitchFamily="2" charset="77"/>
+              </a:rPr>
+              <a:t>;; try-catch</a:t>
+            </a:r>
+          </a:p>
+          <a:p>
+            <a:r>
+              <a:rPr lang="en-US" sz="1400" dirty="0">
+                <a:solidFill>
+                  <a:srgbClr val="00B0F0"/>
+                </a:solidFill>
+                <a:latin typeface="Monaco" pitchFamily="2" charset="77"/>
+              </a:rPr>
+              <a:t>     (local [(define try &lt;one-option&gt;)]</a:t>
+            </a:r>
+          </a:p>
+          <a:p>
+            <a:r>
+              <a:rPr lang="en-US" sz="1400" dirty="0">
+                <a:solidFill>
+                  <a:srgbClr val="00B0F0"/>
+                </a:solidFill>
+                <a:latin typeface="Monaco" pitchFamily="2" charset="77"/>
+              </a:rPr>
+              <a:t>       (if (not (false? try))</a:t>
+            </a:r>
+          </a:p>
+          <a:p>
+            <a:r>
+              <a:rPr lang="en-US" sz="1400" dirty="0">
+                <a:solidFill>
+                  <a:srgbClr val="00B0F0"/>
+                </a:solidFill>
+                <a:latin typeface="Monaco" pitchFamily="2" charset="77"/>
+              </a:rPr>
+              <a:t>           try</a:t>
+            </a:r>
+          </a:p>
+          <a:p>
+            <a:r>
+              <a:rPr lang="en-US" sz="1400" dirty="0">
+                <a:solidFill>
+                  <a:srgbClr val="00B0F0"/>
+                </a:solidFill>
+                <a:latin typeface="Monaco" pitchFamily="2" charset="77"/>
+              </a:rPr>
+              <a:t>           &lt;other-option&gt;))</a:t>
+            </a:r>
+          </a:p>
+        </p:txBody>
+      </p:sp>
+    </p:spTree>
+    <p:extLst>
+      <p:ext uri="{BB962C8B-B14F-4D97-AF65-F5344CB8AC3E}">
+        <p14:creationId xmlns:p14="http://schemas.microsoft.com/office/powerpoint/2010/main" val="137635348"/>
+      </p:ext>
+    </p:extLst>
+  </p:cSld>
+  <p:clrMapOvr>
+    <a:masterClrMapping/>
+  </p:clrMapOvr>
+</p:sld>
+</file>
+
+<file path=ppt/slides/slide11.xml><?xml version="1.0" encoding="utf-8"?>
+<p:sld xmlns:a="http://schemas.openxmlformats.org/drawingml/2006/main" xmlns:r="http://schemas.openxmlformats.org/officeDocument/2006/relationships" xmlns:p="http://schemas.openxmlformats.org/presentationml/2006/main">
+  <p:cSld>
+    <p:spTree>
+      <p:nvGrpSpPr>
+        <p:cNvPr id="1" name=""/>
+        <p:cNvGrpSpPr/>
+        <p:nvPr/>
+      </p:nvGrpSpPr>
+      <p:grpSpPr>
+        <a:xfrm>
+          <a:off x="0" y="0"/>
+          <a:ext cx="0" cy="0"/>
+          <a:chOff x="0" y="0"/>
+          <a:chExt cx="0" cy="0"/>
+        </a:xfrm>
+      </p:grpSpPr>
+      <p:sp>
+        <p:nvSpPr>
+          <p:cNvPr id="5" name="TextBox 4">
+            <a:extLst>
+              <a:ext uri="{FF2B5EF4-FFF2-40B4-BE49-F238E27FC236}">
+                <a16:creationId xmlns:a16="http://schemas.microsoft.com/office/drawing/2014/main" id="{B0B64357-E6FC-864A-C51C-F4EB739B6F86}"/>
+              </a:ext>
+            </a:extLst>
+          </p:cNvPr>
+          <p:cNvSpPr txBox="1"/>
+          <p:nvPr/>
+        </p:nvSpPr>
+        <p:spPr>
+          <a:xfrm>
+            <a:off x="943584" y="146875"/>
+            <a:ext cx="7811310" cy="5355312"/>
+          </a:xfrm>
+          <a:prstGeom prst="rect">
+            <a:avLst/>
+          </a:prstGeom>
+          <a:noFill/>
+        </p:spPr>
+        <p:txBody>
+          <a:bodyPr wrap="square">
+            <a:spAutoFit/>
+          </a:bodyPr>
+          <a:lstStyle/>
+          <a:p>
+            <a:endParaRPr lang="en-US" dirty="0">
+              <a:latin typeface="Monaco" pitchFamily="2" charset="77"/>
+            </a:endParaRPr>
+          </a:p>
+          <a:p>
+            <a:endParaRPr lang="en-US" dirty="0">
+              <a:latin typeface="Monaco" pitchFamily="2" charset="77"/>
+            </a:endParaRPr>
+          </a:p>
+          <a:p>
+            <a:r>
+              <a:rPr lang="en-US" dirty="0">
+                <a:latin typeface="Monaco" pitchFamily="2" charset="77"/>
+              </a:rPr>
+              <a:t>(define (</a:t>
+            </a:r>
+            <a:r>
+              <a:rPr lang="en-US" dirty="0" err="1">
+                <a:latin typeface="Monaco" pitchFamily="2" charset="77"/>
+              </a:rPr>
+              <a:t>fn</a:t>
+            </a:r>
+            <a:r>
+              <a:rPr lang="en-US" dirty="0">
+                <a:latin typeface="Monaco" pitchFamily="2" charset="77"/>
+              </a:rPr>
+              <a:t>-for-pos p)</a:t>
+            </a:r>
+          </a:p>
+          <a:p>
+            <a:r>
+              <a:rPr lang="en-US" dirty="0">
+                <a:latin typeface="Monaco" pitchFamily="2" charset="77"/>
+              </a:rPr>
+              <a:t>  </a:t>
+            </a:r>
+            <a:r>
+              <a:rPr lang="en-US" dirty="0">
+                <a:solidFill>
+                  <a:srgbClr val="FF0000"/>
+                </a:solidFill>
+                <a:latin typeface="Monaco" pitchFamily="2" charset="77"/>
+              </a:rPr>
+              <a:t>(</a:t>
+            </a:r>
+            <a:r>
+              <a:rPr lang="en-US" dirty="0" err="1">
+                <a:solidFill>
+                  <a:srgbClr val="FF0000"/>
+                </a:solidFill>
+                <a:latin typeface="Monaco" pitchFamily="2" charset="77"/>
+              </a:rPr>
+              <a:t>cond</a:t>
+            </a:r>
+            <a:r>
+              <a:rPr lang="en-US" dirty="0">
+                <a:solidFill>
+                  <a:srgbClr val="FF0000"/>
+                </a:solidFill>
+                <a:latin typeface="Monaco" pitchFamily="2" charset="77"/>
+              </a:rPr>
+              <a:t> [(trivial? p) (trivial-answer p)]</a:t>
+            </a:r>
+          </a:p>
+          <a:p>
+            <a:r>
+              <a:rPr lang="en-US" dirty="0">
+                <a:solidFill>
+                  <a:srgbClr val="FF0000"/>
+                </a:solidFill>
+                <a:latin typeface="Monaco" pitchFamily="2" charset="77"/>
+              </a:rPr>
+              <a:t>        [else</a:t>
+            </a:r>
+          </a:p>
+          <a:p>
+            <a:r>
+              <a:rPr lang="en-US" dirty="0">
+                <a:latin typeface="Monaco" pitchFamily="2" charset="77"/>
+              </a:rPr>
+              <a:t>         (... p</a:t>
+            </a:r>
+          </a:p>
+          <a:p>
+            <a:r>
+              <a:rPr lang="en-US" dirty="0">
+                <a:latin typeface="Monaco" pitchFamily="2" charset="77"/>
+              </a:rPr>
+              <a:t>              (</a:t>
+            </a:r>
+            <a:r>
+              <a:rPr lang="en-US" dirty="0" err="1">
+                <a:latin typeface="Monaco" pitchFamily="2" charset="77"/>
+              </a:rPr>
+              <a:t>fn</a:t>
+            </a:r>
+            <a:r>
+              <a:rPr lang="en-US" dirty="0">
+                <a:latin typeface="Monaco" pitchFamily="2" charset="77"/>
+              </a:rPr>
+              <a:t>-for-lop </a:t>
+            </a:r>
+            <a:r>
+              <a:rPr lang="en-US" dirty="0">
+                <a:solidFill>
+                  <a:srgbClr val="FF0000"/>
+                </a:solidFill>
+                <a:latin typeface="Monaco" pitchFamily="2" charset="77"/>
+              </a:rPr>
+              <a:t>(next-problem </a:t>
+            </a:r>
+            <a:r>
+              <a:rPr lang="en-US" dirty="0">
+                <a:latin typeface="Monaco" pitchFamily="2" charset="77"/>
+              </a:rPr>
+              <a:t>p)))]))</a:t>
+            </a:r>
+          </a:p>
+          <a:p>
+            <a:endParaRPr lang="en-US" dirty="0">
+              <a:latin typeface="Monaco" pitchFamily="2" charset="77"/>
+            </a:endParaRPr>
+          </a:p>
+          <a:p>
+            <a:endParaRPr lang="en-US" dirty="0">
+              <a:latin typeface="Monaco" pitchFamily="2" charset="77"/>
+            </a:endParaRPr>
+          </a:p>
+          <a:p>
+            <a:r>
+              <a:rPr lang="en-US" dirty="0">
+                <a:latin typeface="Monaco" pitchFamily="2" charset="77"/>
+              </a:rPr>
+              <a:t>(define (</a:t>
+            </a:r>
+            <a:r>
+              <a:rPr lang="en-US" dirty="0" err="1">
+                <a:latin typeface="Monaco" pitchFamily="2" charset="77"/>
+              </a:rPr>
+              <a:t>fn</a:t>
+            </a:r>
+            <a:r>
+              <a:rPr lang="en-US" dirty="0">
+                <a:latin typeface="Monaco" pitchFamily="2" charset="77"/>
+              </a:rPr>
+              <a:t>-for-lop lop)</a:t>
+            </a:r>
+          </a:p>
+          <a:p>
+            <a:r>
+              <a:rPr lang="en-US" dirty="0">
+                <a:latin typeface="Monaco" pitchFamily="2" charset="77"/>
+              </a:rPr>
+              <a:t>  (</a:t>
+            </a:r>
+            <a:r>
+              <a:rPr lang="en-US" dirty="0" err="1">
+                <a:latin typeface="Monaco" pitchFamily="2" charset="77"/>
+              </a:rPr>
+              <a:t>cond</a:t>
+            </a:r>
+            <a:r>
+              <a:rPr lang="en-US" dirty="0">
+                <a:latin typeface="Monaco" pitchFamily="2" charset="77"/>
+              </a:rPr>
+              <a:t> [(empty? lop) false]</a:t>
+            </a:r>
+          </a:p>
+          <a:p>
+            <a:r>
+              <a:rPr lang="en-US" dirty="0">
+                <a:latin typeface="Monaco" pitchFamily="2" charset="77"/>
+              </a:rPr>
+              <a:t>        [else</a:t>
+            </a:r>
+          </a:p>
+          <a:p>
+            <a:r>
+              <a:rPr lang="en-US" dirty="0">
+                <a:latin typeface="Monaco" pitchFamily="2" charset="77"/>
+              </a:rPr>
+              <a:t>         </a:t>
+            </a:r>
+            <a:r>
+              <a:rPr lang="en-US" dirty="0">
+                <a:solidFill>
+                  <a:srgbClr val="00B0F0"/>
+                </a:solidFill>
+                <a:latin typeface="Monaco" pitchFamily="2" charset="77"/>
+              </a:rPr>
+              <a:t>(local [(define try </a:t>
+            </a:r>
+            <a:r>
+              <a:rPr lang="en-US" dirty="0">
+                <a:latin typeface="Monaco" pitchFamily="2" charset="77"/>
+              </a:rPr>
+              <a:t>(</a:t>
+            </a:r>
+            <a:r>
+              <a:rPr lang="en-US" dirty="0" err="1">
+                <a:latin typeface="Monaco" pitchFamily="2" charset="77"/>
+              </a:rPr>
+              <a:t>fn</a:t>
+            </a:r>
+            <a:r>
+              <a:rPr lang="en-US" dirty="0">
+                <a:latin typeface="Monaco" pitchFamily="2" charset="77"/>
+              </a:rPr>
+              <a:t>-for-pos (first lop)))]</a:t>
+            </a:r>
+          </a:p>
+          <a:p>
+            <a:r>
+              <a:rPr lang="en-US" dirty="0">
+                <a:latin typeface="Monaco" pitchFamily="2" charset="77"/>
+              </a:rPr>
+              <a:t>           </a:t>
+            </a:r>
+            <a:r>
+              <a:rPr lang="en-US" dirty="0">
+                <a:solidFill>
+                  <a:srgbClr val="00B0F0"/>
+                </a:solidFill>
+                <a:latin typeface="Monaco" pitchFamily="2" charset="77"/>
+              </a:rPr>
+              <a:t>(if (not (false? try))</a:t>
+            </a:r>
+          </a:p>
+          <a:p>
+            <a:r>
+              <a:rPr lang="en-US" dirty="0">
+                <a:solidFill>
+                  <a:srgbClr val="00B0F0"/>
+                </a:solidFill>
+                <a:latin typeface="Monaco" pitchFamily="2" charset="77"/>
+              </a:rPr>
+              <a:t>               try</a:t>
+            </a:r>
+          </a:p>
+          <a:p>
+            <a:r>
+              <a:rPr lang="en-US" dirty="0">
+                <a:latin typeface="Monaco" pitchFamily="2" charset="77"/>
+              </a:rPr>
+              <a:t>               (</a:t>
+            </a:r>
+            <a:r>
+              <a:rPr lang="en-US" dirty="0" err="1">
+                <a:latin typeface="Monaco" pitchFamily="2" charset="77"/>
+              </a:rPr>
+              <a:t>fn</a:t>
+            </a:r>
+            <a:r>
+              <a:rPr lang="en-US" dirty="0">
+                <a:latin typeface="Monaco" pitchFamily="2" charset="77"/>
+              </a:rPr>
+              <a:t>-for-lop (rest lop))))]))</a:t>
+            </a:r>
+          </a:p>
+          <a:p>
+            <a:endParaRPr lang="en-US" dirty="0">
+              <a:latin typeface="Monaco" pitchFamily="2" charset="77"/>
+            </a:endParaRPr>
+          </a:p>
+          <a:p>
+            <a:endParaRPr lang="en-US" dirty="0">
+              <a:latin typeface="Monaco" pitchFamily="2" charset="77"/>
+            </a:endParaRPr>
+          </a:p>
+          <a:p>
+            <a:endParaRPr lang="en-US" dirty="0">
+              <a:latin typeface="Monaco" pitchFamily="2" charset="77"/>
+            </a:endParaRPr>
+          </a:p>
+        </p:txBody>
+      </p:sp>
+    </p:spTree>
+    <p:extLst>
+      <p:ext uri="{BB962C8B-B14F-4D97-AF65-F5344CB8AC3E}">
+        <p14:creationId xmlns:p14="http://schemas.microsoft.com/office/powerpoint/2010/main" val="1104854481"/>
+      </p:ext>
+    </p:extLst>
+  </p:cSld>
+  <p:clrMapOvr>
+    <a:masterClrMapping/>
+  </p:clrMapOvr>
+</p:sld>
+</file>
+
+<file path=ppt/slides/slide12.xml><?xml version="1.0" encoding="utf-8"?>
+<p:sld xmlns:a="http://schemas.openxmlformats.org/drawingml/2006/main" xmlns:r="http://schemas.openxmlformats.org/officeDocument/2006/relationships" xmlns:p="http://schemas.openxmlformats.org/presentationml/2006/main">
+  <p:cSld>
+    <p:spTree>
+      <p:nvGrpSpPr>
+        <p:cNvPr id="1" name=""/>
+        <p:cNvGrpSpPr/>
+        <p:nvPr/>
+      </p:nvGrpSpPr>
+      <p:grpSpPr>
+        <a:xfrm>
+          <a:off x="0" y="0"/>
+          <a:ext cx="0" cy="0"/>
+          <a:chOff x="0" y="0"/>
+          <a:chExt cx="0" cy="0"/>
+        </a:xfrm>
+      </p:grpSpPr>
+      <p:sp>
+        <p:nvSpPr>
+          <p:cNvPr id="5" name="TextBox 4">
+            <a:extLst>
+              <a:ext uri="{FF2B5EF4-FFF2-40B4-BE49-F238E27FC236}">
+                <a16:creationId xmlns:a16="http://schemas.microsoft.com/office/drawing/2014/main" id="{B0B64357-E6FC-864A-C51C-F4EB739B6F86}"/>
+              </a:ext>
+            </a:extLst>
+          </p:cNvPr>
+          <p:cNvSpPr txBox="1"/>
+          <p:nvPr/>
+        </p:nvSpPr>
+        <p:spPr>
+          <a:xfrm>
+            <a:off x="418290" y="424154"/>
+            <a:ext cx="7908586" cy="5078313"/>
+          </a:xfrm>
+          <a:prstGeom prst="rect">
+            <a:avLst/>
+          </a:prstGeom>
+          <a:noFill/>
+        </p:spPr>
+        <p:txBody>
+          <a:bodyPr wrap="square">
+            <a:spAutoFit/>
+          </a:bodyPr>
+          <a:lstStyle/>
+          <a:p>
+            <a:endParaRPr lang="en-US" dirty="0">
+              <a:latin typeface="Monaco" pitchFamily="2" charset="77"/>
+            </a:endParaRPr>
+          </a:p>
+          <a:p>
+            <a:endParaRPr lang="en-US" dirty="0">
+              <a:latin typeface="Monaco" pitchFamily="2" charset="77"/>
+            </a:endParaRPr>
+          </a:p>
+          <a:p>
+            <a:r>
+              <a:rPr lang="en-US" dirty="0">
+                <a:latin typeface="Monaco" pitchFamily="2" charset="77"/>
+              </a:rPr>
+              <a:t>(define (</a:t>
+            </a:r>
+            <a:r>
+              <a:rPr lang="en-US" dirty="0" err="1">
+                <a:latin typeface="Monaco" pitchFamily="2" charset="77"/>
+              </a:rPr>
+              <a:t>fn</a:t>
+            </a:r>
+            <a:r>
+              <a:rPr lang="en-US" dirty="0">
+                <a:latin typeface="Monaco" pitchFamily="2" charset="77"/>
+              </a:rPr>
+              <a:t>-for-pos p)</a:t>
+            </a:r>
+          </a:p>
+          <a:p>
+            <a:r>
+              <a:rPr lang="en-US" dirty="0">
+                <a:latin typeface="Monaco" pitchFamily="2" charset="77"/>
+              </a:rPr>
+              <a:t>  </a:t>
+            </a:r>
+            <a:r>
+              <a:rPr lang="en-US" dirty="0">
+                <a:solidFill>
+                  <a:srgbClr val="FF0000"/>
+                </a:solidFill>
+                <a:latin typeface="Monaco" pitchFamily="2" charset="77"/>
+              </a:rPr>
+              <a:t>(</a:t>
+            </a:r>
+            <a:r>
+              <a:rPr lang="en-US" dirty="0" err="1">
+                <a:solidFill>
+                  <a:srgbClr val="FF0000"/>
+                </a:solidFill>
+                <a:latin typeface="Monaco" pitchFamily="2" charset="77"/>
+              </a:rPr>
+              <a:t>cond</a:t>
+            </a:r>
+            <a:r>
+              <a:rPr lang="en-US" dirty="0">
+                <a:solidFill>
+                  <a:srgbClr val="FF0000"/>
+                </a:solidFill>
+                <a:latin typeface="Monaco" pitchFamily="2" charset="77"/>
+              </a:rPr>
+              <a:t> [(solved? p) true]</a:t>
+            </a:r>
+          </a:p>
+          <a:p>
+            <a:r>
+              <a:rPr lang="en-US" dirty="0">
+                <a:solidFill>
+                  <a:srgbClr val="FF0000"/>
+                </a:solidFill>
+                <a:latin typeface="Monaco" pitchFamily="2" charset="77"/>
+              </a:rPr>
+              <a:t>        [else</a:t>
+            </a:r>
+          </a:p>
+          <a:p>
+            <a:r>
+              <a:rPr lang="en-US" dirty="0">
+                <a:latin typeface="Monaco" pitchFamily="2" charset="77"/>
+              </a:rPr>
+              <a:t>         (</a:t>
+            </a:r>
+            <a:r>
+              <a:rPr lang="en-US" dirty="0" err="1">
+                <a:latin typeface="Monaco" pitchFamily="2" charset="77"/>
+              </a:rPr>
+              <a:t>fn</a:t>
+            </a:r>
+            <a:r>
+              <a:rPr lang="en-US" dirty="0">
+                <a:latin typeface="Monaco" pitchFamily="2" charset="77"/>
+              </a:rPr>
+              <a:t>-for-lop </a:t>
+            </a:r>
+            <a:r>
+              <a:rPr lang="en-US" dirty="0">
+                <a:solidFill>
+                  <a:srgbClr val="FF0000"/>
+                </a:solidFill>
+                <a:latin typeface="Monaco" pitchFamily="2" charset="77"/>
+              </a:rPr>
+              <a:t>(valid-next-positions </a:t>
+            </a:r>
+            <a:r>
+              <a:rPr lang="en-US" dirty="0">
+                <a:latin typeface="Monaco" pitchFamily="2" charset="77"/>
+              </a:rPr>
+              <a:t>p))]))</a:t>
+            </a:r>
+          </a:p>
+          <a:p>
+            <a:endParaRPr lang="en-US" dirty="0">
+              <a:latin typeface="Monaco" pitchFamily="2" charset="77"/>
+            </a:endParaRPr>
+          </a:p>
+          <a:p>
+            <a:endParaRPr lang="en-US" dirty="0">
+              <a:latin typeface="Monaco" pitchFamily="2" charset="77"/>
+            </a:endParaRPr>
+          </a:p>
+          <a:p>
+            <a:r>
+              <a:rPr lang="en-US" dirty="0">
+                <a:latin typeface="Monaco" pitchFamily="2" charset="77"/>
+              </a:rPr>
+              <a:t>(define (</a:t>
+            </a:r>
+            <a:r>
+              <a:rPr lang="en-US" dirty="0" err="1">
+                <a:latin typeface="Monaco" pitchFamily="2" charset="77"/>
+              </a:rPr>
+              <a:t>fn</a:t>
+            </a:r>
+            <a:r>
+              <a:rPr lang="en-US" dirty="0">
+                <a:latin typeface="Monaco" pitchFamily="2" charset="77"/>
+              </a:rPr>
+              <a:t>-for-lop lop)</a:t>
+            </a:r>
+          </a:p>
+          <a:p>
+            <a:r>
+              <a:rPr lang="en-US" dirty="0">
+                <a:latin typeface="Monaco" pitchFamily="2" charset="77"/>
+              </a:rPr>
+              <a:t>  (</a:t>
+            </a:r>
+            <a:r>
+              <a:rPr lang="en-US" dirty="0" err="1">
+                <a:latin typeface="Monaco" pitchFamily="2" charset="77"/>
+              </a:rPr>
+              <a:t>cond</a:t>
+            </a:r>
+            <a:r>
+              <a:rPr lang="en-US" dirty="0">
+                <a:latin typeface="Monaco" pitchFamily="2" charset="77"/>
+              </a:rPr>
+              <a:t> [(empty? lop) false]</a:t>
+            </a:r>
+          </a:p>
+          <a:p>
+            <a:r>
+              <a:rPr lang="en-US" dirty="0">
+                <a:latin typeface="Monaco" pitchFamily="2" charset="77"/>
+              </a:rPr>
+              <a:t>        [else</a:t>
+            </a:r>
+          </a:p>
+          <a:p>
+            <a:r>
+              <a:rPr lang="en-US" dirty="0">
+                <a:latin typeface="Monaco" pitchFamily="2" charset="77"/>
+              </a:rPr>
+              <a:t>         </a:t>
+            </a:r>
+            <a:r>
+              <a:rPr lang="en-US" dirty="0">
+                <a:solidFill>
+                  <a:srgbClr val="00B0F0"/>
+                </a:solidFill>
+                <a:latin typeface="Monaco" pitchFamily="2" charset="77"/>
+              </a:rPr>
+              <a:t>(local [(define try </a:t>
+            </a:r>
+            <a:r>
+              <a:rPr lang="en-US" dirty="0">
+                <a:latin typeface="Monaco" pitchFamily="2" charset="77"/>
+              </a:rPr>
+              <a:t>(</a:t>
+            </a:r>
+            <a:r>
+              <a:rPr lang="en-US" dirty="0" err="1">
+                <a:latin typeface="Monaco" pitchFamily="2" charset="77"/>
+              </a:rPr>
+              <a:t>fn</a:t>
+            </a:r>
+            <a:r>
+              <a:rPr lang="en-US" dirty="0">
+                <a:latin typeface="Monaco" pitchFamily="2" charset="77"/>
+              </a:rPr>
+              <a:t>-for-pos (first lop)))]</a:t>
+            </a:r>
+          </a:p>
+          <a:p>
+            <a:r>
+              <a:rPr lang="en-US" dirty="0">
+                <a:latin typeface="Monaco" pitchFamily="2" charset="77"/>
+              </a:rPr>
+              <a:t>           </a:t>
+            </a:r>
+            <a:r>
+              <a:rPr lang="en-US" dirty="0">
+                <a:solidFill>
+                  <a:srgbClr val="00B0F0"/>
+                </a:solidFill>
+                <a:latin typeface="Monaco" pitchFamily="2" charset="77"/>
+              </a:rPr>
+              <a:t>(if (not (false? try))</a:t>
+            </a:r>
+          </a:p>
+          <a:p>
+            <a:r>
+              <a:rPr lang="en-US" dirty="0">
+                <a:solidFill>
+                  <a:srgbClr val="00B0F0"/>
+                </a:solidFill>
+                <a:latin typeface="Monaco" pitchFamily="2" charset="77"/>
+              </a:rPr>
+              <a:t>               try</a:t>
+            </a:r>
+          </a:p>
+          <a:p>
+            <a:r>
+              <a:rPr lang="en-US" dirty="0">
+                <a:latin typeface="Monaco" pitchFamily="2" charset="77"/>
+              </a:rPr>
+              <a:t>               (</a:t>
+            </a:r>
+            <a:r>
+              <a:rPr lang="en-US" dirty="0" err="1">
+                <a:latin typeface="Monaco" pitchFamily="2" charset="77"/>
+              </a:rPr>
+              <a:t>fn</a:t>
+            </a:r>
+            <a:r>
+              <a:rPr lang="en-US" dirty="0">
+                <a:latin typeface="Monaco" pitchFamily="2" charset="77"/>
+              </a:rPr>
+              <a:t>-for-lop (rest lop))))]))</a:t>
+            </a:r>
+          </a:p>
+          <a:p>
+            <a:endParaRPr lang="en-US" dirty="0">
+              <a:latin typeface="Monaco" pitchFamily="2" charset="77"/>
+            </a:endParaRPr>
+          </a:p>
+          <a:p>
+            <a:endParaRPr lang="en-US" dirty="0">
+              <a:latin typeface="Monaco" pitchFamily="2" charset="77"/>
+            </a:endParaRPr>
+          </a:p>
+          <a:p>
+            <a:endParaRPr lang="en-US" dirty="0">
+              <a:latin typeface="Monaco" pitchFamily="2" charset="77"/>
+            </a:endParaRPr>
+          </a:p>
+        </p:txBody>
+      </p:sp>
+      <p:sp>
+        <p:nvSpPr>
+          <p:cNvPr id="2" name="TextBox 1">
+            <a:extLst>
+              <a:ext uri="{FF2B5EF4-FFF2-40B4-BE49-F238E27FC236}">
+                <a16:creationId xmlns:a16="http://schemas.microsoft.com/office/drawing/2014/main" id="{E270E0DF-AA3A-FB9D-B870-1171391F23E5}"/>
+              </a:ext>
+            </a:extLst>
+          </p:cNvPr>
+          <p:cNvSpPr txBox="1"/>
+          <p:nvPr/>
+        </p:nvSpPr>
+        <p:spPr>
+          <a:xfrm>
+            <a:off x="8326876" y="1462899"/>
+            <a:ext cx="7908585" cy="3000821"/>
+          </a:xfrm>
+          <a:prstGeom prst="rect">
+            <a:avLst/>
+          </a:prstGeom>
+          <a:noFill/>
+        </p:spPr>
+        <p:txBody>
+          <a:bodyPr wrap="square">
+            <a:spAutoFit/>
+          </a:bodyPr>
+          <a:lstStyle/>
+          <a:p>
+            <a:endParaRPr lang="en-US" sz="700" dirty="0">
+              <a:latin typeface="Monaco" pitchFamily="2" charset="77"/>
+            </a:endParaRPr>
+          </a:p>
+          <a:p>
+            <a:r>
+              <a:rPr lang="en-US" sz="700" dirty="0">
+                <a:solidFill>
+                  <a:srgbClr val="FF0000"/>
+                </a:solidFill>
+                <a:latin typeface="Monaco" pitchFamily="2" charset="77"/>
+              </a:rPr>
+              <a:t>;; </a:t>
+            </a:r>
+            <a:r>
+              <a:rPr lang="en-US" sz="700" dirty="0" err="1">
+                <a:solidFill>
+                  <a:srgbClr val="FF0000"/>
+                </a:solidFill>
+                <a:latin typeface="Monaco" pitchFamily="2" charset="77"/>
+              </a:rPr>
+              <a:t>genrec</a:t>
+            </a:r>
+            <a:endParaRPr lang="en-US" sz="700" dirty="0">
+              <a:solidFill>
+                <a:srgbClr val="FF0000"/>
+              </a:solidFill>
+              <a:latin typeface="Monaco" pitchFamily="2" charset="77"/>
+            </a:endParaRPr>
+          </a:p>
+          <a:p>
+            <a:r>
+              <a:rPr lang="en-US" sz="700" dirty="0">
+                <a:solidFill>
+                  <a:srgbClr val="FF0000"/>
+                </a:solidFill>
+                <a:latin typeface="Monaco" pitchFamily="2" charset="77"/>
+              </a:rPr>
+              <a:t>(define (</a:t>
+            </a:r>
+            <a:r>
+              <a:rPr lang="en-US" sz="700" dirty="0" err="1">
+                <a:solidFill>
+                  <a:srgbClr val="FF0000"/>
+                </a:solidFill>
+                <a:latin typeface="Monaco" pitchFamily="2" charset="77"/>
+              </a:rPr>
+              <a:t>genrec</a:t>
+            </a:r>
+            <a:r>
+              <a:rPr lang="en-US" sz="700" dirty="0">
+                <a:solidFill>
+                  <a:srgbClr val="FF0000"/>
+                </a:solidFill>
+                <a:latin typeface="Monaco" pitchFamily="2" charset="77"/>
+              </a:rPr>
+              <a:t> d)</a:t>
+            </a:r>
+          </a:p>
+          <a:p>
+            <a:r>
+              <a:rPr lang="en-US" sz="700" dirty="0">
+                <a:solidFill>
+                  <a:srgbClr val="FF0000"/>
+                </a:solidFill>
+                <a:latin typeface="Monaco" pitchFamily="2" charset="77"/>
+              </a:rPr>
+              <a:t>  (</a:t>
+            </a:r>
+            <a:r>
+              <a:rPr lang="en-US" sz="700" dirty="0" err="1">
+                <a:solidFill>
+                  <a:srgbClr val="FF0000"/>
+                </a:solidFill>
+                <a:latin typeface="Monaco" pitchFamily="2" charset="77"/>
+              </a:rPr>
+              <a:t>cond</a:t>
+            </a:r>
+            <a:r>
+              <a:rPr lang="en-US" sz="700" dirty="0">
+                <a:solidFill>
+                  <a:srgbClr val="FF0000"/>
+                </a:solidFill>
+                <a:latin typeface="Monaco" pitchFamily="2" charset="77"/>
+              </a:rPr>
+              <a:t> [(trivial? d) (trivial-answer d)]</a:t>
+            </a:r>
+          </a:p>
+          <a:p>
+            <a:r>
+              <a:rPr lang="en-US" sz="700" dirty="0">
+                <a:solidFill>
+                  <a:srgbClr val="FF0000"/>
+                </a:solidFill>
+                <a:latin typeface="Monaco" pitchFamily="2" charset="77"/>
+              </a:rPr>
+              <a:t>        [else</a:t>
+            </a:r>
+          </a:p>
+          <a:p>
+            <a:r>
+              <a:rPr lang="en-US" sz="700" dirty="0">
+                <a:solidFill>
+                  <a:srgbClr val="FF0000"/>
+                </a:solidFill>
+                <a:latin typeface="Monaco" pitchFamily="2" charset="77"/>
+              </a:rPr>
+              <a:t>         [... d</a:t>
+            </a:r>
+          </a:p>
+          <a:p>
+            <a:r>
+              <a:rPr lang="en-US" sz="700" dirty="0">
+                <a:solidFill>
+                  <a:srgbClr val="FF0000"/>
+                </a:solidFill>
+                <a:latin typeface="Monaco" pitchFamily="2" charset="77"/>
+              </a:rPr>
+              <a:t>              (</a:t>
+            </a:r>
+            <a:r>
+              <a:rPr lang="en-US" sz="700" dirty="0" err="1">
+                <a:solidFill>
+                  <a:srgbClr val="FF0000"/>
+                </a:solidFill>
+                <a:latin typeface="Monaco" pitchFamily="2" charset="77"/>
+              </a:rPr>
+              <a:t>genrec</a:t>
+            </a:r>
+            <a:r>
+              <a:rPr lang="en-US" sz="700" dirty="0">
+                <a:solidFill>
+                  <a:srgbClr val="FF0000"/>
+                </a:solidFill>
+                <a:latin typeface="Monaco" pitchFamily="2" charset="77"/>
+              </a:rPr>
+              <a:t> (next-problem d))]]))</a:t>
+            </a:r>
+          </a:p>
+          <a:p>
+            <a:endParaRPr lang="en-US" sz="700" dirty="0">
+              <a:latin typeface="Monaco" pitchFamily="2" charset="77"/>
+            </a:endParaRPr>
+          </a:p>
+          <a:p>
+            <a:endParaRPr lang="en-US" sz="700" dirty="0">
+              <a:latin typeface="Monaco" pitchFamily="2" charset="77"/>
+            </a:endParaRPr>
+          </a:p>
+          <a:p>
+            <a:r>
+              <a:rPr lang="en-US" sz="700" dirty="0">
+                <a:latin typeface="Monaco" pitchFamily="2" charset="77"/>
+              </a:rPr>
+              <a:t>;; arb-tree  (of Pos) -&gt; Pos and (</a:t>
+            </a:r>
+            <a:r>
+              <a:rPr lang="en-US" sz="700" dirty="0" err="1">
+                <a:latin typeface="Monaco" pitchFamily="2" charset="77"/>
+              </a:rPr>
+              <a:t>listof</a:t>
+            </a:r>
+            <a:r>
+              <a:rPr lang="en-US" sz="700" dirty="0">
+                <a:latin typeface="Monaco" pitchFamily="2" charset="77"/>
+              </a:rPr>
+              <a:t> Pos)</a:t>
+            </a:r>
+          </a:p>
+          <a:p>
+            <a:r>
+              <a:rPr lang="en-US" sz="700" dirty="0">
+                <a:latin typeface="Monaco" pitchFamily="2" charset="77"/>
+              </a:rPr>
+              <a:t>(define (</a:t>
+            </a:r>
+            <a:r>
+              <a:rPr lang="en-US" sz="700" dirty="0" err="1">
+                <a:latin typeface="Monaco" pitchFamily="2" charset="77"/>
+              </a:rPr>
+              <a:t>fn</a:t>
+            </a:r>
+            <a:r>
+              <a:rPr lang="en-US" sz="700" dirty="0">
+                <a:latin typeface="Monaco" pitchFamily="2" charset="77"/>
+              </a:rPr>
+              <a:t>-for-pos p)</a:t>
+            </a:r>
+          </a:p>
+          <a:p>
+            <a:r>
+              <a:rPr lang="en-US" sz="700" dirty="0">
+                <a:latin typeface="Monaco" pitchFamily="2" charset="77"/>
+              </a:rPr>
+              <a:t>  (... p</a:t>
+            </a:r>
+          </a:p>
+          <a:p>
+            <a:r>
+              <a:rPr lang="en-US" sz="700" dirty="0">
+                <a:latin typeface="Monaco" pitchFamily="2" charset="77"/>
+              </a:rPr>
+              <a:t>       (</a:t>
+            </a:r>
+            <a:r>
+              <a:rPr lang="en-US" sz="700" dirty="0" err="1">
+                <a:latin typeface="Monaco" pitchFamily="2" charset="77"/>
+              </a:rPr>
+              <a:t>fn</a:t>
+            </a:r>
+            <a:r>
+              <a:rPr lang="en-US" sz="700" dirty="0">
+                <a:latin typeface="Monaco" pitchFamily="2" charset="77"/>
+              </a:rPr>
+              <a:t>-for-lop (POS-SUBS p)))) ;pos-subs doesn't really exist!!!</a:t>
+            </a:r>
+          </a:p>
+          <a:p>
+            <a:endParaRPr lang="en-US" sz="700" dirty="0">
+              <a:latin typeface="Monaco" pitchFamily="2" charset="77"/>
+            </a:endParaRPr>
+          </a:p>
+          <a:p>
+            <a:endParaRPr lang="en-US" sz="700" dirty="0">
+              <a:latin typeface="Monaco" pitchFamily="2" charset="77"/>
+            </a:endParaRPr>
+          </a:p>
+          <a:p>
+            <a:r>
+              <a:rPr lang="en-US" sz="700" dirty="0">
+                <a:latin typeface="Monaco" pitchFamily="2" charset="77"/>
+              </a:rPr>
+              <a:t>(define (</a:t>
+            </a:r>
+            <a:r>
+              <a:rPr lang="en-US" sz="700" dirty="0" err="1">
+                <a:latin typeface="Monaco" pitchFamily="2" charset="77"/>
+              </a:rPr>
+              <a:t>fn</a:t>
+            </a:r>
+            <a:r>
+              <a:rPr lang="en-US" sz="700" dirty="0">
+                <a:latin typeface="Monaco" pitchFamily="2" charset="77"/>
+              </a:rPr>
+              <a:t>-for-lop lop)</a:t>
+            </a:r>
+          </a:p>
+          <a:p>
+            <a:r>
+              <a:rPr lang="en-US" sz="700" dirty="0">
+                <a:latin typeface="Monaco" pitchFamily="2" charset="77"/>
+              </a:rPr>
+              <a:t>  (</a:t>
+            </a:r>
+            <a:r>
+              <a:rPr lang="en-US" sz="700" dirty="0" err="1">
+                <a:latin typeface="Monaco" pitchFamily="2" charset="77"/>
+              </a:rPr>
+              <a:t>cond</a:t>
+            </a:r>
+            <a:r>
+              <a:rPr lang="en-US" sz="700" dirty="0">
+                <a:latin typeface="Monaco" pitchFamily="2" charset="77"/>
+              </a:rPr>
+              <a:t> [(empty? lop) (...)]</a:t>
+            </a:r>
+          </a:p>
+          <a:p>
+            <a:r>
+              <a:rPr lang="en-US" sz="700" dirty="0">
+                <a:latin typeface="Monaco" pitchFamily="2" charset="77"/>
+              </a:rPr>
+              <a:t>        [else</a:t>
+            </a:r>
+          </a:p>
+          <a:p>
+            <a:r>
+              <a:rPr lang="en-US" sz="700" dirty="0">
+                <a:latin typeface="Monaco" pitchFamily="2" charset="77"/>
+              </a:rPr>
+              <a:t>         (... (</a:t>
+            </a:r>
+            <a:r>
+              <a:rPr lang="en-US" sz="700" dirty="0" err="1">
+                <a:latin typeface="Monaco" pitchFamily="2" charset="77"/>
+              </a:rPr>
+              <a:t>fn</a:t>
+            </a:r>
+            <a:r>
+              <a:rPr lang="en-US" sz="700" dirty="0">
+                <a:latin typeface="Monaco" pitchFamily="2" charset="77"/>
+              </a:rPr>
+              <a:t>-for-p (first lop))</a:t>
+            </a:r>
+          </a:p>
+          <a:p>
+            <a:r>
+              <a:rPr lang="en-US" sz="700" dirty="0">
+                <a:latin typeface="Monaco" pitchFamily="2" charset="77"/>
+              </a:rPr>
+              <a:t>              (</a:t>
+            </a:r>
+            <a:r>
+              <a:rPr lang="en-US" sz="700" dirty="0" err="1">
+                <a:latin typeface="Monaco" pitchFamily="2" charset="77"/>
+              </a:rPr>
+              <a:t>fn</a:t>
+            </a:r>
+            <a:r>
+              <a:rPr lang="en-US" sz="700" dirty="0">
+                <a:latin typeface="Monaco" pitchFamily="2" charset="77"/>
+              </a:rPr>
+              <a:t>-for-lop (rest lop)))]))</a:t>
+            </a:r>
+          </a:p>
+          <a:p>
+            <a:endParaRPr lang="en-US" sz="700" dirty="0">
+              <a:latin typeface="Monaco" pitchFamily="2" charset="77"/>
+            </a:endParaRPr>
+          </a:p>
+          <a:p>
+            <a:endParaRPr lang="en-US" sz="700" dirty="0">
+              <a:latin typeface="Monaco" pitchFamily="2" charset="77"/>
+            </a:endParaRPr>
+          </a:p>
+          <a:p>
+            <a:r>
+              <a:rPr lang="en-US" sz="700" dirty="0">
+                <a:solidFill>
+                  <a:srgbClr val="00B0F0"/>
+                </a:solidFill>
+                <a:latin typeface="Monaco" pitchFamily="2" charset="77"/>
+              </a:rPr>
+              <a:t>;; try-catch</a:t>
+            </a:r>
+          </a:p>
+          <a:p>
+            <a:r>
+              <a:rPr lang="en-US" sz="700" dirty="0">
+                <a:solidFill>
+                  <a:srgbClr val="00B0F0"/>
+                </a:solidFill>
+                <a:latin typeface="Monaco" pitchFamily="2" charset="77"/>
+              </a:rPr>
+              <a:t>     (local [(define try &lt;one-option&gt;)]</a:t>
+            </a:r>
+          </a:p>
+          <a:p>
+            <a:r>
+              <a:rPr lang="en-US" sz="700" dirty="0">
+                <a:solidFill>
+                  <a:srgbClr val="00B0F0"/>
+                </a:solidFill>
+                <a:latin typeface="Monaco" pitchFamily="2" charset="77"/>
+              </a:rPr>
+              <a:t>       (if (not (false? &lt;one-option&gt;))</a:t>
+            </a:r>
+          </a:p>
+          <a:p>
+            <a:r>
+              <a:rPr lang="en-US" sz="700" dirty="0">
+                <a:solidFill>
+                  <a:srgbClr val="00B0F0"/>
+                </a:solidFill>
+                <a:latin typeface="Monaco" pitchFamily="2" charset="77"/>
+              </a:rPr>
+              <a:t>           &lt;one-option&gt;</a:t>
+            </a:r>
+          </a:p>
+          <a:p>
+            <a:r>
+              <a:rPr lang="en-US" sz="700" dirty="0">
+                <a:solidFill>
+                  <a:srgbClr val="00B0F0"/>
+                </a:solidFill>
+                <a:latin typeface="Monaco" pitchFamily="2" charset="77"/>
+              </a:rPr>
+              <a:t>           &lt;other-option&gt;))</a:t>
+            </a:r>
+          </a:p>
+        </p:txBody>
+      </p:sp>
+      <p:sp>
+        <p:nvSpPr>
+          <p:cNvPr id="3" name="TextBox 2">
+            <a:extLst>
+              <a:ext uri="{FF2B5EF4-FFF2-40B4-BE49-F238E27FC236}">
+                <a16:creationId xmlns:a16="http://schemas.microsoft.com/office/drawing/2014/main" id="{2EE4C042-5B24-2B18-8023-1C967CDDB8B9}"/>
+              </a:ext>
+            </a:extLst>
+          </p:cNvPr>
+          <p:cNvSpPr txBox="1"/>
+          <p:nvPr/>
+        </p:nvSpPr>
+        <p:spPr>
+          <a:xfrm>
+            <a:off x="10856068" y="1887111"/>
+            <a:ext cx="1682885" cy="369332"/>
+          </a:xfrm>
+          <a:prstGeom prst="rect">
+            <a:avLst/>
+          </a:prstGeom>
+          <a:noFill/>
+        </p:spPr>
+        <p:txBody>
+          <a:bodyPr wrap="square" rtlCol="0">
+            <a:spAutoFit/>
+          </a:bodyPr>
+          <a:lstStyle/>
+          <a:p>
+            <a:r>
+              <a:rPr lang="en-US" dirty="0" err="1">
+                <a:solidFill>
+                  <a:srgbClr val="FF0000"/>
+                </a:solidFill>
+              </a:rPr>
+              <a:t>genrec</a:t>
+            </a:r>
+            <a:endParaRPr lang="en-US" dirty="0">
+              <a:solidFill>
+                <a:srgbClr val="FF0000"/>
+              </a:solidFill>
+            </a:endParaRPr>
+          </a:p>
+        </p:txBody>
+      </p:sp>
+      <p:sp>
+        <p:nvSpPr>
+          <p:cNvPr id="4" name="TextBox 3">
+            <a:extLst>
+              <a:ext uri="{FF2B5EF4-FFF2-40B4-BE49-F238E27FC236}">
+                <a16:creationId xmlns:a16="http://schemas.microsoft.com/office/drawing/2014/main" id="{088BA984-F781-D342-4980-6C9700DF6FF1}"/>
+              </a:ext>
+            </a:extLst>
+          </p:cNvPr>
+          <p:cNvSpPr txBox="1"/>
+          <p:nvPr/>
+        </p:nvSpPr>
+        <p:spPr>
+          <a:xfrm>
+            <a:off x="10856067" y="4094388"/>
+            <a:ext cx="1682885" cy="369332"/>
+          </a:xfrm>
+          <a:prstGeom prst="rect">
+            <a:avLst/>
+          </a:prstGeom>
+          <a:noFill/>
+        </p:spPr>
+        <p:txBody>
+          <a:bodyPr wrap="square" rtlCol="0">
+            <a:spAutoFit/>
+          </a:bodyPr>
+          <a:lstStyle/>
+          <a:p>
+            <a:r>
+              <a:rPr lang="en-US" dirty="0">
+                <a:solidFill>
+                  <a:srgbClr val="00B0F0"/>
+                </a:solidFill>
+              </a:rPr>
+              <a:t>try-catch</a:t>
+            </a:r>
+          </a:p>
+        </p:txBody>
+      </p:sp>
+      <p:sp>
+        <p:nvSpPr>
+          <p:cNvPr id="6" name="TextBox 5">
+            <a:extLst>
+              <a:ext uri="{FF2B5EF4-FFF2-40B4-BE49-F238E27FC236}">
+                <a16:creationId xmlns:a16="http://schemas.microsoft.com/office/drawing/2014/main" id="{95F6EA42-197B-19F9-1D5B-220330901FDA}"/>
+              </a:ext>
+            </a:extLst>
+          </p:cNvPr>
+          <p:cNvSpPr txBox="1"/>
+          <p:nvPr/>
+        </p:nvSpPr>
+        <p:spPr>
+          <a:xfrm>
+            <a:off x="10856068" y="3295188"/>
+            <a:ext cx="1682885" cy="369332"/>
+          </a:xfrm>
+          <a:prstGeom prst="rect">
+            <a:avLst/>
+          </a:prstGeom>
+          <a:noFill/>
+        </p:spPr>
+        <p:txBody>
+          <a:bodyPr wrap="square" rtlCol="0">
+            <a:spAutoFit/>
+          </a:bodyPr>
+          <a:lstStyle/>
+          <a:p>
+            <a:r>
+              <a:rPr lang="en-US" dirty="0"/>
+              <a:t>arb-tree</a:t>
+            </a:r>
+          </a:p>
+        </p:txBody>
+      </p:sp>
+    </p:spTree>
+    <p:extLst>
+      <p:ext uri="{BB962C8B-B14F-4D97-AF65-F5344CB8AC3E}">
+        <p14:creationId xmlns:p14="http://schemas.microsoft.com/office/powerpoint/2010/main" val="1798126369"/>
+      </p:ext>
+    </p:extLst>
+  </p:cSld>
+  <p:clrMapOvr>
+    <a:masterClrMapping/>
+  </p:clrMapOvr>
+</p:sld>
+</file>
+
+<file path=ppt/slides/slide13.xml><?xml version="1.0" encoding="utf-8"?>
+<p:sld xmlns:a="http://schemas.openxmlformats.org/drawingml/2006/main" xmlns:r="http://schemas.openxmlformats.org/officeDocument/2006/relationships" xmlns:p="http://schemas.openxmlformats.org/presentationml/2006/main">
+  <p:cSld>
+    <p:spTree>
+      <p:nvGrpSpPr>
+        <p:cNvPr id="1" name=""/>
+        <p:cNvGrpSpPr/>
+        <p:nvPr/>
+      </p:nvGrpSpPr>
+      <p:grpSpPr>
+        <a:xfrm>
+          <a:off x="0" y="0"/>
+          <a:ext cx="0" cy="0"/>
+          <a:chOff x="0" y="0"/>
+          <a:chExt cx="0" cy="0"/>
+        </a:xfrm>
+      </p:grpSpPr>
     </p:spTree>
     <p:extLst>
       <p:ext uri="{BB962C8B-B14F-4D97-AF65-F5344CB8AC3E}">
@@ -3481,7 +5112,7 @@
 </p:sld>
 </file>
 
-<file path=ppt/slides/slide11.xml><?xml version="1.0" encoding="utf-8"?>
+<file path=ppt/slides/slide14.xml><?xml version="1.0" encoding="utf-8"?>
 <p:sld xmlns:a="http://schemas.openxmlformats.org/drawingml/2006/main" xmlns:r="http://schemas.openxmlformats.org/officeDocument/2006/relationships" xmlns:p="http://schemas.openxmlformats.org/presentationml/2006/main">
   <p:cSld>
     <p:spTree>
@@ -3511,7 +5142,7 @@
 </p:sld>
 </file>
 
-<file path=ppt/slides/slide12.xml><?xml version="1.0" encoding="utf-8"?>
+<file path=ppt/slides/slide15.xml><?xml version="1.0" encoding="utf-8"?>
 <p:sld xmlns:a="http://schemas.openxmlformats.org/drawingml/2006/main" xmlns:r="http://schemas.openxmlformats.org/officeDocument/2006/relationships" xmlns:p="http://schemas.openxmlformats.org/presentationml/2006/main">
   <p:cSld>
     <p:spTree>
@@ -3541,7 +5172,7 @@
 </p:sld>
 </file>
 
-<file path=ppt/slides/slide13.xml><?xml version="1.0" encoding="utf-8"?>
+<file path=ppt/slides/slide16.xml><?xml version="1.0" encoding="utf-8"?>
 <p:sld xmlns:a="http://schemas.openxmlformats.org/drawingml/2006/main" xmlns:r="http://schemas.openxmlformats.org/officeDocument/2006/relationships" xmlns:p="http://schemas.openxmlformats.org/presentationml/2006/main">
   <p:cSld>
     <p:spTree>
@@ -5556,85 +7187,12 @@
           <a:chExt cx="0" cy="0"/>
         </a:xfrm>
       </p:grpSpPr>
-      <p:sp>
-        <p:nvSpPr>
-          <p:cNvPr id="5" name="TextBox 4">
-            <a:extLst>
-              <a:ext uri="{FF2B5EF4-FFF2-40B4-BE49-F238E27FC236}">
-                <a16:creationId xmlns:a16="http://schemas.microsoft.com/office/drawing/2014/main" id="{346EE018-3C96-BA43-A844-1E35A6F4AD87}"/>
-              </a:ext>
-            </a:extLst>
-          </p:cNvPr>
-          <p:cNvSpPr txBox="1"/>
-          <p:nvPr/>
-        </p:nvSpPr>
-        <p:spPr>
-          <a:xfrm>
-            <a:off x="1501256" y="503670"/>
-            <a:ext cx="2823406" cy="646331"/>
-          </a:xfrm>
-          <a:prstGeom prst="rect">
-            <a:avLst/>
-          </a:prstGeom>
-          <a:noFill/>
-        </p:spPr>
-        <p:txBody>
-          <a:bodyPr wrap="square" rtlCol="0">
-            <a:spAutoFit/>
-          </a:bodyPr>
-          <a:lstStyle/>
-          <a:p>
-            <a:r>
-              <a:rPr lang="en-US" dirty="0"/>
-              <a:t>Tree of </a:t>
-            </a:r>
-            <a:r>
-              <a:rPr lang="en-US" dirty="0" err="1"/>
-              <a:t>x,y</a:t>
-            </a:r>
-            <a:r>
-              <a:rPr lang="en-US" dirty="0"/>
-              <a:t> positions moving through this maze</a:t>
-            </a:r>
-          </a:p>
-        </p:txBody>
-      </p:sp>
-      <p:pic>
-        <p:nvPicPr>
-          <p:cNvPr id="12" name="Picture 11">
-            <a:extLst>
-              <a:ext uri="{FF2B5EF4-FFF2-40B4-BE49-F238E27FC236}">
-                <a16:creationId xmlns:a16="http://schemas.microsoft.com/office/drawing/2014/main" id="{BFCCD929-7C60-664C-B5E5-A834D30FE7A8}"/>
-              </a:ext>
-            </a:extLst>
-          </p:cNvPr>
-          <p:cNvPicPr>
-            <a:picLocks noChangeAspect="1"/>
-          </p:cNvPicPr>
-          <p:nvPr/>
-        </p:nvPicPr>
-        <p:blipFill>
-          <a:blip r:embed="rId2"/>
-          <a:stretch>
-            <a:fillRect/>
-          </a:stretch>
-        </p:blipFill>
-        <p:spPr>
-          <a:xfrm>
-            <a:off x="1636569" y="1278754"/>
-            <a:ext cx="1420729" cy="1420729"/>
-          </a:xfrm>
-          <a:prstGeom prst="rect">
-            <a:avLst/>
-          </a:prstGeom>
-        </p:spPr>
-      </p:pic>
       <p:grpSp>
         <p:nvGrpSpPr>
-          <p:cNvPr id="40" name="Group 39">
-            <a:extLst>
-              <a:ext uri="{FF2B5EF4-FFF2-40B4-BE49-F238E27FC236}">
-                <a16:creationId xmlns:a16="http://schemas.microsoft.com/office/drawing/2014/main" id="{39925235-24B8-D34E-9E73-606E4B402400}"/>
+          <p:cNvPr id="18" name="Group 17">
+            <a:extLst>
+              <a:ext uri="{FF2B5EF4-FFF2-40B4-BE49-F238E27FC236}">
+                <a16:creationId xmlns:a16="http://schemas.microsoft.com/office/drawing/2014/main" id="{13CA3C64-1187-F254-3DDE-FFCF81145BDB}"/>
               </a:ext>
             </a:extLst>
           </p:cNvPr>
@@ -5643,546 +7201,421 @@
         </p:nvGrpSpPr>
         <p:grpSpPr>
           <a:xfrm>
-            <a:off x="5482259" y="720465"/>
-            <a:ext cx="3906237" cy="3552934"/>
-            <a:chOff x="3413617" y="1665192"/>
-            <a:chExt cx="3906237" cy="3552934"/>
+            <a:off x="292338" y="250258"/>
+            <a:ext cx="5930655" cy="5890008"/>
+            <a:chOff x="2260034" y="250258"/>
+            <a:chExt cx="5930655" cy="5890008"/>
           </a:xfrm>
         </p:grpSpPr>
-        <p:sp>
-          <p:nvSpPr>
-            <p:cNvPr id="4" name="TextBox 3">
+        <p:pic>
+          <p:nvPicPr>
+            <p:cNvPr id="12" name="Picture 11">
               <a:extLst>
                 <a:ext uri="{FF2B5EF4-FFF2-40B4-BE49-F238E27FC236}">
-                  <a16:creationId xmlns:a16="http://schemas.microsoft.com/office/drawing/2014/main" id="{96210564-8BC9-8548-96E4-A32935E5C8AB}"/>
+                  <a16:creationId xmlns:a16="http://schemas.microsoft.com/office/drawing/2014/main" id="{BFCCD929-7C60-664C-B5E5-A834D30FE7A8}"/>
                 </a:ext>
               </a:extLst>
             </p:cNvPr>
-            <p:cNvSpPr txBox="1"/>
+            <p:cNvPicPr>
+              <a:picLocks noChangeAspect="1"/>
+            </p:cNvPicPr>
             <p:nvPr/>
-          </p:nvSpPr>
+          </p:nvPicPr>
+          <p:blipFill>
+            <a:blip r:embed="rId2"/>
+            <a:stretch>
+              <a:fillRect/>
+            </a:stretch>
+          </p:blipFill>
           <p:spPr>
             <a:xfrm>
-              <a:off x="4536162" y="1665192"/>
-              <a:ext cx="641131" cy="369332"/>
+              <a:off x="2901165" y="850742"/>
+              <a:ext cx="5289524" cy="5289524"/>
             </a:xfrm>
             <a:prstGeom prst="rect">
               <a:avLst/>
             </a:prstGeom>
-            <a:noFill/>
           </p:spPr>
-          <p:txBody>
-            <a:bodyPr wrap="square" rtlCol="0">
-              <a:spAutoFit/>
-            </a:bodyPr>
-            <a:lstStyle/>
-            <a:p>
-              <a:pPr algn="ctr"/>
-              <a:r>
-                <a:rPr lang="en-US" dirty="0"/>
-                <a:t>0, 0</a:t>
-              </a:r>
-            </a:p>
-          </p:txBody>
-        </p:sp>
-        <p:sp>
-          <p:nvSpPr>
-            <p:cNvPr id="6" name="TextBox 5">
+        </p:pic>
+        <p:grpSp>
+          <p:nvGrpSpPr>
+            <p:cNvPr id="17" name="Group 16">
               <a:extLst>
                 <a:ext uri="{FF2B5EF4-FFF2-40B4-BE49-F238E27FC236}">
-                  <a16:creationId xmlns:a16="http://schemas.microsoft.com/office/drawing/2014/main" id="{A65DAF96-7ECF-A342-B83C-B0E61DC1570C}"/>
+                  <a16:creationId xmlns:a16="http://schemas.microsoft.com/office/drawing/2014/main" id="{33CD78EA-21C1-D0D1-6D97-CFB13C3B2100}"/>
                 </a:ext>
               </a:extLst>
             </p:cNvPr>
-            <p:cNvSpPr txBox="1"/>
+            <p:cNvGrpSpPr/>
             <p:nvPr/>
-          </p:nvSpPr>
-          <p:spPr>
+          </p:nvGrpSpPr>
+          <p:grpSpPr>
             <a:xfrm>
-              <a:off x="3413617" y="2360009"/>
-              <a:ext cx="641131" cy="369332"/>
+              <a:off x="2580599" y="250258"/>
+              <a:ext cx="4530320" cy="461665"/>
+              <a:chOff x="2580599" y="250258"/>
+              <a:chExt cx="4530320" cy="461665"/>
             </a:xfrm>
-            <a:prstGeom prst="rect">
-              <a:avLst/>
-            </a:prstGeom>
-            <a:noFill/>
-          </p:spPr>
-          <p:txBody>
-            <a:bodyPr wrap="square" rtlCol="0">
-              <a:spAutoFit/>
-            </a:bodyPr>
-            <a:lstStyle/>
-            <a:p>
-              <a:pPr algn="ctr"/>
-              <a:r>
-                <a:rPr lang="en-US" strike="sngStrike" dirty="0"/>
-                <a:t>1, 0</a:t>
-              </a:r>
-            </a:p>
-          </p:txBody>
-        </p:sp>
-        <p:sp>
-          <p:nvSpPr>
-            <p:cNvPr id="7" name="TextBox 6">
+          </p:grpSpPr>
+          <p:sp>
+            <p:nvSpPr>
+              <p:cNvPr id="3" name="TextBox 2">
+                <a:extLst>
+                  <a:ext uri="{FF2B5EF4-FFF2-40B4-BE49-F238E27FC236}">
+                    <a16:creationId xmlns:a16="http://schemas.microsoft.com/office/drawing/2014/main" id="{53930599-D070-AEEC-9A60-44D92511CFAE}"/>
+                  </a:ext>
+                </a:extLst>
+              </p:cNvPr>
+              <p:cNvSpPr txBox="1"/>
+              <p:nvPr/>
+            </p:nvSpPr>
+            <p:spPr>
+              <a:xfrm>
+                <a:off x="2580599" y="250258"/>
+                <a:ext cx="641131" cy="461665"/>
+              </a:xfrm>
+              <a:prstGeom prst="rect">
+                <a:avLst/>
+              </a:prstGeom>
+              <a:noFill/>
+            </p:spPr>
+            <p:txBody>
+              <a:bodyPr wrap="square" rtlCol="0">
+                <a:spAutoFit/>
+              </a:bodyPr>
+              <a:lstStyle/>
+              <a:p>
+                <a:pPr algn="ctr"/>
+                <a:r>
+                  <a:rPr lang="en-US" sz="2400" dirty="0"/>
+                  <a:t>x</a:t>
+                </a:r>
+              </a:p>
+            </p:txBody>
+          </p:sp>
+          <p:cxnSp>
+            <p:nvCxnSpPr>
+              <p:cNvPr id="6" name="Straight Arrow Connector 5">
+                <a:extLst>
+                  <a:ext uri="{FF2B5EF4-FFF2-40B4-BE49-F238E27FC236}">
+                    <a16:creationId xmlns:a16="http://schemas.microsoft.com/office/drawing/2014/main" id="{60B9A4BA-0461-ABDE-6274-C5ECDB4FAEA0}"/>
+                  </a:ext>
+                </a:extLst>
+              </p:cNvPr>
+              <p:cNvCxnSpPr>
+                <a:stCxn id="3" idx="3"/>
+              </p:cNvCxnSpPr>
+              <p:nvPr/>
+            </p:nvCxnSpPr>
+            <p:spPr>
+              <a:xfrm flipV="1">
+                <a:off x="3221730" y="472400"/>
+                <a:ext cx="3889189" cy="8691"/>
+              </a:xfrm>
+              <a:prstGeom prst="straightConnector1">
+                <a:avLst/>
+              </a:prstGeom>
+              <a:ln w="38100">
+                <a:solidFill>
+                  <a:srgbClr val="FF0000"/>
+                </a:solidFill>
+                <a:tailEnd type="triangle"/>
+              </a:ln>
+            </p:spPr>
+            <p:style>
+              <a:lnRef idx="1">
+                <a:schemeClr val="accent1"/>
+              </a:lnRef>
+              <a:fillRef idx="0">
+                <a:schemeClr val="accent1"/>
+              </a:fillRef>
+              <a:effectRef idx="0">
+                <a:schemeClr val="accent1"/>
+              </a:effectRef>
+              <a:fontRef idx="minor">
+                <a:schemeClr val="tx1"/>
+              </a:fontRef>
+            </p:style>
+          </p:cxnSp>
+        </p:grpSp>
+        <p:grpSp>
+          <p:nvGrpSpPr>
+            <p:cNvPr id="16" name="Group 15">
               <a:extLst>
                 <a:ext uri="{FF2B5EF4-FFF2-40B4-BE49-F238E27FC236}">
-                  <a16:creationId xmlns:a16="http://schemas.microsoft.com/office/drawing/2014/main" id="{6E876A62-3BD7-064E-A9CF-30031B9711E6}"/>
+                  <a16:creationId xmlns:a16="http://schemas.microsoft.com/office/drawing/2014/main" id="{8A6C9A43-D0C2-7E7E-6873-3E5BDEDEF45B}"/>
                 </a:ext>
               </a:extLst>
             </p:cNvPr>
-            <p:cNvSpPr txBox="1"/>
+            <p:cNvGrpSpPr/>
             <p:nvPr/>
-          </p:nvSpPr>
-          <p:spPr>
+          </p:nvGrpSpPr>
+          <p:grpSpPr>
             <a:xfrm>
-              <a:off x="6001840" y="2360009"/>
-              <a:ext cx="641131" cy="369332"/>
+              <a:off x="2260034" y="481091"/>
+              <a:ext cx="641131" cy="5231147"/>
+              <a:chOff x="2260034" y="481091"/>
+              <a:chExt cx="641131" cy="5231147"/>
             </a:xfrm>
-            <a:prstGeom prst="rect">
-              <a:avLst/>
-            </a:prstGeom>
-            <a:noFill/>
-          </p:spPr>
-          <p:txBody>
-            <a:bodyPr wrap="square" rtlCol="0">
-              <a:spAutoFit/>
-            </a:bodyPr>
-            <a:lstStyle/>
-            <a:p>
-              <a:pPr algn="ctr"/>
-              <a:r>
-                <a:rPr lang="en-US" dirty="0"/>
-                <a:t>0, 1</a:t>
-              </a:r>
-            </a:p>
-          </p:txBody>
-        </p:sp>
-        <p:sp>
-          <p:nvSpPr>
-            <p:cNvPr id="9" name="TextBox 8">
+          </p:grpSpPr>
+          <p:sp>
+            <p:nvSpPr>
+              <p:cNvPr id="4" name="TextBox 3">
+                <a:extLst>
+                  <a:ext uri="{FF2B5EF4-FFF2-40B4-BE49-F238E27FC236}">
+                    <a16:creationId xmlns:a16="http://schemas.microsoft.com/office/drawing/2014/main" id="{D0D2D336-7131-BDB3-ACE6-CA2F48B66B2B}"/>
+                  </a:ext>
+                </a:extLst>
+              </p:cNvPr>
+              <p:cNvSpPr txBox="1"/>
+              <p:nvPr/>
+            </p:nvSpPr>
+            <p:spPr>
+              <a:xfrm>
+                <a:off x="2260034" y="481091"/>
+                <a:ext cx="641131" cy="461665"/>
+              </a:xfrm>
+              <a:prstGeom prst="rect">
+                <a:avLst/>
+              </a:prstGeom>
+              <a:noFill/>
+            </p:spPr>
+            <p:txBody>
+              <a:bodyPr wrap="square" rtlCol="0">
+                <a:spAutoFit/>
+              </a:bodyPr>
+              <a:lstStyle/>
+              <a:p>
+                <a:pPr algn="ctr"/>
+                <a:r>
+                  <a:rPr lang="en-US" sz="2400" dirty="0"/>
+                  <a:t>y</a:t>
+                </a:r>
+              </a:p>
+            </p:txBody>
+          </p:sp>
+          <p:cxnSp>
+            <p:nvCxnSpPr>
+              <p:cNvPr id="7" name="Straight Arrow Connector 6">
+                <a:extLst>
+                  <a:ext uri="{FF2B5EF4-FFF2-40B4-BE49-F238E27FC236}">
+                    <a16:creationId xmlns:a16="http://schemas.microsoft.com/office/drawing/2014/main" id="{7E96FDCA-A7D9-2FE7-2FDF-A8002A3E6CCB}"/>
+                  </a:ext>
+                </a:extLst>
+              </p:cNvPr>
+              <p:cNvCxnSpPr>
+                <a:cxnSpLocks/>
+                <a:stCxn id="4" idx="2"/>
+              </p:cNvCxnSpPr>
+              <p:nvPr/>
+            </p:nvCxnSpPr>
+            <p:spPr>
+              <a:xfrm>
+                <a:off x="2580600" y="942756"/>
+                <a:ext cx="0" cy="4769482"/>
+              </a:xfrm>
+              <a:prstGeom prst="straightConnector1">
+                <a:avLst/>
+              </a:prstGeom>
+              <a:ln w="38100">
+                <a:solidFill>
+                  <a:srgbClr val="FF0000"/>
+                </a:solidFill>
+                <a:tailEnd type="triangle"/>
+              </a:ln>
+            </p:spPr>
+            <p:style>
+              <a:lnRef idx="1">
+                <a:schemeClr val="accent1"/>
+              </a:lnRef>
+              <a:fillRef idx="0">
+                <a:schemeClr val="accent1"/>
+              </a:fillRef>
+              <a:effectRef idx="0">
+                <a:schemeClr val="accent1"/>
+              </a:effectRef>
+              <a:fontRef idx="minor">
+                <a:schemeClr val="tx1"/>
+              </a:fontRef>
+            </p:style>
+          </p:cxnSp>
+        </p:grpSp>
+        <p:grpSp>
+          <p:nvGrpSpPr>
+            <p:cNvPr id="15" name="Group 14">
               <a:extLst>
                 <a:ext uri="{FF2B5EF4-FFF2-40B4-BE49-F238E27FC236}">
-                  <a16:creationId xmlns:a16="http://schemas.microsoft.com/office/drawing/2014/main" id="{224B57D0-A8DE-3A48-9C8B-EB69B96E42E5}"/>
+                  <a16:creationId xmlns:a16="http://schemas.microsoft.com/office/drawing/2014/main" id="{B762CAB8-ABDF-70FA-DF73-08BEC93570B8}"/>
                 </a:ext>
               </a:extLst>
             </p:cNvPr>
-            <p:cNvSpPr txBox="1"/>
+            <p:cNvGrpSpPr/>
             <p:nvPr/>
-          </p:nvSpPr>
-          <p:spPr>
+          </p:nvGrpSpPr>
+          <p:grpSpPr>
             <a:xfrm>
-              <a:off x="5293254" y="3264414"/>
-              <a:ext cx="641131" cy="369332"/>
+              <a:off x="3073662" y="1145762"/>
+              <a:ext cx="1744886" cy="1505712"/>
+              <a:chOff x="3073662" y="1145762"/>
+              <a:chExt cx="1744886" cy="1505712"/>
             </a:xfrm>
-            <a:prstGeom prst="rect">
-              <a:avLst/>
-            </a:prstGeom>
-            <a:noFill/>
-          </p:spPr>
-          <p:txBody>
-            <a:bodyPr wrap="square" rtlCol="0">
-              <a:spAutoFit/>
-            </a:bodyPr>
-            <a:lstStyle/>
-            <a:p>
-              <a:pPr algn="ctr"/>
-              <a:r>
-                <a:rPr lang="en-US" dirty="0"/>
-                <a:t>1, 1</a:t>
-              </a:r>
-            </a:p>
-          </p:txBody>
-        </p:sp>
-        <p:sp>
-          <p:nvSpPr>
-            <p:cNvPr id="10" name="TextBox 9">
-              <a:extLst>
-                <a:ext uri="{FF2B5EF4-FFF2-40B4-BE49-F238E27FC236}">
-                  <a16:creationId xmlns:a16="http://schemas.microsoft.com/office/drawing/2014/main" id="{F2E5EC45-D1CF-D44B-8EC3-4E179A93560A}"/>
-                </a:ext>
-              </a:extLst>
-            </p:cNvPr>
-            <p:cNvSpPr txBox="1"/>
-            <p:nvPr/>
-          </p:nvSpPr>
-          <p:spPr>
-            <a:xfrm>
-              <a:off x="6678723" y="3264414"/>
-              <a:ext cx="641131" cy="369332"/>
-            </a:xfrm>
-            <a:prstGeom prst="rect">
-              <a:avLst/>
-            </a:prstGeom>
-            <a:noFill/>
-          </p:spPr>
-          <p:txBody>
-            <a:bodyPr wrap="square" rtlCol="0">
-              <a:spAutoFit/>
-            </a:bodyPr>
-            <a:lstStyle/>
-            <a:p>
-              <a:pPr algn="ctr"/>
-              <a:r>
-                <a:rPr lang="en-US" strike="sngStrike" dirty="0"/>
-                <a:t>0, 2</a:t>
-              </a:r>
-            </a:p>
-          </p:txBody>
-        </p:sp>
-        <p:sp>
-          <p:nvSpPr>
-            <p:cNvPr id="13" name="TextBox 12">
-              <a:extLst>
-                <a:ext uri="{FF2B5EF4-FFF2-40B4-BE49-F238E27FC236}">
-                  <a16:creationId xmlns:a16="http://schemas.microsoft.com/office/drawing/2014/main" id="{6DF57C0F-91A0-0040-B6CA-108D53FE592C}"/>
-                </a:ext>
-              </a:extLst>
-            </p:cNvPr>
-            <p:cNvSpPr txBox="1"/>
-            <p:nvPr/>
-          </p:nvSpPr>
-          <p:spPr>
-            <a:xfrm>
-              <a:off x="4719578" y="4241270"/>
-              <a:ext cx="641131" cy="369332"/>
-            </a:xfrm>
-            <a:prstGeom prst="rect">
-              <a:avLst/>
-            </a:prstGeom>
-            <a:noFill/>
-          </p:spPr>
-          <p:txBody>
-            <a:bodyPr wrap="square" rtlCol="0">
-              <a:spAutoFit/>
-            </a:bodyPr>
-            <a:lstStyle/>
-            <a:p>
-              <a:pPr algn="ctr"/>
-              <a:r>
-                <a:rPr lang="en-US" strike="sngStrike" dirty="0"/>
-                <a:t>2, 1</a:t>
-              </a:r>
-            </a:p>
-          </p:txBody>
-        </p:sp>
-        <p:sp>
-          <p:nvSpPr>
-            <p:cNvPr id="14" name="TextBox 13">
-              <a:extLst>
-                <a:ext uri="{FF2B5EF4-FFF2-40B4-BE49-F238E27FC236}">
-                  <a16:creationId xmlns:a16="http://schemas.microsoft.com/office/drawing/2014/main" id="{42CE2DAA-5A6A-874D-A726-B45B8DA00D18}"/>
-                </a:ext>
-              </a:extLst>
-            </p:cNvPr>
-            <p:cNvSpPr txBox="1"/>
-            <p:nvPr/>
-          </p:nvSpPr>
-          <p:spPr>
-            <a:xfrm>
-              <a:off x="5858320" y="4241270"/>
-              <a:ext cx="641131" cy="369332"/>
-            </a:xfrm>
-            <a:prstGeom prst="rect">
-              <a:avLst/>
-            </a:prstGeom>
-            <a:noFill/>
-          </p:spPr>
-          <p:txBody>
-            <a:bodyPr wrap="square" rtlCol="0">
-              <a:spAutoFit/>
-            </a:bodyPr>
-            <a:lstStyle/>
-            <a:p>
-              <a:pPr algn="ctr"/>
-              <a:r>
-                <a:rPr lang="en-US" dirty="0"/>
-                <a:t>1, 2</a:t>
-              </a:r>
-            </a:p>
-          </p:txBody>
-        </p:sp>
-        <p:cxnSp>
-          <p:nvCxnSpPr>
-            <p:cNvPr id="16" name="Straight Connector 15">
-              <a:extLst>
-                <a:ext uri="{FF2B5EF4-FFF2-40B4-BE49-F238E27FC236}">
-                  <a16:creationId xmlns:a16="http://schemas.microsoft.com/office/drawing/2014/main" id="{2E18A74B-0F03-064E-9F2B-0F981220D4D6}"/>
-                </a:ext>
-              </a:extLst>
-            </p:cNvPr>
-            <p:cNvCxnSpPr>
-              <a:cxnSpLocks/>
-              <a:stCxn id="4" idx="2"/>
-              <a:endCxn id="6" idx="0"/>
-            </p:cNvCxnSpPr>
-            <p:nvPr/>
-          </p:nvCxnSpPr>
-          <p:spPr>
-            <a:xfrm flipH="1">
-              <a:off x="3734183" y="2034524"/>
-              <a:ext cx="1122545" cy="325485"/>
-            </a:xfrm>
-            <a:prstGeom prst="line">
-              <a:avLst/>
-            </a:prstGeom>
-          </p:spPr>
-          <p:style>
-            <a:lnRef idx="1">
-              <a:schemeClr val="accent1"/>
-            </a:lnRef>
-            <a:fillRef idx="0">
-              <a:schemeClr val="accent1"/>
-            </a:fillRef>
-            <a:effectRef idx="0">
-              <a:schemeClr val="accent1"/>
-            </a:effectRef>
-            <a:fontRef idx="minor">
-              <a:schemeClr val="tx1"/>
-            </a:fontRef>
-          </p:style>
-        </p:cxnSp>
-        <p:cxnSp>
-          <p:nvCxnSpPr>
-            <p:cNvPr id="19" name="Straight Connector 18">
-              <a:extLst>
-                <a:ext uri="{FF2B5EF4-FFF2-40B4-BE49-F238E27FC236}">
-                  <a16:creationId xmlns:a16="http://schemas.microsoft.com/office/drawing/2014/main" id="{22073338-397C-9C4C-B40E-9470C7D834C6}"/>
-                </a:ext>
-              </a:extLst>
-            </p:cNvPr>
-            <p:cNvCxnSpPr>
-              <a:cxnSpLocks/>
-              <a:stCxn id="4" idx="2"/>
-              <a:endCxn id="7" idx="0"/>
-            </p:cNvCxnSpPr>
-            <p:nvPr/>
-          </p:nvCxnSpPr>
-          <p:spPr>
-            <a:xfrm>
-              <a:off x="4856728" y="2034524"/>
-              <a:ext cx="1465678" cy="325485"/>
-            </a:xfrm>
-            <a:prstGeom prst="line">
-              <a:avLst/>
-            </a:prstGeom>
-          </p:spPr>
-          <p:style>
-            <a:lnRef idx="1">
-              <a:schemeClr val="accent1"/>
-            </a:lnRef>
-            <a:fillRef idx="0">
-              <a:schemeClr val="accent1"/>
-            </a:fillRef>
-            <a:effectRef idx="0">
-              <a:schemeClr val="accent1"/>
-            </a:effectRef>
-            <a:fontRef idx="minor">
-              <a:schemeClr val="tx1"/>
-            </a:fontRef>
-          </p:style>
-        </p:cxnSp>
-        <p:cxnSp>
-          <p:nvCxnSpPr>
-            <p:cNvPr id="22" name="Straight Connector 21">
-              <a:extLst>
-                <a:ext uri="{FF2B5EF4-FFF2-40B4-BE49-F238E27FC236}">
-                  <a16:creationId xmlns:a16="http://schemas.microsoft.com/office/drawing/2014/main" id="{5A54D595-0841-6442-8E9D-FCD3DE447DDF}"/>
-                </a:ext>
-              </a:extLst>
-            </p:cNvPr>
-            <p:cNvCxnSpPr>
-              <a:cxnSpLocks/>
-              <a:stCxn id="7" idx="2"/>
-              <a:endCxn id="9" idx="0"/>
-            </p:cNvCxnSpPr>
-            <p:nvPr/>
-          </p:nvCxnSpPr>
-          <p:spPr>
-            <a:xfrm flipH="1">
-              <a:off x="5613820" y="2729341"/>
-              <a:ext cx="708586" cy="535073"/>
-            </a:xfrm>
-            <a:prstGeom prst="line">
-              <a:avLst/>
-            </a:prstGeom>
-          </p:spPr>
-          <p:style>
-            <a:lnRef idx="1">
-              <a:schemeClr val="accent1"/>
-            </a:lnRef>
-            <a:fillRef idx="0">
-              <a:schemeClr val="accent1"/>
-            </a:fillRef>
-            <a:effectRef idx="0">
-              <a:schemeClr val="accent1"/>
-            </a:effectRef>
-            <a:fontRef idx="minor">
-              <a:schemeClr val="tx1"/>
-            </a:fontRef>
-          </p:style>
-        </p:cxnSp>
-        <p:cxnSp>
-          <p:nvCxnSpPr>
-            <p:cNvPr id="23" name="Straight Connector 22">
-              <a:extLst>
-                <a:ext uri="{FF2B5EF4-FFF2-40B4-BE49-F238E27FC236}">
-                  <a16:creationId xmlns:a16="http://schemas.microsoft.com/office/drawing/2014/main" id="{65C520E3-D25E-DB40-9517-D4D1537B5C64}"/>
-                </a:ext>
-              </a:extLst>
-            </p:cNvPr>
-            <p:cNvCxnSpPr>
-              <a:cxnSpLocks/>
-              <a:stCxn id="7" idx="2"/>
-              <a:endCxn id="10" idx="0"/>
-            </p:cNvCxnSpPr>
-            <p:nvPr/>
-          </p:nvCxnSpPr>
-          <p:spPr>
-            <a:xfrm>
-              <a:off x="6322406" y="2729341"/>
-              <a:ext cx="676883" cy="535073"/>
-            </a:xfrm>
-            <a:prstGeom prst="line">
-              <a:avLst/>
-            </a:prstGeom>
-          </p:spPr>
-          <p:style>
-            <a:lnRef idx="1">
-              <a:schemeClr val="accent1"/>
-            </a:lnRef>
-            <a:fillRef idx="0">
-              <a:schemeClr val="accent1"/>
-            </a:fillRef>
-            <a:effectRef idx="0">
-              <a:schemeClr val="accent1"/>
-            </a:effectRef>
-            <a:fontRef idx="minor">
-              <a:schemeClr val="tx1"/>
-            </a:fontRef>
-          </p:style>
-        </p:cxnSp>
-        <p:cxnSp>
-          <p:nvCxnSpPr>
-            <p:cNvPr id="28" name="Straight Connector 27">
-              <a:extLst>
-                <a:ext uri="{FF2B5EF4-FFF2-40B4-BE49-F238E27FC236}">
-                  <a16:creationId xmlns:a16="http://schemas.microsoft.com/office/drawing/2014/main" id="{8753171E-BD92-6043-8C89-C38CAEF610FE}"/>
-                </a:ext>
-              </a:extLst>
-            </p:cNvPr>
-            <p:cNvCxnSpPr>
-              <a:cxnSpLocks/>
-              <a:stCxn id="9" idx="2"/>
-              <a:endCxn id="13" idx="0"/>
-            </p:cNvCxnSpPr>
-            <p:nvPr/>
-          </p:nvCxnSpPr>
-          <p:spPr>
-            <a:xfrm flipH="1">
-              <a:off x="5040144" y="3633746"/>
-              <a:ext cx="573676" cy="607524"/>
-            </a:xfrm>
-            <a:prstGeom prst="line">
-              <a:avLst/>
-            </a:prstGeom>
-          </p:spPr>
-          <p:style>
-            <a:lnRef idx="1">
-              <a:schemeClr val="accent1"/>
-            </a:lnRef>
-            <a:fillRef idx="0">
-              <a:schemeClr val="accent1"/>
-            </a:fillRef>
-            <a:effectRef idx="0">
-              <a:schemeClr val="accent1"/>
-            </a:effectRef>
-            <a:fontRef idx="minor">
-              <a:schemeClr val="tx1"/>
-            </a:fontRef>
-          </p:style>
-        </p:cxnSp>
-        <p:cxnSp>
-          <p:nvCxnSpPr>
-            <p:cNvPr id="29" name="Straight Connector 28">
-              <a:extLst>
-                <a:ext uri="{FF2B5EF4-FFF2-40B4-BE49-F238E27FC236}">
-                  <a16:creationId xmlns:a16="http://schemas.microsoft.com/office/drawing/2014/main" id="{4EE429DF-1BC9-9C48-A176-ADD6457C8235}"/>
-                </a:ext>
-              </a:extLst>
-            </p:cNvPr>
-            <p:cNvCxnSpPr>
-              <a:cxnSpLocks/>
-              <a:stCxn id="9" idx="2"/>
-              <a:endCxn id="14" idx="0"/>
-            </p:cNvCxnSpPr>
-            <p:nvPr/>
-          </p:nvCxnSpPr>
-          <p:spPr>
-            <a:xfrm>
-              <a:off x="5613820" y="3633746"/>
-              <a:ext cx="565066" cy="607524"/>
-            </a:xfrm>
-            <a:prstGeom prst="line">
-              <a:avLst/>
-            </a:prstGeom>
-          </p:spPr>
-          <p:style>
-            <a:lnRef idx="1">
-              <a:schemeClr val="accent1"/>
-            </a:lnRef>
-            <a:fillRef idx="0">
-              <a:schemeClr val="accent1"/>
-            </a:fillRef>
-            <a:effectRef idx="0">
-              <a:schemeClr val="accent1"/>
-            </a:effectRef>
-            <a:fontRef idx="minor">
-              <a:schemeClr val="tx1"/>
-            </a:fontRef>
-          </p:style>
-        </p:cxnSp>
-        <p:sp>
-          <p:nvSpPr>
-            <p:cNvPr id="36" name="TextBox 35">
-              <a:extLst>
-                <a:ext uri="{FF2B5EF4-FFF2-40B4-BE49-F238E27FC236}">
-                  <a16:creationId xmlns:a16="http://schemas.microsoft.com/office/drawing/2014/main" id="{44DEDFC5-2F4E-0547-85D3-2DE82FE6418F}"/>
-                </a:ext>
-              </a:extLst>
-            </p:cNvPr>
-            <p:cNvSpPr txBox="1"/>
-            <p:nvPr/>
-          </p:nvSpPr>
-          <p:spPr>
-            <a:xfrm>
-              <a:off x="5990899" y="4848794"/>
-              <a:ext cx="1304144" cy="369332"/>
-            </a:xfrm>
-            <a:prstGeom prst="rect">
-              <a:avLst/>
-            </a:prstGeom>
-            <a:noFill/>
-          </p:spPr>
-          <p:txBody>
-            <a:bodyPr wrap="square" rtlCol="0">
-              <a:spAutoFit/>
-            </a:bodyPr>
-            <a:lstStyle/>
-            <a:p>
-              <a:r>
-                <a:rPr lang="en-US" dirty="0"/>
-                <a:t>…</a:t>
-              </a:r>
-            </a:p>
-          </p:txBody>
-        </p:sp>
+          </p:grpSpPr>
+          <p:sp>
+            <p:nvSpPr>
+              <p:cNvPr id="2" name="TextBox 1">
+                <a:extLst>
+                  <a:ext uri="{FF2B5EF4-FFF2-40B4-BE49-F238E27FC236}">
+                    <a16:creationId xmlns:a16="http://schemas.microsoft.com/office/drawing/2014/main" id="{3A8740A0-1BE1-079C-CB11-8912F34F1868}"/>
+                  </a:ext>
+                </a:extLst>
+              </p:cNvPr>
+              <p:cNvSpPr txBox="1"/>
+              <p:nvPr/>
+            </p:nvSpPr>
+            <p:spPr>
+              <a:xfrm>
+                <a:off x="3073663" y="1145762"/>
+                <a:ext cx="641131" cy="461665"/>
+              </a:xfrm>
+              <a:prstGeom prst="rect">
+                <a:avLst/>
+              </a:prstGeom>
+              <a:noFill/>
+            </p:spPr>
+            <p:txBody>
+              <a:bodyPr wrap="square" rtlCol="0">
+                <a:spAutoFit/>
+              </a:bodyPr>
+              <a:lstStyle/>
+              <a:p>
+                <a:pPr algn="ctr"/>
+                <a:r>
+                  <a:rPr lang="en-US" sz="2400" dirty="0"/>
+                  <a:t>0, 0</a:t>
+                </a:r>
+              </a:p>
+            </p:txBody>
+          </p:sp>
+          <p:sp>
+            <p:nvSpPr>
+              <p:cNvPr id="10" name="TextBox 9">
+                <a:extLst>
+                  <a:ext uri="{FF2B5EF4-FFF2-40B4-BE49-F238E27FC236}">
+                    <a16:creationId xmlns:a16="http://schemas.microsoft.com/office/drawing/2014/main" id="{1D05044D-87CD-CEEB-DED5-25E11E64C162}"/>
+                  </a:ext>
+                </a:extLst>
+              </p:cNvPr>
+              <p:cNvSpPr txBox="1"/>
+              <p:nvPr/>
+            </p:nvSpPr>
+            <p:spPr>
+              <a:xfrm>
+                <a:off x="3073662" y="2177837"/>
+                <a:ext cx="641131" cy="461665"/>
+              </a:xfrm>
+              <a:prstGeom prst="rect">
+                <a:avLst/>
+              </a:prstGeom>
+              <a:noFill/>
+            </p:spPr>
+            <p:txBody>
+              <a:bodyPr wrap="square" rtlCol="0">
+                <a:spAutoFit/>
+              </a:bodyPr>
+              <a:lstStyle/>
+              <a:p>
+                <a:pPr algn="ctr"/>
+                <a:r>
+                  <a:rPr lang="en-US" sz="2400" dirty="0"/>
+                  <a:t>0, 1</a:t>
+                </a:r>
+              </a:p>
+            </p:txBody>
+          </p:sp>
+          <p:sp>
+            <p:nvSpPr>
+              <p:cNvPr id="11" name="TextBox 10">
+                <a:extLst>
+                  <a:ext uri="{FF2B5EF4-FFF2-40B4-BE49-F238E27FC236}">
+                    <a16:creationId xmlns:a16="http://schemas.microsoft.com/office/drawing/2014/main" id="{AC33191D-F921-3141-F1BC-1F4C4C99A672}"/>
+                  </a:ext>
+                </a:extLst>
+              </p:cNvPr>
+              <p:cNvSpPr txBox="1"/>
+              <p:nvPr/>
+            </p:nvSpPr>
+            <p:spPr>
+              <a:xfrm>
+                <a:off x="4177417" y="2189809"/>
+                <a:ext cx="641131" cy="461665"/>
+              </a:xfrm>
+              <a:prstGeom prst="rect">
+                <a:avLst/>
+              </a:prstGeom>
+              <a:noFill/>
+            </p:spPr>
+            <p:txBody>
+              <a:bodyPr wrap="square" rtlCol="0">
+                <a:spAutoFit/>
+              </a:bodyPr>
+              <a:lstStyle/>
+              <a:p>
+                <a:pPr algn="ctr"/>
+                <a:r>
+                  <a:rPr lang="en-US" sz="2400" dirty="0"/>
+                  <a:t>1, 1</a:t>
+                </a:r>
+              </a:p>
+            </p:txBody>
+          </p:sp>
+          <p:sp>
+            <p:nvSpPr>
+              <p:cNvPr id="13" name="TextBox 12">
+                <a:extLst>
+                  <a:ext uri="{FF2B5EF4-FFF2-40B4-BE49-F238E27FC236}">
+                    <a16:creationId xmlns:a16="http://schemas.microsoft.com/office/drawing/2014/main" id="{02F25CD2-ECD7-8602-D97F-E6924ABA8851}"/>
+                  </a:ext>
+                </a:extLst>
+              </p:cNvPr>
+              <p:cNvSpPr txBox="1"/>
+              <p:nvPr/>
+            </p:nvSpPr>
+            <p:spPr>
+              <a:xfrm>
+                <a:off x="4177416" y="1145762"/>
+                <a:ext cx="641131" cy="461665"/>
+              </a:xfrm>
+              <a:prstGeom prst="rect">
+                <a:avLst/>
+              </a:prstGeom>
+              <a:noFill/>
+            </p:spPr>
+            <p:txBody>
+              <a:bodyPr wrap="square" rtlCol="0">
+                <a:spAutoFit/>
+              </a:bodyPr>
+              <a:lstStyle/>
+              <a:p>
+                <a:pPr algn="ctr"/>
+                <a:r>
+                  <a:rPr lang="en-US" sz="2400" dirty="0">
+                    <a:solidFill>
+                      <a:schemeClr val="bg1"/>
+                    </a:solidFill>
+                  </a:rPr>
+                  <a:t>1, 1</a:t>
+                </a:r>
+              </a:p>
+            </p:txBody>
+          </p:sp>
+        </p:grpSp>
       </p:grpSp>
       <p:sp>
         <p:nvSpPr>
-          <p:cNvPr id="38" name="TextBox 37">
-            <a:extLst>
-              <a:ext uri="{FF2B5EF4-FFF2-40B4-BE49-F238E27FC236}">
-                <a16:creationId xmlns:a16="http://schemas.microsoft.com/office/drawing/2014/main" id="{5975C7C3-7082-CF41-A3A3-A2EDF0310D3D}"/>
+          <p:cNvPr id="19" name="TextBox 18">
+            <a:extLst>
+              <a:ext uri="{FF2B5EF4-FFF2-40B4-BE49-F238E27FC236}">
+                <a16:creationId xmlns:a16="http://schemas.microsoft.com/office/drawing/2014/main" id="{815E97C9-B453-DEF9-F8FE-BB8614287EBD}"/>
               </a:ext>
             </a:extLst>
           </p:cNvPr>
@@ -6191,8 +7624,8 @@
         </p:nvSpPr>
         <p:spPr>
           <a:xfrm>
-            <a:off x="663894" y="4077357"/>
-            <a:ext cx="5561532" cy="2308324"/>
+            <a:off x="7551905" y="242631"/>
+            <a:ext cx="3386061" cy="1446550"/>
           </a:xfrm>
           <a:prstGeom prst="rect">
             <a:avLst/>
@@ -6205,9 +7638,45 @@
           </a:bodyPr>
           <a:lstStyle/>
           <a:p>
+            <a:pPr algn="ctr"/>
+            <a:r>
+              <a:rPr lang="en-US" sz="4400" dirty="0"/>
+              <a:t>Notation and Assumptions</a:t>
+            </a:r>
+          </a:p>
+        </p:txBody>
+      </p:sp>
+      <p:sp>
+        <p:nvSpPr>
+          <p:cNvPr id="20" name="TextBox 19">
+            <a:extLst>
+              <a:ext uri="{FF2B5EF4-FFF2-40B4-BE49-F238E27FC236}">
+                <a16:creationId xmlns:a16="http://schemas.microsoft.com/office/drawing/2014/main" id="{CA9EB22B-6317-9934-4DE5-688C55C5A79F}"/>
+              </a:ext>
+            </a:extLst>
+          </p:cNvPr>
+          <p:cNvSpPr txBox="1"/>
+          <p:nvPr/>
+        </p:nvSpPr>
+        <p:spPr>
+          <a:xfrm>
+            <a:off x="6543557" y="2114308"/>
+            <a:ext cx="5561532" cy="2585323"/>
+          </a:xfrm>
+          <a:prstGeom prst="rect">
+            <a:avLst/>
+          </a:prstGeom>
+          <a:noFill/>
+        </p:spPr>
+        <p:txBody>
+          <a:bodyPr wrap="square" rtlCol="0">
+            <a:spAutoFit/>
+          </a:bodyPr>
+          <a:lstStyle/>
+          <a:p>
             <a:r>
               <a:rPr lang="en-US" dirty="0"/>
-              <a:t>In this module, we restrict the problem so that at each step it is only possible to move right (x+1) or down (y+1).</a:t>
+              <a:t>Each cell has a 0-based x, y position.</a:t>
             </a:r>
           </a:p>
           <a:p>
@@ -6216,7 +7685,7 @@
           <a:p>
             <a:r>
               <a:rPr lang="en-US" dirty="0"/>
-              <a:t>But sometimes either of those may be invalid because they run into a wall or off the edge of the maze.</a:t>
+              <a:t>In this module, we restrict the problem so that at each step it is only possible to move down (y+1) or right (x+1).</a:t>
             </a:r>
           </a:p>
           <a:p>
@@ -6225,15 +7694,27 @@
           <a:p>
             <a:r>
               <a:rPr lang="en-US" dirty="0"/>
-              <a:t>Do not assume each position can have only one valid next position. In general it is an arbitrary-arity tree.</a:t>
-            </a:r>
+              <a:t>Mazes are square.</a:t>
+            </a:r>
+          </a:p>
+          <a:p>
+            <a:endParaRPr lang="en-US" dirty="0"/>
+          </a:p>
+          <a:p>
+            <a:r>
+              <a:rPr lang="en-US" dirty="0"/>
+              <a:t>SIZE = width – height. so x is [0, SIZE-1] y is in [0, SIZE-1]</a:t>
+            </a:r>
+          </a:p>
+          <a:p>
+            <a:endParaRPr lang="en-US" dirty="0"/>
           </a:p>
         </p:txBody>
       </p:sp>
     </p:spTree>
     <p:extLst>
       <p:ext uri="{BB962C8B-B14F-4D97-AF65-F5344CB8AC3E}">
-        <p14:creationId xmlns:p14="http://schemas.microsoft.com/office/powerpoint/2010/main" val="1464222670"/>
+        <p14:creationId xmlns:p14="http://schemas.microsoft.com/office/powerpoint/2010/main" val="3486637406"/>
       </p:ext>
     </p:extLst>
   </p:cSld>
@@ -6274,8 +7755,8 @@
         </p:nvSpPr>
         <p:spPr>
           <a:xfrm>
-            <a:off x="8568093" y="570480"/>
-            <a:ext cx="3323243" cy="461665"/>
+            <a:off x="217572" y="138247"/>
+            <a:ext cx="8262754" cy="584775"/>
           </a:xfrm>
           <a:prstGeom prst="rect">
             <a:avLst/>
@@ -6289,8 +7770,8 @@
           <a:lstStyle/>
           <a:p>
             <a:r>
-              <a:rPr lang="en-US" sz="2400" dirty="0"/>
-              <a:t>MANDATORY search tree</a:t>
+              <a:rPr lang="en-US" sz="3200" dirty="0"/>
+              <a:t>The big insight: We can generate a tree as we go.</a:t>
             </a:r>
           </a:p>
         </p:txBody>
@@ -6325,560 +7806,12 @@
           </a:prstGeom>
         </p:spPr>
       </p:pic>
-      <p:grpSp>
-        <p:nvGrpSpPr>
-          <p:cNvPr id="40" name="Group 39">
-            <a:extLst>
-              <a:ext uri="{FF2B5EF4-FFF2-40B4-BE49-F238E27FC236}">
-                <a16:creationId xmlns:a16="http://schemas.microsoft.com/office/drawing/2014/main" id="{39925235-24B8-D34E-9E73-606E4B402400}"/>
-              </a:ext>
-            </a:extLst>
-          </p:cNvPr>
-          <p:cNvGrpSpPr/>
-          <p:nvPr/>
-        </p:nvGrpSpPr>
-        <p:grpSpPr>
-          <a:xfrm>
-            <a:off x="5482259" y="720465"/>
-            <a:ext cx="3906237" cy="3552934"/>
-            <a:chOff x="3413617" y="1665192"/>
-            <a:chExt cx="3906237" cy="3552934"/>
-          </a:xfrm>
-        </p:grpSpPr>
-        <p:sp>
-          <p:nvSpPr>
-            <p:cNvPr id="4" name="TextBox 3">
-              <a:extLst>
-                <a:ext uri="{FF2B5EF4-FFF2-40B4-BE49-F238E27FC236}">
-                  <a16:creationId xmlns:a16="http://schemas.microsoft.com/office/drawing/2014/main" id="{96210564-8BC9-8548-96E4-A32935E5C8AB}"/>
-                </a:ext>
-              </a:extLst>
-            </p:cNvPr>
-            <p:cNvSpPr txBox="1"/>
-            <p:nvPr/>
-          </p:nvSpPr>
-          <p:spPr>
-            <a:xfrm>
-              <a:off x="4536162" y="1665192"/>
-              <a:ext cx="641131" cy="369332"/>
-            </a:xfrm>
-            <a:prstGeom prst="rect">
-              <a:avLst/>
-            </a:prstGeom>
-            <a:noFill/>
-          </p:spPr>
-          <p:txBody>
-            <a:bodyPr wrap="square" rtlCol="0">
-              <a:spAutoFit/>
-            </a:bodyPr>
-            <a:lstStyle/>
-            <a:p>
-              <a:pPr algn="ctr"/>
-              <a:r>
-                <a:rPr lang="en-US" dirty="0"/>
-                <a:t>0, 0</a:t>
-              </a:r>
-            </a:p>
-          </p:txBody>
-        </p:sp>
-        <p:sp>
-          <p:nvSpPr>
-            <p:cNvPr id="6" name="TextBox 5">
-              <a:extLst>
-                <a:ext uri="{FF2B5EF4-FFF2-40B4-BE49-F238E27FC236}">
-                  <a16:creationId xmlns:a16="http://schemas.microsoft.com/office/drawing/2014/main" id="{A65DAF96-7ECF-A342-B83C-B0E61DC1570C}"/>
-                </a:ext>
-              </a:extLst>
-            </p:cNvPr>
-            <p:cNvSpPr txBox="1"/>
-            <p:nvPr/>
-          </p:nvSpPr>
-          <p:spPr>
-            <a:xfrm>
-              <a:off x="3413617" y="2360009"/>
-              <a:ext cx="641131" cy="369332"/>
-            </a:xfrm>
-            <a:prstGeom prst="rect">
-              <a:avLst/>
-            </a:prstGeom>
-            <a:noFill/>
-          </p:spPr>
-          <p:txBody>
-            <a:bodyPr wrap="square" rtlCol="0">
-              <a:spAutoFit/>
-            </a:bodyPr>
-            <a:lstStyle/>
-            <a:p>
-              <a:pPr algn="ctr"/>
-              <a:r>
-                <a:rPr lang="en-US" strike="sngStrike" dirty="0"/>
-                <a:t>1, 0</a:t>
-              </a:r>
-            </a:p>
-          </p:txBody>
-        </p:sp>
-        <p:sp>
-          <p:nvSpPr>
-            <p:cNvPr id="7" name="TextBox 6">
-              <a:extLst>
-                <a:ext uri="{FF2B5EF4-FFF2-40B4-BE49-F238E27FC236}">
-                  <a16:creationId xmlns:a16="http://schemas.microsoft.com/office/drawing/2014/main" id="{6E876A62-3BD7-064E-A9CF-30031B9711E6}"/>
-                </a:ext>
-              </a:extLst>
-            </p:cNvPr>
-            <p:cNvSpPr txBox="1"/>
-            <p:nvPr/>
-          </p:nvSpPr>
-          <p:spPr>
-            <a:xfrm>
-              <a:off x="6001840" y="2360009"/>
-              <a:ext cx="641131" cy="369332"/>
-            </a:xfrm>
-            <a:prstGeom prst="rect">
-              <a:avLst/>
-            </a:prstGeom>
-            <a:noFill/>
-          </p:spPr>
-          <p:txBody>
-            <a:bodyPr wrap="square" rtlCol="0">
-              <a:spAutoFit/>
-            </a:bodyPr>
-            <a:lstStyle/>
-            <a:p>
-              <a:pPr algn="ctr"/>
-              <a:r>
-                <a:rPr lang="en-US" dirty="0"/>
-                <a:t>0, 1</a:t>
-              </a:r>
-            </a:p>
-          </p:txBody>
-        </p:sp>
-        <p:sp>
-          <p:nvSpPr>
-            <p:cNvPr id="9" name="TextBox 8">
-              <a:extLst>
-                <a:ext uri="{FF2B5EF4-FFF2-40B4-BE49-F238E27FC236}">
-                  <a16:creationId xmlns:a16="http://schemas.microsoft.com/office/drawing/2014/main" id="{224B57D0-A8DE-3A48-9C8B-EB69B96E42E5}"/>
-                </a:ext>
-              </a:extLst>
-            </p:cNvPr>
-            <p:cNvSpPr txBox="1"/>
-            <p:nvPr/>
-          </p:nvSpPr>
-          <p:spPr>
-            <a:xfrm>
-              <a:off x="5293254" y="3264414"/>
-              <a:ext cx="641131" cy="369332"/>
-            </a:xfrm>
-            <a:prstGeom prst="rect">
-              <a:avLst/>
-            </a:prstGeom>
-            <a:noFill/>
-          </p:spPr>
-          <p:txBody>
-            <a:bodyPr wrap="square" rtlCol="0">
-              <a:spAutoFit/>
-            </a:bodyPr>
-            <a:lstStyle/>
-            <a:p>
-              <a:pPr algn="ctr"/>
-              <a:r>
-                <a:rPr lang="en-US" dirty="0"/>
-                <a:t>1, 1</a:t>
-              </a:r>
-            </a:p>
-          </p:txBody>
-        </p:sp>
-        <p:sp>
-          <p:nvSpPr>
-            <p:cNvPr id="10" name="TextBox 9">
-              <a:extLst>
-                <a:ext uri="{FF2B5EF4-FFF2-40B4-BE49-F238E27FC236}">
-                  <a16:creationId xmlns:a16="http://schemas.microsoft.com/office/drawing/2014/main" id="{F2E5EC45-D1CF-D44B-8EC3-4E179A93560A}"/>
-                </a:ext>
-              </a:extLst>
-            </p:cNvPr>
-            <p:cNvSpPr txBox="1"/>
-            <p:nvPr/>
-          </p:nvSpPr>
-          <p:spPr>
-            <a:xfrm>
-              <a:off x="6678723" y="3264414"/>
-              <a:ext cx="641131" cy="369332"/>
-            </a:xfrm>
-            <a:prstGeom prst="rect">
-              <a:avLst/>
-            </a:prstGeom>
-            <a:noFill/>
-          </p:spPr>
-          <p:txBody>
-            <a:bodyPr wrap="square" rtlCol="0">
-              <a:spAutoFit/>
-            </a:bodyPr>
-            <a:lstStyle/>
-            <a:p>
-              <a:pPr algn="ctr"/>
-              <a:r>
-                <a:rPr lang="en-US" strike="sngStrike" dirty="0"/>
-                <a:t>0, 2</a:t>
-              </a:r>
-            </a:p>
-          </p:txBody>
-        </p:sp>
-        <p:sp>
-          <p:nvSpPr>
-            <p:cNvPr id="13" name="TextBox 12">
-              <a:extLst>
-                <a:ext uri="{FF2B5EF4-FFF2-40B4-BE49-F238E27FC236}">
-                  <a16:creationId xmlns:a16="http://schemas.microsoft.com/office/drawing/2014/main" id="{6DF57C0F-91A0-0040-B6CA-108D53FE592C}"/>
-                </a:ext>
-              </a:extLst>
-            </p:cNvPr>
-            <p:cNvSpPr txBox="1"/>
-            <p:nvPr/>
-          </p:nvSpPr>
-          <p:spPr>
-            <a:xfrm>
-              <a:off x="4719578" y="4241270"/>
-              <a:ext cx="641131" cy="369332"/>
-            </a:xfrm>
-            <a:prstGeom prst="rect">
-              <a:avLst/>
-            </a:prstGeom>
-            <a:noFill/>
-          </p:spPr>
-          <p:txBody>
-            <a:bodyPr wrap="square" rtlCol="0">
-              <a:spAutoFit/>
-            </a:bodyPr>
-            <a:lstStyle/>
-            <a:p>
-              <a:pPr algn="ctr"/>
-              <a:r>
-                <a:rPr lang="en-US" strike="sngStrike" dirty="0"/>
-                <a:t>2, 1</a:t>
-              </a:r>
-            </a:p>
-          </p:txBody>
-        </p:sp>
-        <p:sp>
-          <p:nvSpPr>
-            <p:cNvPr id="14" name="TextBox 13">
-              <a:extLst>
-                <a:ext uri="{FF2B5EF4-FFF2-40B4-BE49-F238E27FC236}">
-                  <a16:creationId xmlns:a16="http://schemas.microsoft.com/office/drawing/2014/main" id="{42CE2DAA-5A6A-874D-A726-B45B8DA00D18}"/>
-                </a:ext>
-              </a:extLst>
-            </p:cNvPr>
-            <p:cNvSpPr txBox="1"/>
-            <p:nvPr/>
-          </p:nvSpPr>
-          <p:spPr>
-            <a:xfrm>
-              <a:off x="5858320" y="4241270"/>
-              <a:ext cx="641131" cy="369332"/>
-            </a:xfrm>
-            <a:prstGeom prst="rect">
-              <a:avLst/>
-            </a:prstGeom>
-            <a:noFill/>
-          </p:spPr>
-          <p:txBody>
-            <a:bodyPr wrap="square" rtlCol="0">
-              <a:spAutoFit/>
-            </a:bodyPr>
-            <a:lstStyle/>
-            <a:p>
-              <a:pPr algn="ctr"/>
-              <a:r>
-                <a:rPr lang="en-US" dirty="0"/>
-                <a:t>1, 2</a:t>
-              </a:r>
-            </a:p>
-          </p:txBody>
-        </p:sp>
-        <p:cxnSp>
-          <p:nvCxnSpPr>
-            <p:cNvPr id="16" name="Straight Connector 15">
-              <a:extLst>
-                <a:ext uri="{FF2B5EF4-FFF2-40B4-BE49-F238E27FC236}">
-                  <a16:creationId xmlns:a16="http://schemas.microsoft.com/office/drawing/2014/main" id="{2E18A74B-0F03-064E-9F2B-0F981220D4D6}"/>
-                </a:ext>
-              </a:extLst>
-            </p:cNvPr>
-            <p:cNvCxnSpPr>
-              <a:cxnSpLocks/>
-              <a:stCxn id="4" idx="2"/>
-              <a:endCxn id="6" idx="0"/>
-            </p:cNvCxnSpPr>
-            <p:nvPr/>
-          </p:nvCxnSpPr>
-          <p:spPr>
-            <a:xfrm flipH="1">
-              <a:off x="3734183" y="2034524"/>
-              <a:ext cx="1122545" cy="325485"/>
-            </a:xfrm>
-            <a:prstGeom prst="line">
-              <a:avLst/>
-            </a:prstGeom>
-          </p:spPr>
-          <p:style>
-            <a:lnRef idx="1">
-              <a:schemeClr val="accent1"/>
-            </a:lnRef>
-            <a:fillRef idx="0">
-              <a:schemeClr val="accent1"/>
-            </a:fillRef>
-            <a:effectRef idx="0">
-              <a:schemeClr val="accent1"/>
-            </a:effectRef>
-            <a:fontRef idx="minor">
-              <a:schemeClr val="tx1"/>
-            </a:fontRef>
-          </p:style>
-        </p:cxnSp>
-        <p:cxnSp>
-          <p:nvCxnSpPr>
-            <p:cNvPr id="19" name="Straight Connector 18">
-              <a:extLst>
-                <a:ext uri="{FF2B5EF4-FFF2-40B4-BE49-F238E27FC236}">
-                  <a16:creationId xmlns:a16="http://schemas.microsoft.com/office/drawing/2014/main" id="{22073338-397C-9C4C-B40E-9470C7D834C6}"/>
-                </a:ext>
-              </a:extLst>
-            </p:cNvPr>
-            <p:cNvCxnSpPr>
-              <a:cxnSpLocks/>
-              <a:stCxn id="4" idx="2"/>
-              <a:endCxn id="7" idx="0"/>
-            </p:cNvCxnSpPr>
-            <p:nvPr/>
-          </p:nvCxnSpPr>
-          <p:spPr>
-            <a:xfrm>
-              <a:off x="4856728" y="2034524"/>
-              <a:ext cx="1465678" cy="325485"/>
-            </a:xfrm>
-            <a:prstGeom prst="line">
-              <a:avLst/>
-            </a:prstGeom>
-          </p:spPr>
-          <p:style>
-            <a:lnRef idx="1">
-              <a:schemeClr val="accent1"/>
-            </a:lnRef>
-            <a:fillRef idx="0">
-              <a:schemeClr val="accent1"/>
-            </a:fillRef>
-            <a:effectRef idx="0">
-              <a:schemeClr val="accent1"/>
-            </a:effectRef>
-            <a:fontRef idx="minor">
-              <a:schemeClr val="tx1"/>
-            </a:fontRef>
-          </p:style>
-        </p:cxnSp>
-        <p:cxnSp>
-          <p:nvCxnSpPr>
-            <p:cNvPr id="22" name="Straight Connector 21">
-              <a:extLst>
-                <a:ext uri="{FF2B5EF4-FFF2-40B4-BE49-F238E27FC236}">
-                  <a16:creationId xmlns:a16="http://schemas.microsoft.com/office/drawing/2014/main" id="{5A54D595-0841-6442-8E9D-FCD3DE447DDF}"/>
-                </a:ext>
-              </a:extLst>
-            </p:cNvPr>
-            <p:cNvCxnSpPr>
-              <a:cxnSpLocks/>
-              <a:stCxn id="7" idx="2"/>
-              <a:endCxn id="9" idx="0"/>
-            </p:cNvCxnSpPr>
-            <p:nvPr/>
-          </p:nvCxnSpPr>
-          <p:spPr>
-            <a:xfrm flipH="1">
-              <a:off x="5613820" y="2729341"/>
-              <a:ext cx="708586" cy="535073"/>
-            </a:xfrm>
-            <a:prstGeom prst="line">
-              <a:avLst/>
-            </a:prstGeom>
-          </p:spPr>
-          <p:style>
-            <a:lnRef idx="1">
-              <a:schemeClr val="accent1"/>
-            </a:lnRef>
-            <a:fillRef idx="0">
-              <a:schemeClr val="accent1"/>
-            </a:fillRef>
-            <a:effectRef idx="0">
-              <a:schemeClr val="accent1"/>
-            </a:effectRef>
-            <a:fontRef idx="minor">
-              <a:schemeClr val="tx1"/>
-            </a:fontRef>
-          </p:style>
-        </p:cxnSp>
-        <p:cxnSp>
-          <p:nvCxnSpPr>
-            <p:cNvPr id="23" name="Straight Connector 22">
-              <a:extLst>
-                <a:ext uri="{FF2B5EF4-FFF2-40B4-BE49-F238E27FC236}">
-                  <a16:creationId xmlns:a16="http://schemas.microsoft.com/office/drawing/2014/main" id="{65C520E3-D25E-DB40-9517-D4D1537B5C64}"/>
-                </a:ext>
-              </a:extLst>
-            </p:cNvPr>
-            <p:cNvCxnSpPr>
-              <a:cxnSpLocks/>
-              <a:stCxn id="7" idx="2"/>
-              <a:endCxn id="10" idx="0"/>
-            </p:cNvCxnSpPr>
-            <p:nvPr/>
-          </p:nvCxnSpPr>
-          <p:spPr>
-            <a:xfrm>
-              <a:off x="6322406" y="2729341"/>
-              <a:ext cx="676883" cy="535073"/>
-            </a:xfrm>
-            <a:prstGeom prst="line">
-              <a:avLst/>
-            </a:prstGeom>
-          </p:spPr>
-          <p:style>
-            <a:lnRef idx="1">
-              <a:schemeClr val="accent1"/>
-            </a:lnRef>
-            <a:fillRef idx="0">
-              <a:schemeClr val="accent1"/>
-            </a:fillRef>
-            <a:effectRef idx="0">
-              <a:schemeClr val="accent1"/>
-            </a:effectRef>
-            <a:fontRef idx="minor">
-              <a:schemeClr val="tx1"/>
-            </a:fontRef>
-          </p:style>
-        </p:cxnSp>
-        <p:cxnSp>
-          <p:nvCxnSpPr>
-            <p:cNvPr id="28" name="Straight Connector 27">
-              <a:extLst>
-                <a:ext uri="{FF2B5EF4-FFF2-40B4-BE49-F238E27FC236}">
-                  <a16:creationId xmlns:a16="http://schemas.microsoft.com/office/drawing/2014/main" id="{8753171E-BD92-6043-8C89-C38CAEF610FE}"/>
-                </a:ext>
-              </a:extLst>
-            </p:cNvPr>
-            <p:cNvCxnSpPr>
-              <a:cxnSpLocks/>
-              <a:stCxn id="9" idx="2"/>
-              <a:endCxn id="13" idx="0"/>
-            </p:cNvCxnSpPr>
-            <p:nvPr/>
-          </p:nvCxnSpPr>
-          <p:spPr>
-            <a:xfrm flipH="1">
-              <a:off x="5040144" y="3633746"/>
-              <a:ext cx="573676" cy="607524"/>
-            </a:xfrm>
-            <a:prstGeom prst="line">
-              <a:avLst/>
-            </a:prstGeom>
-          </p:spPr>
-          <p:style>
-            <a:lnRef idx="1">
-              <a:schemeClr val="accent1"/>
-            </a:lnRef>
-            <a:fillRef idx="0">
-              <a:schemeClr val="accent1"/>
-            </a:fillRef>
-            <a:effectRef idx="0">
-              <a:schemeClr val="accent1"/>
-            </a:effectRef>
-            <a:fontRef idx="minor">
-              <a:schemeClr val="tx1"/>
-            </a:fontRef>
-          </p:style>
-        </p:cxnSp>
-        <p:cxnSp>
-          <p:nvCxnSpPr>
-            <p:cNvPr id="29" name="Straight Connector 28">
-              <a:extLst>
-                <a:ext uri="{FF2B5EF4-FFF2-40B4-BE49-F238E27FC236}">
-                  <a16:creationId xmlns:a16="http://schemas.microsoft.com/office/drawing/2014/main" id="{4EE429DF-1BC9-9C48-A176-ADD6457C8235}"/>
-                </a:ext>
-              </a:extLst>
-            </p:cNvPr>
-            <p:cNvCxnSpPr>
-              <a:cxnSpLocks/>
-              <a:stCxn id="9" idx="2"/>
-              <a:endCxn id="14" idx="0"/>
-            </p:cNvCxnSpPr>
-            <p:nvPr/>
-          </p:nvCxnSpPr>
-          <p:spPr>
-            <a:xfrm>
-              <a:off x="5613820" y="3633746"/>
-              <a:ext cx="565066" cy="607524"/>
-            </a:xfrm>
-            <a:prstGeom prst="line">
-              <a:avLst/>
-            </a:prstGeom>
-          </p:spPr>
-          <p:style>
-            <a:lnRef idx="1">
-              <a:schemeClr val="accent1"/>
-            </a:lnRef>
-            <a:fillRef idx="0">
-              <a:schemeClr val="accent1"/>
-            </a:fillRef>
-            <a:effectRef idx="0">
-              <a:schemeClr val="accent1"/>
-            </a:effectRef>
-            <a:fontRef idx="minor">
-              <a:schemeClr val="tx1"/>
-            </a:fontRef>
-          </p:style>
-        </p:cxnSp>
-        <p:sp>
-          <p:nvSpPr>
-            <p:cNvPr id="36" name="TextBox 35">
-              <a:extLst>
-                <a:ext uri="{FF2B5EF4-FFF2-40B4-BE49-F238E27FC236}">
-                  <a16:creationId xmlns:a16="http://schemas.microsoft.com/office/drawing/2014/main" id="{44DEDFC5-2F4E-0547-85D3-2DE82FE6418F}"/>
-                </a:ext>
-              </a:extLst>
-            </p:cNvPr>
-            <p:cNvSpPr txBox="1"/>
-            <p:nvPr/>
-          </p:nvSpPr>
-          <p:spPr>
-            <a:xfrm>
-              <a:off x="5990899" y="4848794"/>
-              <a:ext cx="1304144" cy="369332"/>
-            </a:xfrm>
-            <a:prstGeom prst="rect">
-              <a:avLst/>
-            </a:prstGeom>
-            <a:noFill/>
-          </p:spPr>
-          <p:txBody>
-            <a:bodyPr wrap="square" rtlCol="0">
-              <a:spAutoFit/>
-            </a:bodyPr>
-            <a:lstStyle/>
-            <a:p>
-              <a:r>
-                <a:rPr lang="en-US" dirty="0"/>
-                <a:t>…</a:t>
-              </a:r>
-            </a:p>
-          </p:txBody>
-        </p:sp>
-      </p:grpSp>
-      <p:sp>
-        <p:nvSpPr>
-          <p:cNvPr id="38" name="TextBox 37">
-            <a:extLst>
-              <a:ext uri="{FF2B5EF4-FFF2-40B4-BE49-F238E27FC236}">
-                <a16:creationId xmlns:a16="http://schemas.microsoft.com/office/drawing/2014/main" id="{5975C7C3-7082-CF41-A3A3-A2EDF0310D3D}"/>
+      <p:sp>
+        <p:nvSpPr>
+          <p:cNvPr id="4" name="TextBox 3">
+            <a:extLst>
+              <a:ext uri="{FF2B5EF4-FFF2-40B4-BE49-F238E27FC236}">
+                <a16:creationId xmlns:a16="http://schemas.microsoft.com/office/drawing/2014/main" id="{96210564-8BC9-8548-96E4-A32935E5C8AB}"/>
               </a:ext>
             </a:extLst>
           </p:cNvPr>
@@ -6887,8 +7820,8 @@
         </p:nvSpPr>
         <p:spPr>
           <a:xfrm>
-            <a:off x="1088626" y="4283863"/>
-            <a:ext cx="8275059" cy="2123658"/>
+            <a:off x="8800891" y="735307"/>
+            <a:ext cx="641131" cy="369332"/>
           </a:xfrm>
           <a:prstGeom prst="rect">
             <a:avLst/>
@@ -6901,23 +7834,45 @@
           </a:bodyPr>
           <a:lstStyle/>
           <a:p>
-            <a:r>
-              <a:rPr lang="en-US" sz="2400" dirty="0"/>
-              <a:t>3 KEY questions:</a:t>
-            </a:r>
-          </a:p>
-          <a:p>
+            <a:pPr algn="ctr"/>
             <a:r>
               <a:rPr lang="en-US" dirty="0"/>
-              <a:t>What is changing search state? current </a:t>
-            </a:r>
-            <a:r>
-              <a:rPr lang="en-US" dirty="0" err="1"/>
-              <a:t>x,y</a:t>
-            </a:r>
+              <a:t>0, 0</a:t>
+            </a:r>
+          </a:p>
+        </p:txBody>
+      </p:sp>
+      <p:sp>
+        <p:nvSpPr>
+          <p:cNvPr id="38" name="TextBox 37">
+            <a:extLst>
+              <a:ext uri="{FF2B5EF4-FFF2-40B4-BE49-F238E27FC236}">
+                <a16:creationId xmlns:a16="http://schemas.microsoft.com/office/drawing/2014/main" id="{5975C7C3-7082-CF41-A3A3-A2EDF0310D3D}"/>
+              </a:ext>
+            </a:extLst>
+          </p:cNvPr>
+          <p:cNvSpPr txBox="1"/>
+          <p:nvPr/>
+        </p:nvSpPr>
+        <p:spPr>
+          <a:xfrm>
+            <a:off x="663894" y="4077357"/>
+            <a:ext cx="5561532" cy="2308324"/>
+          </a:xfrm>
+          <a:prstGeom prst="rect">
+            <a:avLst/>
+          </a:prstGeom>
+          <a:noFill/>
+        </p:spPr>
+        <p:txBody>
+          <a:bodyPr wrap="square" rtlCol="0">
+            <a:spAutoFit/>
+          </a:bodyPr>
+          <a:lstStyle/>
+          <a:p>
             <a:r>
               <a:rPr lang="en-US" dirty="0"/>
-              <a:t> position</a:t>
+              <a:t>Each position has up to 2 next positions: down and right.</a:t>
             </a:r>
           </a:p>
           <a:p>
@@ -6926,7 +7881,7 @@
           <a:p>
             <a:r>
               <a:rPr lang="en-US" dirty="0"/>
-              <a:t>How to form next next search search states? down and right, UNLESS hit wall or edges</a:t>
+              <a:t>But sometimes either of those may be invalid because they run into a wall or off the edge of the maze.</a:t>
             </a:r>
           </a:p>
           <a:p>
@@ -6935,13 +7890,7 @@
           <a:p>
             <a:r>
               <a:rPr lang="en-US" dirty="0"/>
-              <a:t>How to tell when done? solved if reach lower right corner</a:t>
-            </a:r>
-          </a:p>
-          <a:p>
-            <a:r>
-              <a:rPr lang="en-US" dirty="0"/>
-              <a:t>                                            can also run out of moves</a:t>
+              <a:t>Do not assume each position can have only one valid next position. In general it is an arbitrary-arity tree. (Up to 2 in this module; up to 4 later.)</a:t>
             </a:r>
           </a:p>
         </p:txBody>
@@ -6949,7 +7898,7 @@
     </p:spTree>
     <p:extLst>
       <p:ext uri="{BB962C8B-B14F-4D97-AF65-F5344CB8AC3E}">
-        <p14:creationId xmlns:p14="http://schemas.microsoft.com/office/powerpoint/2010/main" val="4000325289"/>
+        <p14:creationId xmlns:p14="http://schemas.microsoft.com/office/powerpoint/2010/main" val="1464222670"/>
       </p:ext>
     </p:extLst>
   </p:cSld>
@@ -6981,7 +7930,7 @@
           <p:cNvPr id="5" name="TextBox 4">
             <a:extLst>
               <a:ext uri="{FF2B5EF4-FFF2-40B4-BE49-F238E27FC236}">
-                <a16:creationId xmlns:a16="http://schemas.microsoft.com/office/drawing/2014/main" id="{B0B64357-E6FC-864A-C51C-F4EB739B6F86}"/>
+                <a16:creationId xmlns:a16="http://schemas.microsoft.com/office/drawing/2014/main" id="{346EE018-3C96-BA43-A844-1E35A6F4AD87}"/>
               </a:ext>
             </a:extLst>
           </p:cNvPr>
@@ -6990,8 +7939,8 @@
         </p:nvSpPr>
         <p:spPr>
           <a:xfrm>
-            <a:off x="943584" y="146875"/>
-            <a:ext cx="7427067" cy="5909310"/>
+            <a:off x="217572" y="138247"/>
+            <a:ext cx="8262754" cy="584775"/>
           </a:xfrm>
           <a:prstGeom prst="rect">
             <a:avLst/>
@@ -6999,389 +7948,285 @@
           <a:noFill/>
         </p:spPr>
         <p:txBody>
-          <a:bodyPr wrap="square">
+          <a:bodyPr wrap="square" rtlCol="0">
             <a:spAutoFit/>
           </a:bodyPr>
           <a:lstStyle/>
           <a:p>
-            <a:endParaRPr lang="en-US" sz="1400" dirty="0">
-              <a:latin typeface="Monaco" pitchFamily="2" charset="77"/>
-            </a:endParaRPr>
-          </a:p>
-          <a:p>
-            <a:r>
-              <a:rPr lang="en-US" sz="1400" dirty="0">
-                <a:solidFill>
-                  <a:srgbClr val="FF0000"/>
-                </a:solidFill>
-                <a:latin typeface="Monaco" pitchFamily="2" charset="77"/>
-              </a:rPr>
-              <a:t>;; </a:t>
-            </a:r>
-            <a:r>
-              <a:rPr lang="en-US" sz="1400" dirty="0" err="1">
-                <a:solidFill>
-                  <a:srgbClr val="FF0000"/>
-                </a:solidFill>
-                <a:latin typeface="Monaco" pitchFamily="2" charset="77"/>
-              </a:rPr>
-              <a:t>genrec</a:t>
-            </a:r>
-            <a:endParaRPr lang="en-US" sz="1400" dirty="0">
-              <a:solidFill>
-                <a:srgbClr val="FF0000"/>
-              </a:solidFill>
-              <a:latin typeface="Monaco" pitchFamily="2" charset="77"/>
-            </a:endParaRPr>
-          </a:p>
-          <a:p>
-            <a:r>
-              <a:rPr lang="en-US" sz="1400" dirty="0">
-                <a:solidFill>
-                  <a:srgbClr val="FF0000"/>
-                </a:solidFill>
-                <a:latin typeface="Monaco" pitchFamily="2" charset="77"/>
-              </a:rPr>
-              <a:t>(define (</a:t>
-            </a:r>
-            <a:r>
-              <a:rPr lang="en-US" sz="1400" dirty="0" err="1">
-                <a:solidFill>
-                  <a:srgbClr val="FF0000"/>
-                </a:solidFill>
-                <a:latin typeface="Monaco" pitchFamily="2" charset="77"/>
-              </a:rPr>
-              <a:t>genrec</a:t>
-            </a:r>
-            <a:r>
-              <a:rPr lang="en-US" sz="1400" dirty="0">
-                <a:solidFill>
-                  <a:srgbClr val="FF0000"/>
-                </a:solidFill>
-                <a:latin typeface="Monaco" pitchFamily="2" charset="77"/>
-              </a:rPr>
-              <a:t> d)</a:t>
-            </a:r>
-          </a:p>
-          <a:p>
-            <a:r>
-              <a:rPr lang="en-US" sz="1400" dirty="0">
-                <a:solidFill>
-                  <a:srgbClr val="FF0000"/>
-                </a:solidFill>
-                <a:latin typeface="Monaco" pitchFamily="2" charset="77"/>
-              </a:rPr>
-              <a:t>  (</a:t>
-            </a:r>
-            <a:r>
-              <a:rPr lang="en-US" sz="1400" dirty="0" err="1">
-                <a:solidFill>
-                  <a:srgbClr val="FF0000"/>
-                </a:solidFill>
-                <a:latin typeface="Monaco" pitchFamily="2" charset="77"/>
-              </a:rPr>
-              <a:t>cond</a:t>
-            </a:r>
-            <a:r>
-              <a:rPr lang="en-US" sz="1400" dirty="0">
-                <a:solidFill>
-                  <a:srgbClr val="FF0000"/>
-                </a:solidFill>
-                <a:latin typeface="Monaco" pitchFamily="2" charset="77"/>
-              </a:rPr>
-              <a:t> [(trivial? d) (trivial-answer d)]</a:t>
-            </a:r>
-          </a:p>
-          <a:p>
-            <a:r>
-              <a:rPr lang="en-US" sz="1400" dirty="0">
-                <a:solidFill>
-                  <a:srgbClr val="FF0000"/>
-                </a:solidFill>
-                <a:latin typeface="Monaco" pitchFamily="2" charset="77"/>
-              </a:rPr>
-              <a:t>        [else</a:t>
-            </a:r>
-          </a:p>
-          <a:p>
-            <a:r>
-              <a:rPr lang="en-US" sz="1400" dirty="0">
-                <a:solidFill>
-                  <a:srgbClr val="FF0000"/>
-                </a:solidFill>
-                <a:latin typeface="Monaco" pitchFamily="2" charset="77"/>
-              </a:rPr>
-              <a:t>         [... d</a:t>
-            </a:r>
-          </a:p>
-          <a:p>
-            <a:r>
-              <a:rPr lang="en-US" sz="1400" dirty="0">
-                <a:solidFill>
-                  <a:srgbClr val="FF0000"/>
-                </a:solidFill>
-                <a:latin typeface="Monaco" pitchFamily="2" charset="77"/>
-              </a:rPr>
-              <a:t>              (</a:t>
-            </a:r>
-            <a:r>
-              <a:rPr lang="en-US" sz="1400" dirty="0" err="1">
-                <a:solidFill>
-                  <a:srgbClr val="FF0000"/>
-                </a:solidFill>
-                <a:latin typeface="Monaco" pitchFamily="2" charset="77"/>
-              </a:rPr>
-              <a:t>genrec</a:t>
-            </a:r>
-            <a:r>
-              <a:rPr lang="en-US" sz="1400" dirty="0">
-                <a:solidFill>
-                  <a:srgbClr val="FF0000"/>
-                </a:solidFill>
-                <a:latin typeface="Monaco" pitchFamily="2" charset="77"/>
-              </a:rPr>
-              <a:t> (next-problem d))]]))</a:t>
-            </a:r>
-          </a:p>
-          <a:p>
-            <a:endParaRPr lang="en-US" sz="1400" dirty="0">
-              <a:latin typeface="Monaco" pitchFamily="2" charset="77"/>
-            </a:endParaRPr>
-          </a:p>
-          <a:p>
-            <a:endParaRPr lang="en-US" sz="1400" dirty="0">
-              <a:latin typeface="Monaco" pitchFamily="2" charset="77"/>
-            </a:endParaRPr>
-          </a:p>
-          <a:p>
-            <a:r>
-              <a:rPr lang="en-US" sz="1400" dirty="0">
-                <a:latin typeface="Monaco" pitchFamily="2" charset="77"/>
-              </a:rPr>
-              <a:t>;; arb-tree  (of Pos) -&gt; Pos and (</a:t>
-            </a:r>
-            <a:r>
-              <a:rPr lang="en-US" sz="1400" dirty="0" err="1">
-                <a:latin typeface="Monaco" pitchFamily="2" charset="77"/>
-              </a:rPr>
-              <a:t>listof</a:t>
-            </a:r>
-            <a:r>
-              <a:rPr lang="en-US" sz="1400" dirty="0">
-                <a:latin typeface="Monaco" pitchFamily="2" charset="77"/>
-              </a:rPr>
-              <a:t> Pos)</a:t>
-            </a:r>
-          </a:p>
-          <a:p>
-            <a:r>
-              <a:rPr lang="en-US" sz="1400" dirty="0">
-                <a:latin typeface="Monaco" pitchFamily="2" charset="77"/>
-              </a:rPr>
-              <a:t>(define (</a:t>
-            </a:r>
-            <a:r>
-              <a:rPr lang="en-US" sz="1400" dirty="0" err="1">
-                <a:latin typeface="Monaco" pitchFamily="2" charset="77"/>
-              </a:rPr>
-              <a:t>fn</a:t>
-            </a:r>
-            <a:r>
-              <a:rPr lang="en-US" sz="1400" dirty="0">
-                <a:latin typeface="Monaco" pitchFamily="2" charset="77"/>
-              </a:rPr>
-              <a:t>-for-pos p)</a:t>
-            </a:r>
-          </a:p>
-          <a:p>
-            <a:r>
-              <a:rPr lang="en-US" sz="1400" dirty="0">
-                <a:latin typeface="Monaco" pitchFamily="2" charset="77"/>
-              </a:rPr>
-              <a:t>  (... p</a:t>
-            </a:r>
-          </a:p>
-          <a:p>
-            <a:r>
-              <a:rPr lang="en-US" sz="1400" dirty="0">
-                <a:latin typeface="Monaco" pitchFamily="2" charset="77"/>
-              </a:rPr>
-              <a:t>       (</a:t>
-            </a:r>
-            <a:r>
-              <a:rPr lang="en-US" sz="1400" dirty="0" err="1">
-                <a:latin typeface="Monaco" pitchFamily="2" charset="77"/>
-              </a:rPr>
-              <a:t>fn</a:t>
-            </a:r>
-            <a:r>
-              <a:rPr lang="en-US" sz="1400" dirty="0">
-                <a:latin typeface="Monaco" pitchFamily="2" charset="77"/>
-              </a:rPr>
-              <a:t>-for-lop (POS-SUBS p)))) ;pos-subs doesn't really exist!!!</a:t>
-            </a:r>
-          </a:p>
-          <a:p>
-            <a:endParaRPr lang="en-US" sz="1400" dirty="0">
-              <a:latin typeface="Monaco" pitchFamily="2" charset="77"/>
-            </a:endParaRPr>
-          </a:p>
-          <a:p>
-            <a:endParaRPr lang="en-US" sz="1400" dirty="0">
-              <a:latin typeface="Monaco" pitchFamily="2" charset="77"/>
-            </a:endParaRPr>
-          </a:p>
-          <a:p>
-            <a:r>
-              <a:rPr lang="en-US" sz="1400" dirty="0">
-                <a:latin typeface="Monaco" pitchFamily="2" charset="77"/>
-              </a:rPr>
-              <a:t>(define (</a:t>
-            </a:r>
-            <a:r>
-              <a:rPr lang="en-US" sz="1400" dirty="0" err="1">
-                <a:latin typeface="Monaco" pitchFamily="2" charset="77"/>
-              </a:rPr>
-              <a:t>fn</a:t>
-            </a:r>
-            <a:r>
-              <a:rPr lang="en-US" sz="1400" dirty="0">
-                <a:latin typeface="Monaco" pitchFamily="2" charset="77"/>
-              </a:rPr>
-              <a:t>-for-lop lop)</a:t>
-            </a:r>
-          </a:p>
-          <a:p>
-            <a:r>
-              <a:rPr lang="en-US" sz="1400" dirty="0">
-                <a:latin typeface="Monaco" pitchFamily="2" charset="77"/>
-              </a:rPr>
-              <a:t>  (</a:t>
-            </a:r>
-            <a:r>
-              <a:rPr lang="en-US" sz="1400" dirty="0" err="1">
-                <a:latin typeface="Monaco" pitchFamily="2" charset="77"/>
-              </a:rPr>
-              <a:t>cond</a:t>
-            </a:r>
-            <a:r>
-              <a:rPr lang="en-US" sz="1400" dirty="0">
-                <a:latin typeface="Monaco" pitchFamily="2" charset="77"/>
-              </a:rPr>
-              <a:t> [(empty? lop) (...)]</a:t>
-            </a:r>
-          </a:p>
-          <a:p>
-            <a:r>
-              <a:rPr lang="en-US" sz="1400" dirty="0">
-                <a:latin typeface="Monaco" pitchFamily="2" charset="77"/>
-              </a:rPr>
-              <a:t>        [else</a:t>
-            </a:r>
-          </a:p>
-          <a:p>
-            <a:r>
-              <a:rPr lang="en-US" sz="1400" dirty="0">
-                <a:latin typeface="Monaco" pitchFamily="2" charset="77"/>
-              </a:rPr>
-              <a:t>         (... (</a:t>
-            </a:r>
-            <a:r>
-              <a:rPr lang="en-US" sz="1400" dirty="0" err="1">
-                <a:latin typeface="Monaco" pitchFamily="2" charset="77"/>
-              </a:rPr>
-              <a:t>fn</a:t>
-            </a:r>
-            <a:r>
-              <a:rPr lang="en-US" sz="1400" dirty="0">
-                <a:latin typeface="Monaco" pitchFamily="2" charset="77"/>
-              </a:rPr>
-              <a:t>-for-pos (first lop))</a:t>
-            </a:r>
-          </a:p>
-          <a:p>
-            <a:r>
-              <a:rPr lang="en-US" sz="1400" dirty="0">
-                <a:latin typeface="Monaco" pitchFamily="2" charset="77"/>
-              </a:rPr>
-              <a:t>              (</a:t>
-            </a:r>
-            <a:r>
-              <a:rPr lang="en-US" sz="1400" dirty="0" err="1">
-                <a:latin typeface="Monaco" pitchFamily="2" charset="77"/>
-              </a:rPr>
-              <a:t>fn</a:t>
-            </a:r>
-            <a:r>
-              <a:rPr lang="en-US" sz="1400" dirty="0">
-                <a:latin typeface="Monaco" pitchFamily="2" charset="77"/>
-              </a:rPr>
-              <a:t>-for-lop (rest lop)))]))</a:t>
-            </a:r>
-          </a:p>
-          <a:p>
-            <a:endParaRPr lang="en-US" sz="1400" dirty="0">
-              <a:latin typeface="Monaco" pitchFamily="2" charset="77"/>
-            </a:endParaRPr>
-          </a:p>
-          <a:p>
-            <a:endParaRPr lang="en-US" sz="1400" dirty="0">
-              <a:latin typeface="Monaco" pitchFamily="2" charset="77"/>
-            </a:endParaRPr>
-          </a:p>
-          <a:p>
-            <a:r>
-              <a:rPr lang="en-US" sz="1400" dirty="0">
-                <a:solidFill>
-                  <a:srgbClr val="00B0F0"/>
-                </a:solidFill>
-                <a:latin typeface="Monaco" pitchFamily="2" charset="77"/>
-              </a:rPr>
-              <a:t>;; try-catch</a:t>
-            </a:r>
-          </a:p>
-          <a:p>
-            <a:r>
-              <a:rPr lang="en-US" sz="1400" dirty="0">
-                <a:solidFill>
-                  <a:srgbClr val="00B0F0"/>
-                </a:solidFill>
-                <a:latin typeface="Monaco" pitchFamily="2" charset="77"/>
-              </a:rPr>
-              <a:t>     (local [(define try &lt;one-option&gt;)]</a:t>
-            </a:r>
-          </a:p>
-          <a:p>
-            <a:r>
-              <a:rPr lang="en-US" sz="1400" dirty="0">
-                <a:solidFill>
-                  <a:srgbClr val="00B0F0"/>
-                </a:solidFill>
-                <a:latin typeface="Monaco" pitchFamily="2" charset="77"/>
-              </a:rPr>
-              <a:t>       (if (not (false? try))</a:t>
-            </a:r>
-          </a:p>
-          <a:p>
-            <a:r>
-              <a:rPr lang="en-US" sz="1400" dirty="0">
-                <a:solidFill>
-                  <a:srgbClr val="00B0F0"/>
-                </a:solidFill>
-                <a:latin typeface="Monaco" pitchFamily="2" charset="77"/>
-              </a:rPr>
-              <a:t>           try</a:t>
-            </a:r>
-          </a:p>
-          <a:p>
-            <a:r>
-              <a:rPr lang="en-US" sz="1400" dirty="0">
-                <a:solidFill>
-                  <a:srgbClr val="00B0F0"/>
-                </a:solidFill>
-                <a:latin typeface="Monaco" pitchFamily="2" charset="77"/>
-              </a:rPr>
-              <a:t>           &lt;other-option&gt;))</a:t>
+            <a:r>
+              <a:rPr lang="en-US" sz="3200" dirty="0"/>
+              <a:t>The big insight: We can generate a tree as we go.</a:t>
+            </a:r>
+          </a:p>
+        </p:txBody>
+      </p:sp>
+      <p:pic>
+        <p:nvPicPr>
+          <p:cNvPr id="12" name="Picture 11">
+            <a:extLst>
+              <a:ext uri="{FF2B5EF4-FFF2-40B4-BE49-F238E27FC236}">
+                <a16:creationId xmlns:a16="http://schemas.microsoft.com/office/drawing/2014/main" id="{BFCCD929-7C60-664C-B5E5-A834D30FE7A8}"/>
+              </a:ext>
+            </a:extLst>
+          </p:cNvPr>
+          <p:cNvPicPr>
+            <a:picLocks noChangeAspect="1"/>
+          </p:cNvPicPr>
+          <p:nvPr/>
+        </p:nvPicPr>
+        <p:blipFill>
+          <a:blip r:embed="rId2"/>
+          <a:stretch>
+            <a:fillRect/>
+          </a:stretch>
+        </p:blipFill>
+        <p:spPr>
+          <a:xfrm>
+            <a:off x="1636569" y="1278754"/>
+            <a:ext cx="1420729" cy="1420729"/>
+          </a:xfrm>
+          <a:prstGeom prst="rect">
+            <a:avLst/>
+          </a:prstGeom>
+        </p:spPr>
+      </p:pic>
+      <p:sp>
+        <p:nvSpPr>
+          <p:cNvPr id="4" name="TextBox 3">
+            <a:extLst>
+              <a:ext uri="{FF2B5EF4-FFF2-40B4-BE49-F238E27FC236}">
+                <a16:creationId xmlns:a16="http://schemas.microsoft.com/office/drawing/2014/main" id="{96210564-8BC9-8548-96E4-A32935E5C8AB}"/>
+              </a:ext>
+            </a:extLst>
+          </p:cNvPr>
+          <p:cNvSpPr txBox="1"/>
+          <p:nvPr/>
+        </p:nvSpPr>
+        <p:spPr>
+          <a:xfrm>
+            <a:off x="8800891" y="735307"/>
+            <a:ext cx="641131" cy="369332"/>
+          </a:xfrm>
+          <a:prstGeom prst="rect">
+            <a:avLst/>
+          </a:prstGeom>
+          <a:noFill/>
+        </p:spPr>
+        <p:txBody>
+          <a:bodyPr wrap="square" rtlCol="0">
+            <a:spAutoFit/>
+          </a:bodyPr>
+          <a:lstStyle/>
+          <a:p>
+            <a:pPr algn="ctr"/>
+            <a:r>
+              <a:rPr lang="en-US" dirty="0"/>
+              <a:t>0, 0</a:t>
+            </a:r>
+          </a:p>
+        </p:txBody>
+      </p:sp>
+      <p:sp>
+        <p:nvSpPr>
+          <p:cNvPr id="6" name="TextBox 5">
+            <a:extLst>
+              <a:ext uri="{FF2B5EF4-FFF2-40B4-BE49-F238E27FC236}">
+                <a16:creationId xmlns:a16="http://schemas.microsoft.com/office/drawing/2014/main" id="{A65DAF96-7ECF-A342-B83C-B0E61DC1570C}"/>
+              </a:ext>
+            </a:extLst>
+          </p:cNvPr>
+          <p:cNvSpPr txBox="1"/>
+          <p:nvPr/>
+        </p:nvSpPr>
+        <p:spPr>
+          <a:xfrm>
+            <a:off x="10081699" y="1415282"/>
+            <a:ext cx="641131" cy="369332"/>
+          </a:xfrm>
+          <a:prstGeom prst="rect">
+            <a:avLst/>
+          </a:prstGeom>
+          <a:noFill/>
+        </p:spPr>
+        <p:txBody>
+          <a:bodyPr wrap="square" rtlCol="0">
+            <a:spAutoFit/>
+          </a:bodyPr>
+          <a:lstStyle/>
+          <a:p>
+            <a:pPr algn="ctr"/>
+            <a:r>
+              <a:rPr lang="en-US" strike="sngStrike" dirty="0"/>
+              <a:t>1, 0</a:t>
+            </a:r>
+          </a:p>
+        </p:txBody>
+      </p:sp>
+      <p:sp>
+        <p:nvSpPr>
+          <p:cNvPr id="7" name="TextBox 6">
+            <a:extLst>
+              <a:ext uri="{FF2B5EF4-FFF2-40B4-BE49-F238E27FC236}">
+                <a16:creationId xmlns:a16="http://schemas.microsoft.com/office/drawing/2014/main" id="{6E876A62-3BD7-064E-A9CF-30031B9711E6}"/>
+              </a:ext>
+            </a:extLst>
+          </p:cNvPr>
+          <p:cNvSpPr txBox="1"/>
+          <p:nvPr/>
+        </p:nvSpPr>
+        <p:spPr>
+          <a:xfrm>
+            <a:off x="7423909" y="1415282"/>
+            <a:ext cx="641131" cy="369332"/>
+          </a:xfrm>
+          <a:prstGeom prst="rect">
+            <a:avLst/>
+          </a:prstGeom>
+          <a:noFill/>
+        </p:spPr>
+        <p:txBody>
+          <a:bodyPr wrap="square" rtlCol="0">
+            <a:spAutoFit/>
+          </a:bodyPr>
+          <a:lstStyle/>
+          <a:p>
+            <a:pPr algn="ctr"/>
+            <a:r>
+              <a:rPr lang="en-US" dirty="0"/>
+              <a:t>0, 1</a:t>
+            </a:r>
+          </a:p>
+        </p:txBody>
+      </p:sp>
+      <p:cxnSp>
+        <p:nvCxnSpPr>
+          <p:cNvPr id="16" name="Straight Connector 15">
+            <a:extLst>
+              <a:ext uri="{FF2B5EF4-FFF2-40B4-BE49-F238E27FC236}">
+                <a16:creationId xmlns:a16="http://schemas.microsoft.com/office/drawing/2014/main" id="{2E18A74B-0F03-064E-9F2B-0F981220D4D6}"/>
+              </a:ext>
+            </a:extLst>
+          </p:cNvPr>
+          <p:cNvCxnSpPr>
+            <a:cxnSpLocks/>
+            <a:stCxn id="4" idx="2"/>
+            <a:endCxn id="6" idx="0"/>
+          </p:cNvCxnSpPr>
+          <p:nvPr/>
+        </p:nvCxnSpPr>
+        <p:spPr>
+          <a:xfrm>
+            <a:off x="9121457" y="1104639"/>
+            <a:ext cx="1280808" cy="310643"/>
+          </a:xfrm>
+          <a:prstGeom prst="line">
+            <a:avLst/>
+          </a:prstGeom>
+        </p:spPr>
+        <p:style>
+          <a:lnRef idx="1">
+            <a:schemeClr val="accent1"/>
+          </a:lnRef>
+          <a:fillRef idx="0">
+            <a:schemeClr val="accent1"/>
+          </a:fillRef>
+          <a:effectRef idx="0">
+            <a:schemeClr val="accent1"/>
+          </a:effectRef>
+          <a:fontRef idx="minor">
+            <a:schemeClr val="tx1"/>
+          </a:fontRef>
+        </p:style>
+      </p:cxnSp>
+      <p:cxnSp>
+        <p:nvCxnSpPr>
+          <p:cNvPr id="19" name="Straight Connector 18">
+            <a:extLst>
+              <a:ext uri="{FF2B5EF4-FFF2-40B4-BE49-F238E27FC236}">
+                <a16:creationId xmlns:a16="http://schemas.microsoft.com/office/drawing/2014/main" id="{22073338-397C-9C4C-B40E-9470C7D834C6}"/>
+              </a:ext>
+            </a:extLst>
+          </p:cNvPr>
+          <p:cNvCxnSpPr>
+            <a:cxnSpLocks/>
+            <a:stCxn id="4" idx="2"/>
+            <a:endCxn id="7" idx="0"/>
+          </p:cNvCxnSpPr>
+          <p:nvPr/>
+        </p:nvCxnSpPr>
+        <p:spPr>
+          <a:xfrm flipH="1">
+            <a:off x="7744475" y="1104639"/>
+            <a:ext cx="1376982" cy="310643"/>
+          </a:xfrm>
+          <a:prstGeom prst="line">
+            <a:avLst/>
+          </a:prstGeom>
+        </p:spPr>
+        <p:style>
+          <a:lnRef idx="1">
+            <a:schemeClr val="accent1"/>
+          </a:lnRef>
+          <a:fillRef idx="0">
+            <a:schemeClr val="accent1"/>
+          </a:fillRef>
+          <a:effectRef idx="0">
+            <a:schemeClr val="accent1"/>
+          </a:effectRef>
+          <a:fontRef idx="minor">
+            <a:schemeClr val="tx1"/>
+          </a:fontRef>
+        </p:style>
+      </p:cxnSp>
+      <p:sp>
+        <p:nvSpPr>
+          <p:cNvPr id="38" name="TextBox 37">
+            <a:extLst>
+              <a:ext uri="{FF2B5EF4-FFF2-40B4-BE49-F238E27FC236}">
+                <a16:creationId xmlns:a16="http://schemas.microsoft.com/office/drawing/2014/main" id="{5975C7C3-7082-CF41-A3A3-A2EDF0310D3D}"/>
+              </a:ext>
+            </a:extLst>
+          </p:cNvPr>
+          <p:cNvSpPr txBox="1"/>
+          <p:nvPr/>
+        </p:nvSpPr>
+        <p:spPr>
+          <a:xfrm>
+            <a:off x="663894" y="4077357"/>
+            <a:ext cx="5561532" cy="2308324"/>
+          </a:xfrm>
+          <a:prstGeom prst="rect">
+            <a:avLst/>
+          </a:prstGeom>
+          <a:noFill/>
+        </p:spPr>
+        <p:txBody>
+          <a:bodyPr wrap="square" rtlCol="0">
+            <a:spAutoFit/>
+          </a:bodyPr>
+          <a:lstStyle/>
+          <a:p>
+            <a:r>
+              <a:rPr lang="en-US" dirty="0"/>
+              <a:t>Each position has up to 2 next positions: down and right.</a:t>
+            </a:r>
+          </a:p>
+          <a:p>
+            <a:endParaRPr lang="en-US" dirty="0"/>
+          </a:p>
+          <a:p>
+            <a:r>
+              <a:rPr lang="en-US" dirty="0"/>
+              <a:t>But sometimes either of those may be invalid because they run into a wall or off the edge of the maze.</a:t>
+            </a:r>
+          </a:p>
+          <a:p>
+            <a:endParaRPr lang="en-US" dirty="0"/>
+          </a:p>
+          <a:p>
+            <a:r>
+              <a:rPr lang="en-US" dirty="0"/>
+              <a:t>Do not assume each position can have only one valid next position. In general it is an arbitrary-arity tree. (Up to 2 in this module; up to 4 later.)</a:t>
             </a:r>
           </a:p>
         </p:txBody>
@@ -7389,7 +8234,7 @@
     </p:spTree>
     <p:extLst>
       <p:ext uri="{BB962C8B-B14F-4D97-AF65-F5344CB8AC3E}">
-        <p14:creationId xmlns:p14="http://schemas.microsoft.com/office/powerpoint/2010/main" val="137635348"/>
+        <p14:creationId xmlns:p14="http://schemas.microsoft.com/office/powerpoint/2010/main" val="2341799307"/>
       </p:ext>
     </p:extLst>
   </p:cSld>
@@ -7421,7 +8266,7 @@
           <p:cNvPr id="5" name="TextBox 4">
             <a:extLst>
               <a:ext uri="{FF2B5EF4-FFF2-40B4-BE49-F238E27FC236}">
-                <a16:creationId xmlns:a16="http://schemas.microsoft.com/office/drawing/2014/main" id="{B0B64357-E6FC-864A-C51C-F4EB739B6F86}"/>
+                <a16:creationId xmlns:a16="http://schemas.microsoft.com/office/drawing/2014/main" id="{346EE018-3C96-BA43-A844-1E35A6F4AD87}"/>
               </a:ext>
             </a:extLst>
           </p:cNvPr>
@@ -7430,8 +8275,8 @@
         </p:nvSpPr>
         <p:spPr>
           <a:xfrm>
-            <a:off x="943584" y="146875"/>
-            <a:ext cx="7811310" cy="5355312"/>
+            <a:off x="217572" y="138247"/>
+            <a:ext cx="8262754" cy="584775"/>
           </a:xfrm>
           <a:prstGeom prst="rect">
             <a:avLst/>
@@ -7439,291 +8284,632 @@
           <a:noFill/>
         </p:spPr>
         <p:txBody>
-          <a:bodyPr wrap="square">
+          <a:bodyPr wrap="square" rtlCol="0">
             <a:spAutoFit/>
           </a:bodyPr>
           <a:lstStyle/>
           <a:p>
-            <a:endParaRPr lang="en-US" dirty="0">
-              <a:latin typeface="Monaco" pitchFamily="2" charset="77"/>
-            </a:endParaRPr>
-          </a:p>
-          <a:p>
-            <a:endParaRPr lang="en-US" dirty="0">
-              <a:latin typeface="Monaco" pitchFamily="2" charset="77"/>
-            </a:endParaRPr>
-          </a:p>
-          <a:p>
-            <a:r>
-              <a:rPr lang="en-US" dirty="0">
-                <a:latin typeface="Monaco" pitchFamily="2" charset="77"/>
-              </a:rPr>
-              <a:t>(define (</a:t>
-            </a:r>
-            <a:r>
-              <a:rPr lang="en-US" dirty="0" err="1">
-                <a:latin typeface="Monaco" pitchFamily="2" charset="77"/>
-              </a:rPr>
-              <a:t>fn</a:t>
-            </a:r>
-            <a:r>
-              <a:rPr lang="en-US" dirty="0">
-                <a:latin typeface="Monaco" pitchFamily="2" charset="77"/>
-              </a:rPr>
-              <a:t>-for-pos p)</a:t>
-            </a:r>
-          </a:p>
-          <a:p>
-            <a:r>
-              <a:rPr lang="en-US" dirty="0">
-                <a:latin typeface="Monaco" pitchFamily="2" charset="77"/>
-              </a:rPr>
-              <a:t>  </a:t>
-            </a:r>
-            <a:r>
-              <a:rPr lang="en-US" dirty="0">
-                <a:solidFill>
-                  <a:srgbClr val="FF0000"/>
-                </a:solidFill>
-                <a:latin typeface="Monaco" pitchFamily="2" charset="77"/>
-              </a:rPr>
-              <a:t>(</a:t>
-            </a:r>
-            <a:r>
-              <a:rPr lang="en-US" dirty="0" err="1">
-                <a:solidFill>
-                  <a:srgbClr val="FF0000"/>
-                </a:solidFill>
-                <a:latin typeface="Monaco" pitchFamily="2" charset="77"/>
-              </a:rPr>
-              <a:t>cond</a:t>
-            </a:r>
-            <a:r>
-              <a:rPr lang="en-US" dirty="0">
-                <a:solidFill>
-                  <a:srgbClr val="FF0000"/>
-                </a:solidFill>
-                <a:latin typeface="Monaco" pitchFamily="2" charset="77"/>
-              </a:rPr>
-              <a:t> [(trivial? p) (trivial-answer p)]</a:t>
-            </a:r>
-          </a:p>
-          <a:p>
-            <a:r>
-              <a:rPr lang="en-US" dirty="0">
-                <a:solidFill>
-                  <a:srgbClr val="FF0000"/>
-                </a:solidFill>
-                <a:latin typeface="Monaco" pitchFamily="2" charset="77"/>
-              </a:rPr>
-              <a:t>        [else</a:t>
-            </a:r>
-          </a:p>
-          <a:p>
-            <a:r>
-              <a:rPr lang="en-US" dirty="0">
-                <a:latin typeface="Monaco" pitchFamily="2" charset="77"/>
-              </a:rPr>
-              <a:t>         (... p</a:t>
-            </a:r>
-          </a:p>
-          <a:p>
-            <a:r>
-              <a:rPr lang="en-US" dirty="0">
-                <a:latin typeface="Monaco" pitchFamily="2" charset="77"/>
-              </a:rPr>
-              <a:t>              (</a:t>
-            </a:r>
-            <a:r>
-              <a:rPr lang="en-US" dirty="0" err="1">
-                <a:latin typeface="Monaco" pitchFamily="2" charset="77"/>
-              </a:rPr>
-              <a:t>fn</a:t>
-            </a:r>
-            <a:r>
-              <a:rPr lang="en-US" dirty="0">
-                <a:latin typeface="Monaco" pitchFamily="2" charset="77"/>
-              </a:rPr>
-              <a:t>-for-lop </a:t>
-            </a:r>
-            <a:r>
-              <a:rPr lang="en-US" dirty="0">
-                <a:solidFill>
-                  <a:srgbClr val="FF0000"/>
-                </a:solidFill>
-                <a:latin typeface="Monaco" pitchFamily="2" charset="77"/>
-              </a:rPr>
-              <a:t>(next-problem </a:t>
-            </a:r>
-            <a:r>
-              <a:rPr lang="en-US" dirty="0">
-                <a:latin typeface="Monaco" pitchFamily="2" charset="77"/>
-              </a:rPr>
-              <a:t>p)))]))</a:t>
-            </a:r>
-          </a:p>
-          <a:p>
-            <a:endParaRPr lang="en-US" dirty="0">
-              <a:latin typeface="Monaco" pitchFamily="2" charset="77"/>
-            </a:endParaRPr>
-          </a:p>
-          <a:p>
-            <a:endParaRPr lang="en-US" dirty="0">
-              <a:latin typeface="Monaco" pitchFamily="2" charset="77"/>
-            </a:endParaRPr>
-          </a:p>
-          <a:p>
-            <a:r>
-              <a:rPr lang="en-US" dirty="0">
-                <a:latin typeface="Monaco" pitchFamily="2" charset="77"/>
-              </a:rPr>
-              <a:t>(define (</a:t>
-            </a:r>
-            <a:r>
-              <a:rPr lang="en-US" dirty="0" err="1">
-                <a:latin typeface="Monaco" pitchFamily="2" charset="77"/>
-              </a:rPr>
-              <a:t>fn</a:t>
-            </a:r>
-            <a:r>
-              <a:rPr lang="en-US" dirty="0">
-                <a:latin typeface="Monaco" pitchFamily="2" charset="77"/>
-              </a:rPr>
-              <a:t>-for-lop lop)</a:t>
-            </a:r>
-          </a:p>
-          <a:p>
-            <a:r>
-              <a:rPr lang="en-US" dirty="0">
-                <a:latin typeface="Monaco" pitchFamily="2" charset="77"/>
-              </a:rPr>
-              <a:t>  (</a:t>
-            </a:r>
-            <a:r>
-              <a:rPr lang="en-US" dirty="0" err="1">
-                <a:latin typeface="Monaco" pitchFamily="2" charset="77"/>
-              </a:rPr>
-              <a:t>cond</a:t>
-            </a:r>
-            <a:r>
-              <a:rPr lang="en-US" dirty="0">
-                <a:latin typeface="Monaco" pitchFamily="2" charset="77"/>
-              </a:rPr>
-              <a:t> [(empty? lop) false]</a:t>
-            </a:r>
-          </a:p>
-          <a:p>
-            <a:r>
-              <a:rPr lang="en-US" dirty="0">
-                <a:latin typeface="Monaco" pitchFamily="2" charset="77"/>
-              </a:rPr>
-              <a:t>        [else</a:t>
-            </a:r>
-          </a:p>
-          <a:p>
-            <a:r>
-              <a:rPr lang="en-US" dirty="0">
-                <a:latin typeface="Monaco" pitchFamily="2" charset="77"/>
-              </a:rPr>
-              <a:t>         </a:t>
-            </a:r>
-            <a:r>
-              <a:rPr lang="en-US" dirty="0">
-                <a:solidFill>
-                  <a:srgbClr val="00B0F0"/>
-                </a:solidFill>
-                <a:latin typeface="Monaco" pitchFamily="2" charset="77"/>
-              </a:rPr>
-              <a:t>(local [(define try </a:t>
-            </a:r>
-            <a:r>
-              <a:rPr lang="en-US" dirty="0">
-                <a:latin typeface="Monaco" pitchFamily="2" charset="77"/>
-              </a:rPr>
-              <a:t>(</a:t>
-            </a:r>
-            <a:r>
-              <a:rPr lang="en-US" dirty="0" err="1">
-                <a:latin typeface="Monaco" pitchFamily="2" charset="77"/>
-              </a:rPr>
-              <a:t>fn</a:t>
-            </a:r>
-            <a:r>
-              <a:rPr lang="en-US" dirty="0">
-                <a:latin typeface="Monaco" pitchFamily="2" charset="77"/>
-              </a:rPr>
-              <a:t>-for-pos (first lop)))]</a:t>
-            </a:r>
-          </a:p>
-          <a:p>
-            <a:r>
-              <a:rPr lang="en-US" dirty="0">
-                <a:latin typeface="Monaco" pitchFamily="2" charset="77"/>
-              </a:rPr>
-              <a:t>           </a:t>
-            </a:r>
-            <a:r>
-              <a:rPr lang="en-US" dirty="0">
-                <a:solidFill>
-                  <a:srgbClr val="00B0F0"/>
-                </a:solidFill>
-                <a:latin typeface="Monaco" pitchFamily="2" charset="77"/>
-              </a:rPr>
-              <a:t>(if (not (false? try))</a:t>
-            </a:r>
-          </a:p>
-          <a:p>
-            <a:r>
-              <a:rPr lang="en-US" dirty="0">
-                <a:solidFill>
-                  <a:srgbClr val="00B0F0"/>
-                </a:solidFill>
-                <a:latin typeface="Monaco" pitchFamily="2" charset="77"/>
-              </a:rPr>
-              <a:t>               try</a:t>
-            </a:r>
-          </a:p>
-          <a:p>
-            <a:r>
-              <a:rPr lang="en-US" dirty="0">
-                <a:latin typeface="Monaco" pitchFamily="2" charset="77"/>
-              </a:rPr>
-              <a:t>               (</a:t>
-            </a:r>
-            <a:r>
-              <a:rPr lang="en-US" dirty="0" err="1">
-                <a:latin typeface="Monaco" pitchFamily="2" charset="77"/>
-              </a:rPr>
-              <a:t>fn</a:t>
-            </a:r>
-            <a:r>
-              <a:rPr lang="en-US" dirty="0">
-                <a:latin typeface="Monaco" pitchFamily="2" charset="77"/>
-              </a:rPr>
-              <a:t>-for-lop (rest lop))))]))</a:t>
-            </a:r>
-          </a:p>
-          <a:p>
-            <a:endParaRPr lang="en-US" dirty="0">
-              <a:latin typeface="Monaco" pitchFamily="2" charset="77"/>
-            </a:endParaRPr>
-          </a:p>
-          <a:p>
-            <a:endParaRPr lang="en-US" dirty="0">
-              <a:latin typeface="Monaco" pitchFamily="2" charset="77"/>
-            </a:endParaRPr>
-          </a:p>
-          <a:p>
-            <a:endParaRPr lang="en-US" dirty="0">
-              <a:latin typeface="Monaco" pitchFamily="2" charset="77"/>
-            </a:endParaRPr>
+            <a:r>
+              <a:rPr lang="en-US" sz="3200" dirty="0"/>
+              <a:t>The big insight: We can generate a tree as we go.</a:t>
+            </a:r>
+          </a:p>
+        </p:txBody>
+      </p:sp>
+      <p:pic>
+        <p:nvPicPr>
+          <p:cNvPr id="12" name="Picture 11">
+            <a:extLst>
+              <a:ext uri="{FF2B5EF4-FFF2-40B4-BE49-F238E27FC236}">
+                <a16:creationId xmlns:a16="http://schemas.microsoft.com/office/drawing/2014/main" id="{BFCCD929-7C60-664C-B5E5-A834D30FE7A8}"/>
+              </a:ext>
+            </a:extLst>
+          </p:cNvPr>
+          <p:cNvPicPr>
+            <a:picLocks noChangeAspect="1"/>
+          </p:cNvPicPr>
+          <p:nvPr/>
+        </p:nvPicPr>
+        <p:blipFill>
+          <a:blip r:embed="rId2"/>
+          <a:stretch>
+            <a:fillRect/>
+          </a:stretch>
+        </p:blipFill>
+        <p:spPr>
+          <a:xfrm>
+            <a:off x="1636569" y="1278754"/>
+            <a:ext cx="1420729" cy="1420729"/>
+          </a:xfrm>
+          <a:prstGeom prst="rect">
+            <a:avLst/>
+          </a:prstGeom>
+        </p:spPr>
+      </p:pic>
+      <p:sp>
+        <p:nvSpPr>
+          <p:cNvPr id="4" name="TextBox 3">
+            <a:extLst>
+              <a:ext uri="{FF2B5EF4-FFF2-40B4-BE49-F238E27FC236}">
+                <a16:creationId xmlns:a16="http://schemas.microsoft.com/office/drawing/2014/main" id="{96210564-8BC9-8548-96E4-A32935E5C8AB}"/>
+              </a:ext>
+            </a:extLst>
+          </p:cNvPr>
+          <p:cNvSpPr txBox="1"/>
+          <p:nvPr/>
+        </p:nvSpPr>
+        <p:spPr>
+          <a:xfrm>
+            <a:off x="8800891" y="735307"/>
+            <a:ext cx="641131" cy="369332"/>
+          </a:xfrm>
+          <a:prstGeom prst="rect">
+            <a:avLst/>
+          </a:prstGeom>
+          <a:noFill/>
+        </p:spPr>
+        <p:txBody>
+          <a:bodyPr wrap="square" rtlCol="0">
+            <a:spAutoFit/>
+          </a:bodyPr>
+          <a:lstStyle/>
+          <a:p>
+            <a:pPr algn="ctr"/>
+            <a:r>
+              <a:rPr lang="en-US" dirty="0"/>
+              <a:t>0, 0</a:t>
+            </a:r>
+          </a:p>
+        </p:txBody>
+      </p:sp>
+      <p:sp>
+        <p:nvSpPr>
+          <p:cNvPr id="6" name="TextBox 5">
+            <a:extLst>
+              <a:ext uri="{FF2B5EF4-FFF2-40B4-BE49-F238E27FC236}">
+                <a16:creationId xmlns:a16="http://schemas.microsoft.com/office/drawing/2014/main" id="{A65DAF96-7ECF-A342-B83C-B0E61DC1570C}"/>
+              </a:ext>
+            </a:extLst>
+          </p:cNvPr>
+          <p:cNvSpPr txBox="1"/>
+          <p:nvPr/>
+        </p:nvSpPr>
+        <p:spPr>
+          <a:xfrm>
+            <a:off x="10081699" y="1415282"/>
+            <a:ext cx="641131" cy="369332"/>
+          </a:xfrm>
+          <a:prstGeom prst="rect">
+            <a:avLst/>
+          </a:prstGeom>
+          <a:noFill/>
+        </p:spPr>
+        <p:txBody>
+          <a:bodyPr wrap="square" rtlCol="0">
+            <a:spAutoFit/>
+          </a:bodyPr>
+          <a:lstStyle/>
+          <a:p>
+            <a:pPr algn="ctr"/>
+            <a:r>
+              <a:rPr lang="en-US" strike="sngStrike" dirty="0"/>
+              <a:t>1, 0</a:t>
+            </a:r>
+          </a:p>
+        </p:txBody>
+      </p:sp>
+      <p:sp>
+        <p:nvSpPr>
+          <p:cNvPr id="7" name="TextBox 6">
+            <a:extLst>
+              <a:ext uri="{FF2B5EF4-FFF2-40B4-BE49-F238E27FC236}">
+                <a16:creationId xmlns:a16="http://schemas.microsoft.com/office/drawing/2014/main" id="{6E876A62-3BD7-064E-A9CF-30031B9711E6}"/>
+              </a:ext>
+            </a:extLst>
+          </p:cNvPr>
+          <p:cNvSpPr txBox="1"/>
+          <p:nvPr/>
+        </p:nvSpPr>
+        <p:spPr>
+          <a:xfrm>
+            <a:off x="7423909" y="1415282"/>
+            <a:ext cx="641131" cy="369332"/>
+          </a:xfrm>
+          <a:prstGeom prst="rect">
+            <a:avLst/>
+          </a:prstGeom>
+          <a:noFill/>
+        </p:spPr>
+        <p:txBody>
+          <a:bodyPr wrap="square" rtlCol="0">
+            <a:spAutoFit/>
+          </a:bodyPr>
+          <a:lstStyle/>
+          <a:p>
+            <a:pPr algn="ctr"/>
+            <a:r>
+              <a:rPr lang="en-US" dirty="0"/>
+              <a:t>0, 1</a:t>
+            </a:r>
+          </a:p>
+        </p:txBody>
+      </p:sp>
+      <p:sp>
+        <p:nvSpPr>
+          <p:cNvPr id="9" name="TextBox 8">
+            <a:extLst>
+              <a:ext uri="{FF2B5EF4-FFF2-40B4-BE49-F238E27FC236}">
+                <a16:creationId xmlns:a16="http://schemas.microsoft.com/office/drawing/2014/main" id="{224B57D0-A8DE-3A48-9C8B-EB69B96E42E5}"/>
+              </a:ext>
+            </a:extLst>
+          </p:cNvPr>
+          <p:cNvSpPr txBox="1"/>
+          <p:nvPr/>
+        </p:nvSpPr>
+        <p:spPr>
+          <a:xfrm>
+            <a:off x="8130938" y="2319687"/>
+            <a:ext cx="641131" cy="369332"/>
+          </a:xfrm>
+          <a:prstGeom prst="rect">
+            <a:avLst/>
+          </a:prstGeom>
+          <a:noFill/>
+        </p:spPr>
+        <p:txBody>
+          <a:bodyPr wrap="square" rtlCol="0">
+            <a:spAutoFit/>
+          </a:bodyPr>
+          <a:lstStyle/>
+          <a:p>
+            <a:pPr algn="ctr"/>
+            <a:r>
+              <a:rPr lang="en-US" dirty="0"/>
+              <a:t>1, 1</a:t>
+            </a:r>
+          </a:p>
+        </p:txBody>
+      </p:sp>
+      <p:sp>
+        <p:nvSpPr>
+          <p:cNvPr id="10" name="TextBox 9">
+            <a:extLst>
+              <a:ext uri="{FF2B5EF4-FFF2-40B4-BE49-F238E27FC236}">
+                <a16:creationId xmlns:a16="http://schemas.microsoft.com/office/drawing/2014/main" id="{F2E5EC45-D1CF-D44B-8EC3-4E179A93560A}"/>
+              </a:ext>
+            </a:extLst>
+          </p:cNvPr>
+          <p:cNvSpPr txBox="1"/>
+          <p:nvPr/>
+        </p:nvSpPr>
+        <p:spPr>
+          <a:xfrm>
+            <a:off x="6593286" y="2330151"/>
+            <a:ext cx="641131" cy="369332"/>
+          </a:xfrm>
+          <a:prstGeom prst="rect">
+            <a:avLst/>
+          </a:prstGeom>
+          <a:noFill/>
+        </p:spPr>
+        <p:txBody>
+          <a:bodyPr wrap="square" rtlCol="0">
+            <a:spAutoFit/>
+          </a:bodyPr>
+          <a:lstStyle/>
+          <a:p>
+            <a:pPr algn="ctr"/>
+            <a:r>
+              <a:rPr lang="en-US" strike="sngStrike" dirty="0"/>
+              <a:t>0, 2</a:t>
+            </a:r>
+          </a:p>
+        </p:txBody>
+      </p:sp>
+      <p:sp>
+        <p:nvSpPr>
+          <p:cNvPr id="13" name="TextBox 12">
+            <a:extLst>
+              <a:ext uri="{FF2B5EF4-FFF2-40B4-BE49-F238E27FC236}">
+                <a16:creationId xmlns:a16="http://schemas.microsoft.com/office/drawing/2014/main" id="{6DF57C0F-91A0-0040-B6CA-108D53FE592C}"/>
+              </a:ext>
+            </a:extLst>
+          </p:cNvPr>
+          <p:cNvSpPr txBox="1"/>
+          <p:nvPr/>
+        </p:nvSpPr>
+        <p:spPr>
+          <a:xfrm>
+            <a:off x="7557262" y="3296543"/>
+            <a:ext cx="641131" cy="369332"/>
+          </a:xfrm>
+          <a:prstGeom prst="rect">
+            <a:avLst/>
+          </a:prstGeom>
+          <a:noFill/>
+        </p:spPr>
+        <p:txBody>
+          <a:bodyPr wrap="square" rtlCol="0">
+            <a:spAutoFit/>
+          </a:bodyPr>
+          <a:lstStyle/>
+          <a:p>
+            <a:pPr algn="ctr"/>
+            <a:r>
+              <a:rPr lang="en-US" strike="sngStrike" dirty="0"/>
+              <a:t>2, 1</a:t>
+            </a:r>
+          </a:p>
+        </p:txBody>
+      </p:sp>
+      <p:sp>
+        <p:nvSpPr>
+          <p:cNvPr id="14" name="TextBox 13">
+            <a:extLst>
+              <a:ext uri="{FF2B5EF4-FFF2-40B4-BE49-F238E27FC236}">
+                <a16:creationId xmlns:a16="http://schemas.microsoft.com/office/drawing/2014/main" id="{42CE2DAA-5A6A-874D-A726-B45B8DA00D18}"/>
+              </a:ext>
+            </a:extLst>
+          </p:cNvPr>
+          <p:cNvSpPr txBox="1"/>
+          <p:nvPr/>
+        </p:nvSpPr>
+        <p:spPr>
+          <a:xfrm>
+            <a:off x="8696004" y="3296543"/>
+            <a:ext cx="641131" cy="369332"/>
+          </a:xfrm>
+          <a:prstGeom prst="rect">
+            <a:avLst/>
+          </a:prstGeom>
+          <a:noFill/>
+        </p:spPr>
+        <p:txBody>
+          <a:bodyPr wrap="square" rtlCol="0">
+            <a:spAutoFit/>
+          </a:bodyPr>
+          <a:lstStyle/>
+          <a:p>
+            <a:pPr algn="ctr"/>
+            <a:r>
+              <a:rPr lang="en-US" dirty="0"/>
+              <a:t>1, 2</a:t>
+            </a:r>
+          </a:p>
+        </p:txBody>
+      </p:sp>
+      <p:cxnSp>
+        <p:nvCxnSpPr>
+          <p:cNvPr id="16" name="Straight Connector 15">
+            <a:extLst>
+              <a:ext uri="{FF2B5EF4-FFF2-40B4-BE49-F238E27FC236}">
+                <a16:creationId xmlns:a16="http://schemas.microsoft.com/office/drawing/2014/main" id="{2E18A74B-0F03-064E-9F2B-0F981220D4D6}"/>
+              </a:ext>
+            </a:extLst>
+          </p:cNvPr>
+          <p:cNvCxnSpPr>
+            <a:cxnSpLocks/>
+            <a:stCxn id="4" idx="2"/>
+            <a:endCxn id="6" idx="0"/>
+          </p:cNvCxnSpPr>
+          <p:nvPr/>
+        </p:nvCxnSpPr>
+        <p:spPr>
+          <a:xfrm>
+            <a:off x="9121457" y="1104639"/>
+            <a:ext cx="1280808" cy="310643"/>
+          </a:xfrm>
+          <a:prstGeom prst="line">
+            <a:avLst/>
+          </a:prstGeom>
+        </p:spPr>
+        <p:style>
+          <a:lnRef idx="1">
+            <a:schemeClr val="accent1"/>
+          </a:lnRef>
+          <a:fillRef idx="0">
+            <a:schemeClr val="accent1"/>
+          </a:fillRef>
+          <a:effectRef idx="0">
+            <a:schemeClr val="accent1"/>
+          </a:effectRef>
+          <a:fontRef idx="minor">
+            <a:schemeClr val="tx1"/>
+          </a:fontRef>
+        </p:style>
+      </p:cxnSp>
+      <p:cxnSp>
+        <p:nvCxnSpPr>
+          <p:cNvPr id="19" name="Straight Connector 18">
+            <a:extLst>
+              <a:ext uri="{FF2B5EF4-FFF2-40B4-BE49-F238E27FC236}">
+                <a16:creationId xmlns:a16="http://schemas.microsoft.com/office/drawing/2014/main" id="{22073338-397C-9C4C-B40E-9470C7D834C6}"/>
+              </a:ext>
+            </a:extLst>
+          </p:cNvPr>
+          <p:cNvCxnSpPr>
+            <a:cxnSpLocks/>
+            <a:stCxn id="4" idx="2"/>
+            <a:endCxn id="7" idx="0"/>
+          </p:cNvCxnSpPr>
+          <p:nvPr/>
+        </p:nvCxnSpPr>
+        <p:spPr>
+          <a:xfrm flipH="1">
+            <a:off x="7744475" y="1104639"/>
+            <a:ext cx="1376982" cy="310643"/>
+          </a:xfrm>
+          <a:prstGeom prst="line">
+            <a:avLst/>
+          </a:prstGeom>
+        </p:spPr>
+        <p:style>
+          <a:lnRef idx="1">
+            <a:schemeClr val="accent1"/>
+          </a:lnRef>
+          <a:fillRef idx="0">
+            <a:schemeClr val="accent1"/>
+          </a:fillRef>
+          <a:effectRef idx="0">
+            <a:schemeClr val="accent1"/>
+          </a:effectRef>
+          <a:fontRef idx="minor">
+            <a:schemeClr val="tx1"/>
+          </a:fontRef>
+        </p:style>
+      </p:cxnSp>
+      <p:cxnSp>
+        <p:nvCxnSpPr>
+          <p:cNvPr id="22" name="Straight Connector 21">
+            <a:extLst>
+              <a:ext uri="{FF2B5EF4-FFF2-40B4-BE49-F238E27FC236}">
+                <a16:creationId xmlns:a16="http://schemas.microsoft.com/office/drawing/2014/main" id="{5A54D595-0841-6442-8E9D-FCD3DE447DDF}"/>
+              </a:ext>
+            </a:extLst>
+          </p:cNvPr>
+          <p:cNvCxnSpPr>
+            <a:cxnSpLocks/>
+            <a:stCxn id="7" idx="2"/>
+            <a:endCxn id="9" idx="0"/>
+          </p:cNvCxnSpPr>
+          <p:nvPr/>
+        </p:nvCxnSpPr>
+        <p:spPr>
+          <a:xfrm>
+            <a:off x="7744475" y="1784614"/>
+            <a:ext cx="707029" cy="535073"/>
+          </a:xfrm>
+          <a:prstGeom prst="line">
+            <a:avLst/>
+          </a:prstGeom>
+        </p:spPr>
+        <p:style>
+          <a:lnRef idx="1">
+            <a:schemeClr val="accent1"/>
+          </a:lnRef>
+          <a:fillRef idx="0">
+            <a:schemeClr val="accent1"/>
+          </a:fillRef>
+          <a:effectRef idx="0">
+            <a:schemeClr val="accent1"/>
+          </a:effectRef>
+          <a:fontRef idx="minor">
+            <a:schemeClr val="tx1"/>
+          </a:fontRef>
+        </p:style>
+      </p:cxnSp>
+      <p:cxnSp>
+        <p:nvCxnSpPr>
+          <p:cNvPr id="23" name="Straight Connector 22">
+            <a:extLst>
+              <a:ext uri="{FF2B5EF4-FFF2-40B4-BE49-F238E27FC236}">
+                <a16:creationId xmlns:a16="http://schemas.microsoft.com/office/drawing/2014/main" id="{65C520E3-D25E-DB40-9517-D4D1537B5C64}"/>
+              </a:ext>
+            </a:extLst>
+          </p:cNvPr>
+          <p:cNvCxnSpPr>
+            <a:cxnSpLocks/>
+            <a:stCxn id="7" idx="2"/>
+            <a:endCxn id="10" idx="0"/>
+          </p:cNvCxnSpPr>
+          <p:nvPr/>
+        </p:nvCxnSpPr>
+        <p:spPr>
+          <a:xfrm flipH="1">
+            <a:off x="6913852" y="1784614"/>
+            <a:ext cx="830623" cy="545537"/>
+          </a:xfrm>
+          <a:prstGeom prst="line">
+            <a:avLst/>
+          </a:prstGeom>
+        </p:spPr>
+        <p:style>
+          <a:lnRef idx="1">
+            <a:schemeClr val="accent1"/>
+          </a:lnRef>
+          <a:fillRef idx="0">
+            <a:schemeClr val="accent1"/>
+          </a:fillRef>
+          <a:effectRef idx="0">
+            <a:schemeClr val="accent1"/>
+          </a:effectRef>
+          <a:fontRef idx="minor">
+            <a:schemeClr val="tx1"/>
+          </a:fontRef>
+        </p:style>
+      </p:cxnSp>
+      <p:cxnSp>
+        <p:nvCxnSpPr>
+          <p:cNvPr id="28" name="Straight Connector 27">
+            <a:extLst>
+              <a:ext uri="{FF2B5EF4-FFF2-40B4-BE49-F238E27FC236}">
+                <a16:creationId xmlns:a16="http://schemas.microsoft.com/office/drawing/2014/main" id="{8753171E-BD92-6043-8C89-C38CAEF610FE}"/>
+              </a:ext>
+            </a:extLst>
+          </p:cNvPr>
+          <p:cNvCxnSpPr>
+            <a:cxnSpLocks/>
+            <a:stCxn id="9" idx="2"/>
+            <a:endCxn id="13" idx="0"/>
+          </p:cNvCxnSpPr>
+          <p:nvPr/>
+        </p:nvCxnSpPr>
+        <p:spPr>
+          <a:xfrm flipH="1">
+            <a:off x="7877828" y="2689019"/>
+            <a:ext cx="573676" cy="607524"/>
+          </a:xfrm>
+          <a:prstGeom prst="line">
+            <a:avLst/>
+          </a:prstGeom>
+        </p:spPr>
+        <p:style>
+          <a:lnRef idx="1">
+            <a:schemeClr val="accent1"/>
+          </a:lnRef>
+          <a:fillRef idx="0">
+            <a:schemeClr val="accent1"/>
+          </a:fillRef>
+          <a:effectRef idx="0">
+            <a:schemeClr val="accent1"/>
+          </a:effectRef>
+          <a:fontRef idx="minor">
+            <a:schemeClr val="tx1"/>
+          </a:fontRef>
+        </p:style>
+      </p:cxnSp>
+      <p:cxnSp>
+        <p:nvCxnSpPr>
+          <p:cNvPr id="29" name="Straight Connector 28">
+            <a:extLst>
+              <a:ext uri="{FF2B5EF4-FFF2-40B4-BE49-F238E27FC236}">
+                <a16:creationId xmlns:a16="http://schemas.microsoft.com/office/drawing/2014/main" id="{4EE429DF-1BC9-9C48-A176-ADD6457C8235}"/>
+              </a:ext>
+            </a:extLst>
+          </p:cNvPr>
+          <p:cNvCxnSpPr>
+            <a:cxnSpLocks/>
+            <a:stCxn id="9" idx="2"/>
+            <a:endCxn id="14" idx="0"/>
+          </p:cNvCxnSpPr>
+          <p:nvPr/>
+        </p:nvCxnSpPr>
+        <p:spPr>
+          <a:xfrm>
+            <a:off x="8451504" y="2689019"/>
+            <a:ext cx="565066" cy="607524"/>
+          </a:xfrm>
+          <a:prstGeom prst="line">
+            <a:avLst/>
+          </a:prstGeom>
+        </p:spPr>
+        <p:style>
+          <a:lnRef idx="1">
+            <a:schemeClr val="accent1"/>
+          </a:lnRef>
+          <a:fillRef idx="0">
+            <a:schemeClr val="accent1"/>
+          </a:fillRef>
+          <a:effectRef idx="0">
+            <a:schemeClr val="accent1"/>
+          </a:effectRef>
+          <a:fontRef idx="minor">
+            <a:schemeClr val="tx1"/>
+          </a:fontRef>
+        </p:style>
+      </p:cxnSp>
+      <p:sp>
+        <p:nvSpPr>
+          <p:cNvPr id="36" name="TextBox 35">
+            <a:extLst>
+              <a:ext uri="{FF2B5EF4-FFF2-40B4-BE49-F238E27FC236}">
+                <a16:creationId xmlns:a16="http://schemas.microsoft.com/office/drawing/2014/main" id="{44DEDFC5-2F4E-0547-85D3-2DE82FE6418F}"/>
+              </a:ext>
+            </a:extLst>
+          </p:cNvPr>
+          <p:cNvSpPr txBox="1"/>
+          <p:nvPr/>
+        </p:nvSpPr>
+        <p:spPr>
+          <a:xfrm>
+            <a:off x="8777555" y="3490290"/>
+            <a:ext cx="1304144" cy="769441"/>
+          </a:xfrm>
+          <a:prstGeom prst="rect">
+            <a:avLst/>
+          </a:prstGeom>
+          <a:noFill/>
+        </p:spPr>
+        <p:txBody>
+          <a:bodyPr wrap="square" rtlCol="0">
+            <a:spAutoFit/>
+          </a:bodyPr>
+          <a:lstStyle/>
+          <a:p>
+            <a:r>
+              <a:rPr lang="en-US" sz="4400" dirty="0"/>
+              <a:t>…</a:t>
+            </a:r>
+          </a:p>
+        </p:txBody>
+      </p:sp>
+      <p:sp>
+        <p:nvSpPr>
+          <p:cNvPr id="38" name="TextBox 37">
+            <a:extLst>
+              <a:ext uri="{FF2B5EF4-FFF2-40B4-BE49-F238E27FC236}">
+                <a16:creationId xmlns:a16="http://schemas.microsoft.com/office/drawing/2014/main" id="{5975C7C3-7082-CF41-A3A3-A2EDF0310D3D}"/>
+              </a:ext>
+            </a:extLst>
+          </p:cNvPr>
+          <p:cNvSpPr txBox="1"/>
+          <p:nvPr/>
+        </p:nvSpPr>
+        <p:spPr>
+          <a:xfrm>
+            <a:off x="663894" y="4077357"/>
+            <a:ext cx="5561532" cy="2308324"/>
+          </a:xfrm>
+          <a:prstGeom prst="rect">
+            <a:avLst/>
+          </a:prstGeom>
+          <a:noFill/>
+        </p:spPr>
+        <p:txBody>
+          <a:bodyPr wrap="square" rtlCol="0">
+            <a:spAutoFit/>
+          </a:bodyPr>
+          <a:lstStyle/>
+          <a:p>
+            <a:r>
+              <a:rPr lang="en-US" dirty="0"/>
+              <a:t>Each position has up to 2 next positions: down and right.</a:t>
+            </a:r>
+          </a:p>
+          <a:p>
+            <a:endParaRPr lang="en-US" dirty="0"/>
+          </a:p>
+          <a:p>
+            <a:r>
+              <a:rPr lang="en-US" dirty="0"/>
+              <a:t>But sometimes either of those may be invalid because they run into a wall or off the edge of the maze.</a:t>
+            </a:r>
+          </a:p>
+          <a:p>
+            <a:endParaRPr lang="en-US" dirty="0"/>
+          </a:p>
+          <a:p>
+            <a:r>
+              <a:rPr lang="en-US" dirty="0"/>
+              <a:t>Do not assume each position can have only one valid next position. In general it is an arbitrary-arity tree. (Up to 2 in this module; up to 4 later.)</a:t>
+            </a:r>
           </a:p>
         </p:txBody>
       </p:sp>
     </p:spTree>
     <p:extLst>
       <p:ext uri="{BB962C8B-B14F-4D97-AF65-F5344CB8AC3E}">
-        <p14:creationId xmlns:p14="http://schemas.microsoft.com/office/powerpoint/2010/main" val="1104854481"/>
+        <p14:creationId xmlns:p14="http://schemas.microsoft.com/office/powerpoint/2010/main" val="238373240"/>
       </p:ext>
     </p:extLst>
   </p:cSld>
@@ -7755,7 +8941,7 @@
           <p:cNvPr id="5" name="TextBox 4">
             <a:extLst>
               <a:ext uri="{FF2B5EF4-FFF2-40B4-BE49-F238E27FC236}">
-                <a16:creationId xmlns:a16="http://schemas.microsoft.com/office/drawing/2014/main" id="{B0B64357-E6FC-864A-C51C-F4EB739B6F86}"/>
+                <a16:creationId xmlns:a16="http://schemas.microsoft.com/office/drawing/2014/main" id="{346EE018-3C96-BA43-A844-1E35A6F4AD87}"/>
               </a:ext>
             </a:extLst>
           </p:cNvPr>
@@ -7764,8 +8950,8 @@
         </p:nvSpPr>
         <p:spPr>
           <a:xfrm>
-            <a:off x="418290" y="424154"/>
-            <a:ext cx="7908586" cy="5078313"/>
+            <a:off x="1088626" y="255732"/>
+            <a:ext cx="6655849" cy="461665"/>
           </a:xfrm>
           <a:prstGeom prst="rect">
             <a:avLst/>
@@ -7773,803 +8959,686 @@
           <a:noFill/>
         </p:spPr>
         <p:txBody>
-          <a:bodyPr wrap="square">
+          <a:bodyPr wrap="square" rtlCol="0">
             <a:spAutoFit/>
           </a:bodyPr>
           <a:lstStyle/>
           <a:p>
-            <a:endParaRPr lang="en-US" dirty="0">
-              <a:latin typeface="Monaco" pitchFamily="2" charset="77"/>
-            </a:endParaRPr>
-          </a:p>
-          <a:p>
-            <a:endParaRPr lang="en-US" dirty="0">
-              <a:latin typeface="Monaco" pitchFamily="2" charset="77"/>
-            </a:endParaRPr>
-          </a:p>
-          <a:p>
-            <a:r>
-              <a:rPr lang="en-US" dirty="0">
-                <a:latin typeface="Monaco" pitchFamily="2" charset="77"/>
-              </a:rPr>
-              <a:t>(define (</a:t>
-            </a:r>
-            <a:r>
-              <a:rPr lang="en-US" dirty="0" err="1">
-                <a:latin typeface="Monaco" pitchFamily="2" charset="77"/>
-              </a:rPr>
-              <a:t>fn</a:t>
-            </a:r>
-            <a:r>
-              <a:rPr lang="en-US" dirty="0">
-                <a:latin typeface="Monaco" pitchFamily="2" charset="77"/>
-              </a:rPr>
-              <a:t>-for-pos p)</a:t>
-            </a:r>
-          </a:p>
-          <a:p>
-            <a:r>
-              <a:rPr lang="en-US" dirty="0">
-                <a:latin typeface="Monaco" pitchFamily="2" charset="77"/>
-              </a:rPr>
-              <a:t>  </a:t>
-            </a:r>
-            <a:r>
-              <a:rPr lang="en-US" dirty="0">
+            <a:r>
+              <a:rPr lang="en-US" sz="2400" dirty="0"/>
+              <a:t>Search Domain Analysis MUST HAVE Search Tree</a:t>
+            </a:r>
+          </a:p>
+        </p:txBody>
+      </p:sp>
+      <p:pic>
+        <p:nvPicPr>
+          <p:cNvPr id="12" name="Picture 11">
+            <a:extLst>
+              <a:ext uri="{FF2B5EF4-FFF2-40B4-BE49-F238E27FC236}">
+                <a16:creationId xmlns:a16="http://schemas.microsoft.com/office/drawing/2014/main" id="{BFCCD929-7C60-664C-B5E5-A834D30FE7A8}"/>
+              </a:ext>
+            </a:extLst>
+          </p:cNvPr>
+          <p:cNvPicPr>
+            <a:picLocks noChangeAspect="1"/>
+          </p:cNvPicPr>
+          <p:nvPr/>
+        </p:nvPicPr>
+        <p:blipFill>
+          <a:blip r:embed="rId2"/>
+          <a:stretch>
+            <a:fillRect/>
+          </a:stretch>
+        </p:blipFill>
+        <p:spPr>
+          <a:xfrm>
+            <a:off x="1636569" y="1278754"/>
+            <a:ext cx="1420729" cy="1420729"/>
+          </a:xfrm>
+          <a:prstGeom prst="rect">
+            <a:avLst/>
+          </a:prstGeom>
+        </p:spPr>
+      </p:pic>
+      <p:sp>
+        <p:nvSpPr>
+          <p:cNvPr id="38" name="TextBox 37">
+            <a:extLst>
+              <a:ext uri="{FF2B5EF4-FFF2-40B4-BE49-F238E27FC236}">
+                <a16:creationId xmlns:a16="http://schemas.microsoft.com/office/drawing/2014/main" id="{5975C7C3-7082-CF41-A3A3-A2EDF0310D3D}"/>
+              </a:ext>
+            </a:extLst>
+          </p:cNvPr>
+          <p:cNvSpPr txBox="1"/>
+          <p:nvPr/>
+        </p:nvSpPr>
+        <p:spPr>
+          <a:xfrm>
+            <a:off x="1088626" y="3481209"/>
+            <a:ext cx="8275059" cy="2492990"/>
+          </a:xfrm>
+          <a:prstGeom prst="rect">
+            <a:avLst/>
+          </a:prstGeom>
+          <a:noFill/>
+        </p:spPr>
+        <p:txBody>
+          <a:bodyPr wrap="square" rtlCol="0">
+            <a:spAutoFit/>
+          </a:bodyPr>
+          <a:lstStyle/>
+          <a:p>
+            <a:r>
+              <a:rPr lang="en-US" sz="2400" dirty="0"/>
+              <a:t>And answers to 3 questions:</a:t>
+            </a:r>
+          </a:p>
+          <a:p>
+            <a:endParaRPr lang="en-US" sz="2400" dirty="0"/>
+          </a:p>
+          <a:p>
+            <a:r>
+              <a:rPr lang="en-US" dirty="0"/>
+              <a:t>What is changing information? current </a:t>
+            </a:r>
+            <a:r>
+              <a:rPr lang="en-US" dirty="0" err="1"/>
+              <a:t>x,y</a:t>
+            </a:r>
+            <a:r>
+              <a:rPr lang="en-US" dirty="0"/>
+              <a:t> position</a:t>
+            </a:r>
+          </a:p>
+          <a:p>
+            <a:endParaRPr lang="en-US" dirty="0"/>
+          </a:p>
+          <a:p>
+            <a:r>
+              <a:rPr lang="en-US" dirty="0"/>
+              <a:t>How to form next next search search states? down and right, UNLESS hit wall or edges</a:t>
+            </a:r>
+          </a:p>
+          <a:p>
+            <a:endParaRPr lang="en-US" dirty="0"/>
+          </a:p>
+          <a:p>
+            <a:r>
+              <a:rPr lang="en-US" dirty="0"/>
+              <a:t>How to tell when done? solved if reach lower right corner</a:t>
+            </a:r>
+          </a:p>
+          <a:p>
+            <a:r>
+              <a:rPr lang="en-US" dirty="0"/>
+              <a:t>                                            can also run out of moves</a:t>
+            </a:r>
+          </a:p>
+        </p:txBody>
+      </p:sp>
+      <p:sp>
+        <p:nvSpPr>
+          <p:cNvPr id="2" name="TextBox 1">
+            <a:extLst>
+              <a:ext uri="{FF2B5EF4-FFF2-40B4-BE49-F238E27FC236}">
+                <a16:creationId xmlns:a16="http://schemas.microsoft.com/office/drawing/2014/main" id="{09F14B07-98FF-C0FA-5A9B-F4D93228EACC}"/>
+              </a:ext>
+            </a:extLst>
+          </p:cNvPr>
+          <p:cNvSpPr txBox="1"/>
+          <p:nvPr/>
+        </p:nvSpPr>
+        <p:spPr>
+          <a:xfrm>
+            <a:off x="8800891" y="735307"/>
+            <a:ext cx="641131" cy="369332"/>
+          </a:xfrm>
+          <a:prstGeom prst="rect">
+            <a:avLst/>
+          </a:prstGeom>
+          <a:noFill/>
+        </p:spPr>
+        <p:txBody>
+          <a:bodyPr wrap="square" rtlCol="0">
+            <a:spAutoFit/>
+          </a:bodyPr>
+          <a:lstStyle/>
+          <a:p>
+            <a:pPr algn="ctr"/>
+            <a:r>
+              <a:rPr lang="en-US" dirty="0"/>
+              <a:t>0, 0</a:t>
+            </a:r>
+          </a:p>
+        </p:txBody>
+      </p:sp>
+      <p:sp>
+        <p:nvSpPr>
+          <p:cNvPr id="3" name="TextBox 2">
+            <a:extLst>
+              <a:ext uri="{FF2B5EF4-FFF2-40B4-BE49-F238E27FC236}">
+                <a16:creationId xmlns:a16="http://schemas.microsoft.com/office/drawing/2014/main" id="{9AF7AC91-AB9D-92AC-5102-1611FCDBD06A}"/>
+              </a:ext>
+            </a:extLst>
+          </p:cNvPr>
+          <p:cNvSpPr txBox="1"/>
+          <p:nvPr/>
+        </p:nvSpPr>
+        <p:spPr>
+          <a:xfrm>
+            <a:off x="10081699" y="1415282"/>
+            <a:ext cx="641131" cy="369332"/>
+          </a:xfrm>
+          <a:prstGeom prst="rect">
+            <a:avLst/>
+          </a:prstGeom>
+          <a:noFill/>
+        </p:spPr>
+        <p:txBody>
+          <a:bodyPr wrap="square" rtlCol="0">
+            <a:spAutoFit/>
+          </a:bodyPr>
+          <a:lstStyle/>
+          <a:p>
+            <a:pPr algn="ctr"/>
+            <a:r>
+              <a:rPr lang="en-US" strike="sngStrike" dirty="0"/>
+              <a:t>1, 0</a:t>
+            </a:r>
+          </a:p>
+        </p:txBody>
+      </p:sp>
+      <p:sp>
+        <p:nvSpPr>
+          <p:cNvPr id="8" name="TextBox 7">
+            <a:extLst>
+              <a:ext uri="{FF2B5EF4-FFF2-40B4-BE49-F238E27FC236}">
+                <a16:creationId xmlns:a16="http://schemas.microsoft.com/office/drawing/2014/main" id="{528549BC-45B9-51E3-F44D-BC384160142C}"/>
+              </a:ext>
+            </a:extLst>
+          </p:cNvPr>
+          <p:cNvSpPr txBox="1"/>
+          <p:nvPr/>
+        </p:nvSpPr>
+        <p:spPr>
+          <a:xfrm>
+            <a:off x="7423909" y="1415282"/>
+            <a:ext cx="641131" cy="369332"/>
+          </a:xfrm>
+          <a:prstGeom prst="rect">
+            <a:avLst/>
+          </a:prstGeom>
+          <a:noFill/>
+        </p:spPr>
+        <p:txBody>
+          <a:bodyPr wrap="square" rtlCol="0">
+            <a:spAutoFit/>
+          </a:bodyPr>
+          <a:lstStyle/>
+          <a:p>
+            <a:pPr algn="ctr"/>
+            <a:r>
+              <a:rPr lang="en-US" dirty="0"/>
+              <a:t>0, 1</a:t>
+            </a:r>
+          </a:p>
+        </p:txBody>
+      </p:sp>
+      <p:sp>
+        <p:nvSpPr>
+          <p:cNvPr id="11" name="TextBox 10">
+            <a:extLst>
+              <a:ext uri="{FF2B5EF4-FFF2-40B4-BE49-F238E27FC236}">
+                <a16:creationId xmlns:a16="http://schemas.microsoft.com/office/drawing/2014/main" id="{A4A2FE9E-7EE9-17C5-75C3-938EADF6995E}"/>
+              </a:ext>
+            </a:extLst>
+          </p:cNvPr>
+          <p:cNvSpPr txBox="1"/>
+          <p:nvPr/>
+        </p:nvSpPr>
+        <p:spPr>
+          <a:xfrm>
+            <a:off x="8130938" y="2319687"/>
+            <a:ext cx="641131" cy="369332"/>
+          </a:xfrm>
+          <a:prstGeom prst="rect">
+            <a:avLst/>
+          </a:prstGeom>
+          <a:noFill/>
+        </p:spPr>
+        <p:txBody>
+          <a:bodyPr wrap="square" rtlCol="0">
+            <a:spAutoFit/>
+          </a:bodyPr>
+          <a:lstStyle/>
+          <a:p>
+            <a:pPr algn="ctr"/>
+            <a:r>
+              <a:rPr lang="en-US" dirty="0"/>
+              <a:t>1, 1</a:t>
+            </a:r>
+          </a:p>
+        </p:txBody>
+      </p:sp>
+      <p:sp>
+        <p:nvSpPr>
+          <p:cNvPr id="15" name="TextBox 14">
+            <a:extLst>
+              <a:ext uri="{FF2B5EF4-FFF2-40B4-BE49-F238E27FC236}">
+                <a16:creationId xmlns:a16="http://schemas.microsoft.com/office/drawing/2014/main" id="{8E0DDDCD-B900-8A8F-0B60-1B567F79A7E9}"/>
+              </a:ext>
+            </a:extLst>
+          </p:cNvPr>
+          <p:cNvSpPr txBox="1"/>
+          <p:nvPr/>
+        </p:nvSpPr>
+        <p:spPr>
+          <a:xfrm>
+            <a:off x="6593286" y="2330151"/>
+            <a:ext cx="641131" cy="369332"/>
+          </a:xfrm>
+          <a:prstGeom prst="rect">
+            <a:avLst/>
+          </a:prstGeom>
+          <a:noFill/>
+        </p:spPr>
+        <p:txBody>
+          <a:bodyPr wrap="square" rtlCol="0">
+            <a:spAutoFit/>
+          </a:bodyPr>
+          <a:lstStyle/>
+          <a:p>
+            <a:pPr algn="ctr"/>
+            <a:r>
+              <a:rPr lang="en-US" strike="sngStrike" dirty="0"/>
+              <a:t>0, 2</a:t>
+            </a:r>
+          </a:p>
+        </p:txBody>
+      </p:sp>
+      <p:sp>
+        <p:nvSpPr>
+          <p:cNvPr id="17" name="TextBox 16">
+            <a:extLst>
+              <a:ext uri="{FF2B5EF4-FFF2-40B4-BE49-F238E27FC236}">
+                <a16:creationId xmlns:a16="http://schemas.microsoft.com/office/drawing/2014/main" id="{4CF4EA01-3F9A-6A0A-A425-5A2006BFADCD}"/>
+              </a:ext>
+            </a:extLst>
+          </p:cNvPr>
+          <p:cNvSpPr txBox="1"/>
+          <p:nvPr/>
+        </p:nvSpPr>
+        <p:spPr>
+          <a:xfrm>
+            <a:off x="7557262" y="3296543"/>
+            <a:ext cx="641131" cy="369332"/>
+          </a:xfrm>
+          <a:prstGeom prst="rect">
+            <a:avLst/>
+          </a:prstGeom>
+          <a:noFill/>
+        </p:spPr>
+        <p:txBody>
+          <a:bodyPr wrap="square" rtlCol="0">
+            <a:spAutoFit/>
+          </a:bodyPr>
+          <a:lstStyle/>
+          <a:p>
+            <a:pPr algn="ctr"/>
+            <a:r>
+              <a:rPr lang="en-US" strike="sngStrike" dirty="0"/>
+              <a:t>2, 1</a:t>
+            </a:r>
+          </a:p>
+        </p:txBody>
+      </p:sp>
+      <p:sp>
+        <p:nvSpPr>
+          <p:cNvPr id="18" name="TextBox 17">
+            <a:extLst>
+              <a:ext uri="{FF2B5EF4-FFF2-40B4-BE49-F238E27FC236}">
+                <a16:creationId xmlns:a16="http://schemas.microsoft.com/office/drawing/2014/main" id="{02CCFE6A-B3FE-F910-BBBF-903D9C50BB12}"/>
+              </a:ext>
+            </a:extLst>
+          </p:cNvPr>
+          <p:cNvSpPr txBox="1"/>
+          <p:nvPr/>
+        </p:nvSpPr>
+        <p:spPr>
+          <a:xfrm>
+            <a:off x="8696004" y="3296543"/>
+            <a:ext cx="641131" cy="369332"/>
+          </a:xfrm>
+          <a:prstGeom prst="rect">
+            <a:avLst/>
+          </a:prstGeom>
+          <a:noFill/>
+        </p:spPr>
+        <p:txBody>
+          <a:bodyPr wrap="square" rtlCol="0">
+            <a:spAutoFit/>
+          </a:bodyPr>
+          <a:lstStyle/>
+          <a:p>
+            <a:pPr algn="ctr"/>
+            <a:r>
+              <a:rPr lang="en-US" dirty="0"/>
+              <a:t>1, 2</a:t>
+            </a:r>
+          </a:p>
+        </p:txBody>
+      </p:sp>
+      <p:cxnSp>
+        <p:nvCxnSpPr>
+          <p:cNvPr id="20" name="Straight Connector 19">
+            <a:extLst>
+              <a:ext uri="{FF2B5EF4-FFF2-40B4-BE49-F238E27FC236}">
+                <a16:creationId xmlns:a16="http://schemas.microsoft.com/office/drawing/2014/main" id="{61A5395C-1788-B4D4-4A69-6C3BC9FFA426}"/>
+              </a:ext>
+            </a:extLst>
+          </p:cNvPr>
+          <p:cNvCxnSpPr>
+            <a:cxnSpLocks/>
+            <a:stCxn id="2" idx="2"/>
+            <a:endCxn id="3" idx="0"/>
+          </p:cNvCxnSpPr>
+          <p:nvPr/>
+        </p:nvCxnSpPr>
+        <p:spPr>
+          <a:xfrm>
+            <a:off x="9121457" y="1104639"/>
+            <a:ext cx="1280808" cy="310643"/>
+          </a:xfrm>
+          <a:prstGeom prst="line">
+            <a:avLst/>
+          </a:prstGeom>
+        </p:spPr>
+        <p:style>
+          <a:lnRef idx="1">
+            <a:schemeClr val="accent1"/>
+          </a:lnRef>
+          <a:fillRef idx="0">
+            <a:schemeClr val="accent1"/>
+          </a:fillRef>
+          <a:effectRef idx="0">
+            <a:schemeClr val="accent1"/>
+          </a:effectRef>
+          <a:fontRef idx="minor">
+            <a:schemeClr val="tx1"/>
+          </a:fontRef>
+        </p:style>
+      </p:cxnSp>
+      <p:cxnSp>
+        <p:nvCxnSpPr>
+          <p:cNvPr id="21" name="Straight Connector 20">
+            <a:extLst>
+              <a:ext uri="{FF2B5EF4-FFF2-40B4-BE49-F238E27FC236}">
+                <a16:creationId xmlns:a16="http://schemas.microsoft.com/office/drawing/2014/main" id="{9424E8BA-D9F7-6D6E-38D7-A6696B9805B5}"/>
+              </a:ext>
+            </a:extLst>
+          </p:cNvPr>
+          <p:cNvCxnSpPr>
+            <a:cxnSpLocks/>
+            <a:stCxn id="2" idx="2"/>
+            <a:endCxn id="8" idx="0"/>
+          </p:cNvCxnSpPr>
+          <p:nvPr/>
+        </p:nvCxnSpPr>
+        <p:spPr>
+          <a:xfrm flipH="1">
+            <a:off x="7744475" y="1104639"/>
+            <a:ext cx="1376982" cy="310643"/>
+          </a:xfrm>
+          <a:prstGeom prst="line">
+            <a:avLst/>
+          </a:prstGeom>
+        </p:spPr>
+        <p:style>
+          <a:lnRef idx="1">
+            <a:schemeClr val="accent1"/>
+          </a:lnRef>
+          <a:fillRef idx="0">
+            <a:schemeClr val="accent1"/>
+          </a:fillRef>
+          <a:effectRef idx="0">
+            <a:schemeClr val="accent1"/>
+          </a:effectRef>
+          <a:fontRef idx="minor">
+            <a:schemeClr val="tx1"/>
+          </a:fontRef>
+        </p:style>
+      </p:cxnSp>
+      <p:cxnSp>
+        <p:nvCxnSpPr>
+          <p:cNvPr id="24" name="Straight Connector 23">
+            <a:extLst>
+              <a:ext uri="{FF2B5EF4-FFF2-40B4-BE49-F238E27FC236}">
+                <a16:creationId xmlns:a16="http://schemas.microsoft.com/office/drawing/2014/main" id="{DB2498C5-62CB-4A2A-AEBF-EBBD472AE2E4}"/>
+              </a:ext>
+            </a:extLst>
+          </p:cNvPr>
+          <p:cNvCxnSpPr>
+            <a:cxnSpLocks/>
+            <a:stCxn id="8" idx="2"/>
+            <a:endCxn id="11" idx="0"/>
+          </p:cNvCxnSpPr>
+          <p:nvPr/>
+        </p:nvCxnSpPr>
+        <p:spPr>
+          <a:xfrm>
+            <a:off x="7744475" y="1784614"/>
+            <a:ext cx="707029" cy="535073"/>
+          </a:xfrm>
+          <a:prstGeom prst="line">
+            <a:avLst/>
+          </a:prstGeom>
+        </p:spPr>
+        <p:style>
+          <a:lnRef idx="1">
+            <a:schemeClr val="accent1"/>
+          </a:lnRef>
+          <a:fillRef idx="0">
+            <a:schemeClr val="accent1"/>
+          </a:fillRef>
+          <a:effectRef idx="0">
+            <a:schemeClr val="accent1"/>
+          </a:effectRef>
+          <a:fontRef idx="minor">
+            <a:schemeClr val="tx1"/>
+          </a:fontRef>
+        </p:style>
+      </p:cxnSp>
+      <p:cxnSp>
+        <p:nvCxnSpPr>
+          <p:cNvPr id="25" name="Straight Connector 24">
+            <a:extLst>
+              <a:ext uri="{FF2B5EF4-FFF2-40B4-BE49-F238E27FC236}">
+                <a16:creationId xmlns:a16="http://schemas.microsoft.com/office/drawing/2014/main" id="{9CD52A09-BFA9-DC37-9685-E669FF1CD9B2}"/>
+              </a:ext>
+            </a:extLst>
+          </p:cNvPr>
+          <p:cNvCxnSpPr>
+            <a:cxnSpLocks/>
+            <a:stCxn id="8" idx="2"/>
+            <a:endCxn id="15" idx="0"/>
+          </p:cNvCxnSpPr>
+          <p:nvPr/>
+        </p:nvCxnSpPr>
+        <p:spPr>
+          <a:xfrm flipH="1">
+            <a:off x="6913852" y="1784614"/>
+            <a:ext cx="830623" cy="545537"/>
+          </a:xfrm>
+          <a:prstGeom prst="line">
+            <a:avLst/>
+          </a:prstGeom>
+        </p:spPr>
+        <p:style>
+          <a:lnRef idx="1">
+            <a:schemeClr val="accent1"/>
+          </a:lnRef>
+          <a:fillRef idx="0">
+            <a:schemeClr val="accent1"/>
+          </a:fillRef>
+          <a:effectRef idx="0">
+            <a:schemeClr val="accent1"/>
+          </a:effectRef>
+          <a:fontRef idx="minor">
+            <a:schemeClr val="tx1"/>
+          </a:fontRef>
+        </p:style>
+      </p:cxnSp>
+      <p:cxnSp>
+        <p:nvCxnSpPr>
+          <p:cNvPr id="26" name="Straight Connector 25">
+            <a:extLst>
+              <a:ext uri="{FF2B5EF4-FFF2-40B4-BE49-F238E27FC236}">
+                <a16:creationId xmlns:a16="http://schemas.microsoft.com/office/drawing/2014/main" id="{9A5CB983-8702-3DDB-B7E1-AA79003FCC56}"/>
+              </a:ext>
+            </a:extLst>
+          </p:cNvPr>
+          <p:cNvCxnSpPr>
+            <a:cxnSpLocks/>
+            <a:stCxn id="11" idx="2"/>
+            <a:endCxn id="17" idx="0"/>
+          </p:cNvCxnSpPr>
+          <p:nvPr/>
+        </p:nvCxnSpPr>
+        <p:spPr>
+          <a:xfrm flipH="1">
+            <a:off x="7877828" y="2689019"/>
+            <a:ext cx="573676" cy="607524"/>
+          </a:xfrm>
+          <a:prstGeom prst="line">
+            <a:avLst/>
+          </a:prstGeom>
+        </p:spPr>
+        <p:style>
+          <a:lnRef idx="1">
+            <a:schemeClr val="accent1"/>
+          </a:lnRef>
+          <a:fillRef idx="0">
+            <a:schemeClr val="accent1"/>
+          </a:fillRef>
+          <a:effectRef idx="0">
+            <a:schemeClr val="accent1"/>
+          </a:effectRef>
+          <a:fontRef idx="minor">
+            <a:schemeClr val="tx1"/>
+          </a:fontRef>
+        </p:style>
+      </p:cxnSp>
+      <p:cxnSp>
+        <p:nvCxnSpPr>
+          <p:cNvPr id="27" name="Straight Connector 26">
+            <a:extLst>
+              <a:ext uri="{FF2B5EF4-FFF2-40B4-BE49-F238E27FC236}">
+                <a16:creationId xmlns:a16="http://schemas.microsoft.com/office/drawing/2014/main" id="{75F355B9-B461-61D5-DDF8-4E561CD949D1}"/>
+              </a:ext>
+            </a:extLst>
+          </p:cNvPr>
+          <p:cNvCxnSpPr>
+            <a:cxnSpLocks/>
+            <a:stCxn id="11" idx="2"/>
+            <a:endCxn id="18" idx="0"/>
+          </p:cNvCxnSpPr>
+          <p:nvPr/>
+        </p:nvCxnSpPr>
+        <p:spPr>
+          <a:xfrm>
+            <a:off x="8451504" y="2689019"/>
+            <a:ext cx="565066" cy="607524"/>
+          </a:xfrm>
+          <a:prstGeom prst="line">
+            <a:avLst/>
+          </a:prstGeom>
+        </p:spPr>
+        <p:style>
+          <a:lnRef idx="1">
+            <a:schemeClr val="accent1"/>
+          </a:lnRef>
+          <a:fillRef idx="0">
+            <a:schemeClr val="accent1"/>
+          </a:fillRef>
+          <a:effectRef idx="0">
+            <a:schemeClr val="accent1"/>
+          </a:effectRef>
+          <a:fontRef idx="minor">
+            <a:schemeClr val="tx1"/>
+          </a:fontRef>
+        </p:style>
+      </p:cxnSp>
+      <p:sp>
+        <p:nvSpPr>
+          <p:cNvPr id="30" name="TextBox 29">
+            <a:extLst>
+              <a:ext uri="{FF2B5EF4-FFF2-40B4-BE49-F238E27FC236}">
+                <a16:creationId xmlns:a16="http://schemas.microsoft.com/office/drawing/2014/main" id="{D7D8CACE-543F-DF5A-5F5E-869748208DAE}"/>
+              </a:ext>
+            </a:extLst>
+          </p:cNvPr>
+          <p:cNvSpPr txBox="1"/>
+          <p:nvPr/>
+        </p:nvSpPr>
+        <p:spPr>
+          <a:xfrm>
+            <a:off x="8777555" y="3490290"/>
+            <a:ext cx="1304144" cy="769441"/>
+          </a:xfrm>
+          <a:prstGeom prst="rect">
+            <a:avLst/>
+          </a:prstGeom>
+          <a:noFill/>
+        </p:spPr>
+        <p:txBody>
+          <a:bodyPr wrap="square" rtlCol="0">
+            <a:spAutoFit/>
+          </a:bodyPr>
+          <a:lstStyle/>
+          <a:p>
+            <a:r>
+              <a:rPr lang="en-US" sz="4400" dirty="0"/>
+              <a:t>…</a:t>
+            </a:r>
+          </a:p>
+        </p:txBody>
+      </p:sp>
+      <p:sp>
+        <p:nvSpPr>
+          <p:cNvPr id="31" name="TextBox 30">
+            <a:extLst>
+              <a:ext uri="{FF2B5EF4-FFF2-40B4-BE49-F238E27FC236}">
+                <a16:creationId xmlns:a16="http://schemas.microsoft.com/office/drawing/2014/main" id="{C256FD40-01BA-FDC0-C12D-ED76E1976A7B}"/>
+              </a:ext>
+            </a:extLst>
+          </p:cNvPr>
+          <p:cNvSpPr txBox="1"/>
+          <p:nvPr/>
+        </p:nvSpPr>
+        <p:spPr>
+          <a:xfrm>
+            <a:off x="5536151" y="6198854"/>
+            <a:ext cx="6655849" cy="461665"/>
+          </a:xfrm>
+          <a:prstGeom prst="rect">
+            <a:avLst/>
+          </a:prstGeom>
+          <a:noFill/>
+        </p:spPr>
+        <p:txBody>
+          <a:bodyPr wrap="square" rtlCol="0">
+            <a:spAutoFit/>
+          </a:bodyPr>
+          <a:lstStyle/>
+          <a:p>
+            <a:r>
+              <a:rPr lang="en-US" sz="2400" dirty="0">
                 <a:solidFill>
                   <a:srgbClr val="FF0000"/>
                 </a:solidFill>
-                <a:latin typeface="Monaco" pitchFamily="2" charset="77"/>
-              </a:rPr>
-              <a:t>(</a:t>
-            </a:r>
-            <a:r>
-              <a:rPr lang="en-US" dirty="0" err="1">
-                <a:solidFill>
-                  <a:srgbClr val="FF0000"/>
-                </a:solidFill>
-                <a:latin typeface="Monaco" pitchFamily="2" charset="77"/>
-              </a:rPr>
-              <a:t>cond</a:t>
-            </a:r>
-            <a:r>
-              <a:rPr lang="en-US" dirty="0">
-                <a:solidFill>
-                  <a:srgbClr val="FF0000"/>
-                </a:solidFill>
-                <a:latin typeface="Monaco" pitchFamily="2" charset="77"/>
-              </a:rPr>
-              <a:t> [(solved? p) true]</a:t>
-            </a:r>
-          </a:p>
-          <a:p>
-            <a:r>
-              <a:rPr lang="en-US" dirty="0">
-                <a:solidFill>
-                  <a:srgbClr val="FF0000"/>
-                </a:solidFill>
-                <a:latin typeface="Monaco" pitchFamily="2" charset="77"/>
-              </a:rPr>
-              <a:t>        [else</a:t>
-            </a:r>
-          </a:p>
-          <a:p>
-            <a:r>
-              <a:rPr lang="en-US" dirty="0">
-                <a:latin typeface="Monaco" pitchFamily="2" charset="77"/>
-              </a:rPr>
-              <a:t>         (</a:t>
-            </a:r>
-            <a:r>
-              <a:rPr lang="en-US" dirty="0" err="1">
-                <a:latin typeface="Monaco" pitchFamily="2" charset="77"/>
-              </a:rPr>
-              <a:t>fn</a:t>
-            </a:r>
-            <a:r>
-              <a:rPr lang="en-US" dirty="0">
-                <a:latin typeface="Monaco" pitchFamily="2" charset="77"/>
-              </a:rPr>
-              <a:t>-for-lop </a:t>
-            </a:r>
-            <a:r>
-              <a:rPr lang="en-US" dirty="0">
-                <a:solidFill>
-                  <a:srgbClr val="FF0000"/>
-                </a:solidFill>
-                <a:latin typeface="Monaco" pitchFamily="2" charset="77"/>
-              </a:rPr>
-              <a:t>(valid-next-positions </a:t>
-            </a:r>
-            <a:r>
-              <a:rPr lang="en-US" dirty="0">
-                <a:latin typeface="Monaco" pitchFamily="2" charset="77"/>
-              </a:rPr>
-              <a:t>p))]))</a:t>
-            </a:r>
-          </a:p>
-          <a:p>
-            <a:endParaRPr lang="en-US" dirty="0">
-              <a:latin typeface="Monaco" pitchFamily="2" charset="77"/>
-            </a:endParaRPr>
-          </a:p>
-          <a:p>
-            <a:endParaRPr lang="en-US" dirty="0">
-              <a:latin typeface="Monaco" pitchFamily="2" charset="77"/>
-            </a:endParaRPr>
-          </a:p>
-          <a:p>
-            <a:r>
-              <a:rPr lang="en-US" dirty="0">
-                <a:latin typeface="Monaco" pitchFamily="2" charset="77"/>
-              </a:rPr>
-              <a:t>(define (</a:t>
-            </a:r>
-            <a:r>
-              <a:rPr lang="en-US" dirty="0" err="1">
-                <a:latin typeface="Monaco" pitchFamily="2" charset="77"/>
-              </a:rPr>
-              <a:t>fn</a:t>
-            </a:r>
-            <a:r>
-              <a:rPr lang="en-US" dirty="0">
-                <a:latin typeface="Monaco" pitchFamily="2" charset="77"/>
-              </a:rPr>
-              <a:t>-for-lop lop)</a:t>
-            </a:r>
-          </a:p>
-          <a:p>
-            <a:r>
-              <a:rPr lang="en-US" dirty="0">
-                <a:latin typeface="Monaco" pitchFamily="2" charset="77"/>
-              </a:rPr>
-              <a:t>  (</a:t>
-            </a:r>
-            <a:r>
-              <a:rPr lang="en-US" dirty="0" err="1">
-                <a:latin typeface="Monaco" pitchFamily="2" charset="77"/>
-              </a:rPr>
-              <a:t>cond</a:t>
-            </a:r>
-            <a:r>
-              <a:rPr lang="en-US" dirty="0">
-                <a:latin typeface="Monaco" pitchFamily="2" charset="77"/>
-              </a:rPr>
-              <a:t> [(empty? lop) false]</a:t>
-            </a:r>
-          </a:p>
-          <a:p>
-            <a:r>
-              <a:rPr lang="en-US" dirty="0">
-                <a:latin typeface="Monaco" pitchFamily="2" charset="77"/>
-              </a:rPr>
-              <a:t>        [else</a:t>
-            </a:r>
-          </a:p>
-          <a:p>
-            <a:r>
-              <a:rPr lang="en-US" dirty="0">
-                <a:latin typeface="Monaco" pitchFamily="2" charset="77"/>
-              </a:rPr>
-              <a:t>         </a:t>
-            </a:r>
-            <a:r>
-              <a:rPr lang="en-US" dirty="0">
-                <a:solidFill>
-                  <a:srgbClr val="00B0F0"/>
-                </a:solidFill>
-                <a:latin typeface="Monaco" pitchFamily="2" charset="77"/>
-              </a:rPr>
-              <a:t>(local [(define try </a:t>
-            </a:r>
-            <a:r>
-              <a:rPr lang="en-US" dirty="0">
-                <a:latin typeface="Monaco" pitchFamily="2" charset="77"/>
-              </a:rPr>
-              <a:t>(</a:t>
-            </a:r>
-            <a:r>
-              <a:rPr lang="en-US" dirty="0" err="1">
-                <a:latin typeface="Monaco" pitchFamily="2" charset="77"/>
-              </a:rPr>
-              <a:t>fn</a:t>
-            </a:r>
-            <a:r>
-              <a:rPr lang="en-US" dirty="0">
-                <a:latin typeface="Monaco" pitchFamily="2" charset="77"/>
-              </a:rPr>
-              <a:t>-for-pos (first lop)))]</a:t>
-            </a:r>
-          </a:p>
-          <a:p>
-            <a:r>
-              <a:rPr lang="en-US" dirty="0">
-                <a:latin typeface="Monaco" pitchFamily="2" charset="77"/>
-              </a:rPr>
-              <a:t>           </a:t>
-            </a:r>
-            <a:r>
-              <a:rPr lang="en-US" dirty="0">
-                <a:solidFill>
-                  <a:srgbClr val="00B0F0"/>
-                </a:solidFill>
-                <a:latin typeface="Monaco" pitchFamily="2" charset="77"/>
-              </a:rPr>
-              <a:t>(if (not (false? try))</a:t>
-            </a:r>
-          </a:p>
-          <a:p>
-            <a:r>
-              <a:rPr lang="en-US" dirty="0">
-                <a:solidFill>
-                  <a:srgbClr val="00B0F0"/>
-                </a:solidFill>
-                <a:latin typeface="Monaco" pitchFamily="2" charset="77"/>
-              </a:rPr>
-              <a:t>               try</a:t>
-            </a:r>
-          </a:p>
-          <a:p>
-            <a:r>
-              <a:rPr lang="en-US" dirty="0">
-                <a:latin typeface="Monaco" pitchFamily="2" charset="77"/>
-              </a:rPr>
-              <a:t>               (</a:t>
-            </a:r>
-            <a:r>
-              <a:rPr lang="en-US" dirty="0" err="1">
-                <a:latin typeface="Monaco" pitchFamily="2" charset="77"/>
-              </a:rPr>
-              <a:t>fn</a:t>
-            </a:r>
-            <a:r>
-              <a:rPr lang="en-US" dirty="0">
-                <a:latin typeface="Monaco" pitchFamily="2" charset="77"/>
-              </a:rPr>
-              <a:t>-for-lop (rest lop))))]))</a:t>
-            </a:r>
-          </a:p>
-          <a:p>
-            <a:endParaRPr lang="en-US" dirty="0">
-              <a:latin typeface="Monaco" pitchFamily="2" charset="77"/>
-            </a:endParaRPr>
-          </a:p>
-          <a:p>
-            <a:endParaRPr lang="en-US" dirty="0">
-              <a:latin typeface="Monaco" pitchFamily="2" charset="77"/>
-            </a:endParaRPr>
-          </a:p>
-          <a:p>
-            <a:endParaRPr lang="en-US" dirty="0">
-              <a:latin typeface="Monaco" pitchFamily="2" charset="77"/>
-            </a:endParaRPr>
-          </a:p>
-        </p:txBody>
-      </p:sp>
-      <p:sp>
-        <p:nvSpPr>
-          <p:cNvPr id="2" name="TextBox 1">
-            <a:extLst>
-              <a:ext uri="{FF2B5EF4-FFF2-40B4-BE49-F238E27FC236}">
-                <a16:creationId xmlns:a16="http://schemas.microsoft.com/office/drawing/2014/main" id="{E270E0DF-AA3A-FB9D-B870-1171391F23E5}"/>
-              </a:ext>
-            </a:extLst>
-          </p:cNvPr>
-          <p:cNvSpPr txBox="1"/>
-          <p:nvPr/>
-        </p:nvSpPr>
-        <p:spPr>
-          <a:xfrm>
-            <a:off x="8326876" y="1462899"/>
-            <a:ext cx="7908585" cy="3000821"/>
-          </a:xfrm>
-          <a:prstGeom prst="rect">
-            <a:avLst/>
-          </a:prstGeom>
-          <a:noFill/>
-        </p:spPr>
-        <p:txBody>
-          <a:bodyPr wrap="square">
-            <a:spAutoFit/>
-          </a:bodyPr>
-          <a:lstStyle/>
-          <a:p>
-            <a:endParaRPr lang="en-US" sz="700" dirty="0">
-              <a:latin typeface="Monaco" pitchFamily="2" charset="77"/>
-            </a:endParaRPr>
-          </a:p>
-          <a:p>
-            <a:r>
-              <a:rPr lang="en-US" sz="700" dirty="0">
-                <a:solidFill>
-                  <a:srgbClr val="FF0000"/>
-                </a:solidFill>
-                <a:latin typeface="Monaco" pitchFamily="2" charset="77"/>
-              </a:rPr>
-              <a:t>;; </a:t>
-            </a:r>
-            <a:r>
-              <a:rPr lang="en-US" sz="700" dirty="0" err="1">
-                <a:solidFill>
-                  <a:srgbClr val="FF0000"/>
-                </a:solidFill>
-                <a:latin typeface="Monaco" pitchFamily="2" charset="77"/>
-              </a:rPr>
-              <a:t>genrec</a:t>
-            </a:r>
-            <a:endParaRPr lang="en-US" sz="700" dirty="0">
-              <a:solidFill>
-                <a:srgbClr val="FF0000"/>
-              </a:solidFill>
-              <a:latin typeface="Monaco" pitchFamily="2" charset="77"/>
-            </a:endParaRPr>
-          </a:p>
-          <a:p>
-            <a:r>
-              <a:rPr lang="en-US" sz="700" dirty="0">
-                <a:solidFill>
-                  <a:srgbClr val="FF0000"/>
-                </a:solidFill>
-                <a:latin typeface="Monaco" pitchFamily="2" charset="77"/>
-              </a:rPr>
-              <a:t>(define (</a:t>
-            </a:r>
-            <a:r>
-              <a:rPr lang="en-US" sz="700" dirty="0" err="1">
-                <a:solidFill>
-                  <a:srgbClr val="FF0000"/>
-                </a:solidFill>
-                <a:latin typeface="Monaco" pitchFamily="2" charset="77"/>
-              </a:rPr>
-              <a:t>genrec</a:t>
-            </a:r>
-            <a:r>
-              <a:rPr lang="en-US" sz="700" dirty="0">
-                <a:solidFill>
-                  <a:srgbClr val="FF0000"/>
-                </a:solidFill>
-                <a:latin typeface="Monaco" pitchFamily="2" charset="77"/>
-              </a:rPr>
-              <a:t> d)</a:t>
-            </a:r>
-          </a:p>
-          <a:p>
-            <a:r>
-              <a:rPr lang="en-US" sz="700" dirty="0">
-                <a:solidFill>
-                  <a:srgbClr val="FF0000"/>
-                </a:solidFill>
-                <a:latin typeface="Monaco" pitchFamily="2" charset="77"/>
-              </a:rPr>
-              <a:t>  (</a:t>
-            </a:r>
-            <a:r>
-              <a:rPr lang="en-US" sz="700" dirty="0" err="1">
-                <a:solidFill>
-                  <a:srgbClr val="FF0000"/>
-                </a:solidFill>
-                <a:latin typeface="Monaco" pitchFamily="2" charset="77"/>
-              </a:rPr>
-              <a:t>cond</a:t>
-            </a:r>
-            <a:r>
-              <a:rPr lang="en-US" sz="700" dirty="0">
-                <a:solidFill>
-                  <a:srgbClr val="FF0000"/>
-                </a:solidFill>
-                <a:latin typeface="Monaco" pitchFamily="2" charset="77"/>
-              </a:rPr>
-              <a:t> [(trivial? d) (trivial-answer d)]</a:t>
-            </a:r>
-          </a:p>
-          <a:p>
-            <a:r>
-              <a:rPr lang="en-US" sz="700" dirty="0">
-                <a:solidFill>
-                  <a:srgbClr val="FF0000"/>
-                </a:solidFill>
-                <a:latin typeface="Monaco" pitchFamily="2" charset="77"/>
-              </a:rPr>
-              <a:t>        [else</a:t>
-            </a:r>
-          </a:p>
-          <a:p>
-            <a:r>
-              <a:rPr lang="en-US" sz="700" dirty="0">
-                <a:solidFill>
-                  <a:srgbClr val="FF0000"/>
-                </a:solidFill>
-                <a:latin typeface="Monaco" pitchFamily="2" charset="77"/>
-              </a:rPr>
-              <a:t>         [... d</a:t>
-            </a:r>
-          </a:p>
-          <a:p>
-            <a:r>
-              <a:rPr lang="en-US" sz="700" dirty="0">
-                <a:solidFill>
-                  <a:srgbClr val="FF0000"/>
-                </a:solidFill>
-                <a:latin typeface="Monaco" pitchFamily="2" charset="77"/>
-              </a:rPr>
-              <a:t>              (</a:t>
-            </a:r>
-            <a:r>
-              <a:rPr lang="en-US" sz="700" dirty="0" err="1">
-                <a:solidFill>
-                  <a:srgbClr val="FF0000"/>
-                </a:solidFill>
-                <a:latin typeface="Monaco" pitchFamily="2" charset="77"/>
-              </a:rPr>
-              <a:t>genrec</a:t>
-            </a:r>
-            <a:r>
-              <a:rPr lang="en-US" sz="700" dirty="0">
-                <a:solidFill>
-                  <a:srgbClr val="FF0000"/>
-                </a:solidFill>
-                <a:latin typeface="Monaco" pitchFamily="2" charset="77"/>
-              </a:rPr>
-              <a:t> (next-problem d))]]))</a:t>
-            </a:r>
-          </a:p>
-          <a:p>
-            <a:endParaRPr lang="en-US" sz="700" dirty="0">
-              <a:latin typeface="Monaco" pitchFamily="2" charset="77"/>
-            </a:endParaRPr>
-          </a:p>
-          <a:p>
-            <a:endParaRPr lang="en-US" sz="700" dirty="0">
-              <a:latin typeface="Monaco" pitchFamily="2" charset="77"/>
-            </a:endParaRPr>
-          </a:p>
-          <a:p>
-            <a:r>
-              <a:rPr lang="en-US" sz="700" dirty="0">
-                <a:latin typeface="Monaco" pitchFamily="2" charset="77"/>
-              </a:rPr>
-              <a:t>;; arb-tree  (of Pos) -&gt; Pos and (</a:t>
-            </a:r>
-            <a:r>
-              <a:rPr lang="en-US" sz="700" dirty="0" err="1">
-                <a:latin typeface="Monaco" pitchFamily="2" charset="77"/>
-              </a:rPr>
-              <a:t>listof</a:t>
-            </a:r>
-            <a:r>
-              <a:rPr lang="en-US" sz="700" dirty="0">
-                <a:latin typeface="Monaco" pitchFamily="2" charset="77"/>
-              </a:rPr>
-              <a:t> Pos)</a:t>
-            </a:r>
-          </a:p>
-          <a:p>
-            <a:r>
-              <a:rPr lang="en-US" sz="700" dirty="0">
-                <a:latin typeface="Monaco" pitchFamily="2" charset="77"/>
-              </a:rPr>
-              <a:t>(define (</a:t>
-            </a:r>
-            <a:r>
-              <a:rPr lang="en-US" sz="700" dirty="0" err="1">
-                <a:latin typeface="Monaco" pitchFamily="2" charset="77"/>
-              </a:rPr>
-              <a:t>fn</a:t>
-            </a:r>
-            <a:r>
-              <a:rPr lang="en-US" sz="700" dirty="0">
-                <a:latin typeface="Monaco" pitchFamily="2" charset="77"/>
-              </a:rPr>
-              <a:t>-for-pos p)</a:t>
-            </a:r>
-          </a:p>
-          <a:p>
-            <a:r>
-              <a:rPr lang="en-US" sz="700" dirty="0">
-                <a:latin typeface="Monaco" pitchFamily="2" charset="77"/>
-              </a:rPr>
-              <a:t>  (... p</a:t>
-            </a:r>
-          </a:p>
-          <a:p>
-            <a:r>
-              <a:rPr lang="en-US" sz="700" dirty="0">
-                <a:latin typeface="Monaco" pitchFamily="2" charset="77"/>
-              </a:rPr>
-              <a:t>       (</a:t>
-            </a:r>
-            <a:r>
-              <a:rPr lang="en-US" sz="700" dirty="0" err="1">
-                <a:latin typeface="Monaco" pitchFamily="2" charset="77"/>
-              </a:rPr>
-              <a:t>fn</a:t>
-            </a:r>
-            <a:r>
-              <a:rPr lang="en-US" sz="700" dirty="0">
-                <a:latin typeface="Monaco" pitchFamily="2" charset="77"/>
-              </a:rPr>
-              <a:t>-for-lop (POS-SUBS p)))) ;pos-subs doesn't really exist!!!</a:t>
-            </a:r>
-          </a:p>
-          <a:p>
-            <a:endParaRPr lang="en-US" sz="700" dirty="0">
-              <a:latin typeface="Monaco" pitchFamily="2" charset="77"/>
-            </a:endParaRPr>
-          </a:p>
-          <a:p>
-            <a:endParaRPr lang="en-US" sz="700" dirty="0">
-              <a:latin typeface="Monaco" pitchFamily="2" charset="77"/>
-            </a:endParaRPr>
-          </a:p>
-          <a:p>
-            <a:r>
-              <a:rPr lang="en-US" sz="700" dirty="0">
-                <a:latin typeface="Monaco" pitchFamily="2" charset="77"/>
-              </a:rPr>
-              <a:t>(define (</a:t>
-            </a:r>
-            <a:r>
-              <a:rPr lang="en-US" sz="700" dirty="0" err="1">
-                <a:latin typeface="Monaco" pitchFamily="2" charset="77"/>
-              </a:rPr>
-              <a:t>fn</a:t>
-            </a:r>
-            <a:r>
-              <a:rPr lang="en-US" sz="700" dirty="0">
-                <a:latin typeface="Monaco" pitchFamily="2" charset="77"/>
-              </a:rPr>
-              <a:t>-for-lop lop)</a:t>
-            </a:r>
-          </a:p>
-          <a:p>
-            <a:r>
-              <a:rPr lang="en-US" sz="700" dirty="0">
-                <a:latin typeface="Monaco" pitchFamily="2" charset="77"/>
-              </a:rPr>
-              <a:t>  (</a:t>
-            </a:r>
-            <a:r>
-              <a:rPr lang="en-US" sz="700" dirty="0" err="1">
-                <a:latin typeface="Monaco" pitchFamily="2" charset="77"/>
-              </a:rPr>
-              <a:t>cond</a:t>
-            </a:r>
-            <a:r>
-              <a:rPr lang="en-US" sz="700" dirty="0">
-                <a:latin typeface="Monaco" pitchFamily="2" charset="77"/>
-              </a:rPr>
-              <a:t> [(empty? lop) (...)]</a:t>
-            </a:r>
-          </a:p>
-          <a:p>
-            <a:r>
-              <a:rPr lang="en-US" sz="700" dirty="0">
-                <a:latin typeface="Monaco" pitchFamily="2" charset="77"/>
-              </a:rPr>
-              <a:t>        [else</a:t>
-            </a:r>
-          </a:p>
-          <a:p>
-            <a:r>
-              <a:rPr lang="en-US" sz="700" dirty="0">
-                <a:latin typeface="Monaco" pitchFamily="2" charset="77"/>
-              </a:rPr>
-              <a:t>         (... (</a:t>
-            </a:r>
-            <a:r>
-              <a:rPr lang="en-US" sz="700" dirty="0" err="1">
-                <a:latin typeface="Monaco" pitchFamily="2" charset="77"/>
-              </a:rPr>
-              <a:t>fn</a:t>
-            </a:r>
-            <a:r>
-              <a:rPr lang="en-US" sz="700" dirty="0">
-                <a:latin typeface="Monaco" pitchFamily="2" charset="77"/>
-              </a:rPr>
-              <a:t>-for-p (first lop))</a:t>
-            </a:r>
-          </a:p>
-          <a:p>
-            <a:r>
-              <a:rPr lang="en-US" sz="700" dirty="0">
-                <a:latin typeface="Monaco" pitchFamily="2" charset="77"/>
-              </a:rPr>
-              <a:t>              (</a:t>
-            </a:r>
-            <a:r>
-              <a:rPr lang="en-US" sz="700" dirty="0" err="1">
-                <a:latin typeface="Monaco" pitchFamily="2" charset="77"/>
-              </a:rPr>
-              <a:t>fn</a:t>
-            </a:r>
-            <a:r>
-              <a:rPr lang="en-US" sz="700" dirty="0">
-                <a:latin typeface="Monaco" pitchFamily="2" charset="77"/>
-              </a:rPr>
-              <a:t>-for-lop (rest lop)))]))</a:t>
-            </a:r>
-          </a:p>
-          <a:p>
-            <a:endParaRPr lang="en-US" sz="700" dirty="0">
-              <a:latin typeface="Monaco" pitchFamily="2" charset="77"/>
-            </a:endParaRPr>
-          </a:p>
-          <a:p>
-            <a:endParaRPr lang="en-US" sz="700" dirty="0">
-              <a:latin typeface="Monaco" pitchFamily="2" charset="77"/>
-            </a:endParaRPr>
-          </a:p>
-          <a:p>
-            <a:r>
-              <a:rPr lang="en-US" sz="700" dirty="0">
-                <a:solidFill>
-                  <a:srgbClr val="00B0F0"/>
-                </a:solidFill>
-                <a:latin typeface="Monaco" pitchFamily="2" charset="77"/>
-              </a:rPr>
-              <a:t>;; try-catch</a:t>
-            </a:r>
-          </a:p>
-          <a:p>
-            <a:r>
-              <a:rPr lang="en-US" sz="700" dirty="0">
-                <a:solidFill>
-                  <a:srgbClr val="00B0F0"/>
-                </a:solidFill>
-                <a:latin typeface="Monaco" pitchFamily="2" charset="77"/>
-              </a:rPr>
-              <a:t>     (local [(define try &lt;one-option&gt;)]</a:t>
-            </a:r>
-          </a:p>
-          <a:p>
-            <a:r>
-              <a:rPr lang="en-US" sz="700" dirty="0">
-                <a:solidFill>
-                  <a:srgbClr val="00B0F0"/>
-                </a:solidFill>
-                <a:latin typeface="Monaco" pitchFamily="2" charset="77"/>
-              </a:rPr>
-              <a:t>       (if (not (false? &lt;one-option&gt;))</a:t>
-            </a:r>
-          </a:p>
-          <a:p>
-            <a:r>
-              <a:rPr lang="en-US" sz="700" dirty="0">
-                <a:solidFill>
-                  <a:srgbClr val="00B0F0"/>
-                </a:solidFill>
-                <a:latin typeface="Monaco" pitchFamily="2" charset="77"/>
-              </a:rPr>
-              <a:t>           &lt;one-option&gt;</a:t>
-            </a:r>
-          </a:p>
-          <a:p>
-            <a:r>
-              <a:rPr lang="en-US" sz="700" dirty="0">
-                <a:solidFill>
-                  <a:srgbClr val="00B0F0"/>
-                </a:solidFill>
-                <a:latin typeface="Monaco" pitchFamily="2" charset="77"/>
-              </a:rPr>
-              <a:t>           &lt;other-option&gt;))</a:t>
-            </a:r>
-          </a:p>
-        </p:txBody>
-      </p:sp>
-      <p:sp>
-        <p:nvSpPr>
-          <p:cNvPr id="3" name="TextBox 2">
-            <a:extLst>
-              <a:ext uri="{FF2B5EF4-FFF2-40B4-BE49-F238E27FC236}">
-                <a16:creationId xmlns:a16="http://schemas.microsoft.com/office/drawing/2014/main" id="{2EE4C042-5B24-2B18-8023-1C967CDDB8B9}"/>
-              </a:ext>
-            </a:extLst>
-          </p:cNvPr>
-          <p:cNvSpPr txBox="1"/>
-          <p:nvPr/>
-        </p:nvSpPr>
-        <p:spPr>
-          <a:xfrm>
-            <a:off x="10856068" y="1887111"/>
-            <a:ext cx="1682885" cy="369332"/>
-          </a:xfrm>
-          <a:prstGeom prst="rect">
-            <a:avLst/>
-          </a:prstGeom>
-          <a:noFill/>
-        </p:spPr>
-        <p:txBody>
-          <a:bodyPr wrap="square" rtlCol="0">
-            <a:spAutoFit/>
-          </a:bodyPr>
-          <a:lstStyle/>
-          <a:p>
-            <a:r>
-              <a:rPr lang="en-US" dirty="0" err="1">
-                <a:solidFill>
-                  <a:srgbClr val="FF0000"/>
-                </a:solidFill>
-              </a:rPr>
-              <a:t>genrec</a:t>
-            </a:r>
-            <a:endParaRPr lang="en-US" dirty="0">
-              <a:solidFill>
-                <a:srgbClr val="FF0000"/>
-              </a:solidFill>
-            </a:endParaRPr>
-          </a:p>
-        </p:txBody>
-      </p:sp>
-      <p:sp>
-        <p:nvSpPr>
-          <p:cNvPr id="4" name="TextBox 3">
-            <a:extLst>
-              <a:ext uri="{FF2B5EF4-FFF2-40B4-BE49-F238E27FC236}">
-                <a16:creationId xmlns:a16="http://schemas.microsoft.com/office/drawing/2014/main" id="{088BA984-F781-D342-4980-6C9700DF6FF1}"/>
-              </a:ext>
-            </a:extLst>
-          </p:cNvPr>
-          <p:cNvSpPr txBox="1"/>
-          <p:nvPr/>
-        </p:nvSpPr>
-        <p:spPr>
-          <a:xfrm>
-            <a:off x="10856067" y="4094388"/>
-            <a:ext cx="1682885" cy="369332"/>
-          </a:xfrm>
-          <a:prstGeom prst="rect">
-            <a:avLst/>
-          </a:prstGeom>
-          <a:noFill/>
-        </p:spPr>
-        <p:txBody>
-          <a:bodyPr wrap="square" rtlCol="0">
-            <a:spAutoFit/>
-          </a:bodyPr>
-          <a:lstStyle/>
-          <a:p>
-            <a:r>
-              <a:rPr lang="en-US" dirty="0">
-                <a:solidFill>
-                  <a:srgbClr val="00B0F0"/>
-                </a:solidFill>
-              </a:rPr>
-              <a:t>try-catch</a:t>
-            </a:r>
-          </a:p>
-        </p:txBody>
-      </p:sp>
-      <p:sp>
-        <p:nvSpPr>
-          <p:cNvPr id="6" name="TextBox 5">
-            <a:extLst>
-              <a:ext uri="{FF2B5EF4-FFF2-40B4-BE49-F238E27FC236}">
-                <a16:creationId xmlns:a16="http://schemas.microsoft.com/office/drawing/2014/main" id="{95F6EA42-197B-19F9-1D5B-220330901FDA}"/>
-              </a:ext>
-            </a:extLst>
-          </p:cNvPr>
-          <p:cNvSpPr txBox="1"/>
-          <p:nvPr/>
-        </p:nvSpPr>
-        <p:spPr>
-          <a:xfrm>
-            <a:off x="10856068" y="3295188"/>
-            <a:ext cx="1682885" cy="369332"/>
-          </a:xfrm>
-          <a:prstGeom prst="rect">
-            <a:avLst/>
-          </a:prstGeom>
-          <a:noFill/>
-        </p:spPr>
-        <p:txBody>
-          <a:bodyPr wrap="square" rtlCol="0">
-            <a:spAutoFit/>
-          </a:bodyPr>
-          <a:lstStyle/>
-          <a:p>
-            <a:r>
-              <a:rPr lang="en-US" dirty="0"/>
-              <a:t>arb-tree</a:t>
+              </a:rPr>
+              <a:t>Expect it to take a while to get this worked out!</a:t>
             </a:r>
           </a:p>
         </p:txBody>
@@ -8577,7 +9646,7 @@
     </p:spTree>
     <p:extLst>
       <p:ext uri="{BB962C8B-B14F-4D97-AF65-F5344CB8AC3E}">
-        <p14:creationId xmlns:p14="http://schemas.microsoft.com/office/powerpoint/2010/main" val="1798126369"/>
+        <p14:creationId xmlns:p14="http://schemas.microsoft.com/office/powerpoint/2010/main" val="4000325289"/>
       </p:ext>
     </p:extLst>
   </p:cSld>

--- a/instructor/l16/l16-pad.pptx
+++ b/instructor/l16/l16-pad.pptx
@@ -8,19 +8,20 @@
     <p:sldId id="264" r:id="rId2"/>
     <p:sldId id="265" r:id="rId3"/>
     <p:sldId id="257" r:id="rId4"/>
-    <p:sldId id="256" r:id="rId5"/>
-    <p:sldId id="269" r:id="rId6"/>
-    <p:sldId id="258" r:id="rId7"/>
-    <p:sldId id="270" r:id="rId8"/>
-    <p:sldId id="271" r:id="rId9"/>
-    <p:sldId id="260" r:id="rId10"/>
-    <p:sldId id="261" r:id="rId11"/>
-    <p:sldId id="262" r:id="rId12"/>
-    <p:sldId id="263" r:id="rId13"/>
-    <p:sldId id="266" r:id="rId14"/>
-    <p:sldId id="267" r:id="rId15"/>
-    <p:sldId id="268" r:id="rId16"/>
-    <p:sldId id="259" r:id="rId17"/>
+    <p:sldId id="269" r:id="rId5"/>
+    <p:sldId id="258" r:id="rId6"/>
+    <p:sldId id="270" r:id="rId7"/>
+    <p:sldId id="271" r:id="rId8"/>
+    <p:sldId id="272" r:id="rId9"/>
+    <p:sldId id="273" r:id="rId10"/>
+    <p:sldId id="260" r:id="rId11"/>
+    <p:sldId id="261" r:id="rId12"/>
+    <p:sldId id="262" r:id="rId13"/>
+    <p:sldId id="263" r:id="rId14"/>
+    <p:sldId id="266" r:id="rId15"/>
+    <p:sldId id="267" r:id="rId16"/>
+    <p:sldId id="268" r:id="rId17"/>
+    <p:sldId id="259" r:id="rId18"/>
   </p:sldIdLst>
   <p:sldSz cx="12192000" cy="6858000"/>
   <p:notesSz cx="6858000" cy="9144000"/>
@@ -274,7 +275,7 @@
           <a:p>
             <a:fld id="{6901D574-2425-0C44-8C0A-ED186250828B}" type="datetimeFigureOut">
               <a:rPr lang="en-US" smtClean="0"/>
-              <a:t>11/4/23</a:t>
+              <a:t>11/7/23</a:t>
             </a:fld>
             <a:endParaRPr lang="en-US"/>
           </a:p>
@@ -472,7 +473,7 @@
           <a:p>
             <a:fld id="{6901D574-2425-0C44-8C0A-ED186250828B}" type="datetimeFigureOut">
               <a:rPr lang="en-US" smtClean="0"/>
-              <a:t>11/4/23</a:t>
+              <a:t>11/7/23</a:t>
             </a:fld>
             <a:endParaRPr lang="en-US"/>
           </a:p>
@@ -680,7 +681,7 @@
           <a:p>
             <a:fld id="{6901D574-2425-0C44-8C0A-ED186250828B}" type="datetimeFigureOut">
               <a:rPr lang="en-US" smtClean="0"/>
-              <a:t>11/4/23</a:t>
+              <a:t>11/7/23</a:t>
             </a:fld>
             <a:endParaRPr lang="en-US"/>
           </a:p>
@@ -878,7 +879,7 @@
           <a:p>
             <a:fld id="{6901D574-2425-0C44-8C0A-ED186250828B}" type="datetimeFigureOut">
               <a:rPr lang="en-US" smtClean="0"/>
-              <a:t>11/4/23</a:t>
+              <a:t>11/7/23</a:t>
             </a:fld>
             <a:endParaRPr lang="en-US"/>
           </a:p>
@@ -1153,7 +1154,7 @@
           <a:p>
             <a:fld id="{6901D574-2425-0C44-8C0A-ED186250828B}" type="datetimeFigureOut">
               <a:rPr lang="en-US" smtClean="0"/>
-              <a:t>11/4/23</a:t>
+              <a:t>11/7/23</a:t>
             </a:fld>
             <a:endParaRPr lang="en-US"/>
           </a:p>
@@ -1418,7 +1419,7 @@
           <a:p>
             <a:fld id="{6901D574-2425-0C44-8C0A-ED186250828B}" type="datetimeFigureOut">
               <a:rPr lang="en-US" smtClean="0"/>
-              <a:t>11/4/23</a:t>
+              <a:t>11/7/23</a:t>
             </a:fld>
             <a:endParaRPr lang="en-US"/>
           </a:p>
@@ -1830,7 +1831,7 @@
           <a:p>
             <a:fld id="{6901D574-2425-0C44-8C0A-ED186250828B}" type="datetimeFigureOut">
               <a:rPr lang="en-US" smtClean="0"/>
-              <a:t>11/4/23</a:t>
+              <a:t>11/7/23</a:t>
             </a:fld>
             <a:endParaRPr lang="en-US"/>
           </a:p>
@@ -1971,7 +1972,7 @@
           <a:p>
             <a:fld id="{6901D574-2425-0C44-8C0A-ED186250828B}" type="datetimeFigureOut">
               <a:rPr lang="en-US" smtClean="0"/>
-              <a:t>11/4/23</a:t>
+              <a:t>11/7/23</a:t>
             </a:fld>
             <a:endParaRPr lang="en-US"/>
           </a:p>
@@ -2084,7 +2085,7 @@
           <a:p>
             <a:fld id="{6901D574-2425-0C44-8C0A-ED186250828B}" type="datetimeFigureOut">
               <a:rPr lang="en-US" smtClean="0"/>
-              <a:t>11/4/23</a:t>
+              <a:t>11/7/23</a:t>
             </a:fld>
             <a:endParaRPr lang="en-US"/>
           </a:p>
@@ -2395,7 +2396,7 @@
           <a:p>
             <a:fld id="{6901D574-2425-0C44-8C0A-ED186250828B}" type="datetimeFigureOut">
               <a:rPr lang="en-US" smtClean="0"/>
-              <a:t>11/4/23</a:t>
+              <a:t>11/7/23</a:t>
             </a:fld>
             <a:endParaRPr lang="en-US"/>
           </a:p>
@@ -2683,7 +2684,7 @@
           <a:p>
             <a:fld id="{6901D574-2425-0C44-8C0A-ED186250828B}" type="datetimeFigureOut">
               <a:rPr lang="en-US" smtClean="0"/>
-              <a:t>11/4/23</a:t>
+              <a:t>11/7/23</a:t>
             </a:fld>
             <a:endParaRPr lang="en-US"/>
           </a:p>
@@ -2924,7 +2925,7 @@
           <a:p>
             <a:fld id="{6901D574-2425-0C44-8C0A-ED186250828B}" type="datetimeFigureOut">
               <a:rPr lang="en-US" smtClean="0"/>
-              <a:t>11/4/23</a:t>
+              <a:t>11/7/23</a:t>
             </a:fld>
             <a:endParaRPr lang="en-US"/>
           </a:p>
@@ -3364,7 +3365,7 @@
           <a:p>
             <a:r>
               <a:rPr lang="en-US" dirty="0"/>
-              <a:t>Search</a:t>
+              <a:t>Search Problems</a:t>
             </a:r>
           </a:p>
         </p:txBody>
@@ -3436,7 +3437,15 @@
           <a:p>
             <a:r>
               <a:rPr lang="en-US" dirty="0"/>
-              <a:t>approach this topic knowing that you can do it</a:t>
+              <a:t>approach this topic knowing that, with work, </a:t>
+            </a:r>
+            <a:r>
+              <a:rPr lang="en-US" u="sng" dirty="0"/>
+              <a:t>you</a:t>
+            </a:r>
+            <a:r>
+              <a:rPr lang="en-US" dirty="0"/>
+              <a:t> can do it</a:t>
             </a:r>
           </a:p>
         </p:txBody>
@@ -3476,7 +3485,7 @@
           <p:cNvPr id="5" name="TextBox 4">
             <a:extLst>
               <a:ext uri="{FF2B5EF4-FFF2-40B4-BE49-F238E27FC236}">
-                <a16:creationId xmlns:a16="http://schemas.microsoft.com/office/drawing/2014/main" id="{B0B64357-E6FC-864A-C51C-F4EB739B6F86}"/>
+                <a16:creationId xmlns:a16="http://schemas.microsoft.com/office/drawing/2014/main" id="{346EE018-3C96-BA43-A844-1E35A6F4AD87}"/>
               </a:ext>
             </a:extLst>
           </p:cNvPr>
@@ -3485,8 +3494,8 @@
         </p:nvSpPr>
         <p:spPr>
           <a:xfrm>
-            <a:off x="943584" y="146875"/>
-            <a:ext cx="7427067" cy="5909310"/>
+            <a:off x="1088626" y="255732"/>
+            <a:ext cx="6655849" cy="461665"/>
           </a:xfrm>
           <a:prstGeom prst="rect">
             <a:avLst/>
@@ -3494,389 +3503,684 @@
           <a:noFill/>
         </p:spPr>
         <p:txBody>
-          <a:bodyPr wrap="square">
+          <a:bodyPr wrap="square" rtlCol="0">
             <a:spAutoFit/>
           </a:bodyPr>
           <a:lstStyle/>
           <a:p>
-            <a:endParaRPr lang="en-US" sz="1400" dirty="0">
-              <a:latin typeface="Monaco" pitchFamily="2" charset="77"/>
-            </a:endParaRPr>
-          </a:p>
-          <a:p>
-            <a:r>
-              <a:rPr lang="en-US" sz="1400" dirty="0">
+            <a:r>
+              <a:rPr lang="en-US" sz="2400" dirty="0"/>
+              <a:t>Search Domain Analysis MUST HAVE Search Tree</a:t>
+            </a:r>
+          </a:p>
+        </p:txBody>
+      </p:sp>
+      <p:pic>
+        <p:nvPicPr>
+          <p:cNvPr id="12" name="Picture 11">
+            <a:extLst>
+              <a:ext uri="{FF2B5EF4-FFF2-40B4-BE49-F238E27FC236}">
+                <a16:creationId xmlns:a16="http://schemas.microsoft.com/office/drawing/2014/main" id="{BFCCD929-7C60-664C-B5E5-A834D30FE7A8}"/>
+              </a:ext>
+            </a:extLst>
+          </p:cNvPr>
+          <p:cNvPicPr>
+            <a:picLocks noChangeAspect="1"/>
+          </p:cNvPicPr>
+          <p:nvPr/>
+        </p:nvPicPr>
+        <p:blipFill>
+          <a:blip r:embed="rId2"/>
+          <a:stretch>
+            <a:fillRect/>
+          </a:stretch>
+        </p:blipFill>
+        <p:spPr>
+          <a:xfrm>
+            <a:off x="1636569" y="1278754"/>
+            <a:ext cx="1420729" cy="1420729"/>
+          </a:xfrm>
+          <a:prstGeom prst="rect">
+            <a:avLst/>
+          </a:prstGeom>
+        </p:spPr>
+      </p:pic>
+      <p:sp>
+        <p:nvSpPr>
+          <p:cNvPr id="38" name="TextBox 37">
+            <a:extLst>
+              <a:ext uri="{FF2B5EF4-FFF2-40B4-BE49-F238E27FC236}">
+                <a16:creationId xmlns:a16="http://schemas.microsoft.com/office/drawing/2014/main" id="{5975C7C3-7082-CF41-A3A3-A2EDF0310D3D}"/>
+              </a:ext>
+            </a:extLst>
+          </p:cNvPr>
+          <p:cNvSpPr txBox="1"/>
+          <p:nvPr/>
+        </p:nvSpPr>
+        <p:spPr>
+          <a:xfrm>
+            <a:off x="1088626" y="3481209"/>
+            <a:ext cx="8275059" cy="2492990"/>
+          </a:xfrm>
+          <a:prstGeom prst="rect">
+            <a:avLst/>
+          </a:prstGeom>
+          <a:noFill/>
+        </p:spPr>
+        <p:txBody>
+          <a:bodyPr wrap="square" rtlCol="0">
+            <a:spAutoFit/>
+          </a:bodyPr>
+          <a:lstStyle/>
+          <a:p>
+            <a:r>
+              <a:rPr lang="en-US" sz="2400" dirty="0"/>
+              <a:t>And answers to 3 questions:</a:t>
+            </a:r>
+          </a:p>
+          <a:p>
+            <a:endParaRPr lang="en-US" sz="2400" dirty="0"/>
+          </a:p>
+          <a:p>
+            <a:r>
+              <a:rPr lang="en-US" dirty="0"/>
+              <a:t>What is changing information? current </a:t>
+            </a:r>
+            <a:r>
+              <a:rPr lang="en-US" dirty="0" err="1"/>
+              <a:t>x,y</a:t>
+            </a:r>
+            <a:r>
+              <a:rPr lang="en-US" dirty="0"/>
+              <a:t> position</a:t>
+            </a:r>
+          </a:p>
+          <a:p>
+            <a:endParaRPr lang="en-US" dirty="0"/>
+          </a:p>
+          <a:p>
+            <a:r>
+              <a:rPr lang="en-US" dirty="0"/>
+              <a:t>How to form next next search search states? down and right, UNLESS hit wall or edges</a:t>
+            </a:r>
+          </a:p>
+          <a:p>
+            <a:endParaRPr lang="en-US" dirty="0"/>
+          </a:p>
+          <a:p>
+            <a:r>
+              <a:rPr lang="en-US" dirty="0"/>
+              <a:t>How to tell when done? solved if reach lower right corner</a:t>
+            </a:r>
+          </a:p>
+          <a:p>
+            <a:r>
+              <a:rPr lang="en-US" dirty="0"/>
+              <a:t>                                            can also run out of moves</a:t>
+            </a:r>
+          </a:p>
+        </p:txBody>
+      </p:sp>
+      <p:sp>
+        <p:nvSpPr>
+          <p:cNvPr id="2" name="TextBox 1">
+            <a:extLst>
+              <a:ext uri="{FF2B5EF4-FFF2-40B4-BE49-F238E27FC236}">
+                <a16:creationId xmlns:a16="http://schemas.microsoft.com/office/drawing/2014/main" id="{09F14B07-98FF-C0FA-5A9B-F4D93228EACC}"/>
+              </a:ext>
+            </a:extLst>
+          </p:cNvPr>
+          <p:cNvSpPr txBox="1"/>
+          <p:nvPr/>
+        </p:nvSpPr>
+        <p:spPr>
+          <a:xfrm>
+            <a:off x="8800891" y="735307"/>
+            <a:ext cx="641131" cy="369332"/>
+          </a:xfrm>
+          <a:prstGeom prst="rect">
+            <a:avLst/>
+          </a:prstGeom>
+          <a:noFill/>
+        </p:spPr>
+        <p:txBody>
+          <a:bodyPr wrap="square" rtlCol="0">
+            <a:spAutoFit/>
+          </a:bodyPr>
+          <a:lstStyle/>
+          <a:p>
+            <a:pPr algn="ctr"/>
+            <a:r>
+              <a:rPr lang="en-US" dirty="0"/>
+              <a:t>0, 0</a:t>
+            </a:r>
+          </a:p>
+        </p:txBody>
+      </p:sp>
+      <p:sp>
+        <p:nvSpPr>
+          <p:cNvPr id="3" name="TextBox 2">
+            <a:extLst>
+              <a:ext uri="{FF2B5EF4-FFF2-40B4-BE49-F238E27FC236}">
+                <a16:creationId xmlns:a16="http://schemas.microsoft.com/office/drawing/2014/main" id="{9AF7AC91-AB9D-92AC-5102-1611FCDBD06A}"/>
+              </a:ext>
+            </a:extLst>
+          </p:cNvPr>
+          <p:cNvSpPr txBox="1"/>
+          <p:nvPr/>
+        </p:nvSpPr>
+        <p:spPr>
+          <a:xfrm>
+            <a:off x="10081699" y="1415282"/>
+            <a:ext cx="641131" cy="369332"/>
+          </a:xfrm>
+          <a:prstGeom prst="rect">
+            <a:avLst/>
+          </a:prstGeom>
+          <a:noFill/>
+        </p:spPr>
+        <p:txBody>
+          <a:bodyPr wrap="square" rtlCol="0">
+            <a:spAutoFit/>
+          </a:bodyPr>
+          <a:lstStyle/>
+          <a:p>
+            <a:pPr algn="ctr"/>
+            <a:r>
+              <a:rPr lang="en-US" strike="sngStrike" dirty="0"/>
+              <a:t>1, 0</a:t>
+            </a:r>
+          </a:p>
+        </p:txBody>
+      </p:sp>
+      <p:sp>
+        <p:nvSpPr>
+          <p:cNvPr id="8" name="TextBox 7">
+            <a:extLst>
+              <a:ext uri="{FF2B5EF4-FFF2-40B4-BE49-F238E27FC236}">
+                <a16:creationId xmlns:a16="http://schemas.microsoft.com/office/drawing/2014/main" id="{528549BC-45B9-51E3-F44D-BC384160142C}"/>
+              </a:ext>
+            </a:extLst>
+          </p:cNvPr>
+          <p:cNvSpPr txBox="1"/>
+          <p:nvPr/>
+        </p:nvSpPr>
+        <p:spPr>
+          <a:xfrm>
+            <a:off x="7423909" y="1415282"/>
+            <a:ext cx="641131" cy="369332"/>
+          </a:xfrm>
+          <a:prstGeom prst="rect">
+            <a:avLst/>
+          </a:prstGeom>
+          <a:noFill/>
+        </p:spPr>
+        <p:txBody>
+          <a:bodyPr wrap="square" rtlCol="0">
+            <a:spAutoFit/>
+          </a:bodyPr>
+          <a:lstStyle/>
+          <a:p>
+            <a:pPr algn="ctr"/>
+            <a:r>
+              <a:rPr lang="en-US" dirty="0"/>
+              <a:t>0, 1</a:t>
+            </a:r>
+          </a:p>
+        </p:txBody>
+      </p:sp>
+      <p:sp>
+        <p:nvSpPr>
+          <p:cNvPr id="11" name="TextBox 10">
+            <a:extLst>
+              <a:ext uri="{FF2B5EF4-FFF2-40B4-BE49-F238E27FC236}">
+                <a16:creationId xmlns:a16="http://schemas.microsoft.com/office/drawing/2014/main" id="{A4A2FE9E-7EE9-17C5-75C3-938EADF6995E}"/>
+              </a:ext>
+            </a:extLst>
+          </p:cNvPr>
+          <p:cNvSpPr txBox="1"/>
+          <p:nvPr/>
+        </p:nvSpPr>
+        <p:spPr>
+          <a:xfrm>
+            <a:off x="8130938" y="2319687"/>
+            <a:ext cx="641131" cy="369332"/>
+          </a:xfrm>
+          <a:prstGeom prst="rect">
+            <a:avLst/>
+          </a:prstGeom>
+          <a:noFill/>
+        </p:spPr>
+        <p:txBody>
+          <a:bodyPr wrap="square" rtlCol="0">
+            <a:spAutoFit/>
+          </a:bodyPr>
+          <a:lstStyle/>
+          <a:p>
+            <a:pPr algn="ctr"/>
+            <a:r>
+              <a:rPr lang="en-US" dirty="0"/>
+              <a:t>1, 1</a:t>
+            </a:r>
+          </a:p>
+        </p:txBody>
+      </p:sp>
+      <p:sp>
+        <p:nvSpPr>
+          <p:cNvPr id="15" name="TextBox 14">
+            <a:extLst>
+              <a:ext uri="{FF2B5EF4-FFF2-40B4-BE49-F238E27FC236}">
+                <a16:creationId xmlns:a16="http://schemas.microsoft.com/office/drawing/2014/main" id="{8E0DDDCD-B900-8A8F-0B60-1B567F79A7E9}"/>
+              </a:ext>
+            </a:extLst>
+          </p:cNvPr>
+          <p:cNvSpPr txBox="1"/>
+          <p:nvPr/>
+        </p:nvSpPr>
+        <p:spPr>
+          <a:xfrm>
+            <a:off x="6593286" y="2330151"/>
+            <a:ext cx="641131" cy="369332"/>
+          </a:xfrm>
+          <a:prstGeom prst="rect">
+            <a:avLst/>
+          </a:prstGeom>
+          <a:noFill/>
+        </p:spPr>
+        <p:txBody>
+          <a:bodyPr wrap="square" rtlCol="0">
+            <a:spAutoFit/>
+          </a:bodyPr>
+          <a:lstStyle/>
+          <a:p>
+            <a:pPr algn="ctr"/>
+            <a:r>
+              <a:rPr lang="en-US" strike="sngStrike" dirty="0"/>
+              <a:t>0, 2</a:t>
+            </a:r>
+          </a:p>
+        </p:txBody>
+      </p:sp>
+      <p:cxnSp>
+        <p:nvCxnSpPr>
+          <p:cNvPr id="20" name="Straight Connector 19">
+            <a:extLst>
+              <a:ext uri="{FF2B5EF4-FFF2-40B4-BE49-F238E27FC236}">
+                <a16:creationId xmlns:a16="http://schemas.microsoft.com/office/drawing/2014/main" id="{61A5395C-1788-B4D4-4A69-6C3BC9FFA426}"/>
+              </a:ext>
+            </a:extLst>
+          </p:cNvPr>
+          <p:cNvCxnSpPr>
+            <a:cxnSpLocks/>
+            <a:stCxn id="2" idx="2"/>
+            <a:endCxn id="3" idx="0"/>
+          </p:cNvCxnSpPr>
+          <p:nvPr/>
+        </p:nvCxnSpPr>
+        <p:spPr>
+          <a:xfrm>
+            <a:off x="9121457" y="1104639"/>
+            <a:ext cx="1280808" cy="310643"/>
+          </a:xfrm>
+          <a:prstGeom prst="line">
+            <a:avLst/>
+          </a:prstGeom>
+        </p:spPr>
+        <p:style>
+          <a:lnRef idx="1">
+            <a:schemeClr val="accent1"/>
+          </a:lnRef>
+          <a:fillRef idx="0">
+            <a:schemeClr val="accent1"/>
+          </a:fillRef>
+          <a:effectRef idx="0">
+            <a:schemeClr val="accent1"/>
+          </a:effectRef>
+          <a:fontRef idx="minor">
+            <a:schemeClr val="tx1"/>
+          </a:fontRef>
+        </p:style>
+      </p:cxnSp>
+      <p:cxnSp>
+        <p:nvCxnSpPr>
+          <p:cNvPr id="21" name="Straight Connector 20">
+            <a:extLst>
+              <a:ext uri="{FF2B5EF4-FFF2-40B4-BE49-F238E27FC236}">
+                <a16:creationId xmlns:a16="http://schemas.microsoft.com/office/drawing/2014/main" id="{9424E8BA-D9F7-6D6E-38D7-A6696B9805B5}"/>
+              </a:ext>
+            </a:extLst>
+          </p:cNvPr>
+          <p:cNvCxnSpPr>
+            <a:cxnSpLocks/>
+            <a:stCxn id="2" idx="2"/>
+            <a:endCxn id="8" idx="0"/>
+          </p:cNvCxnSpPr>
+          <p:nvPr/>
+        </p:nvCxnSpPr>
+        <p:spPr>
+          <a:xfrm flipH="1">
+            <a:off x="7744475" y="1104639"/>
+            <a:ext cx="1376982" cy="310643"/>
+          </a:xfrm>
+          <a:prstGeom prst="line">
+            <a:avLst/>
+          </a:prstGeom>
+        </p:spPr>
+        <p:style>
+          <a:lnRef idx="1">
+            <a:schemeClr val="accent1"/>
+          </a:lnRef>
+          <a:fillRef idx="0">
+            <a:schemeClr val="accent1"/>
+          </a:fillRef>
+          <a:effectRef idx="0">
+            <a:schemeClr val="accent1"/>
+          </a:effectRef>
+          <a:fontRef idx="minor">
+            <a:schemeClr val="tx1"/>
+          </a:fontRef>
+        </p:style>
+      </p:cxnSp>
+      <p:cxnSp>
+        <p:nvCxnSpPr>
+          <p:cNvPr id="24" name="Straight Connector 23">
+            <a:extLst>
+              <a:ext uri="{FF2B5EF4-FFF2-40B4-BE49-F238E27FC236}">
+                <a16:creationId xmlns:a16="http://schemas.microsoft.com/office/drawing/2014/main" id="{DB2498C5-62CB-4A2A-AEBF-EBBD472AE2E4}"/>
+              </a:ext>
+            </a:extLst>
+          </p:cNvPr>
+          <p:cNvCxnSpPr>
+            <a:cxnSpLocks/>
+            <a:stCxn id="8" idx="2"/>
+            <a:endCxn id="11" idx="0"/>
+          </p:cNvCxnSpPr>
+          <p:nvPr/>
+        </p:nvCxnSpPr>
+        <p:spPr>
+          <a:xfrm>
+            <a:off x="7744475" y="1784614"/>
+            <a:ext cx="707029" cy="535073"/>
+          </a:xfrm>
+          <a:prstGeom prst="line">
+            <a:avLst/>
+          </a:prstGeom>
+        </p:spPr>
+        <p:style>
+          <a:lnRef idx="1">
+            <a:schemeClr val="accent1"/>
+          </a:lnRef>
+          <a:fillRef idx="0">
+            <a:schemeClr val="accent1"/>
+          </a:fillRef>
+          <a:effectRef idx="0">
+            <a:schemeClr val="accent1"/>
+          </a:effectRef>
+          <a:fontRef idx="minor">
+            <a:schemeClr val="tx1"/>
+          </a:fontRef>
+        </p:style>
+      </p:cxnSp>
+      <p:cxnSp>
+        <p:nvCxnSpPr>
+          <p:cNvPr id="25" name="Straight Connector 24">
+            <a:extLst>
+              <a:ext uri="{FF2B5EF4-FFF2-40B4-BE49-F238E27FC236}">
+                <a16:creationId xmlns:a16="http://schemas.microsoft.com/office/drawing/2014/main" id="{9CD52A09-BFA9-DC37-9685-E669FF1CD9B2}"/>
+              </a:ext>
+            </a:extLst>
+          </p:cNvPr>
+          <p:cNvCxnSpPr>
+            <a:cxnSpLocks/>
+            <a:stCxn id="8" idx="2"/>
+            <a:endCxn id="15" idx="0"/>
+          </p:cNvCxnSpPr>
+          <p:nvPr/>
+        </p:nvCxnSpPr>
+        <p:spPr>
+          <a:xfrm flipH="1">
+            <a:off x="6913852" y="1784614"/>
+            <a:ext cx="830623" cy="545537"/>
+          </a:xfrm>
+          <a:prstGeom prst="line">
+            <a:avLst/>
+          </a:prstGeom>
+        </p:spPr>
+        <p:style>
+          <a:lnRef idx="1">
+            <a:schemeClr val="accent1"/>
+          </a:lnRef>
+          <a:fillRef idx="0">
+            <a:schemeClr val="accent1"/>
+          </a:fillRef>
+          <a:effectRef idx="0">
+            <a:schemeClr val="accent1"/>
+          </a:effectRef>
+          <a:fontRef idx="minor">
+            <a:schemeClr val="tx1"/>
+          </a:fontRef>
+        </p:style>
+      </p:cxnSp>
+      <p:sp>
+        <p:nvSpPr>
+          <p:cNvPr id="31" name="TextBox 30">
+            <a:extLst>
+              <a:ext uri="{FF2B5EF4-FFF2-40B4-BE49-F238E27FC236}">
+                <a16:creationId xmlns:a16="http://schemas.microsoft.com/office/drawing/2014/main" id="{C256FD40-01BA-FDC0-C12D-ED76E1976A7B}"/>
+              </a:ext>
+            </a:extLst>
+          </p:cNvPr>
+          <p:cNvSpPr txBox="1"/>
+          <p:nvPr/>
+        </p:nvSpPr>
+        <p:spPr>
+          <a:xfrm>
+            <a:off x="5536151" y="6198854"/>
+            <a:ext cx="6655849" cy="461665"/>
+          </a:xfrm>
+          <a:prstGeom prst="rect">
+            <a:avLst/>
+          </a:prstGeom>
+          <a:noFill/>
+        </p:spPr>
+        <p:txBody>
+          <a:bodyPr wrap="square" rtlCol="0">
+            <a:spAutoFit/>
+          </a:bodyPr>
+          <a:lstStyle/>
+          <a:p>
+            <a:r>
+              <a:rPr lang="en-US" sz="2400" dirty="0">
                 <a:solidFill>
                   <a:srgbClr val="FF0000"/>
                 </a:solidFill>
-                <a:latin typeface="Monaco" pitchFamily="2" charset="77"/>
-              </a:rPr>
-              <a:t>;; </a:t>
-            </a:r>
-            <a:r>
-              <a:rPr lang="en-US" sz="1400" dirty="0" err="1">
-                <a:solidFill>
-                  <a:srgbClr val="FF0000"/>
-                </a:solidFill>
-                <a:latin typeface="Monaco" pitchFamily="2" charset="77"/>
-              </a:rPr>
-              <a:t>genrec</a:t>
-            </a:r>
-            <a:endParaRPr lang="en-US" sz="1400" dirty="0">
-              <a:solidFill>
-                <a:srgbClr val="FF0000"/>
-              </a:solidFill>
-              <a:latin typeface="Monaco" pitchFamily="2" charset="77"/>
-            </a:endParaRPr>
-          </a:p>
-          <a:p>
-            <a:r>
-              <a:rPr lang="en-US" sz="1400" dirty="0">
-                <a:solidFill>
-                  <a:srgbClr val="FF0000"/>
-                </a:solidFill>
-                <a:latin typeface="Monaco" pitchFamily="2" charset="77"/>
-              </a:rPr>
-              <a:t>(define (</a:t>
-            </a:r>
-            <a:r>
-              <a:rPr lang="en-US" sz="1400" dirty="0" err="1">
-                <a:solidFill>
-                  <a:srgbClr val="FF0000"/>
-                </a:solidFill>
-                <a:latin typeface="Monaco" pitchFamily="2" charset="77"/>
-              </a:rPr>
-              <a:t>genrec</a:t>
-            </a:r>
-            <a:r>
-              <a:rPr lang="en-US" sz="1400" dirty="0">
-                <a:solidFill>
-                  <a:srgbClr val="FF0000"/>
-                </a:solidFill>
-                <a:latin typeface="Monaco" pitchFamily="2" charset="77"/>
-              </a:rPr>
-              <a:t> d)</a:t>
-            </a:r>
-          </a:p>
-          <a:p>
-            <a:r>
-              <a:rPr lang="en-US" sz="1400" dirty="0">
-                <a:solidFill>
-                  <a:srgbClr val="FF0000"/>
-                </a:solidFill>
-                <a:latin typeface="Monaco" pitchFamily="2" charset="77"/>
-              </a:rPr>
-              <a:t>  (</a:t>
-            </a:r>
-            <a:r>
-              <a:rPr lang="en-US" sz="1400" dirty="0" err="1">
-                <a:solidFill>
-                  <a:srgbClr val="FF0000"/>
-                </a:solidFill>
-                <a:latin typeface="Monaco" pitchFamily="2" charset="77"/>
-              </a:rPr>
-              <a:t>cond</a:t>
-            </a:r>
-            <a:r>
-              <a:rPr lang="en-US" sz="1400" dirty="0">
-                <a:solidFill>
-                  <a:srgbClr val="FF0000"/>
-                </a:solidFill>
-                <a:latin typeface="Monaco" pitchFamily="2" charset="77"/>
-              </a:rPr>
-              <a:t> [(trivial? d) (trivial-answer d)]</a:t>
-            </a:r>
-          </a:p>
-          <a:p>
-            <a:r>
-              <a:rPr lang="en-US" sz="1400" dirty="0">
-                <a:solidFill>
-                  <a:srgbClr val="FF0000"/>
-                </a:solidFill>
-                <a:latin typeface="Monaco" pitchFamily="2" charset="77"/>
-              </a:rPr>
-              <a:t>        [else</a:t>
-            </a:r>
-          </a:p>
-          <a:p>
-            <a:r>
-              <a:rPr lang="en-US" sz="1400" dirty="0">
-                <a:solidFill>
-                  <a:srgbClr val="FF0000"/>
-                </a:solidFill>
-                <a:latin typeface="Monaco" pitchFamily="2" charset="77"/>
-              </a:rPr>
-              <a:t>         [... d</a:t>
-            </a:r>
-          </a:p>
-          <a:p>
-            <a:r>
-              <a:rPr lang="en-US" sz="1400" dirty="0">
-                <a:solidFill>
-                  <a:srgbClr val="FF0000"/>
-                </a:solidFill>
-                <a:latin typeface="Monaco" pitchFamily="2" charset="77"/>
-              </a:rPr>
-              <a:t>              (</a:t>
-            </a:r>
-            <a:r>
-              <a:rPr lang="en-US" sz="1400" dirty="0" err="1">
-                <a:solidFill>
-                  <a:srgbClr val="FF0000"/>
-                </a:solidFill>
-                <a:latin typeface="Monaco" pitchFamily="2" charset="77"/>
-              </a:rPr>
-              <a:t>genrec</a:t>
-            </a:r>
-            <a:r>
-              <a:rPr lang="en-US" sz="1400" dirty="0">
-                <a:solidFill>
-                  <a:srgbClr val="FF0000"/>
-                </a:solidFill>
-                <a:latin typeface="Monaco" pitchFamily="2" charset="77"/>
-              </a:rPr>
-              <a:t> (next-problem d))]]))</a:t>
-            </a:r>
-          </a:p>
-          <a:p>
-            <a:endParaRPr lang="en-US" sz="1400" dirty="0">
-              <a:latin typeface="Monaco" pitchFamily="2" charset="77"/>
-            </a:endParaRPr>
-          </a:p>
-          <a:p>
-            <a:endParaRPr lang="en-US" sz="1400" dirty="0">
-              <a:latin typeface="Monaco" pitchFamily="2" charset="77"/>
-            </a:endParaRPr>
-          </a:p>
-          <a:p>
-            <a:r>
-              <a:rPr lang="en-US" sz="1400" dirty="0">
-                <a:latin typeface="Monaco" pitchFamily="2" charset="77"/>
-              </a:rPr>
-              <a:t>;; arb-tree  (of Pos) -&gt; Pos and (</a:t>
-            </a:r>
-            <a:r>
-              <a:rPr lang="en-US" sz="1400" dirty="0" err="1">
-                <a:latin typeface="Monaco" pitchFamily="2" charset="77"/>
-              </a:rPr>
-              <a:t>listof</a:t>
-            </a:r>
-            <a:r>
-              <a:rPr lang="en-US" sz="1400" dirty="0">
-                <a:latin typeface="Monaco" pitchFamily="2" charset="77"/>
-              </a:rPr>
-              <a:t> Pos)</a:t>
-            </a:r>
-          </a:p>
-          <a:p>
-            <a:r>
-              <a:rPr lang="en-US" sz="1400" dirty="0">
-                <a:latin typeface="Monaco" pitchFamily="2" charset="77"/>
-              </a:rPr>
-              <a:t>(define (</a:t>
-            </a:r>
-            <a:r>
-              <a:rPr lang="en-US" sz="1400" dirty="0" err="1">
-                <a:latin typeface="Monaco" pitchFamily="2" charset="77"/>
-              </a:rPr>
-              <a:t>fn</a:t>
-            </a:r>
-            <a:r>
-              <a:rPr lang="en-US" sz="1400" dirty="0">
-                <a:latin typeface="Monaco" pitchFamily="2" charset="77"/>
-              </a:rPr>
-              <a:t>-for-pos p)</a:t>
-            </a:r>
-          </a:p>
-          <a:p>
-            <a:r>
-              <a:rPr lang="en-US" sz="1400" dirty="0">
-                <a:latin typeface="Monaco" pitchFamily="2" charset="77"/>
-              </a:rPr>
-              <a:t>  (... p</a:t>
-            </a:r>
-          </a:p>
-          <a:p>
-            <a:r>
-              <a:rPr lang="en-US" sz="1400" dirty="0">
-                <a:latin typeface="Monaco" pitchFamily="2" charset="77"/>
-              </a:rPr>
-              <a:t>       (</a:t>
-            </a:r>
-            <a:r>
-              <a:rPr lang="en-US" sz="1400" dirty="0" err="1">
-                <a:latin typeface="Monaco" pitchFamily="2" charset="77"/>
-              </a:rPr>
-              <a:t>fn</a:t>
-            </a:r>
-            <a:r>
-              <a:rPr lang="en-US" sz="1400" dirty="0">
-                <a:latin typeface="Monaco" pitchFamily="2" charset="77"/>
-              </a:rPr>
-              <a:t>-for-lop (POS-SUBS p)))) ;pos-subs doesn't really exist!!!</a:t>
-            </a:r>
-          </a:p>
-          <a:p>
-            <a:endParaRPr lang="en-US" sz="1400" dirty="0">
-              <a:latin typeface="Monaco" pitchFamily="2" charset="77"/>
-            </a:endParaRPr>
-          </a:p>
-          <a:p>
-            <a:endParaRPr lang="en-US" sz="1400" dirty="0">
-              <a:latin typeface="Monaco" pitchFamily="2" charset="77"/>
-            </a:endParaRPr>
-          </a:p>
-          <a:p>
-            <a:r>
-              <a:rPr lang="en-US" sz="1400" dirty="0">
-                <a:latin typeface="Monaco" pitchFamily="2" charset="77"/>
-              </a:rPr>
-              <a:t>(define (</a:t>
-            </a:r>
-            <a:r>
-              <a:rPr lang="en-US" sz="1400" dirty="0" err="1">
-                <a:latin typeface="Monaco" pitchFamily="2" charset="77"/>
-              </a:rPr>
-              <a:t>fn</a:t>
-            </a:r>
-            <a:r>
-              <a:rPr lang="en-US" sz="1400" dirty="0">
-                <a:latin typeface="Monaco" pitchFamily="2" charset="77"/>
-              </a:rPr>
-              <a:t>-for-lop lop)</a:t>
-            </a:r>
-          </a:p>
-          <a:p>
-            <a:r>
-              <a:rPr lang="en-US" sz="1400" dirty="0">
-                <a:latin typeface="Monaco" pitchFamily="2" charset="77"/>
-              </a:rPr>
-              <a:t>  (</a:t>
-            </a:r>
-            <a:r>
-              <a:rPr lang="en-US" sz="1400" dirty="0" err="1">
-                <a:latin typeface="Monaco" pitchFamily="2" charset="77"/>
-              </a:rPr>
-              <a:t>cond</a:t>
-            </a:r>
-            <a:r>
-              <a:rPr lang="en-US" sz="1400" dirty="0">
-                <a:latin typeface="Monaco" pitchFamily="2" charset="77"/>
-              </a:rPr>
-              <a:t> [(empty? lop) (...)]</a:t>
-            </a:r>
-          </a:p>
-          <a:p>
-            <a:r>
-              <a:rPr lang="en-US" sz="1400" dirty="0">
-                <a:latin typeface="Monaco" pitchFamily="2" charset="77"/>
-              </a:rPr>
-              <a:t>        [else</a:t>
-            </a:r>
-          </a:p>
-          <a:p>
-            <a:r>
-              <a:rPr lang="en-US" sz="1400" dirty="0">
-                <a:latin typeface="Monaco" pitchFamily="2" charset="77"/>
-              </a:rPr>
-              <a:t>         (... (</a:t>
-            </a:r>
-            <a:r>
-              <a:rPr lang="en-US" sz="1400" dirty="0" err="1">
-                <a:latin typeface="Monaco" pitchFamily="2" charset="77"/>
-              </a:rPr>
-              <a:t>fn</a:t>
-            </a:r>
-            <a:r>
-              <a:rPr lang="en-US" sz="1400" dirty="0">
-                <a:latin typeface="Monaco" pitchFamily="2" charset="77"/>
-              </a:rPr>
-              <a:t>-for-pos (first lop))</a:t>
-            </a:r>
-          </a:p>
-          <a:p>
-            <a:r>
-              <a:rPr lang="en-US" sz="1400" dirty="0">
-                <a:latin typeface="Monaco" pitchFamily="2" charset="77"/>
-              </a:rPr>
-              <a:t>              (</a:t>
-            </a:r>
-            <a:r>
-              <a:rPr lang="en-US" sz="1400" dirty="0" err="1">
-                <a:latin typeface="Monaco" pitchFamily="2" charset="77"/>
-              </a:rPr>
-              <a:t>fn</a:t>
-            </a:r>
-            <a:r>
-              <a:rPr lang="en-US" sz="1400" dirty="0">
-                <a:latin typeface="Monaco" pitchFamily="2" charset="77"/>
-              </a:rPr>
-              <a:t>-for-lop (rest lop)))]))</a:t>
-            </a:r>
-          </a:p>
-          <a:p>
-            <a:endParaRPr lang="en-US" sz="1400" dirty="0">
-              <a:latin typeface="Monaco" pitchFamily="2" charset="77"/>
-            </a:endParaRPr>
-          </a:p>
-          <a:p>
-            <a:endParaRPr lang="en-US" sz="1400" dirty="0">
-              <a:latin typeface="Monaco" pitchFamily="2" charset="77"/>
-            </a:endParaRPr>
-          </a:p>
-          <a:p>
-            <a:r>
-              <a:rPr lang="en-US" sz="1400" dirty="0">
-                <a:solidFill>
-                  <a:srgbClr val="00B0F0"/>
-                </a:solidFill>
-                <a:latin typeface="Monaco" pitchFamily="2" charset="77"/>
-              </a:rPr>
-              <a:t>;; try-catch</a:t>
-            </a:r>
-          </a:p>
-          <a:p>
-            <a:r>
-              <a:rPr lang="en-US" sz="1400" dirty="0">
-                <a:solidFill>
-                  <a:srgbClr val="00B0F0"/>
-                </a:solidFill>
-                <a:latin typeface="Monaco" pitchFamily="2" charset="77"/>
-              </a:rPr>
-              <a:t>     (local [(define try &lt;one-option&gt;)]</a:t>
-            </a:r>
-          </a:p>
-          <a:p>
-            <a:r>
-              <a:rPr lang="en-US" sz="1400" dirty="0">
-                <a:solidFill>
-                  <a:srgbClr val="00B0F0"/>
-                </a:solidFill>
-                <a:latin typeface="Monaco" pitchFamily="2" charset="77"/>
-              </a:rPr>
-              <a:t>       (if (not (false? try))</a:t>
-            </a:r>
-          </a:p>
-          <a:p>
-            <a:r>
-              <a:rPr lang="en-US" sz="1400" dirty="0">
-                <a:solidFill>
-                  <a:srgbClr val="00B0F0"/>
-                </a:solidFill>
-                <a:latin typeface="Monaco" pitchFamily="2" charset="77"/>
-              </a:rPr>
-              <a:t>           try</a:t>
-            </a:r>
-          </a:p>
-          <a:p>
-            <a:r>
-              <a:rPr lang="en-US" sz="1400" dirty="0">
-                <a:solidFill>
-                  <a:srgbClr val="00B0F0"/>
-                </a:solidFill>
-                <a:latin typeface="Monaco" pitchFamily="2" charset="77"/>
-              </a:rPr>
-              <a:t>           &lt;other-option&gt;))</a:t>
+              </a:rPr>
+              <a:t>Expect it to take a while to get this worked out!</a:t>
+            </a:r>
+          </a:p>
+        </p:txBody>
+      </p:sp>
+      <p:sp>
+        <p:nvSpPr>
+          <p:cNvPr id="4" name="TextBox 3">
+            <a:extLst>
+              <a:ext uri="{FF2B5EF4-FFF2-40B4-BE49-F238E27FC236}">
+                <a16:creationId xmlns:a16="http://schemas.microsoft.com/office/drawing/2014/main" id="{879D2784-3F8F-A537-8402-2F06497AF8D9}"/>
+              </a:ext>
+            </a:extLst>
+          </p:cNvPr>
+          <p:cNvSpPr txBox="1"/>
+          <p:nvPr/>
+        </p:nvSpPr>
+        <p:spPr>
+          <a:xfrm>
+            <a:off x="8748792" y="3296543"/>
+            <a:ext cx="641131" cy="369332"/>
+          </a:xfrm>
+          <a:prstGeom prst="rect">
+            <a:avLst/>
+          </a:prstGeom>
+          <a:noFill/>
+        </p:spPr>
+        <p:txBody>
+          <a:bodyPr wrap="square" rtlCol="0">
+            <a:spAutoFit/>
+          </a:bodyPr>
+          <a:lstStyle/>
+          <a:p>
+            <a:pPr algn="ctr"/>
+            <a:r>
+              <a:rPr lang="en-US" strike="sngStrike" dirty="0"/>
+              <a:t>2, 1</a:t>
+            </a:r>
+          </a:p>
+        </p:txBody>
+      </p:sp>
+      <p:sp>
+        <p:nvSpPr>
+          <p:cNvPr id="6" name="TextBox 5">
+            <a:extLst>
+              <a:ext uri="{FF2B5EF4-FFF2-40B4-BE49-F238E27FC236}">
+                <a16:creationId xmlns:a16="http://schemas.microsoft.com/office/drawing/2014/main" id="{21E615D3-E1ED-A2E8-57AB-CD1E77E68AA1}"/>
+              </a:ext>
+            </a:extLst>
+          </p:cNvPr>
+          <p:cNvSpPr txBox="1"/>
+          <p:nvPr/>
+        </p:nvSpPr>
+        <p:spPr>
+          <a:xfrm>
+            <a:off x="7601117" y="3296543"/>
+            <a:ext cx="641131" cy="369332"/>
+          </a:xfrm>
+          <a:prstGeom prst="rect">
+            <a:avLst/>
+          </a:prstGeom>
+          <a:noFill/>
+        </p:spPr>
+        <p:txBody>
+          <a:bodyPr wrap="square" rtlCol="0">
+            <a:spAutoFit/>
+          </a:bodyPr>
+          <a:lstStyle/>
+          <a:p>
+            <a:pPr algn="ctr"/>
+            <a:r>
+              <a:rPr lang="en-US" dirty="0"/>
+              <a:t>1, 2</a:t>
+            </a:r>
+          </a:p>
+        </p:txBody>
+      </p:sp>
+      <p:cxnSp>
+        <p:nvCxnSpPr>
+          <p:cNvPr id="7" name="Straight Connector 6">
+            <a:extLst>
+              <a:ext uri="{FF2B5EF4-FFF2-40B4-BE49-F238E27FC236}">
+                <a16:creationId xmlns:a16="http://schemas.microsoft.com/office/drawing/2014/main" id="{858794DD-A728-1D5E-A6C5-51D290543CAC}"/>
+              </a:ext>
+            </a:extLst>
+          </p:cNvPr>
+          <p:cNvCxnSpPr>
+            <a:cxnSpLocks/>
+            <a:endCxn id="4" idx="0"/>
+          </p:cNvCxnSpPr>
+          <p:nvPr/>
+        </p:nvCxnSpPr>
+        <p:spPr>
+          <a:xfrm>
+            <a:off x="8451504" y="2689019"/>
+            <a:ext cx="617854" cy="607524"/>
+          </a:xfrm>
+          <a:prstGeom prst="line">
+            <a:avLst/>
+          </a:prstGeom>
+        </p:spPr>
+        <p:style>
+          <a:lnRef idx="1">
+            <a:schemeClr val="accent1"/>
+          </a:lnRef>
+          <a:fillRef idx="0">
+            <a:schemeClr val="accent1"/>
+          </a:fillRef>
+          <a:effectRef idx="0">
+            <a:schemeClr val="accent1"/>
+          </a:effectRef>
+          <a:fontRef idx="minor">
+            <a:schemeClr val="tx1"/>
+          </a:fontRef>
+        </p:style>
+      </p:cxnSp>
+      <p:cxnSp>
+        <p:nvCxnSpPr>
+          <p:cNvPr id="9" name="Straight Connector 8">
+            <a:extLst>
+              <a:ext uri="{FF2B5EF4-FFF2-40B4-BE49-F238E27FC236}">
+                <a16:creationId xmlns:a16="http://schemas.microsoft.com/office/drawing/2014/main" id="{2497A8E2-CEF0-929D-2D7D-DAD9E3FF7AF5}"/>
+              </a:ext>
+            </a:extLst>
+          </p:cNvPr>
+          <p:cNvCxnSpPr>
+            <a:cxnSpLocks/>
+            <a:endCxn id="6" idx="0"/>
+          </p:cNvCxnSpPr>
+          <p:nvPr/>
+        </p:nvCxnSpPr>
+        <p:spPr>
+          <a:xfrm flipH="1">
+            <a:off x="7921683" y="2689019"/>
+            <a:ext cx="529821" cy="607524"/>
+          </a:xfrm>
+          <a:prstGeom prst="line">
+            <a:avLst/>
+          </a:prstGeom>
+        </p:spPr>
+        <p:style>
+          <a:lnRef idx="1">
+            <a:schemeClr val="accent1"/>
+          </a:lnRef>
+          <a:fillRef idx="0">
+            <a:schemeClr val="accent1"/>
+          </a:fillRef>
+          <a:effectRef idx="0">
+            <a:schemeClr val="accent1"/>
+          </a:effectRef>
+          <a:fontRef idx="minor">
+            <a:schemeClr val="tx1"/>
+          </a:fontRef>
+        </p:style>
+      </p:cxnSp>
+      <p:sp>
+        <p:nvSpPr>
+          <p:cNvPr id="10" name="TextBox 9">
+            <a:extLst>
+              <a:ext uri="{FF2B5EF4-FFF2-40B4-BE49-F238E27FC236}">
+                <a16:creationId xmlns:a16="http://schemas.microsoft.com/office/drawing/2014/main" id="{F685FD48-56D1-D2C2-97E7-92790EEAC3E4}"/>
+              </a:ext>
+            </a:extLst>
+          </p:cNvPr>
+          <p:cNvSpPr txBox="1"/>
+          <p:nvPr/>
+        </p:nvSpPr>
+        <p:spPr>
+          <a:xfrm>
+            <a:off x="7708355" y="3429000"/>
+            <a:ext cx="1304144" cy="769441"/>
+          </a:xfrm>
+          <a:prstGeom prst="rect">
+            <a:avLst/>
+          </a:prstGeom>
+          <a:noFill/>
+        </p:spPr>
+        <p:txBody>
+          <a:bodyPr wrap="square" rtlCol="0">
+            <a:spAutoFit/>
+          </a:bodyPr>
+          <a:lstStyle/>
+          <a:p>
+            <a:r>
+              <a:rPr lang="en-US" sz="4400" dirty="0"/>
+              <a:t>…</a:t>
             </a:r>
           </a:p>
         </p:txBody>
@@ -3884,7 +4188,7 @@
     </p:spTree>
     <p:extLst>
       <p:ext uri="{BB962C8B-B14F-4D97-AF65-F5344CB8AC3E}">
-        <p14:creationId xmlns:p14="http://schemas.microsoft.com/office/powerpoint/2010/main" val="137635348"/>
+        <p14:creationId xmlns:p14="http://schemas.microsoft.com/office/powerpoint/2010/main" val="4000325289"/>
       </p:ext>
     </p:extLst>
   </p:cSld>
@@ -3926,7 +4230,7 @@
         <p:spPr>
           <a:xfrm>
             <a:off x="943584" y="146875"/>
-            <a:ext cx="7811310" cy="5355312"/>
+            <a:ext cx="7427067" cy="5909310"/>
           </a:xfrm>
           <a:prstGeom prst="rect">
             <a:avLst/>
@@ -3939,149 +4243,248 @@
           </a:bodyPr>
           <a:lstStyle/>
           <a:p>
-            <a:endParaRPr lang="en-US" dirty="0">
+            <a:endParaRPr lang="en-US" sz="1400" dirty="0">
               <a:latin typeface="Monaco" pitchFamily="2" charset="77"/>
             </a:endParaRPr>
           </a:p>
           <a:p>
-            <a:endParaRPr lang="en-US" dirty="0">
-              <a:latin typeface="Monaco" pitchFamily="2" charset="77"/>
-            </a:endParaRPr>
-          </a:p>
-          <a:p>
-            <a:r>
-              <a:rPr lang="en-US" dirty="0">
-                <a:latin typeface="Monaco" pitchFamily="2" charset="77"/>
-              </a:rPr>
-              <a:t>(define (</a:t>
-            </a:r>
-            <a:r>
-              <a:rPr lang="en-US" dirty="0" err="1">
-                <a:latin typeface="Monaco" pitchFamily="2" charset="77"/>
-              </a:rPr>
-              <a:t>fn</a:t>
-            </a:r>
-            <a:r>
-              <a:rPr lang="en-US" dirty="0">
-                <a:latin typeface="Monaco" pitchFamily="2" charset="77"/>
-              </a:rPr>
-              <a:t>-for-pos p)</a:t>
-            </a:r>
-          </a:p>
-          <a:p>
-            <a:r>
-              <a:rPr lang="en-US" dirty="0">
-                <a:latin typeface="Monaco" pitchFamily="2" charset="77"/>
-              </a:rPr>
-              <a:t>  </a:t>
-            </a:r>
-            <a:r>
-              <a:rPr lang="en-US" dirty="0">
+            <a:r>
+              <a:rPr lang="en-US" sz="1400" dirty="0">
                 <a:solidFill>
                   <a:srgbClr val="FF0000"/>
                 </a:solidFill>
                 <a:latin typeface="Monaco" pitchFamily="2" charset="77"/>
               </a:rPr>
-              <a:t>(</a:t>
-            </a:r>
-            <a:r>
-              <a:rPr lang="en-US" dirty="0" err="1">
+              <a:t>;; </a:t>
+            </a:r>
+            <a:r>
+              <a:rPr lang="en-US" sz="1400" dirty="0" err="1">
                 <a:solidFill>
                   <a:srgbClr val="FF0000"/>
                 </a:solidFill>
                 <a:latin typeface="Monaco" pitchFamily="2" charset="77"/>
               </a:rPr>
-              <a:t>cond</a:t>
-            </a:r>
-            <a:r>
-              <a:rPr lang="en-US" dirty="0">
+              <a:t>genrec</a:t>
+            </a:r>
+            <a:endParaRPr lang="en-US" sz="1400" dirty="0">
+              <a:solidFill>
+                <a:srgbClr val="FF0000"/>
+              </a:solidFill>
+              <a:latin typeface="Monaco" pitchFamily="2" charset="77"/>
+            </a:endParaRPr>
+          </a:p>
+          <a:p>
+            <a:r>
+              <a:rPr lang="en-US" sz="1400" dirty="0">
                 <a:solidFill>
                   <a:srgbClr val="FF0000"/>
                 </a:solidFill>
                 <a:latin typeface="Monaco" pitchFamily="2" charset="77"/>
               </a:rPr>
-              <a:t> [(trivial? p) (trivial-answer p)]</a:t>
-            </a:r>
-          </a:p>
-          <a:p>
-            <a:r>
-              <a:rPr lang="en-US" dirty="0">
+              <a:t>(define (</a:t>
+            </a:r>
+            <a:r>
+              <a:rPr lang="en-US" sz="1400" dirty="0" err="1">
                 <a:solidFill>
                   <a:srgbClr val="FF0000"/>
                 </a:solidFill>
                 <a:latin typeface="Monaco" pitchFamily="2" charset="77"/>
               </a:rPr>
-              <a:t>        [else</a:t>
-            </a:r>
-          </a:p>
-          <a:p>
-            <a:r>
-              <a:rPr lang="en-US" dirty="0">
-                <a:latin typeface="Monaco" pitchFamily="2" charset="77"/>
-              </a:rPr>
-              <a:t>         (... p</a:t>
-            </a:r>
-          </a:p>
-          <a:p>
-            <a:r>
-              <a:rPr lang="en-US" dirty="0">
-                <a:latin typeface="Monaco" pitchFamily="2" charset="77"/>
-              </a:rPr>
-              <a:t>              (</a:t>
-            </a:r>
-            <a:r>
-              <a:rPr lang="en-US" dirty="0" err="1">
-                <a:latin typeface="Monaco" pitchFamily="2" charset="77"/>
-              </a:rPr>
-              <a:t>fn</a:t>
-            </a:r>
-            <a:r>
-              <a:rPr lang="en-US" dirty="0">
-                <a:latin typeface="Monaco" pitchFamily="2" charset="77"/>
-              </a:rPr>
-              <a:t>-for-lop </a:t>
-            </a:r>
-            <a:r>
-              <a:rPr lang="en-US" dirty="0">
+              <a:t>genrec</a:t>
+            </a:r>
+            <a:r>
+              <a:rPr lang="en-US" sz="1400" dirty="0">
                 <a:solidFill>
                   <a:srgbClr val="FF0000"/>
                 </a:solidFill>
                 <a:latin typeface="Monaco" pitchFamily="2" charset="77"/>
               </a:rPr>
-              <a:t>(next-problem </a:t>
-            </a:r>
-            <a:r>
-              <a:rPr lang="en-US" dirty="0">
-                <a:latin typeface="Monaco" pitchFamily="2" charset="77"/>
-              </a:rPr>
-              <a:t>p)))]))</a:t>
-            </a:r>
-          </a:p>
-          <a:p>
-            <a:endParaRPr lang="en-US" dirty="0">
+              <a:t> d)</a:t>
+            </a:r>
+          </a:p>
+          <a:p>
+            <a:r>
+              <a:rPr lang="en-US" sz="1400" dirty="0">
+                <a:solidFill>
+                  <a:srgbClr val="FF0000"/>
+                </a:solidFill>
+                <a:latin typeface="Monaco" pitchFamily="2" charset="77"/>
+              </a:rPr>
+              <a:t>  (</a:t>
+            </a:r>
+            <a:r>
+              <a:rPr lang="en-US" sz="1400" dirty="0" err="1">
+                <a:solidFill>
+                  <a:srgbClr val="FF0000"/>
+                </a:solidFill>
+                <a:latin typeface="Monaco" pitchFamily="2" charset="77"/>
+              </a:rPr>
+              <a:t>cond</a:t>
+            </a:r>
+            <a:r>
+              <a:rPr lang="en-US" sz="1400" dirty="0">
+                <a:solidFill>
+                  <a:srgbClr val="FF0000"/>
+                </a:solidFill>
+                <a:latin typeface="Monaco" pitchFamily="2" charset="77"/>
+              </a:rPr>
+              <a:t> [(trivial? d) (trivial-answer d)]</a:t>
+            </a:r>
+          </a:p>
+          <a:p>
+            <a:r>
+              <a:rPr lang="en-US" sz="1400" dirty="0">
+                <a:solidFill>
+                  <a:srgbClr val="FF0000"/>
+                </a:solidFill>
+                <a:latin typeface="Monaco" pitchFamily="2" charset="77"/>
+              </a:rPr>
+              <a:t>        [else</a:t>
+            </a:r>
+          </a:p>
+          <a:p>
+            <a:r>
+              <a:rPr lang="en-US" sz="1400" dirty="0">
+                <a:solidFill>
+                  <a:srgbClr val="FF0000"/>
+                </a:solidFill>
+                <a:latin typeface="Monaco" pitchFamily="2" charset="77"/>
+              </a:rPr>
+              <a:t>         [... d</a:t>
+            </a:r>
+          </a:p>
+          <a:p>
+            <a:r>
+              <a:rPr lang="en-US" sz="1400" dirty="0">
+                <a:solidFill>
+                  <a:srgbClr val="FF0000"/>
+                </a:solidFill>
+                <a:latin typeface="Monaco" pitchFamily="2" charset="77"/>
+              </a:rPr>
+              <a:t>              (</a:t>
+            </a:r>
+            <a:r>
+              <a:rPr lang="en-US" sz="1400" dirty="0" err="1">
+                <a:solidFill>
+                  <a:srgbClr val="FF0000"/>
+                </a:solidFill>
+                <a:latin typeface="Monaco" pitchFamily="2" charset="77"/>
+              </a:rPr>
+              <a:t>genrec</a:t>
+            </a:r>
+            <a:r>
+              <a:rPr lang="en-US" sz="1400" dirty="0">
+                <a:solidFill>
+                  <a:srgbClr val="FF0000"/>
+                </a:solidFill>
+                <a:latin typeface="Monaco" pitchFamily="2" charset="77"/>
+              </a:rPr>
+              <a:t> (next-problem d))]]))</a:t>
+            </a:r>
+          </a:p>
+          <a:p>
+            <a:endParaRPr lang="en-US" sz="1400" dirty="0">
               <a:latin typeface="Monaco" pitchFamily="2" charset="77"/>
             </a:endParaRPr>
           </a:p>
           <a:p>
-            <a:endParaRPr lang="en-US" dirty="0">
+            <a:endParaRPr lang="en-US" sz="1400" dirty="0">
               <a:latin typeface="Monaco" pitchFamily="2" charset="77"/>
             </a:endParaRPr>
           </a:p>
           <a:p>
             <a:r>
-              <a:rPr lang="en-US" dirty="0">
+              <a:rPr lang="en-US" sz="1400" dirty="0">
+                <a:latin typeface="Monaco" pitchFamily="2" charset="77"/>
+              </a:rPr>
+              <a:t>;; arb-tree  (of Pos) -&gt; Pos and (</a:t>
+            </a:r>
+            <a:r>
+              <a:rPr lang="en-US" sz="1400" dirty="0" err="1">
+                <a:latin typeface="Monaco" pitchFamily="2" charset="77"/>
+              </a:rPr>
+              <a:t>listof</a:t>
+            </a:r>
+            <a:r>
+              <a:rPr lang="en-US" sz="1400" dirty="0">
+                <a:latin typeface="Monaco" pitchFamily="2" charset="77"/>
+              </a:rPr>
+              <a:t> Pos)</a:t>
+            </a:r>
+          </a:p>
+          <a:p>
+            <a:r>
+              <a:rPr lang="en-US" sz="1400" dirty="0">
                 <a:latin typeface="Monaco" pitchFamily="2" charset="77"/>
               </a:rPr>
               <a:t>(define (</a:t>
             </a:r>
             <a:r>
-              <a:rPr lang="en-US" dirty="0" err="1">
+              <a:rPr lang="en-US" sz="1400" dirty="0" err="1">
                 <a:latin typeface="Monaco" pitchFamily="2" charset="77"/>
               </a:rPr>
               <a:t>fn</a:t>
             </a:r>
             <a:r>
-              <a:rPr lang="en-US" dirty="0">
+              <a:rPr lang="en-US" sz="1400" dirty="0">
+                <a:latin typeface="Monaco" pitchFamily="2" charset="77"/>
+              </a:rPr>
+              <a:t>-for-pos p)</a:t>
+            </a:r>
+          </a:p>
+          <a:p>
+            <a:r>
+              <a:rPr lang="en-US" sz="1400" dirty="0">
+                <a:latin typeface="Monaco" pitchFamily="2" charset="77"/>
+              </a:rPr>
+              <a:t>  (... p</a:t>
+            </a:r>
+          </a:p>
+          <a:p>
+            <a:r>
+              <a:rPr lang="en-US" sz="1400" dirty="0">
+                <a:latin typeface="Monaco" pitchFamily="2" charset="77"/>
+              </a:rPr>
+              <a:t>       (</a:t>
+            </a:r>
+            <a:r>
+              <a:rPr lang="en-US" sz="1400" dirty="0" err="1">
+                <a:latin typeface="Monaco" pitchFamily="2" charset="77"/>
+              </a:rPr>
+              <a:t>fn</a:t>
+            </a:r>
+            <a:r>
+              <a:rPr lang="en-US" sz="1400" dirty="0">
+                <a:latin typeface="Monaco" pitchFamily="2" charset="77"/>
+              </a:rPr>
+              <a:t>-for-lop (POS-SUBS p)))) ;pos-subs doesn't really exist!!!</a:t>
+            </a:r>
+          </a:p>
+          <a:p>
+            <a:endParaRPr lang="en-US" sz="1400" dirty="0">
+              <a:latin typeface="Monaco" pitchFamily="2" charset="77"/>
+            </a:endParaRPr>
+          </a:p>
+          <a:p>
+            <a:endParaRPr lang="en-US" sz="1400" dirty="0">
+              <a:latin typeface="Monaco" pitchFamily="2" charset="77"/>
+            </a:endParaRPr>
+          </a:p>
+          <a:p>
+            <a:r>
+              <a:rPr lang="en-US" sz="1400" dirty="0">
+                <a:latin typeface="Monaco" pitchFamily="2" charset="77"/>
+              </a:rPr>
+              <a:t>(define (</a:t>
+            </a:r>
+            <a:r>
+              <a:rPr lang="en-US" sz="1400" dirty="0" err="1">
+                <a:latin typeface="Monaco" pitchFamily="2" charset="77"/>
+              </a:rPr>
+              <a:t>fn</a:t>
+            </a:r>
+            <a:r>
+              <a:rPr lang="en-US" sz="1400" dirty="0">
                 <a:latin typeface="Monaco" pitchFamily="2" charset="77"/>
               </a:rPr>
               <a:t>-for-lop lop)</a:t>
@@ -4089,27 +4492,27 @@
           </a:p>
           <a:p>
             <a:r>
-              <a:rPr lang="en-US" dirty="0">
+              <a:rPr lang="en-US" sz="1400" dirty="0">
                 <a:latin typeface="Monaco" pitchFamily="2" charset="77"/>
               </a:rPr>
               <a:t>  (</a:t>
             </a:r>
             <a:r>
-              <a:rPr lang="en-US" dirty="0" err="1">
+              <a:rPr lang="en-US" sz="1400" dirty="0" err="1">
                 <a:latin typeface="Monaco" pitchFamily="2" charset="77"/>
               </a:rPr>
               <a:t>cond</a:t>
             </a:r>
             <a:r>
-              <a:rPr lang="en-US" dirty="0">
-                <a:latin typeface="Monaco" pitchFamily="2" charset="77"/>
-              </a:rPr>
-              <a:t> [(empty? lop) false]</a:t>
-            </a:r>
-          </a:p>
-          <a:p>
-            <a:r>
-              <a:rPr lang="en-US" dirty="0">
+              <a:rPr lang="en-US" sz="1400" dirty="0">
+                <a:latin typeface="Monaco" pitchFamily="2" charset="77"/>
+              </a:rPr>
+              <a:t> [(empty? lop) (...)]</a:t>
+            </a:r>
+          </a:p>
+          <a:p>
+            <a:r>
+              <a:rPr lang="en-US" sz="1400" dirty="0">
                 <a:latin typeface="Monaco" pitchFamily="2" charset="77"/>
               </a:rPr>
               <a:t>        [else</a:t>
@@ -4117,108 +4520,115 @@
           </a:p>
           <a:p>
             <a:r>
-              <a:rPr lang="en-US" dirty="0">
-                <a:latin typeface="Monaco" pitchFamily="2" charset="77"/>
-              </a:rPr>
-              <a:t>         </a:t>
-            </a:r>
-            <a:r>
-              <a:rPr lang="en-US" dirty="0">
+              <a:rPr lang="en-US" sz="1400" dirty="0">
+                <a:latin typeface="Monaco" pitchFamily="2" charset="77"/>
+              </a:rPr>
+              <a:t>         (... (</a:t>
+            </a:r>
+            <a:r>
+              <a:rPr lang="en-US" sz="1400" dirty="0" err="1">
+                <a:latin typeface="Monaco" pitchFamily="2" charset="77"/>
+              </a:rPr>
+              <a:t>fn</a:t>
+            </a:r>
+            <a:r>
+              <a:rPr lang="en-US" sz="1400" dirty="0">
+                <a:latin typeface="Monaco" pitchFamily="2" charset="77"/>
+              </a:rPr>
+              <a:t>-for-pos (first lop))</a:t>
+            </a:r>
+          </a:p>
+          <a:p>
+            <a:r>
+              <a:rPr lang="en-US" sz="1400" dirty="0">
+                <a:latin typeface="Monaco" pitchFamily="2" charset="77"/>
+              </a:rPr>
+              <a:t>              (</a:t>
+            </a:r>
+            <a:r>
+              <a:rPr lang="en-US" sz="1400" dirty="0" err="1">
+                <a:latin typeface="Monaco" pitchFamily="2" charset="77"/>
+              </a:rPr>
+              <a:t>fn</a:t>
+            </a:r>
+            <a:r>
+              <a:rPr lang="en-US" sz="1400" dirty="0">
+                <a:latin typeface="Monaco" pitchFamily="2" charset="77"/>
+              </a:rPr>
+              <a:t>-for-lop (rest lop)))]))</a:t>
+            </a:r>
+          </a:p>
+          <a:p>
+            <a:endParaRPr lang="en-US" sz="1400" dirty="0">
+              <a:latin typeface="Monaco" pitchFamily="2" charset="77"/>
+            </a:endParaRPr>
+          </a:p>
+          <a:p>
+            <a:endParaRPr lang="en-US" sz="1400" dirty="0">
+              <a:latin typeface="Monaco" pitchFamily="2" charset="77"/>
+            </a:endParaRPr>
+          </a:p>
+          <a:p>
+            <a:r>
+              <a:rPr lang="en-US" sz="1400" dirty="0">
                 <a:solidFill>
                   <a:srgbClr val="00B0F0"/>
                 </a:solidFill>
                 <a:latin typeface="Monaco" pitchFamily="2" charset="77"/>
               </a:rPr>
-              <a:t>(local [(define try </a:t>
-            </a:r>
-            <a:r>
-              <a:rPr lang="en-US" dirty="0">
-                <a:latin typeface="Monaco" pitchFamily="2" charset="77"/>
-              </a:rPr>
-              <a:t>(</a:t>
-            </a:r>
-            <a:r>
-              <a:rPr lang="en-US" dirty="0" err="1">
-                <a:latin typeface="Monaco" pitchFamily="2" charset="77"/>
-              </a:rPr>
-              <a:t>fn</a:t>
-            </a:r>
-            <a:r>
-              <a:rPr lang="en-US" dirty="0">
-                <a:latin typeface="Monaco" pitchFamily="2" charset="77"/>
-              </a:rPr>
-              <a:t>-for-pos (first lop)))]</a:t>
-            </a:r>
-          </a:p>
-          <a:p>
-            <a:r>
-              <a:rPr lang="en-US" dirty="0">
-                <a:latin typeface="Monaco" pitchFamily="2" charset="77"/>
-              </a:rPr>
-              <a:t>           </a:t>
-            </a:r>
-            <a:r>
-              <a:rPr lang="en-US" dirty="0">
+              <a:t>;; try-catch</a:t>
+            </a:r>
+          </a:p>
+          <a:p>
+            <a:r>
+              <a:rPr lang="en-US" sz="1400" dirty="0">
                 <a:solidFill>
                   <a:srgbClr val="00B0F0"/>
                 </a:solidFill>
                 <a:latin typeface="Monaco" pitchFamily="2" charset="77"/>
               </a:rPr>
-              <a:t>(if (not (false? try))</a:t>
-            </a:r>
-          </a:p>
-          <a:p>
-            <a:r>
-              <a:rPr lang="en-US" dirty="0">
+              <a:t>     (local [(define try &lt;one-option&gt;)]</a:t>
+            </a:r>
+          </a:p>
+          <a:p>
+            <a:r>
+              <a:rPr lang="en-US" sz="1400" dirty="0">
                 <a:solidFill>
                   <a:srgbClr val="00B0F0"/>
                 </a:solidFill>
                 <a:latin typeface="Monaco" pitchFamily="2" charset="77"/>
               </a:rPr>
-              <a:t>               try</a:t>
-            </a:r>
-          </a:p>
-          <a:p>
-            <a:r>
-              <a:rPr lang="en-US" dirty="0">
-                <a:latin typeface="Monaco" pitchFamily="2" charset="77"/>
-              </a:rPr>
-              <a:t>               (</a:t>
-            </a:r>
-            <a:r>
-              <a:rPr lang="en-US" dirty="0" err="1">
-                <a:latin typeface="Monaco" pitchFamily="2" charset="77"/>
-              </a:rPr>
-              <a:t>fn</a:t>
-            </a:r>
-            <a:r>
-              <a:rPr lang="en-US" dirty="0">
-                <a:latin typeface="Monaco" pitchFamily="2" charset="77"/>
-              </a:rPr>
-              <a:t>-for-lop (rest lop))))]))</a:t>
-            </a:r>
-          </a:p>
-          <a:p>
-            <a:endParaRPr lang="en-US" dirty="0">
-              <a:latin typeface="Monaco" pitchFamily="2" charset="77"/>
-            </a:endParaRPr>
-          </a:p>
-          <a:p>
-            <a:endParaRPr lang="en-US" dirty="0">
-              <a:latin typeface="Monaco" pitchFamily="2" charset="77"/>
-            </a:endParaRPr>
-          </a:p>
-          <a:p>
-            <a:endParaRPr lang="en-US" dirty="0">
-              <a:latin typeface="Monaco" pitchFamily="2" charset="77"/>
-            </a:endParaRPr>
+              <a:t>       (if (not (false? try))</a:t>
+            </a:r>
+          </a:p>
+          <a:p>
+            <a:r>
+              <a:rPr lang="en-US" sz="1400" dirty="0">
+                <a:solidFill>
+                  <a:srgbClr val="00B0F0"/>
+                </a:solidFill>
+                <a:latin typeface="Monaco" pitchFamily="2" charset="77"/>
+              </a:rPr>
+              <a:t>           try</a:t>
+            </a:r>
+          </a:p>
+          <a:p>
+            <a:r>
+              <a:rPr lang="en-US" sz="1400" dirty="0">
+                <a:solidFill>
+                  <a:srgbClr val="00B0F0"/>
+                </a:solidFill>
+                <a:latin typeface="Monaco" pitchFamily="2" charset="77"/>
+              </a:rPr>
+              <a:t>           &lt;other-option&gt;))</a:t>
+            </a:r>
           </a:p>
         </p:txBody>
       </p:sp>
     </p:spTree>
     <p:extLst>
       <p:ext uri="{BB962C8B-B14F-4D97-AF65-F5344CB8AC3E}">
-        <p14:creationId xmlns:p14="http://schemas.microsoft.com/office/powerpoint/2010/main" val="1104854481"/>
+        <p14:creationId xmlns:p14="http://schemas.microsoft.com/office/powerpoint/2010/main" val="137635348"/>
       </p:ext>
     </p:extLst>
   </p:cSld>
@@ -4259,6 +4669,340 @@
         </p:nvSpPr>
         <p:spPr>
           <a:xfrm>
+            <a:off x="943584" y="146875"/>
+            <a:ext cx="7811310" cy="5355312"/>
+          </a:xfrm>
+          <a:prstGeom prst="rect">
+            <a:avLst/>
+          </a:prstGeom>
+          <a:noFill/>
+        </p:spPr>
+        <p:txBody>
+          <a:bodyPr wrap="square">
+            <a:spAutoFit/>
+          </a:bodyPr>
+          <a:lstStyle/>
+          <a:p>
+            <a:endParaRPr lang="en-US" dirty="0">
+              <a:latin typeface="Monaco" pitchFamily="2" charset="77"/>
+            </a:endParaRPr>
+          </a:p>
+          <a:p>
+            <a:endParaRPr lang="en-US" dirty="0">
+              <a:latin typeface="Monaco" pitchFamily="2" charset="77"/>
+            </a:endParaRPr>
+          </a:p>
+          <a:p>
+            <a:r>
+              <a:rPr lang="en-US" dirty="0">
+                <a:latin typeface="Monaco" pitchFamily="2" charset="77"/>
+              </a:rPr>
+              <a:t>(define (</a:t>
+            </a:r>
+            <a:r>
+              <a:rPr lang="en-US" dirty="0" err="1">
+                <a:latin typeface="Monaco" pitchFamily="2" charset="77"/>
+              </a:rPr>
+              <a:t>fn</a:t>
+            </a:r>
+            <a:r>
+              <a:rPr lang="en-US" dirty="0">
+                <a:latin typeface="Monaco" pitchFamily="2" charset="77"/>
+              </a:rPr>
+              <a:t>-for-pos p)</a:t>
+            </a:r>
+          </a:p>
+          <a:p>
+            <a:r>
+              <a:rPr lang="en-US" dirty="0">
+                <a:latin typeface="Monaco" pitchFamily="2" charset="77"/>
+              </a:rPr>
+              <a:t>  </a:t>
+            </a:r>
+            <a:r>
+              <a:rPr lang="en-US" dirty="0">
+                <a:solidFill>
+                  <a:srgbClr val="FF0000"/>
+                </a:solidFill>
+                <a:latin typeface="Monaco" pitchFamily="2" charset="77"/>
+              </a:rPr>
+              <a:t>(</a:t>
+            </a:r>
+            <a:r>
+              <a:rPr lang="en-US" dirty="0" err="1">
+                <a:solidFill>
+                  <a:srgbClr val="FF0000"/>
+                </a:solidFill>
+                <a:latin typeface="Monaco" pitchFamily="2" charset="77"/>
+              </a:rPr>
+              <a:t>cond</a:t>
+            </a:r>
+            <a:r>
+              <a:rPr lang="en-US" dirty="0">
+                <a:solidFill>
+                  <a:srgbClr val="FF0000"/>
+                </a:solidFill>
+                <a:latin typeface="Monaco" pitchFamily="2" charset="77"/>
+              </a:rPr>
+              <a:t> [(trivial? p) (trivial-answer p)]</a:t>
+            </a:r>
+          </a:p>
+          <a:p>
+            <a:r>
+              <a:rPr lang="en-US" dirty="0">
+                <a:solidFill>
+                  <a:srgbClr val="FF0000"/>
+                </a:solidFill>
+                <a:latin typeface="Monaco" pitchFamily="2" charset="77"/>
+              </a:rPr>
+              <a:t>        [else</a:t>
+            </a:r>
+          </a:p>
+          <a:p>
+            <a:r>
+              <a:rPr lang="en-US" dirty="0">
+                <a:latin typeface="Monaco" pitchFamily="2" charset="77"/>
+              </a:rPr>
+              <a:t>         (... p</a:t>
+            </a:r>
+          </a:p>
+          <a:p>
+            <a:r>
+              <a:rPr lang="en-US" dirty="0">
+                <a:latin typeface="Monaco" pitchFamily="2" charset="77"/>
+              </a:rPr>
+              <a:t>              (</a:t>
+            </a:r>
+            <a:r>
+              <a:rPr lang="en-US" dirty="0" err="1">
+                <a:latin typeface="Monaco" pitchFamily="2" charset="77"/>
+              </a:rPr>
+              <a:t>fn</a:t>
+            </a:r>
+            <a:r>
+              <a:rPr lang="en-US" dirty="0">
+                <a:latin typeface="Monaco" pitchFamily="2" charset="77"/>
+              </a:rPr>
+              <a:t>-for-lop </a:t>
+            </a:r>
+            <a:r>
+              <a:rPr lang="en-US" dirty="0">
+                <a:solidFill>
+                  <a:srgbClr val="FF0000"/>
+                </a:solidFill>
+                <a:latin typeface="Monaco" pitchFamily="2" charset="77"/>
+              </a:rPr>
+              <a:t>(next-problem </a:t>
+            </a:r>
+            <a:r>
+              <a:rPr lang="en-US" dirty="0">
+                <a:latin typeface="Monaco" pitchFamily="2" charset="77"/>
+              </a:rPr>
+              <a:t>p)))]))</a:t>
+            </a:r>
+          </a:p>
+          <a:p>
+            <a:endParaRPr lang="en-US" dirty="0">
+              <a:latin typeface="Monaco" pitchFamily="2" charset="77"/>
+            </a:endParaRPr>
+          </a:p>
+          <a:p>
+            <a:endParaRPr lang="en-US" dirty="0">
+              <a:latin typeface="Monaco" pitchFamily="2" charset="77"/>
+            </a:endParaRPr>
+          </a:p>
+          <a:p>
+            <a:r>
+              <a:rPr lang="en-US" dirty="0">
+                <a:latin typeface="Monaco" pitchFamily="2" charset="77"/>
+              </a:rPr>
+              <a:t>(define (</a:t>
+            </a:r>
+            <a:r>
+              <a:rPr lang="en-US" dirty="0" err="1">
+                <a:latin typeface="Monaco" pitchFamily="2" charset="77"/>
+              </a:rPr>
+              <a:t>fn</a:t>
+            </a:r>
+            <a:r>
+              <a:rPr lang="en-US" dirty="0">
+                <a:latin typeface="Monaco" pitchFamily="2" charset="77"/>
+              </a:rPr>
+              <a:t>-for-lop lop)</a:t>
+            </a:r>
+          </a:p>
+          <a:p>
+            <a:r>
+              <a:rPr lang="en-US" dirty="0">
+                <a:latin typeface="Monaco" pitchFamily="2" charset="77"/>
+              </a:rPr>
+              <a:t>  (</a:t>
+            </a:r>
+            <a:r>
+              <a:rPr lang="en-US" dirty="0" err="1">
+                <a:latin typeface="Monaco" pitchFamily="2" charset="77"/>
+              </a:rPr>
+              <a:t>cond</a:t>
+            </a:r>
+            <a:r>
+              <a:rPr lang="en-US" dirty="0">
+                <a:latin typeface="Monaco" pitchFamily="2" charset="77"/>
+              </a:rPr>
+              <a:t> [(empty? lop) false]</a:t>
+            </a:r>
+          </a:p>
+          <a:p>
+            <a:r>
+              <a:rPr lang="en-US" dirty="0">
+                <a:latin typeface="Monaco" pitchFamily="2" charset="77"/>
+              </a:rPr>
+              <a:t>        [else</a:t>
+            </a:r>
+          </a:p>
+          <a:p>
+            <a:r>
+              <a:rPr lang="en-US" dirty="0">
+                <a:latin typeface="Monaco" pitchFamily="2" charset="77"/>
+              </a:rPr>
+              <a:t>         </a:t>
+            </a:r>
+            <a:r>
+              <a:rPr lang="en-US" dirty="0">
+                <a:solidFill>
+                  <a:srgbClr val="00B0F0"/>
+                </a:solidFill>
+                <a:latin typeface="Monaco" pitchFamily="2" charset="77"/>
+              </a:rPr>
+              <a:t>(local [(define try </a:t>
+            </a:r>
+            <a:r>
+              <a:rPr lang="en-US" dirty="0">
+                <a:latin typeface="Monaco" pitchFamily="2" charset="77"/>
+              </a:rPr>
+              <a:t>(</a:t>
+            </a:r>
+            <a:r>
+              <a:rPr lang="en-US" dirty="0" err="1">
+                <a:latin typeface="Monaco" pitchFamily="2" charset="77"/>
+              </a:rPr>
+              <a:t>fn</a:t>
+            </a:r>
+            <a:r>
+              <a:rPr lang="en-US" dirty="0">
+                <a:latin typeface="Monaco" pitchFamily="2" charset="77"/>
+              </a:rPr>
+              <a:t>-for-pos (first lop)))]</a:t>
+            </a:r>
+          </a:p>
+          <a:p>
+            <a:r>
+              <a:rPr lang="en-US" dirty="0">
+                <a:latin typeface="Monaco" pitchFamily="2" charset="77"/>
+              </a:rPr>
+              <a:t>           </a:t>
+            </a:r>
+            <a:r>
+              <a:rPr lang="en-US" dirty="0">
+                <a:solidFill>
+                  <a:srgbClr val="00B0F0"/>
+                </a:solidFill>
+                <a:latin typeface="Monaco" pitchFamily="2" charset="77"/>
+              </a:rPr>
+              <a:t>(if (not (false? try))</a:t>
+            </a:r>
+          </a:p>
+          <a:p>
+            <a:r>
+              <a:rPr lang="en-US" dirty="0">
+                <a:solidFill>
+                  <a:srgbClr val="00B0F0"/>
+                </a:solidFill>
+                <a:latin typeface="Monaco" pitchFamily="2" charset="77"/>
+              </a:rPr>
+              <a:t>               try</a:t>
+            </a:r>
+          </a:p>
+          <a:p>
+            <a:r>
+              <a:rPr lang="en-US" dirty="0">
+                <a:latin typeface="Monaco" pitchFamily="2" charset="77"/>
+              </a:rPr>
+              <a:t>               (</a:t>
+            </a:r>
+            <a:r>
+              <a:rPr lang="en-US" dirty="0" err="1">
+                <a:latin typeface="Monaco" pitchFamily="2" charset="77"/>
+              </a:rPr>
+              <a:t>fn</a:t>
+            </a:r>
+            <a:r>
+              <a:rPr lang="en-US" dirty="0">
+                <a:latin typeface="Monaco" pitchFamily="2" charset="77"/>
+              </a:rPr>
+              <a:t>-for-lop (rest lop))))]))</a:t>
+            </a:r>
+          </a:p>
+          <a:p>
+            <a:endParaRPr lang="en-US" dirty="0">
+              <a:latin typeface="Monaco" pitchFamily="2" charset="77"/>
+            </a:endParaRPr>
+          </a:p>
+          <a:p>
+            <a:endParaRPr lang="en-US" dirty="0">
+              <a:latin typeface="Monaco" pitchFamily="2" charset="77"/>
+            </a:endParaRPr>
+          </a:p>
+          <a:p>
+            <a:endParaRPr lang="en-US" dirty="0">
+              <a:latin typeface="Monaco" pitchFamily="2" charset="77"/>
+            </a:endParaRPr>
+          </a:p>
+        </p:txBody>
+      </p:sp>
+    </p:spTree>
+    <p:extLst>
+      <p:ext uri="{BB962C8B-B14F-4D97-AF65-F5344CB8AC3E}">
+        <p14:creationId xmlns:p14="http://schemas.microsoft.com/office/powerpoint/2010/main" val="1104854481"/>
+      </p:ext>
+    </p:extLst>
+  </p:cSld>
+  <p:clrMapOvr>
+    <a:masterClrMapping/>
+  </p:clrMapOvr>
+</p:sld>
+</file>
+
+<file path=ppt/slides/slide13.xml><?xml version="1.0" encoding="utf-8"?>
+<p:sld xmlns:a="http://schemas.openxmlformats.org/drawingml/2006/main" xmlns:r="http://schemas.openxmlformats.org/officeDocument/2006/relationships" xmlns:p="http://schemas.openxmlformats.org/presentationml/2006/main">
+  <p:cSld>
+    <p:spTree>
+      <p:nvGrpSpPr>
+        <p:cNvPr id="1" name=""/>
+        <p:cNvGrpSpPr/>
+        <p:nvPr/>
+      </p:nvGrpSpPr>
+      <p:grpSpPr>
+        <a:xfrm>
+          <a:off x="0" y="0"/>
+          <a:ext cx="0" cy="0"/>
+          <a:chOff x="0" y="0"/>
+          <a:chExt cx="0" cy="0"/>
+        </a:xfrm>
+      </p:grpSpPr>
+      <p:sp>
+        <p:nvSpPr>
+          <p:cNvPr id="5" name="TextBox 4">
+            <a:extLst>
+              <a:ext uri="{FF2B5EF4-FFF2-40B4-BE49-F238E27FC236}">
+                <a16:creationId xmlns:a16="http://schemas.microsoft.com/office/drawing/2014/main" id="{B0B64357-E6FC-864A-C51C-F4EB739B6F86}"/>
+              </a:ext>
+            </a:extLst>
+          </p:cNvPr>
+          <p:cNvSpPr txBox="1"/>
+          <p:nvPr/>
+        </p:nvSpPr>
+        <p:spPr>
+          <a:xfrm>
             <a:off x="418290" y="424154"/>
             <a:ext cx="7908586" cy="5078313"/>
           </a:xfrm>
@@ -5082,7 +5826,7 @@
 </p:sld>
 </file>
 
-<file path=ppt/slides/slide13.xml><?xml version="1.0" encoding="utf-8"?>
+<file path=ppt/slides/slide14.xml><?xml version="1.0" encoding="utf-8"?>
 <p:sld xmlns:a="http://schemas.openxmlformats.org/drawingml/2006/main" xmlns:r="http://schemas.openxmlformats.org/officeDocument/2006/relationships" xmlns:p="http://schemas.openxmlformats.org/presentationml/2006/main">
   <p:cSld>
     <p:spTree>
@@ -5112,7 +5856,7 @@
 </p:sld>
 </file>
 
-<file path=ppt/slides/slide14.xml><?xml version="1.0" encoding="utf-8"?>
+<file path=ppt/slides/slide15.xml><?xml version="1.0" encoding="utf-8"?>
 <p:sld xmlns:a="http://schemas.openxmlformats.org/drawingml/2006/main" xmlns:r="http://schemas.openxmlformats.org/officeDocument/2006/relationships" xmlns:p="http://schemas.openxmlformats.org/presentationml/2006/main">
   <p:cSld>
     <p:spTree>
@@ -5142,7 +5886,7 @@
 </p:sld>
 </file>
 
-<file path=ppt/slides/slide15.xml><?xml version="1.0" encoding="utf-8"?>
+<file path=ppt/slides/slide16.xml><?xml version="1.0" encoding="utf-8"?>
 <p:sld xmlns:a="http://schemas.openxmlformats.org/drawingml/2006/main" xmlns:r="http://schemas.openxmlformats.org/officeDocument/2006/relationships" xmlns:p="http://schemas.openxmlformats.org/presentationml/2006/main">
   <p:cSld>
     <p:spTree>
@@ -5172,7 +5916,7 @@
 </p:sld>
 </file>
 
-<file path=ppt/slides/slide16.xml><?xml version="1.0" encoding="utf-8"?>
+<file path=ppt/slides/slide17.xml><?xml version="1.0" encoding="utf-8"?>
 <p:sld xmlns:a="http://schemas.openxmlformats.org/drawingml/2006/main" xmlns:r="http://schemas.openxmlformats.org/officeDocument/2006/relationships" xmlns:p="http://schemas.openxmlformats.org/presentationml/2006/main">
   <p:cSld>
     <p:spTree>
@@ -6157,7 +6901,7 @@
             <a:pPr lvl="1"/>
             <a:r>
               <a:rPr lang="en-US" dirty="0"/>
-              <a:t>a synthetic tree</a:t>
+              <a:t>a tree that we generate as we go</a:t>
             </a:r>
           </a:p>
           <a:p>
@@ -7069,108 +7813,6 @@
 </file>
 
 <file path=ppt/slides/slide4.xml><?xml version="1.0" encoding="utf-8"?>
-<p:sld xmlns:a="http://schemas.openxmlformats.org/drawingml/2006/main" xmlns:r="http://schemas.openxmlformats.org/officeDocument/2006/relationships" xmlns:p="http://schemas.openxmlformats.org/presentationml/2006/main">
-  <p:cSld>
-    <p:spTree>
-      <p:nvGrpSpPr>
-        <p:cNvPr id="1" name=""/>
-        <p:cNvGrpSpPr/>
-        <p:nvPr/>
-      </p:nvGrpSpPr>
-      <p:grpSpPr>
-        <a:xfrm>
-          <a:off x="0" y="0"/>
-          <a:ext cx="0" cy="0"/>
-          <a:chOff x="0" y="0"/>
-          <a:chExt cx="0" cy="0"/>
-        </a:xfrm>
-      </p:grpSpPr>
-      <p:pic>
-        <p:nvPicPr>
-          <p:cNvPr id="12" name="Picture 11">
-            <a:extLst>
-              <a:ext uri="{FF2B5EF4-FFF2-40B4-BE49-F238E27FC236}">
-                <a16:creationId xmlns:a16="http://schemas.microsoft.com/office/drawing/2014/main" id="{BFCCD929-7C60-664C-B5E5-A834D30FE7A8}"/>
-              </a:ext>
-            </a:extLst>
-          </p:cNvPr>
-          <p:cNvPicPr>
-            <a:picLocks noChangeAspect="1"/>
-          </p:cNvPicPr>
-          <p:nvPr/>
-        </p:nvPicPr>
-        <p:blipFill>
-          <a:blip r:embed="rId2"/>
-          <a:stretch>
-            <a:fillRect/>
-          </a:stretch>
-        </p:blipFill>
-        <p:spPr>
-          <a:xfrm>
-            <a:off x="1052910" y="1084201"/>
-            <a:ext cx="1420729" cy="1420729"/>
-          </a:xfrm>
-          <a:prstGeom prst="rect">
-            <a:avLst/>
-          </a:prstGeom>
-        </p:spPr>
-      </p:pic>
-      <p:sp>
-        <p:nvSpPr>
-          <p:cNvPr id="41" name="Rectangle 40">
-            <a:extLst>
-              <a:ext uri="{FF2B5EF4-FFF2-40B4-BE49-F238E27FC236}">
-                <a16:creationId xmlns:a16="http://schemas.microsoft.com/office/drawing/2014/main" id="{C57A1BB6-34CC-DD42-B931-320E6DF6CEE4}"/>
-              </a:ext>
-            </a:extLst>
-          </p:cNvPr>
-          <p:cNvSpPr/>
-          <p:nvPr/>
-        </p:nvSpPr>
-        <p:spPr>
-          <a:xfrm>
-            <a:off x="8859601" y="5818765"/>
-            <a:ext cx="2956507" cy="646331"/>
-          </a:xfrm>
-          <a:prstGeom prst="rect">
-            <a:avLst/>
-          </a:prstGeom>
-        </p:spPr>
-        <p:txBody>
-          <a:bodyPr wrap="square">
-            <a:spAutoFit/>
-          </a:bodyPr>
-          <a:lstStyle/>
-          <a:p>
-            <a:r>
-              <a:rPr lang="en-US" dirty="0"/>
-              <a:t>This maze is </a:t>
-            </a:r>
-            <a:r>
-              <a:rPr lang="en-US" dirty="0" err="1"/>
-              <a:t>solveable</a:t>
-            </a:r>
-            <a:r>
-              <a:rPr lang="en-US" dirty="0"/>
-              <a:t>, so will eventually reach 4, 4. Yay!</a:t>
-            </a:r>
-          </a:p>
-        </p:txBody>
-      </p:sp>
-    </p:spTree>
-    <p:extLst>
-      <p:ext uri="{BB962C8B-B14F-4D97-AF65-F5344CB8AC3E}">
-        <p14:creationId xmlns:p14="http://schemas.microsoft.com/office/powerpoint/2010/main" val="3834158354"/>
-      </p:ext>
-    </p:extLst>
-  </p:cSld>
-  <p:clrMapOvr>
-    <a:masterClrMapping/>
-  </p:clrMapOvr>
-</p:sld>
-</file>
-
-<file path=ppt/slides/slide5.xml><?xml version="1.0" encoding="utf-8"?>
 <p:sld xmlns:a="http://schemas.openxmlformats.org/drawingml/2006/main" xmlns:r="http://schemas.openxmlformats.org/officeDocument/2006/relationships" xmlns:p="http://schemas.openxmlformats.org/presentationml/2006/main">
   <p:cSld>
     <p:spTree>
@@ -7603,8 +8245,21 @@
                       <a:schemeClr val="bg1"/>
                     </a:solidFill>
                   </a:rPr>
-                  <a:t>1, 1</a:t>
+                  <a:t>1</a:t>
                 </a:r>
+                <a:r>
+                  <a:rPr lang="en-US" sz="2400">
+                    <a:solidFill>
+                      <a:schemeClr val="bg1"/>
+                    </a:solidFill>
+                  </a:rPr>
+                  <a:t>, 0</a:t>
+                </a:r>
+                <a:endParaRPr lang="en-US" sz="2400" dirty="0">
+                  <a:solidFill>
+                    <a:schemeClr val="bg1"/>
+                  </a:solidFill>
+                </a:endParaRPr>
               </a:p>
             </p:txBody>
           </p:sp>
@@ -7661,7 +8316,7 @@
         <p:spPr>
           <a:xfrm>
             <a:off x="6543557" y="2114308"/>
-            <a:ext cx="5561532" cy="2585323"/>
+            <a:ext cx="5561532" cy="3416320"/>
           </a:xfrm>
           <a:prstGeom prst="rect">
             <a:avLst/>
@@ -7703,7 +8358,19 @@
           <a:p>
             <a:r>
               <a:rPr lang="en-US" dirty="0"/>
-              <a:t>SIZE = width – height. so x is [0, SIZE-1] y is in [0, SIZE-1]</a:t>
+              <a:t>width = height .  so x is [0, WIDTH-1] y is in [0, WIDTH-1]</a:t>
+            </a:r>
+          </a:p>
+          <a:p>
+            <a:endParaRPr lang="en-US" dirty="0"/>
+          </a:p>
+          <a:p>
+            <a:endParaRPr lang="en-US" dirty="0"/>
+          </a:p>
+          <a:p>
+            <a:r>
+              <a:rPr lang="en-US" dirty="0"/>
+              <a:t>And, a maze does not seem to be a tree!</a:t>
             </a:r>
           </a:p>
           <a:p>
@@ -7715,6 +8382,244 @@
     <p:extLst>
       <p:ext uri="{BB962C8B-B14F-4D97-AF65-F5344CB8AC3E}">
         <p14:creationId xmlns:p14="http://schemas.microsoft.com/office/powerpoint/2010/main" val="3486637406"/>
+      </p:ext>
+    </p:extLst>
+  </p:cSld>
+  <p:clrMapOvr>
+    <a:masterClrMapping/>
+  </p:clrMapOvr>
+</p:sld>
+</file>
+
+<file path=ppt/slides/slide5.xml><?xml version="1.0" encoding="utf-8"?>
+<p:sld xmlns:a="http://schemas.openxmlformats.org/drawingml/2006/main" xmlns:r="http://schemas.openxmlformats.org/officeDocument/2006/relationships" xmlns:p="http://schemas.openxmlformats.org/presentationml/2006/main">
+  <p:cSld>
+    <p:spTree>
+      <p:nvGrpSpPr>
+        <p:cNvPr id="1" name=""/>
+        <p:cNvGrpSpPr/>
+        <p:nvPr/>
+      </p:nvGrpSpPr>
+      <p:grpSpPr>
+        <a:xfrm>
+          <a:off x="0" y="0"/>
+          <a:ext cx="0" cy="0"/>
+          <a:chOff x="0" y="0"/>
+          <a:chExt cx="0" cy="0"/>
+        </a:xfrm>
+      </p:grpSpPr>
+      <p:sp>
+        <p:nvSpPr>
+          <p:cNvPr id="5" name="TextBox 4">
+            <a:extLst>
+              <a:ext uri="{FF2B5EF4-FFF2-40B4-BE49-F238E27FC236}">
+                <a16:creationId xmlns:a16="http://schemas.microsoft.com/office/drawing/2014/main" id="{346EE018-3C96-BA43-A844-1E35A6F4AD87}"/>
+              </a:ext>
+            </a:extLst>
+          </p:cNvPr>
+          <p:cNvSpPr txBox="1"/>
+          <p:nvPr/>
+        </p:nvSpPr>
+        <p:spPr>
+          <a:xfrm>
+            <a:off x="217572" y="138247"/>
+            <a:ext cx="8262754" cy="584775"/>
+          </a:xfrm>
+          <a:prstGeom prst="rect">
+            <a:avLst/>
+          </a:prstGeom>
+          <a:noFill/>
+        </p:spPr>
+        <p:txBody>
+          <a:bodyPr wrap="square" rtlCol="0">
+            <a:spAutoFit/>
+          </a:bodyPr>
+          <a:lstStyle/>
+          <a:p>
+            <a:r>
+              <a:rPr lang="en-US" sz="3200" dirty="0"/>
+              <a:t>The big insight: We can generate a tree as we go.</a:t>
+            </a:r>
+          </a:p>
+        </p:txBody>
+      </p:sp>
+      <p:pic>
+        <p:nvPicPr>
+          <p:cNvPr id="12" name="Picture 11">
+            <a:extLst>
+              <a:ext uri="{FF2B5EF4-FFF2-40B4-BE49-F238E27FC236}">
+                <a16:creationId xmlns:a16="http://schemas.microsoft.com/office/drawing/2014/main" id="{BFCCD929-7C60-664C-B5E5-A834D30FE7A8}"/>
+              </a:ext>
+            </a:extLst>
+          </p:cNvPr>
+          <p:cNvPicPr>
+            <a:picLocks noChangeAspect="1"/>
+          </p:cNvPicPr>
+          <p:nvPr/>
+        </p:nvPicPr>
+        <p:blipFill>
+          <a:blip r:embed="rId2"/>
+          <a:stretch>
+            <a:fillRect/>
+          </a:stretch>
+        </p:blipFill>
+        <p:spPr>
+          <a:xfrm>
+            <a:off x="1636569" y="1278754"/>
+            <a:ext cx="1420729" cy="1420729"/>
+          </a:xfrm>
+          <a:prstGeom prst="rect">
+            <a:avLst/>
+          </a:prstGeom>
+        </p:spPr>
+      </p:pic>
+      <p:sp>
+        <p:nvSpPr>
+          <p:cNvPr id="4" name="TextBox 3">
+            <a:extLst>
+              <a:ext uri="{FF2B5EF4-FFF2-40B4-BE49-F238E27FC236}">
+                <a16:creationId xmlns:a16="http://schemas.microsoft.com/office/drawing/2014/main" id="{96210564-8BC9-8548-96E4-A32935E5C8AB}"/>
+              </a:ext>
+            </a:extLst>
+          </p:cNvPr>
+          <p:cNvSpPr txBox="1"/>
+          <p:nvPr/>
+        </p:nvSpPr>
+        <p:spPr>
+          <a:xfrm>
+            <a:off x="8800891" y="735307"/>
+            <a:ext cx="641131" cy="369332"/>
+          </a:xfrm>
+          <a:prstGeom prst="rect">
+            <a:avLst/>
+          </a:prstGeom>
+          <a:noFill/>
+        </p:spPr>
+        <p:txBody>
+          <a:bodyPr wrap="square" rtlCol="0">
+            <a:spAutoFit/>
+          </a:bodyPr>
+          <a:lstStyle/>
+          <a:p>
+            <a:pPr algn="ctr"/>
+            <a:r>
+              <a:rPr lang="en-US" dirty="0"/>
+              <a:t>0, 0</a:t>
+            </a:r>
+          </a:p>
+        </p:txBody>
+      </p:sp>
+      <p:sp>
+        <p:nvSpPr>
+          <p:cNvPr id="38" name="TextBox 37">
+            <a:extLst>
+              <a:ext uri="{FF2B5EF4-FFF2-40B4-BE49-F238E27FC236}">
+                <a16:creationId xmlns:a16="http://schemas.microsoft.com/office/drawing/2014/main" id="{5975C7C3-7082-CF41-A3A3-A2EDF0310D3D}"/>
+              </a:ext>
+            </a:extLst>
+          </p:cNvPr>
+          <p:cNvSpPr txBox="1"/>
+          <p:nvPr/>
+        </p:nvSpPr>
+        <p:spPr>
+          <a:xfrm>
+            <a:off x="663894" y="4077357"/>
+            <a:ext cx="5561532" cy="2308324"/>
+          </a:xfrm>
+          <a:prstGeom prst="rect">
+            <a:avLst/>
+          </a:prstGeom>
+          <a:noFill/>
+        </p:spPr>
+        <p:txBody>
+          <a:bodyPr wrap="square" rtlCol="0">
+            <a:spAutoFit/>
+          </a:bodyPr>
+          <a:lstStyle/>
+          <a:p>
+            <a:r>
+              <a:rPr lang="en-US" dirty="0"/>
+              <a:t>Each position has up to 2 next positions: down and right.</a:t>
+            </a:r>
+          </a:p>
+          <a:p>
+            <a:endParaRPr lang="en-US" dirty="0"/>
+          </a:p>
+          <a:p>
+            <a:r>
+              <a:rPr lang="en-US" dirty="0"/>
+              <a:t>But sometimes either of those may be invalid because they run into a wall or off the edge of the maze.</a:t>
+            </a:r>
+          </a:p>
+          <a:p>
+            <a:endParaRPr lang="en-US" dirty="0"/>
+          </a:p>
+          <a:p>
+            <a:r>
+              <a:rPr lang="en-US" dirty="0"/>
+              <a:t>Do not assume each position can have only one valid next position. In general it is an arbitrary-arity tree. (Up to 2 in this module; up to 4 later.)</a:t>
+            </a:r>
+          </a:p>
+        </p:txBody>
+      </p:sp>
+      <p:sp>
+        <p:nvSpPr>
+          <p:cNvPr id="2" name="Oval 1">
+            <a:extLst>
+              <a:ext uri="{FF2B5EF4-FFF2-40B4-BE49-F238E27FC236}">
+                <a16:creationId xmlns:a16="http://schemas.microsoft.com/office/drawing/2014/main" id="{507F404D-8E70-75F4-47F0-A82D89766BBB}"/>
+              </a:ext>
+            </a:extLst>
+          </p:cNvPr>
+          <p:cNvSpPr/>
+          <p:nvPr/>
+        </p:nvSpPr>
+        <p:spPr>
+          <a:xfrm>
+            <a:off x="1745662" y="1387187"/>
+            <a:ext cx="77821" cy="77821"/>
+          </a:xfrm>
+          <a:prstGeom prst="ellipse">
+            <a:avLst/>
+          </a:prstGeom>
+          <a:solidFill>
+            <a:srgbClr val="FF0000"/>
+          </a:solidFill>
+          <a:ln>
+            <a:solidFill>
+              <a:srgbClr val="FF0000"/>
+            </a:solidFill>
+          </a:ln>
+        </p:spPr>
+        <p:style>
+          <a:lnRef idx="2">
+            <a:schemeClr val="accent1">
+              <a:shade val="15000"/>
+            </a:schemeClr>
+          </a:lnRef>
+          <a:fillRef idx="1">
+            <a:schemeClr val="accent1"/>
+          </a:fillRef>
+          <a:effectRef idx="0">
+            <a:schemeClr val="accent1"/>
+          </a:effectRef>
+          <a:fontRef idx="minor">
+            <a:schemeClr val="lt1"/>
+          </a:fontRef>
+        </p:style>
+        <p:txBody>
+          <a:bodyPr rtlCol="0" anchor="ctr"/>
+          <a:lstStyle/>
+          <a:p>
+            <a:pPr algn="ctr"/>
+            <a:endParaRPr lang="en-US"/>
+          </a:p>
+        </p:txBody>
+      </p:sp>
+    </p:spTree>
+    <p:extLst>
+      <p:ext uri="{BB962C8B-B14F-4D97-AF65-F5344CB8AC3E}">
+        <p14:creationId xmlns:p14="http://schemas.microsoft.com/office/powerpoint/2010/main" val="1464222670"/>
       </p:ext>
     </p:extLst>
   </p:cSld>
@@ -7844,10 +8749,10 @@
       </p:sp>
       <p:sp>
         <p:nvSpPr>
-          <p:cNvPr id="38" name="TextBox 37">
-            <a:extLst>
-              <a:ext uri="{FF2B5EF4-FFF2-40B4-BE49-F238E27FC236}">
-                <a16:creationId xmlns:a16="http://schemas.microsoft.com/office/drawing/2014/main" id="{5975C7C3-7082-CF41-A3A3-A2EDF0310D3D}"/>
+          <p:cNvPr id="6" name="TextBox 5">
+            <a:extLst>
+              <a:ext uri="{FF2B5EF4-FFF2-40B4-BE49-F238E27FC236}">
+                <a16:creationId xmlns:a16="http://schemas.microsoft.com/office/drawing/2014/main" id="{A65DAF96-7ECF-A342-B83C-B0E61DC1570C}"/>
               </a:ext>
             </a:extLst>
           </p:cNvPr>
@@ -7856,8 +8761,8 @@
         </p:nvSpPr>
         <p:spPr>
           <a:xfrm>
-            <a:off x="663894" y="4077357"/>
-            <a:ext cx="5561532" cy="2308324"/>
+            <a:off x="10081699" y="1415282"/>
+            <a:ext cx="641131" cy="369332"/>
           </a:xfrm>
           <a:prstGeom prst="rect">
             <a:avLst/>
@@ -7870,6 +8775,158 @@
           </a:bodyPr>
           <a:lstStyle/>
           <a:p>
+            <a:pPr algn="ctr"/>
+            <a:r>
+              <a:rPr lang="en-US" strike="sngStrike" dirty="0"/>
+              <a:t>1, 0</a:t>
+            </a:r>
+          </a:p>
+        </p:txBody>
+      </p:sp>
+      <p:sp>
+        <p:nvSpPr>
+          <p:cNvPr id="7" name="TextBox 6">
+            <a:extLst>
+              <a:ext uri="{FF2B5EF4-FFF2-40B4-BE49-F238E27FC236}">
+                <a16:creationId xmlns:a16="http://schemas.microsoft.com/office/drawing/2014/main" id="{6E876A62-3BD7-064E-A9CF-30031B9711E6}"/>
+              </a:ext>
+            </a:extLst>
+          </p:cNvPr>
+          <p:cNvSpPr txBox="1"/>
+          <p:nvPr/>
+        </p:nvSpPr>
+        <p:spPr>
+          <a:xfrm>
+            <a:off x="7423909" y="1415282"/>
+            <a:ext cx="641131" cy="369332"/>
+          </a:xfrm>
+          <a:prstGeom prst="rect">
+            <a:avLst/>
+          </a:prstGeom>
+          <a:noFill/>
+        </p:spPr>
+        <p:txBody>
+          <a:bodyPr wrap="square" rtlCol="0">
+            <a:spAutoFit/>
+          </a:bodyPr>
+          <a:lstStyle/>
+          <a:p>
+            <a:pPr algn="ctr"/>
+            <a:r>
+              <a:rPr lang="en-US" dirty="0"/>
+              <a:t>0, 1</a:t>
+            </a:r>
+          </a:p>
+        </p:txBody>
+      </p:sp>
+      <p:cxnSp>
+        <p:nvCxnSpPr>
+          <p:cNvPr id="16" name="Straight Connector 15">
+            <a:extLst>
+              <a:ext uri="{FF2B5EF4-FFF2-40B4-BE49-F238E27FC236}">
+                <a16:creationId xmlns:a16="http://schemas.microsoft.com/office/drawing/2014/main" id="{2E18A74B-0F03-064E-9F2B-0F981220D4D6}"/>
+              </a:ext>
+            </a:extLst>
+          </p:cNvPr>
+          <p:cNvCxnSpPr>
+            <a:cxnSpLocks/>
+            <a:stCxn id="4" idx="2"/>
+            <a:endCxn id="6" idx="0"/>
+          </p:cNvCxnSpPr>
+          <p:nvPr/>
+        </p:nvCxnSpPr>
+        <p:spPr>
+          <a:xfrm>
+            <a:off x="9121457" y="1104639"/>
+            <a:ext cx="1280808" cy="310643"/>
+          </a:xfrm>
+          <a:prstGeom prst="line">
+            <a:avLst/>
+          </a:prstGeom>
+        </p:spPr>
+        <p:style>
+          <a:lnRef idx="1">
+            <a:schemeClr val="accent1"/>
+          </a:lnRef>
+          <a:fillRef idx="0">
+            <a:schemeClr val="accent1"/>
+          </a:fillRef>
+          <a:effectRef idx="0">
+            <a:schemeClr val="accent1"/>
+          </a:effectRef>
+          <a:fontRef idx="minor">
+            <a:schemeClr val="tx1"/>
+          </a:fontRef>
+        </p:style>
+      </p:cxnSp>
+      <p:cxnSp>
+        <p:nvCxnSpPr>
+          <p:cNvPr id="19" name="Straight Connector 18">
+            <a:extLst>
+              <a:ext uri="{FF2B5EF4-FFF2-40B4-BE49-F238E27FC236}">
+                <a16:creationId xmlns:a16="http://schemas.microsoft.com/office/drawing/2014/main" id="{22073338-397C-9C4C-B40E-9470C7D834C6}"/>
+              </a:ext>
+            </a:extLst>
+          </p:cNvPr>
+          <p:cNvCxnSpPr>
+            <a:cxnSpLocks/>
+            <a:stCxn id="4" idx="2"/>
+            <a:endCxn id="7" idx="0"/>
+          </p:cNvCxnSpPr>
+          <p:nvPr/>
+        </p:nvCxnSpPr>
+        <p:spPr>
+          <a:xfrm flipH="1">
+            <a:off x="7744475" y="1104639"/>
+            <a:ext cx="1376982" cy="310643"/>
+          </a:xfrm>
+          <a:prstGeom prst="line">
+            <a:avLst/>
+          </a:prstGeom>
+        </p:spPr>
+        <p:style>
+          <a:lnRef idx="1">
+            <a:schemeClr val="accent1"/>
+          </a:lnRef>
+          <a:fillRef idx="0">
+            <a:schemeClr val="accent1"/>
+          </a:fillRef>
+          <a:effectRef idx="0">
+            <a:schemeClr val="accent1"/>
+          </a:effectRef>
+          <a:fontRef idx="minor">
+            <a:schemeClr val="tx1"/>
+          </a:fontRef>
+        </p:style>
+      </p:cxnSp>
+      <p:sp>
+        <p:nvSpPr>
+          <p:cNvPr id="38" name="TextBox 37">
+            <a:extLst>
+              <a:ext uri="{FF2B5EF4-FFF2-40B4-BE49-F238E27FC236}">
+                <a16:creationId xmlns:a16="http://schemas.microsoft.com/office/drawing/2014/main" id="{5975C7C3-7082-CF41-A3A3-A2EDF0310D3D}"/>
+              </a:ext>
+            </a:extLst>
+          </p:cNvPr>
+          <p:cNvSpPr txBox="1"/>
+          <p:nvPr/>
+        </p:nvSpPr>
+        <p:spPr>
+          <a:xfrm>
+            <a:off x="663894" y="4077357"/>
+            <a:ext cx="5561532" cy="2308324"/>
+          </a:xfrm>
+          <a:prstGeom prst="rect">
+            <a:avLst/>
+          </a:prstGeom>
+          <a:noFill/>
+        </p:spPr>
+        <p:txBody>
+          <a:bodyPr wrap="square" rtlCol="0">
+            <a:spAutoFit/>
+          </a:bodyPr>
+          <a:lstStyle/>
+          <a:p>
             <a:r>
               <a:rPr lang="en-US" dirty="0"/>
               <a:t>Each position has up to 2 next positions: down and right.</a:t>
@@ -7892,13 +8949,67 @@
               <a:rPr lang="en-US" dirty="0"/>
               <a:t>Do not assume each position can have only one valid next position. In general it is an arbitrary-arity tree. (Up to 2 in this module; up to 4 later.)</a:t>
             </a:r>
+          </a:p>
+        </p:txBody>
+      </p:sp>
+      <p:sp>
+        <p:nvSpPr>
+          <p:cNvPr id="2" name="Oval 1">
+            <a:extLst>
+              <a:ext uri="{FF2B5EF4-FFF2-40B4-BE49-F238E27FC236}">
+                <a16:creationId xmlns:a16="http://schemas.microsoft.com/office/drawing/2014/main" id="{E1A22590-74AA-4E1C-6CC3-CBC51D8FB9FF}"/>
+              </a:ext>
+            </a:extLst>
+          </p:cNvPr>
+          <p:cNvSpPr/>
+          <p:nvPr/>
+        </p:nvSpPr>
+        <p:spPr>
+          <a:xfrm>
+            <a:off x="1745662" y="1387187"/>
+            <a:ext cx="77821" cy="77821"/>
+          </a:xfrm>
+          <a:prstGeom prst="ellipse">
+            <a:avLst/>
+          </a:prstGeom>
+          <a:solidFill>
+            <a:srgbClr val="FF0000"/>
+          </a:solidFill>
+          <a:ln>
+            <a:solidFill>
+              <a:srgbClr val="FF0000"/>
+            </a:solidFill>
+          </a:ln>
+        </p:spPr>
+        <p:style>
+          <a:lnRef idx="2">
+            <a:schemeClr val="accent1">
+              <a:shade val="15000"/>
+            </a:schemeClr>
+          </a:lnRef>
+          <a:fillRef idx="1">
+            <a:schemeClr val="accent1"/>
+          </a:fillRef>
+          <a:effectRef idx="0">
+            <a:schemeClr val="accent1"/>
+          </a:effectRef>
+          <a:fontRef idx="minor">
+            <a:schemeClr val="lt1"/>
+          </a:fontRef>
+        </p:style>
+        <p:txBody>
+          <a:bodyPr rtlCol="0" anchor="ctr"/>
+          <a:lstStyle/>
+          <a:p>
+            <a:pPr algn="ctr"/>
+            <a:endParaRPr lang="en-US"/>
           </a:p>
         </p:txBody>
       </p:sp>
     </p:spTree>
     <p:extLst>
       <p:ext uri="{BB962C8B-B14F-4D97-AF65-F5344CB8AC3E}">
-        <p14:creationId xmlns:p14="http://schemas.microsoft.com/office/powerpoint/2010/main" val="1464222670"/>
+        <p14:creationId xmlns:p14="http://schemas.microsoft.com/office/powerpoint/2010/main" val="2341799307"/>
       </p:ext>
     </p:extLst>
   </p:cSld>
@@ -8098,6 +9209,78 @@
           </a:p>
         </p:txBody>
       </p:sp>
+      <p:sp>
+        <p:nvSpPr>
+          <p:cNvPr id="9" name="TextBox 8">
+            <a:extLst>
+              <a:ext uri="{FF2B5EF4-FFF2-40B4-BE49-F238E27FC236}">
+                <a16:creationId xmlns:a16="http://schemas.microsoft.com/office/drawing/2014/main" id="{224B57D0-A8DE-3A48-9C8B-EB69B96E42E5}"/>
+              </a:ext>
+            </a:extLst>
+          </p:cNvPr>
+          <p:cNvSpPr txBox="1"/>
+          <p:nvPr/>
+        </p:nvSpPr>
+        <p:spPr>
+          <a:xfrm>
+            <a:off x="8130938" y="2319687"/>
+            <a:ext cx="641131" cy="369332"/>
+          </a:xfrm>
+          <a:prstGeom prst="rect">
+            <a:avLst/>
+          </a:prstGeom>
+          <a:noFill/>
+        </p:spPr>
+        <p:txBody>
+          <a:bodyPr wrap="square" rtlCol="0">
+            <a:spAutoFit/>
+          </a:bodyPr>
+          <a:lstStyle/>
+          <a:p>
+            <a:pPr algn="ctr"/>
+            <a:r>
+              <a:rPr lang="en-US" dirty="0"/>
+              <a:t>1, 1</a:t>
+            </a:r>
+          </a:p>
+        </p:txBody>
+      </p:sp>
+      <p:sp>
+        <p:nvSpPr>
+          <p:cNvPr id="10" name="TextBox 9">
+            <a:extLst>
+              <a:ext uri="{FF2B5EF4-FFF2-40B4-BE49-F238E27FC236}">
+                <a16:creationId xmlns:a16="http://schemas.microsoft.com/office/drawing/2014/main" id="{F2E5EC45-D1CF-D44B-8EC3-4E179A93560A}"/>
+              </a:ext>
+            </a:extLst>
+          </p:cNvPr>
+          <p:cNvSpPr txBox="1"/>
+          <p:nvPr/>
+        </p:nvSpPr>
+        <p:spPr>
+          <a:xfrm>
+            <a:off x="6593286" y="2330151"/>
+            <a:ext cx="641131" cy="369332"/>
+          </a:xfrm>
+          <a:prstGeom prst="rect">
+            <a:avLst/>
+          </a:prstGeom>
+          <a:noFill/>
+        </p:spPr>
+        <p:txBody>
+          <a:bodyPr wrap="square" rtlCol="0">
+            <a:spAutoFit/>
+          </a:bodyPr>
+          <a:lstStyle/>
+          <a:p>
+            <a:pPr algn="ctr"/>
+            <a:r>
+              <a:rPr lang="en-US" strike="sngStrike" dirty="0"/>
+              <a:t>0, 2</a:t>
+            </a:r>
+          </a:p>
+        </p:txBody>
+      </p:sp>
       <p:cxnSp>
         <p:nvCxnSpPr>
           <p:cNvPr id="16" name="Straight Connector 15">
@@ -8178,6 +9361,86 @@
           </a:fontRef>
         </p:style>
       </p:cxnSp>
+      <p:cxnSp>
+        <p:nvCxnSpPr>
+          <p:cNvPr id="22" name="Straight Connector 21">
+            <a:extLst>
+              <a:ext uri="{FF2B5EF4-FFF2-40B4-BE49-F238E27FC236}">
+                <a16:creationId xmlns:a16="http://schemas.microsoft.com/office/drawing/2014/main" id="{5A54D595-0841-6442-8E9D-FCD3DE447DDF}"/>
+              </a:ext>
+            </a:extLst>
+          </p:cNvPr>
+          <p:cNvCxnSpPr>
+            <a:cxnSpLocks/>
+            <a:stCxn id="7" idx="2"/>
+            <a:endCxn id="9" idx="0"/>
+          </p:cNvCxnSpPr>
+          <p:nvPr/>
+        </p:nvCxnSpPr>
+        <p:spPr>
+          <a:xfrm>
+            <a:off x="7744475" y="1784614"/>
+            <a:ext cx="707029" cy="535073"/>
+          </a:xfrm>
+          <a:prstGeom prst="line">
+            <a:avLst/>
+          </a:prstGeom>
+        </p:spPr>
+        <p:style>
+          <a:lnRef idx="1">
+            <a:schemeClr val="accent1"/>
+          </a:lnRef>
+          <a:fillRef idx="0">
+            <a:schemeClr val="accent1"/>
+          </a:fillRef>
+          <a:effectRef idx="0">
+            <a:schemeClr val="accent1"/>
+          </a:effectRef>
+          <a:fontRef idx="minor">
+            <a:schemeClr val="tx1"/>
+          </a:fontRef>
+        </p:style>
+      </p:cxnSp>
+      <p:cxnSp>
+        <p:nvCxnSpPr>
+          <p:cNvPr id="23" name="Straight Connector 22">
+            <a:extLst>
+              <a:ext uri="{FF2B5EF4-FFF2-40B4-BE49-F238E27FC236}">
+                <a16:creationId xmlns:a16="http://schemas.microsoft.com/office/drawing/2014/main" id="{65C520E3-D25E-DB40-9517-D4D1537B5C64}"/>
+              </a:ext>
+            </a:extLst>
+          </p:cNvPr>
+          <p:cNvCxnSpPr>
+            <a:cxnSpLocks/>
+            <a:stCxn id="7" idx="2"/>
+            <a:endCxn id="10" idx="0"/>
+          </p:cNvCxnSpPr>
+          <p:nvPr/>
+        </p:nvCxnSpPr>
+        <p:spPr>
+          <a:xfrm flipH="1">
+            <a:off x="6913852" y="1784614"/>
+            <a:ext cx="830623" cy="545537"/>
+          </a:xfrm>
+          <a:prstGeom prst="line">
+            <a:avLst/>
+          </a:prstGeom>
+        </p:spPr>
+        <p:style>
+          <a:lnRef idx="1">
+            <a:schemeClr val="accent1"/>
+          </a:lnRef>
+          <a:fillRef idx="0">
+            <a:schemeClr val="accent1"/>
+          </a:fillRef>
+          <a:effectRef idx="0">
+            <a:schemeClr val="accent1"/>
+          </a:effectRef>
+          <a:fontRef idx="minor">
+            <a:schemeClr val="tx1"/>
+          </a:fontRef>
+        </p:style>
+      </p:cxnSp>
       <p:sp>
         <p:nvSpPr>
           <p:cNvPr id="38" name="TextBox 37">
@@ -8231,10 +9494,64 @@
           </a:p>
         </p:txBody>
       </p:sp>
+      <p:sp>
+        <p:nvSpPr>
+          <p:cNvPr id="2" name="Oval 1">
+            <a:extLst>
+              <a:ext uri="{FF2B5EF4-FFF2-40B4-BE49-F238E27FC236}">
+                <a16:creationId xmlns:a16="http://schemas.microsoft.com/office/drawing/2014/main" id="{B440BAF5-49D2-74C4-E033-599A927D4FD3}"/>
+              </a:ext>
+            </a:extLst>
+          </p:cNvPr>
+          <p:cNvSpPr/>
+          <p:nvPr/>
+        </p:nvSpPr>
+        <p:spPr>
+          <a:xfrm>
+            <a:off x="1745662" y="1655844"/>
+            <a:ext cx="77821" cy="77821"/>
+          </a:xfrm>
+          <a:prstGeom prst="ellipse">
+            <a:avLst/>
+          </a:prstGeom>
+          <a:solidFill>
+            <a:srgbClr val="FF0000"/>
+          </a:solidFill>
+          <a:ln>
+            <a:solidFill>
+              <a:srgbClr val="FF0000"/>
+            </a:solidFill>
+          </a:ln>
+        </p:spPr>
+        <p:style>
+          <a:lnRef idx="2">
+            <a:schemeClr val="accent1">
+              <a:shade val="15000"/>
+            </a:schemeClr>
+          </a:lnRef>
+          <a:fillRef idx="1">
+            <a:schemeClr val="accent1"/>
+          </a:fillRef>
+          <a:effectRef idx="0">
+            <a:schemeClr val="accent1"/>
+          </a:effectRef>
+          <a:fontRef idx="minor">
+            <a:schemeClr val="lt1"/>
+          </a:fontRef>
+        </p:style>
+        <p:txBody>
+          <a:bodyPr rtlCol="0" anchor="ctr"/>
+          <a:lstStyle/>
+          <a:p>
+            <a:pPr algn="ctr"/>
+            <a:endParaRPr lang="en-US"/>
+          </a:p>
+        </p:txBody>
+      </p:sp>
     </p:spTree>
     <p:extLst>
       <p:ext uri="{BB962C8B-B14F-4D97-AF65-F5344CB8AC3E}">
-        <p14:creationId xmlns:p14="http://schemas.microsoft.com/office/powerpoint/2010/main" val="2341799307"/>
+        <p14:creationId xmlns:p14="http://schemas.microsoft.com/office/powerpoint/2010/main" val="238373240"/>
       </p:ext>
     </p:extLst>
   </p:cSld>
@@ -8520,7 +9837,7 @@
         </p:nvSpPr>
         <p:spPr>
           <a:xfrm>
-            <a:off x="7557262" y="3296543"/>
+            <a:off x="8748792" y="3296543"/>
             <a:ext cx="641131" cy="369332"/>
           </a:xfrm>
           <a:prstGeom prst="rect">
@@ -8556,7 +9873,7 @@
         </p:nvSpPr>
         <p:spPr>
           <a:xfrm>
-            <a:off x="8696004" y="3296543"/>
+            <a:off x="7601117" y="3296543"/>
             <a:ext cx="641131" cy="369332"/>
           </a:xfrm>
           <a:prstGeom prst="rect">
@@ -8755,9 +10072,9 @@
           <p:nvPr/>
         </p:nvCxnSpPr>
         <p:spPr>
-          <a:xfrm flipH="1">
-            <a:off x="7877828" y="2689019"/>
-            <a:ext cx="573676" cy="607524"/>
+          <a:xfrm>
+            <a:off x="8451504" y="2689019"/>
+            <a:ext cx="617854" cy="607524"/>
           </a:xfrm>
           <a:prstGeom prst="line">
             <a:avLst/>
@@ -8795,9 +10112,9 @@
           <p:nvPr/>
         </p:nvCxnSpPr>
         <p:spPr>
-          <a:xfrm>
-            <a:off x="8451504" y="2689019"/>
-            <a:ext cx="565066" cy="607524"/>
+          <a:xfrm flipH="1">
+            <a:off x="7921683" y="2689019"/>
+            <a:ext cx="529821" cy="607524"/>
           </a:xfrm>
           <a:prstGeom prst="line">
             <a:avLst/>
@@ -8832,7 +10149,7 @@
         </p:nvSpPr>
         <p:spPr>
           <a:xfrm>
-            <a:off x="8777555" y="3490290"/>
+            <a:off x="7708355" y="3429000"/>
             <a:ext cx="1304144" cy="769441"/>
           </a:xfrm>
           <a:prstGeom prst="rect">
@@ -8906,10 +10223,64 @@
           </a:p>
         </p:txBody>
       </p:sp>
+      <p:sp>
+        <p:nvSpPr>
+          <p:cNvPr id="2" name="Oval 1">
+            <a:extLst>
+              <a:ext uri="{FF2B5EF4-FFF2-40B4-BE49-F238E27FC236}">
+                <a16:creationId xmlns:a16="http://schemas.microsoft.com/office/drawing/2014/main" id="{B440BAF5-49D2-74C4-E033-599A927D4FD3}"/>
+              </a:ext>
+            </a:extLst>
+          </p:cNvPr>
+          <p:cNvSpPr/>
+          <p:nvPr/>
+        </p:nvSpPr>
+        <p:spPr>
+          <a:xfrm>
+            <a:off x="2004899" y="1655844"/>
+            <a:ext cx="77821" cy="77821"/>
+          </a:xfrm>
+          <a:prstGeom prst="ellipse">
+            <a:avLst/>
+          </a:prstGeom>
+          <a:solidFill>
+            <a:srgbClr val="FF0000"/>
+          </a:solidFill>
+          <a:ln>
+            <a:solidFill>
+              <a:srgbClr val="FF0000"/>
+            </a:solidFill>
+          </a:ln>
+        </p:spPr>
+        <p:style>
+          <a:lnRef idx="2">
+            <a:schemeClr val="accent1">
+              <a:shade val="15000"/>
+            </a:schemeClr>
+          </a:lnRef>
+          <a:fillRef idx="1">
+            <a:schemeClr val="accent1"/>
+          </a:fillRef>
+          <a:effectRef idx="0">
+            <a:schemeClr val="accent1"/>
+          </a:effectRef>
+          <a:fontRef idx="minor">
+            <a:schemeClr val="lt1"/>
+          </a:fontRef>
+        </p:style>
+        <p:txBody>
+          <a:bodyPr rtlCol="0" anchor="ctr"/>
+          <a:lstStyle/>
+          <a:p>
+            <a:pPr algn="ctr"/>
+            <a:endParaRPr lang="en-US"/>
+          </a:p>
+        </p:txBody>
+      </p:sp>
     </p:spTree>
     <p:extLst>
       <p:ext uri="{BB962C8B-B14F-4D97-AF65-F5344CB8AC3E}">
-        <p14:creationId xmlns:p14="http://schemas.microsoft.com/office/powerpoint/2010/main" val="238373240"/>
+        <p14:creationId xmlns:p14="http://schemas.microsoft.com/office/powerpoint/2010/main" val="1825233020"/>
       </p:ext>
     </p:extLst>
   </p:cSld>
@@ -8936,47 +10307,12 @@
           <a:chExt cx="0" cy="0"/>
         </a:xfrm>
       </p:grpSpPr>
-      <p:sp>
-        <p:nvSpPr>
-          <p:cNvPr id="5" name="TextBox 4">
-            <a:extLst>
-              <a:ext uri="{FF2B5EF4-FFF2-40B4-BE49-F238E27FC236}">
-                <a16:creationId xmlns:a16="http://schemas.microsoft.com/office/drawing/2014/main" id="{346EE018-3C96-BA43-A844-1E35A6F4AD87}"/>
-              </a:ext>
-            </a:extLst>
-          </p:cNvPr>
-          <p:cNvSpPr txBox="1"/>
-          <p:nvPr/>
-        </p:nvSpPr>
-        <p:spPr>
-          <a:xfrm>
-            <a:off x="1088626" y="255732"/>
-            <a:ext cx="6655849" cy="461665"/>
-          </a:xfrm>
-          <a:prstGeom prst="rect">
-            <a:avLst/>
-          </a:prstGeom>
-          <a:noFill/>
-        </p:spPr>
-        <p:txBody>
-          <a:bodyPr wrap="square" rtlCol="0">
-            <a:spAutoFit/>
-          </a:bodyPr>
-          <a:lstStyle/>
-          <a:p>
-            <a:r>
-              <a:rPr lang="en-US" sz="2400" dirty="0"/>
-              <a:t>Search Domain Analysis MUST HAVE Search Tree</a:t>
-            </a:r>
-          </a:p>
-        </p:txBody>
-      </p:sp>
       <p:pic>
         <p:nvPicPr>
-          <p:cNvPr id="12" name="Picture 11">
-            <a:extLst>
-              <a:ext uri="{FF2B5EF4-FFF2-40B4-BE49-F238E27FC236}">
-                <a16:creationId xmlns:a16="http://schemas.microsoft.com/office/drawing/2014/main" id="{BFCCD929-7C60-664C-B5E5-A834D30FE7A8}"/>
+          <p:cNvPr id="4" name="Picture 3">
+            <a:extLst>
+              <a:ext uri="{FF2B5EF4-FFF2-40B4-BE49-F238E27FC236}">
+                <a16:creationId xmlns:a16="http://schemas.microsoft.com/office/drawing/2014/main" id="{ABFF2BB1-A4B4-B7FC-D258-233B1C06FB2F}"/>
               </a:ext>
             </a:extLst>
           </p:cNvPr>
@@ -8993,8 +10329,8 @@
         </p:blipFill>
         <p:spPr>
           <a:xfrm>
-            <a:off x="1636569" y="1278754"/>
-            <a:ext cx="1420729" cy="1420729"/>
+            <a:off x="1528326" y="1193663"/>
+            <a:ext cx="2412015" cy="2412015"/>
           </a:xfrm>
           <a:prstGeom prst="rect">
             <a:avLst/>
@@ -9003,10 +10339,10 @@
       </p:pic>
       <p:sp>
         <p:nvSpPr>
-          <p:cNvPr id="38" name="TextBox 37">
-            <a:extLst>
-              <a:ext uri="{FF2B5EF4-FFF2-40B4-BE49-F238E27FC236}">
-                <a16:creationId xmlns:a16="http://schemas.microsoft.com/office/drawing/2014/main" id="{5975C7C3-7082-CF41-A3A3-A2EDF0310D3D}"/>
+          <p:cNvPr id="5" name="TextBox 4">
+            <a:extLst>
+              <a:ext uri="{FF2B5EF4-FFF2-40B4-BE49-F238E27FC236}">
+                <a16:creationId xmlns:a16="http://schemas.microsoft.com/office/drawing/2014/main" id="{55CC68C0-0F2F-DC91-F1C2-F2F3BDB4BE13}"/>
               </a:ext>
             </a:extLst>
           </p:cNvPr>
@@ -9015,8 +10351,8 @@
         </p:nvSpPr>
         <p:spPr>
           <a:xfrm>
-            <a:off x="1088626" y="3481209"/>
-            <a:ext cx="8275059" cy="2492990"/>
+            <a:off x="8800891" y="735307"/>
+            <a:ext cx="641131" cy="369332"/>
           </a:xfrm>
           <a:prstGeom prst="rect">
             <a:avLst/>
@@ -9029,82 +10365,6 @@
           </a:bodyPr>
           <a:lstStyle/>
           <a:p>
-            <a:r>
-              <a:rPr lang="en-US" sz="2400" dirty="0"/>
-              <a:t>And answers to 3 questions:</a:t>
-            </a:r>
-          </a:p>
-          <a:p>
-            <a:endParaRPr lang="en-US" sz="2400" dirty="0"/>
-          </a:p>
-          <a:p>
-            <a:r>
-              <a:rPr lang="en-US" dirty="0"/>
-              <a:t>What is changing information? current </a:t>
-            </a:r>
-            <a:r>
-              <a:rPr lang="en-US" dirty="0" err="1"/>
-              <a:t>x,y</a:t>
-            </a:r>
-            <a:r>
-              <a:rPr lang="en-US" dirty="0"/>
-              <a:t> position</a:t>
-            </a:r>
-          </a:p>
-          <a:p>
-            <a:endParaRPr lang="en-US" dirty="0"/>
-          </a:p>
-          <a:p>
-            <a:r>
-              <a:rPr lang="en-US" dirty="0"/>
-              <a:t>How to form next next search search states? down and right, UNLESS hit wall or edges</a:t>
-            </a:r>
-          </a:p>
-          <a:p>
-            <a:endParaRPr lang="en-US" dirty="0"/>
-          </a:p>
-          <a:p>
-            <a:r>
-              <a:rPr lang="en-US" dirty="0"/>
-              <a:t>How to tell when done? solved if reach lower right corner</a:t>
-            </a:r>
-          </a:p>
-          <a:p>
-            <a:r>
-              <a:rPr lang="en-US" dirty="0"/>
-              <a:t>                                            can also run out of moves</a:t>
-            </a:r>
-          </a:p>
-        </p:txBody>
-      </p:sp>
-      <p:sp>
-        <p:nvSpPr>
-          <p:cNvPr id="2" name="TextBox 1">
-            <a:extLst>
-              <a:ext uri="{FF2B5EF4-FFF2-40B4-BE49-F238E27FC236}">
-                <a16:creationId xmlns:a16="http://schemas.microsoft.com/office/drawing/2014/main" id="{09F14B07-98FF-C0FA-5A9B-F4D93228EACC}"/>
-              </a:ext>
-            </a:extLst>
-          </p:cNvPr>
-          <p:cNvSpPr txBox="1"/>
-          <p:nvPr/>
-        </p:nvSpPr>
-        <p:spPr>
-          <a:xfrm>
-            <a:off x="8800891" y="735307"/>
-            <a:ext cx="641131" cy="369332"/>
-          </a:xfrm>
-          <a:prstGeom prst="rect">
-            <a:avLst/>
-          </a:prstGeom>
-          <a:noFill/>
-        </p:spPr>
-        <p:txBody>
-          <a:bodyPr wrap="square" rtlCol="0">
-            <a:spAutoFit/>
-          </a:bodyPr>
-          <a:lstStyle/>
-          <a:p>
             <a:pPr algn="ctr"/>
             <a:r>
               <a:rPr lang="en-US" dirty="0"/>
@@ -9115,466 +10375,64 @@
       </p:sp>
       <p:sp>
         <p:nvSpPr>
-          <p:cNvPr id="3" name="TextBox 2">
-            <a:extLst>
-              <a:ext uri="{FF2B5EF4-FFF2-40B4-BE49-F238E27FC236}">
-                <a16:creationId xmlns:a16="http://schemas.microsoft.com/office/drawing/2014/main" id="{9AF7AC91-AB9D-92AC-5102-1611FCDBD06A}"/>
-              </a:ext>
-            </a:extLst>
-          </p:cNvPr>
-          <p:cNvSpPr txBox="1"/>
-          <p:nvPr/>
-        </p:nvSpPr>
-        <p:spPr>
-          <a:xfrm>
-            <a:off x="10081699" y="1415282"/>
-            <a:ext cx="641131" cy="369332"/>
-          </a:xfrm>
-          <a:prstGeom prst="rect">
-            <a:avLst/>
-          </a:prstGeom>
-          <a:noFill/>
-        </p:spPr>
-        <p:txBody>
-          <a:bodyPr wrap="square" rtlCol="0">
-            <a:spAutoFit/>
-          </a:bodyPr>
-          <a:lstStyle/>
-          <a:p>
-            <a:pPr algn="ctr"/>
-            <a:r>
-              <a:rPr lang="en-US" strike="sngStrike" dirty="0"/>
-              <a:t>1, 0</a:t>
-            </a:r>
-          </a:p>
-        </p:txBody>
-      </p:sp>
-      <p:sp>
-        <p:nvSpPr>
-          <p:cNvPr id="8" name="TextBox 7">
-            <a:extLst>
-              <a:ext uri="{FF2B5EF4-FFF2-40B4-BE49-F238E27FC236}">
-                <a16:creationId xmlns:a16="http://schemas.microsoft.com/office/drawing/2014/main" id="{528549BC-45B9-51E3-F44D-BC384160142C}"/>
-              </a:ext>
-            </a:extLst>
-          </p:cNvPr>
-          <p:cNvSpPr txBox="1"/>
-          <p:nvPr/>
-        </p:nvSpPr>
-        <p:spPr>
-          <a:xfrm>
-            <a:off x="7423909" y="1415282"/>
-            <a:ext cx="641131" cy="369332"/>
-          </a:xfrm>
-          <a:prstGeom prst="rect">
-            <a:avLst/>
-          </a:prstGeom>
-          <a:noFill/>
-        </p:spPr>
-        <p:txBody>
-          <a:bodyPr wrap="square" rtlCol="0">
-            <a:spAutoFit/>
-          </a:bodyPr>
-          <a:lstStyle/>
-          <a:p>
-            <a:pPr algn="ctr"/>
-            <a:r>
-              <a:rPr lang="en-US" dirty="0"/>
-              <a:t>0, 1</a:t>
-            </a:r>
-          </a:p>
-        </p:txBody>
-      </p:sp>
-      <p:sp>
-        <p:nvSpPr>
-          <p:cNvPr id="11" name="TextBox 10">
-            <a:extLst>
-              <a:ext uri="{FF2B5EF4-FFF2-40B4-BE49-F238E27FC236}">
-                <a16:creationId xmlns:a16="http://schemas.microsoft.com/office/drawing/2014/main" id="{A4A2FE9E-7EE9-17C5-75C3-938EADF6995E}"/>
-              </a:ext>
-            </a:extLst>
-          </p:cNvPr>
-          <p:cNvSpPr txBox="1"/>
-          <p:nvPr/>
-        </p:nvSpPr>
-        <p:spPr>
-          <a:xfrm>
-            <a:off x="8130938" y="2319687"/>
-            <a:ext cx="641131" cy="369332"/>
-          </a:xfrm>
-          <a:prstGeom prst="rect">
-            <a:avLst/>
-          </a:prstGeom>
-          <a:noFill/>
-        </p:spPr>
-        <p:txBody>
-          <a:bodyPr wrap="square" rtlCol="0">
-            <a:spAutoFit/>
-          </a:bodyPr>
-          <a:lstStyle/>
-          <a:p>
-            <a:pPr algn="ctr"/>
-            <a:r>
-              <a:rPr lang="en-US" dirty="0"/>
-              <a:t>1, 1</a:t>
-            </a:r>
-          </a:p>
-        </p:txBody>
-      </p:sp>
-      <p:sp>
-        <p:nvSpPr>
-          <p:cNvPr id="15" name="TextBox 14">
-            <a:extLst>
-              <a:ext uri="{FF2B5EF4-FFF2-40B4-BE49-F238E27FC236}">
-                <a16:creationId xmlns:a16="http://schemas.microsoft.com/office/drawing/2014/main" id="{8E0DDDCD-B900-8A8F-0B60-1B567F79A7E9}"/>
-              </a:ext>
-            </a:extLst>
-          </p:cNvPr>
-          <p:cNvSpPr txBox="1"/>
-          <p:nvPr/>
-        </p:nvSpPr>
-        <p:spPr>
-          <a:xfrm>
-            <a:off x="6593286" y="2330151"/>
-            <a:ext cx="641131" cy="369332"/>
-          </a:xfrm>
-          <a:prstGeom prst="rect">
-            <a:avLst/>
-          </a:prstGeom>
-          <a:noFill/>
-        </p:spPr>
-        <p:txBody>
-          <a:bodyPr wrap="square" rtlCol="0">
-            <a:spAutoFit/>
-          </a:bodyPr>
-          <a:lstStyle/>
-          <a:p>
-            <a:pPr algn="ctr"/>
-            <a:r>
-              <a:rPr lang="en-US" strike="sngStrike" dirty="0"/>
-              <a:t>0, 2</a:t>
-            </a:r>
-          </a:p>
-        </p:txBody>
-      </p:sp>
-      <p:sp>
-        <p:nvSpPr>
-          <p:cNvPr id="17" name="TextBox 16">
-            <a:extLst>
-              <a:ext uri="{FF2B5EF4-FFF2-40B4-BE49-F238E27FC236}">
-                <a16:creationId xmlns:a16="http://schemas.microsoft.com/office/drawing/2014/main" id="{4CF4EA01-3F9A-6A0A-A425-5A2006BFADCD}"/>
-              </a:ext>
-            </a:extLst>
-          </p:cNvPr>
-          <p:cNvSpPr txBox="1"/>
-          <p:nvPr/>
-        </p:nvSpPr>
-        <p:spPr>
-          <a:xfrm>
-            <a:off x="7557262" y="3296543"/>
-            <a:ext cx="641131" cy="369332"/>
-          </a:xfrm>
-          <a:prstGeom prst="rect">
-            <a:avLst/>
-          </a:prstGeom>
-          <a:noFill/>
-        </p:spPr>
-        <p:txBody>
-          <a:bodyPr wrap="square" rtlCol="0">
-            <a:spAutoFit/>
-          </a:bodyPr>
-          <a:lstStyle/>
-          <a:p>
-            <a:pPr algn="ctr"/>
-            <a:r>
-              <a:rPr lang="en-US" strike="sngStrike" dirty="0"/>
-              <a:t>2, 1</a:t>
-            </a:r>
-          </a:p>
-        </p:txBody>
-      </p:sp>
-      <p:sp>
-        <p:nvSpPr>
-          <p:cNvPr id="18" name="TextBox 17">
-            <a:extLst>
-              <a:ext uri="{FF2B5EF4-FFF2-40B4-BE49-F238E27FC236}">
-                <a16:creationId xmlns:a16="http://schemas.microsoft.com/office/drawing/2014/main" id="{02CCFE6A-B3FE-F910-BBBF-903D9C50BB12}"/>
-              </a:ext>
-            </a:extLst>
-          </p:cNvPr>
-          <p:cNvSpPr txBox="1"/>
-          <p:nvPr/>
-        </p:nvSpPr>
-        <p:spPr>
-          <a:xfrm>
-            <a:off x="8696004" y="3296543"/>
-            <a:ext cx="641131" cy="369332"/>
-          </a:xfrm>
-          <a:prstGeom prst="rect">
-            <a:avLst/>
-          </a:prstGeom>
-          <a:noFill/>
-        </p:spPr>
-        <p:txBody>
-          <a:bodyPr wrap="square" rtlCol="0">
-            <a:spAutoFit/>
-          </a:bodyPr>
-          <a:lstStyle/>
-          <a:p>
-            <a:pPr algn="ctr"/>
-            <a:r>
-              <a:rPr lang="en-US" dirty="0"/>
-              <a:t>1, 2</a:t>
-            </a:r>
-          </a:p>
-        </p:txBody>
-      </p:sp>
-      <p:cxnSp>
-        <p:nvCxnSpPr>
-          <p:cNvPr id="20" name="Straight Connector 19">
-            <a:extLst>
-              <a:ext uri="{FF2B5EF4-FFF2-40B4-BE49-F238E27FC236}">
-                <a16:creationId xmlns:a16="http://schemas.microsoft.com/office/drawing/2014/main" id="{61A5395C-1788-B4D4-4A69-6C3BC9FFA426}"/>
-              </a:ext>
-            </a:extLst>
-          </p:cNvPr>
-          <p:cNvCxnSpPr>
-            <a:cxnSpLocks/>
-            <a:stCxn id="2" idx="2"/>
-            <a:endCxn id="3" idx="0"/>
-          </p:cNvCxnSpPr>
-          <p:nvPr/>
-        </p:nvCxnSpPr>
-        <p:spPr>
-          <a:xfrm>
-            <a:off x="9121457" y="1104639"/>
-            <a:ext cx="1280808" cy="310643"/>
-          </a:xfrm>
-          <a:prstGeom prst="line">
-            <a:avLst/>
-          </a:prstGeom>
+          <p:cNvPr id="6" name="Oval 5">
+            <a:extLst>
+              <a:ext uri="{FF2B5EF4-FFF2-40B4-BE49-F238E27FC236}">
+                <a16:creationId xmlns:a16="http://schemas.microsoft.com/office/drawing/2014/main" id="{38A80E69-67B3-AC18-8D0E-1077B257174C}"/>
+              </a:ext>
+            </a:extLst>
+          </p:cNvPr>
+          <p:cNvSpPr/>
+          <p:nvPr/>
+        </p:nvSpPr>
+        <p:spPr>
+          <a:xfrm>
+            <a:off x="1745662" y="1387187"/>
+            <a:ext cx="77821" cy="77821"/>
+          </a:xfrm>
+          <a:prstGeom prst="ellipse">
+            <a:avLst/>
+          </a:prstGeom>
+          <a:solidFill>
+            <a:srgbClr val="FF0000"/>
+          </a:solidFill>
+          <a:ln>
+            <a:solidFill>
+              <a:srgbClr val="FF0000"/>
+            </a:solidFill>
+          </a:ln>
         </p:spPr>
         <p:style>
-          <a:lnRef idx="1">
-            <a:schemeClr val="accent1"/>
+          <a:lnRef idx="2">
+            <a:schemeClr val="accent1">
+              <a:shade val="15000"/>
+            </a:schemeClr>
           </a:lnRef>
-          <a:fillRef idx="0">
+          <a:fillRef idx="1">
             <a:schemeClr val="accent1"/>
           </a:fillRef>
           <a:effectRef idx="0">
             <a:schemeClr val="accent1"/>
           </a:effectRef>
           <a:fontRef idx="minor">
-            <a:schemeClr val="tx1"/>
+            <a:schemeClr val="lt1"/>
           </a:fontRef>
         </p:style>
-      </p:cxnSp>
-      <p:cxnSp>
-        <p:nvCxnSpPr>
-          <p:cNvPr id="21" name="Straight Connector 20">
-            <a:extLst>
-              <a:ext uri="{FF2B5EF4-FFF2-40B4-BE49-F238E27FC236}">
-                <a16:creationId xmlns:a16="http://schemas.microsoft.com/office/drawing/2014/main" id="{9424E8BA-D9F7-6D6E-38D7-A6696B9805B5}"/>
-              </a:ext>
-            </a:extLst>
-          </p:cNvPr>
-          <p:cNvCxnSpPr>
-            <a:cxnSpLocks/>
-            <a:stCxn id="2" idx="2"/>
-            <a:endCxn id="8" idx="0"/>
-          </p:cNvCxnSpPr>
-          <p:nvPr/>
-        </p:nvCxnSpPr>
-        <p:spPr>
-          <a:xfrm flipH="1">
-            <a:off x="7744475" y="1104639"/>
-            <a:ext cx="1376982" cy="310643"/>
-          </a:xfrm>
-          <a:prstGeom prst="line">
-            <a:avLst/>
-          </a:prstGeom>
-        </p:spPr>
-        <p:style>
-          <a:lnRef idx="1">
-            <a:schemeClr val="accent1"/>
-          </a:lnRef>
-          <a:fillRef idx="0">
-            <a:schemeClr val="accent1"/>
-          </a:fillRef>
-          <a:effectRef idx="0">
-            <a:schemeClr val="accent1"/>
-          </a:effectRef>
-          <a:fontRef idx="minor">
-            <a:schemeClr val="tx1"/>
-          </a:fontRef>
-        </p:style>
-      </p:cxnSp>
-      <p:cxnSp>
-        <p:nvCxnSpPr>
-          <p:cNvPr id="24" name="Straight Connector 23">
-            <a:extLst>
-              <a:ext uri="{FF2B5EF4-FFF2-40B4-BE49-F238E27FC236}">
-                <a16:creationId xmlns:a16="http://schemas.microsoft.com/office/drawing/2014/main" id="{DB2498C5-62CB-4A2A-AEBF-EBBD472AE2E4}"/>
-              </a:ext>
-            </a:extLst>
-          </p:cNvPr>
-          <p:cNvCxnSpPr>
-            <a:cxnSpLocks/>
-            <a:stCxn id="8" idx="2"/>
-            <a:endCxn id="11" idx="0"/>
-          </p:cNvCxnSpPr>
-          <p:nvPr/>
-        </p:nvCxnSpPr>
-        <p:spPr>
-          <a:xfrm>
-            <a:off x="7744475" y="1784614"/>
-            <a:ext cx="707029" cy="535073"/>
-          </a:xfrm>
-          <a:prstGeom prst="line">
-            <a:avLst/>
-          </a:prstGeom>
-        </p:spPr>
-        <p:style>
-          <a:lnRef idx="1">
-            <a:schemeClr val="accent1"/>
-          </a:lnRef>
-          <a:fillRef idx="0">
-            <a:schemeClr val="accent1"/>
-          </a:fillRef>
-          <a:effectRef idx="0">
-            <a:schemeClr val="accent1"/>
-          </a:effectRef>
-          <a:fontRef idx="minor">
-            <a:schemeClr val="tx1"/>
-          </a:fontRef>
-        </p:style>
-      </p:cxnSp>
-      <p:cxnSp>
-        <p:nvCxnSpPr>
-          <p:cNvPr id="25" name="Straight Connector 24">
-            <a:extLst>
-              <a:ext uri="{FF2B5EF4-FFF2-40B4-BE49-F238E27FC236}">
-                <a16:creationId xmlns:a16="http://schemas.microsoft.com/office/drawing/2014/main" id="{9CD52A09-BFA9-DC37-9685-E669FF1CD9B2}"/>
-              </a:ext>
-            </a:extLst>
-          </p:cNvPr>
-          <p:cNvCxnSpPr>
-            <a:cxnSpLocks/>
-            <a:stCxn id="8" idx="2"/>
-            <a:endCxn id="15" idx="0"/>
-          </p:cNvCxnSpPr>
-          <p:nvPr/>
-        </p:nvCxnSpPr>
-        <p:spPr>
-          <a:xfrm flipH="1">
-            <a:off x="6913852" y="1784614"/>
-            <a:ext cx="830623" cy="545537"/>
-          </a:xfrm>
-          <a:prstGeom prst="line">
-            <a:avLst/>
-          </a:prstGeom>
-        </p:spPr>
-        <p:style>
-          <a:lnRef idx="1">
-            <a:schemeClr val="accent1"/>
-          </a:lnRef>
-          <a:fillRef idx="0">
-            <a:schemeClr val="accent1"/>
-          </a:fillRef>
-          <a:effectRef idx="0">
-            <a:schemeClr val="accent1"/>
-          </a:effectRef>
-          <a:fontRef idx="minor">
-            <a:schemeClr val="tx1"/>
-          </a:fontRef>
-        </p:style>
-      </p:cxnSp>
-      <p:cxnSp>
-        <p:nvCxnSpPr>
-          <p:cNvPr id="26" name="Straight Connector 25">
-            <a:extLst>
-              <a:ext uri="{FF2B5EF4-FFF2-40B4-BE49-F238E27FC236}">
-                <a16:creationId xmlns:a16="http://schemas.microsoft.com/office/drawing/2014/main" id="{9A5CB983-8702-3DDB-B7E1-AA79003FCC56}"/>
-              </a:ext>
-            </a:extLst>
-          </p:cNvPr>
-          <p:cNvCxnSpPr>
-            <a:cxnSpLocks/>
-            <a:stCxn id="11" idx="2"/>
-            <a:endCxn id="17" idx="0"/>
-          </p:cNvCxnSpPr>
-          <p:nvPr/>
-        </p:nvCxnSpPr>
-        <p:spPr>
-          <a:xfrm flipH="1">
-            <a:off x="7877828" y="2689019"/>
-            <a:ext cx="573676" cy="607524"/>
-          </a:xfrm>
-          <a:prstGeom prst="line">
-            <a:avLst/>
-          </a:prstGeom>
-        </p:spPr>
-        <p:style>
-          <a:lnRef idx="1">
-            <a:schemeClr val="accent1"/>
-          </a:lnRef>
-          <a:fillRef idx="0">
-            <a:schemeClr val="accent1"/>
-          </a:fillRef>
-          <a:effectRef idx="0">
-            <a:schemeClr val="accent1"/>
-          </a:effectRef>
-          <a:fontRef idx="minor">
-            <a:schemeClr val="tx1"/>
-          </a:fontRef>
-        </p:style>
-      </p:cxnSp>
-      <p:cxnSp>
-        <p:nvCxnSpPr>
-          <p:cNvPr id="27" name="Straight Connector 26">
-            <a:extLst>
-              <a:ext uri="{FF2B5EF4-FFF2-40B4-BE49-F238E27FC236}">
-                <a16:creationId xmlns:a16="http://schemas.microsoft.com/office/drawing/2014/main" id="{75F355B9-B461-61D5-DDF8-4E561CD949D1}"/>
-              </a:ext>
-            </a:extLst>
-          </p:cNvPr>
-          <p:cNvCxnSpPr>
-            <a:cxnSpLocks/>
-            <a:stCxn id="11" idx="2"/>
-            <a:endCxn id="18" idx="0"/>
-          </p:cNvCxnSpPr>
-          <p:nvPr/>
-        </p:nvCxnSpPr>
-        <p:spPr>
-          <a:xfrm>
-            <a:off x="8451504" y="2689019"/>
-            <a:ext cx="565066" cy="607524"/>
-          </a:xfrm>
-          <a:prstGeom prst="line">
-            <a:avLst/>
-          </a:prstGeom>
-        </p:spPr>
-        <p:style>
-          <a:lnRef idx="1">
-            <a:schemeClr val="accent1"/>
-          </a:lnRef>
-          <a:fillRef idx="0">
-            <a:schemeClr val="accent1"/>
-          </a:fillRef>
-          <a:effectRef idx="0">
-            <a:schemeClr val="accent1"/>
-          </a:effectRef>
-          <a:fontRef idx="minor">
-            <a:schemeClr val="tx1"/>
-          </a:fontRef>
-        </p:style>
-      </p:cxnSp>
-      <p:sp>
-        <p:nvSpPr>
-          <p:cNvPr id="30" name="TextBox 29">
-            <a:extLst>
-              <a:ext uri="{FF2B5EF4-FFF2-40B4-BE49-F238E27FC236}">
-                <a16:creationId xmlns:a16="http://schemas.microsoft.com/office/drawing/2014/main" id="{D7D8CACE-543F-DF5A-5F5E-869748208DAE}"/>
+        <p:txBody>
+          <a:bodyPr rtlCol="0" anchor="ctr"/>
+          <a:lstStyle/>
+          <a:p>
+            <a:pPr algn="ctr"/>
+            <a:endParaRPr lang="en-US"/>
+          </a:p>
+        </p:txBody>
+      </p:sp>
+      <p:sp>
+        <p:nvSpPr>
+          <p:cNvPr id="7" name="TextBox 6">
+            <a:extLst>
+              <a:ext uri="{FF2B5EF4-FFF2-40B4-BE49-F238E27FC236}">
+                <a16:creationId xmlns:a16="http://schemas.microsoft.com/office/drawing/2014/main" id="{DD8246C1-8B06-7EAD-82CE-BE693EA7192F}"/>
               </a:ext>
             </a:extLst>
           </p:cNvPr>
@@ -9583,8 +10441,8 @@
         </p:nvSpPr>
         <p:spPr>
           <a:xfrm>
-            <a:off x="8777555" y="3490290"/>
-            <a:ext cx="1304144" cy="769441"/>
+            <a:off x="663894" y="4077357"/>
+            <a:ext cx="5561532" cy="369332"/>
           </a:xfrm>
           <a:prstGeom prst="rect">
             <a:avLst/>
@@ -9598,47 +10456,8 @@
           <a:lstStyle/>
           <a:p>
             <a:r>
-              <a:rPr lang="en-US" sz="4400" dirty="0"/>
-              <a:t>…</a:t>
-            </a:r>
-          </a:p>
-        </p:txBody>
-      </p:sp>
-      <p:sp>
-        <p:nvSpPr>
-          <p:cNvPr id="31" name="TextBox 30">
-            <a:extLst>
-              <a:ext uri="{FF2B5EF4-FFF2-40B4-BE49-F238E27FC236}">
-                <a16:creationId xmlns:a16="http://schemas.microsoft.com/office/drawing/2014/main" id="{C256FD40-01BA-FDC0-C12D-ED76E1976A7B}"/>
-              </a:ext>
-            </a:extLst>
-          </p:cNvPr>
-          <p:cNvSpPr txBox="1"/>
-          <p:nvPr/>
-        </p:nvSpPr>
-        <p:spPr>
-          <a:xfrm>
-            <a:off x="5536151" y="6198854"/>
-            <a:ext cx="6655849" cy="461665"/>
-          </a:xfrm>
-          <a:prstGeom prst="rect">
-            <a:avLst/>
-          </a:prstGeom>
-          <a:noFill/>
-        </p:spPr>
-        <p:txBody>
-          <a:bodyPr wrap="square" rtlCol="0">
-            <a:spAutoFit/>
-          </a:bodyPr>
-          <a:lstStyle/>
-          <a:p>
-            <a:r>
-              <a:rPr lang="en-US" sz="2400" dirty="0">
-                <a:solidFill>
-                  <a:srgbClr val="FF0000"/>
-                </a:solidFill>
-              </a:rPr>
-              <a:t>Expect it to take a while to get this worked out!</a:t>
+              <a:rPr lang="en-US" dirty="0"/>
+              <a:t>What are the valid next positions of 0,0 in this maze?</a:t>
             </a:r>
           </a:p>
         </p:txBody>
@@ -9646,7 +10465,7 @@
     </p:spTree>
     <p:extLst>
       <p:ext uri="{BB962C8B-B14F-4D97-AF65-F5344CB8AC3E}">
-        <p14:creationId xmlns:p14="http://schemas.microsoft.com/office/powerpoint/2010/main" val="4000325289"/>
+        <p14:creationId xmlns:p14="http://schemas.microsoft.com/office/powerpoint/2010/main" val="1211968327"/>
       </p:ext>
     </p:extLst>
   </p:cSld>

--- a/instructor/l16/l16-pad.pptx
+++ b/instructor/l16/l16-pad.pptx
@@ -275,7 +275,7 @@
           <a:p>
             <a:fld id="{6901D574-2425-0C44-8C0A-ED186250828B}" type="datetimeFigureOut">
               <a:rPr lang="en-US" smtClean="0"/>
-              <a:t>11/7/23</a:t>
+              <a:t>10/31/24</a:t>
             </a:fld>
             <a:endParaRPr lang="en-US"/>
           </a:p>
@@ -473,7 +473,7 @@
           <a:p>
             <a:fld id="{6901D574-2425-0C44-8C0A-ED186250828B}" type="datetimeFigureOut">
               <a:rPr lang="en-US" smtClean="0"/>
-              <a:t>11/7/23</a:t>
+              <a:t>10/31/24</a:t>
             </a:fld>
             <a:endParaRPr lang="en-US"/>
           </a:p>
@@ -681,7 +681,7 @@
           <a:p>
             <a:fld id="{6901D574-2425-0C44-8C0A-ED186250828B}" type="datetimeFigureOut">
               <a:rPr lang="en-US" smtClean="0"/>
-              <a:t>11/7/23</a:t>
+              <a:t>10/31/24</a:t>
             </a:fld>
             <a:endParaRPr lang="en-US"/>
           </a:p>
@@ -879,7 +879,7 @@
           <a:p>
             <a:fld id="{6901D574-2425-0C44-8C0A-ED186250828B}" type="datetimeFigureOut">
               <a:rPr lang="en-US" smtClean="0"/>
-              <a:t>11/7/23</a:t>
+              <a:t>10/31/24</a:t>
             </a:fld>
             <a:endParaRPr lang="en-US"/>
           </a:p>
@@ -1154,7 +1154,7 @@
           <a:p>
             <a:fld id="{6901D574-2425-0C44-8C0A-ED186250828B}" type="datetimeFigureOut">
               <a:rPr lang="en-US" smtClean="0"/>
-              <a:t>11/7/23</a:t>
+              <a:t>10/31/24</a:t>
             </a:fld>
             <a:endParaRPr lang="en-US"/>
           </a:p>
@@ -1419,7 +1419,7 @@
           <a:p>
             <a:fld id="{6901D574-2425-0C44-8C0A-ED186250828B}" type="datetimeFigureOut">
               <a:rPr lang="en-US" smtClean="0"/>
-              <a:t>11/7/23</a:t>
+              <a:t>10/31/24</a:t>
             </a:fld>
             <a:endParaRPr lang="en-US"/>
           </a:p>
@@ -1831,7 +1831,7 @@
           <a:p>
             <a:fld id="{6901D574-2425-0C44-8C0A-ED186250828B}" type="datetimeFigureOut">
               <a:rPr lang="en-US" smtClean="0"/>
-              <a:t>11/7/23</a:t>
+              <a:t>10/31/24</a:t>
             </a:fld>
             <a:endParaRPr lang="en-US"/>
           </a:p>
@@ -1972,7 +1972,7 @@
           <a:p>
             <a:fld id="{6901D574-2425-0C44-8C0A-ED186250828B}" type="datetimeFigureOut">
               <a:rPr lang="en-US" smtClean="0"/>
-              <a:t>11/7/23</a:t>
+              <a:t>10/31/24</a:t>
             </a:fld>
             <a:endParaRPr lang="en-US"/>
           </a:p>
@@ -2085,7 +2085,7 @@
           <a:p>
             <a:fld id="{6901D574-2425-0C44-8C0A-ED186250828B}" type="datetimeFigureOut">
               <a:rPr lang="en-US" smtClean="0"/>
-              <a:t>11/7/23</a:t>
+              <a:t>10/31/24</a:t>
             </a:fld>
             <a:endParaRPr lang="en-US"/>
           </a:p>
@@ -2396,7 +2396,7 @@
           <a:p>
             <a:fld id="{6901D574-2425-0C44-8C0A-ED186250828B}" type="datetimeFigureOut">
               <a:rPr lang="en-US" smtClean="0"/>
-              <a:t>11/7/23</a:t>
+              <a:t>10/31/24</a:t>
             </a:fld>
             <a:endParaRPr lang="en-US"/>
           </a:p>
@@ -2684,7 +2684,7 @@
           <a:p>
             <a:fld id="{6901D574-2425-0C44-8C0A-ED186250828B}" type="datetimeFigureOut">
               <a:rPr lang="en-US" smtClean="0"/>
-              <a:t>11/7/23</a:t>
+              <a:t>10/31/24</a:t>
             </a:fld>
             <a:endParaRPr lang="en-US"/>
           </a:p>
@@ -2925,7 +2925,7 @@
           <a:p>
             <a:fld id="{6901D574-2425-0C44-8C0A-ED186250828B}" type="datetimeFigureOut">
               <a:rPr lang="en-US" smtClean="0"/>
-              <a:t>11/7/23</a:t>
+              <a:t>10/31/24</a:t>
             </a:fld>
             <a:endParaRPr lang="en-US"/>
           </a:p>
